--- a/Modulo 2_Occupacion2023.pptx
+++ b/Modulo 2_Occupacion2023.pptx
@@ -2,9 +2,9 @@
 <file path=ppt/presentation.xml><?xml version="1.0" encoding="utf-8"?>
 <p:presentation xmlns:a="http://schemas.openxmlformats.org/drawingml/2006/main" xmlns:r="http://schemas.openxmlformats.org/officeDocument/2006/relationships" xmlns:p="http://schemas.openxmlformats.org/presentationml/2006/main" saveSubsetFonts="1">
   <p:sldMasterIdLst>
-    <p:sldMasterId id="2147484428" r:id="rId1"/>
-    <p:sldMasterId id="2147484440" r:id="rId2"/>
-    <p:sldMasterId id="2147484452" r:id="rId3"/>
+    <p:sldMasterId id="2147484440" r:id="rId1"/>
+    <p:sldMasterId id="2147484452" r:id="rId2"/>
+    <p:sldMasterId id="2147484500" r:id="rId3"/>
   </p:sldMasterIdLst>
   <p:notesMasterIdLst>
     <p:notesMasterId r:id="rId33"/>
@@ -6989,8 +6989,8 @@
 </file>
 
 <file path=ppt/slideLayouts/slideLayout23.xml><?xml version="1.0" encoding="utf-8"?>
-<p:sldLayout xmlns:a="http://schemas.openxmlformats.org/drawingml/2006/main" xmlns:r="http://schemas.openxmlformats.org/officeDocument/2006/relationships" xmlns:p="http://schemas.openxmlformats.org/presentationml/2006/main" type="title" preserve="1">
-  <p:cSld name="Title Slide">
+<p:sldLayout xmlns:a="http://schemas.openxmlformats.org/drawingml/2006/main" xmlns:r="http://schemas.openxmlformats.org/officeDocument/2006/relationships" xmlns:p="http://schemas.openxmlformats.org/presentationml/2006/main" showMasterSp="0" type="title" preserve="1">
+  <p:cSld name="Diapositiva de título">
     <p:spTree>
       <p:nvGrpSpPr>
         <p:cNvPr id="1" name=""/>
@@ -7007,6 +7007,82 @@
       </p:grpSpPr>
       <p:sp>
         <p:nvSpPr>
+          <p:cNvPr id="7" name="Rectangle 6"/>
+          <p:cNvSpPr/>
+          <p:nvPr/>
+        </p:nvSpPr>
+        <p:spPr>
+          <a:xfrm>
+            <a:off x="2382" y="6400800"/>
+            <a:ext cx="9141619" cy="457200"/>
+          </a:xfrm>
+          <a:prstGeom prst="rect">
+            <a:avLst/>
+          </a:prstGeom>
+          <a:solidFill>
+            <a:schemeClr val="accent2"/>
+          </a:solidFill>
+          <a:ln>
+            <a:noFill/>
+          </a:ln>
+        </p:spPr>
+        <p:style>
+          <a:lnRef idx="2">
+            <a:schemeClr val="accent1">
+              <a:shade val="50000"/>
+            </a:schemeClr>
+          </a:lnRef>
+          <a:fillRef idx="1">
+            <a:schemeClr val="accent1"/>
+          </a:fillRef>
+          <a:effectRef idx="0">
+            <a:schemeClr val="accent1"/>
+          </a:effectRef>
+          <a:fontRef idx="minor">
+            <a:schemeClr val="lt1"/>
+          </a:fontRef>
+        </p:style>
+      </p:sp>
+      <p:sp>
+        <p:nvSpPr>
+          <p:cNvPr id="8" name="Rectangle 7"/>
+          <p:cNvSpPr/>
+          <p:nvPr/>
+        </p:nvSpPr>
+        <p:spPr>
+          <a:xfrm>
+            <a:off x="12" y="6334316"/>
+            <a:ext cx="9141619" cy="64008"/>
+          </a:xfrm>
+          <a:prstGeom prst="rect">
+            <a:avLst/>
+          </a:prstGeom>
+          <a:solidFill>
+            <a:schemeClr val="accent1"/>
+          </a:solidFill>
+          <a:ln>
+            <a:noFill/>
+          </a:ln>
+        </p:spPr>
+        <p:style>
+          <a:lnRef idx="2">
+            <a:schemeClr val="accent1">
+              <a:shade val="50000"/>
+            </a:schemeClr>
+          </a:lnRef>
+          <a:fillRef idx="1">
+            <a:schemeClr val="accent1"/>
+          </a:fillRef>
+          <a:effectRef idx="0">
+            <a:schemeClr val="accent1"/>
+          </a:effectRef>
+          <a:fontRef idx="minor">
+            <a:schemeClr val="lt1"/>
+          </a:fontRef>
+        </p:style>
+      </p:sp>
+      <p:sp>
+        <p:nvSpPr>
           <p:cNvPr id="2" name="Title 1"/>
           <p:cNvSpPr>
             <a:spLocks noGrp="1"/>
@@ -7017,19 +7093,35 @@
         </p:nvSpPr>
         <p:spPr>
           <a:xfrm>
-            <a:off x="685800" y="2130425"/>
-            <a:ext cx="7772400" cy="1470025"/>
+            <a:off x="822960" y="758952"/>
+            <a:ext cx="7543800" cy="3566160"/>
           </a:xfrm>
         </p:spPr>
         <p:txBody>
-          <a:bodyPr/>
-          <a:lstStyle/>
-          <a:p>
-            <a:r>
-              <a:rPr lang="en-US" smtClean="0"/>
-              <a:t>Click to edit Master title style</a:t>
-            </a:r>
-            <a:endParaRPr lang="es-ES"/>
+          <a:bodyPr anchor="b">
+            <a:normAutofit/>
+          </a:bodyPr>
+          <a:lstStyle>
+            <a:lvl1pPr algn="l">
+              <a:lnSpc>
+                <a:spcPct val="85000"/>
+              </a:lnSpc>
+              <a:defRPr sz="8000" spc="-50" baseline="0">
+                <a:solidFill>
+                  <a:schemeClr val="tx1">
+                    <a:lumMod val="85000"/>
+                    <a:lumOff val="15000"/>
+                  </a:schemeClr>
+                </a:solidFill>
+              </a:defRPr>
+            </a:lvl1pPr>
+          </a:lstStyle>
+          <a:p>
+            <a:r>
+              <a:rPr lang="es-ES" smtClean="0"/>
+              <a:t>Haga clic para modificar el estilo de título del patrón</a:t>
+            </a:r>
+            <a:endParaRPr lang="en-US" dirty="0"/>
           </a:p>
         </p:txBody>
       </p:sp>
@@ -7045,110 +7137,63 @@
         </p:nvSpPr>
         <p:spPr>
           <a:xfrm>
-            <a:off x="1371600" y="3886200"/>
-            <a:ext cx="6400800" cy="1752600"/>
+            <a:off x="825038" y="4455621"/>
+            <a:ext cx="7543800" cy="1143000"/>
           </a:xfrm>
         </p:spPr>
         <p:txBody>
-          <a:bodyPr/>
+          <a:bodyPr lIns="91440" rIns="91440">
+            <a:normAutofit/>
+          </a:bodyPr>
           <a:lstStyle>
-            <a:lvl1pPr marL="0" indent="0" algn="ctr">
+            <a:lvl1pPr marL="0" indent="0" algn="l">
               <a:buNone/>
-              <a:defRPr>
-                <a:solidFill>
-                  <a:schemeClr val="tx1">
-                    <a:tint val="75000"/>
-                  </a:schemeClr>
-                </a:solidFill>
+              <a:defRPr sz="2400" cap="all" spc="200" baseline="0">
+                <a:solidFill>
+                  <a:schemeClr val="tx2"/>
+                </a:solidFill>
+                <a:latin typeface="+mj-lt"/>
               </a:defRPr>
             </a:lvl1pPr>
             <a:lvl2pPr marL="457200" indent="0" algn="ctr">
               <a:buNone/>
-              <a:defRPr>
-                <a:solidFill>
-                  <a:schemeClr val="tx1">
-                    <a:tint val="75000"/>
-                  </a:schemeClr>
-                </a:solidFill>
-              </a:defRPr>
+              <a:defRPr sz="2400"/>
             </a:lvl2pPr>
             <a:lvl3pPr marL="914400" indent="0" algn="ctr">
               <a:buNone/>
-              <a:defRPr>
-                <a:solidFill>
-                  <a:schemeClr val="tx1">
-                    <a:tint val="75000"/>
-                  </a:schemeClr>
-                </a:solidFill>
-              </a:defRPr>
+              <a:defRPr sz="2400"/>
             </a:lvl3pPr>
             <a:lvl4pPr marL="1371600" indent="0" algn="ctr">
               <a:buNone/>
-              <a:defRPr>
-                <a:solidFill>
-                  <a:schemeClr val="tx1">
-                    <a:tint val="75000"/>
-                  </a:schemeClr>
-                </a:solidFill>
-              </a:defRPr>
+              <a:defRPr sz="2000"/>
             </a:lvl4pPr>
             <a:lvl5pPr marL="1828800" indent="0" algn="ctr">
               <a:buNone/>
-              <a:defRPr>
-                <a:solidFill>
-                  <a:schemeClr val="tx1">
-                    <a:tint val="75000"/>
-                  </a:schemeClr>
-                </a:solidFill>
-              </a:defRPr>
+              <a:defRPr sz="2000"/>
             </a:lvl5pPr>
             <a:lvl6pPr marL="2286000" indent="0" algn="ctr">
               <a:buNone/>
-              <a:defRPr>
-                <a:solidFill>
-                  <a:schemeClr val="tx1">
-                    <a:tint val="75000"/>
-                  </a:schemeClr>
-                </a:solidFill>
-              </a:defRPr>
+              <a:defRPr sz="2000"/>
             </a:lvl6pPr>
             <a:lvl7pPr marL="2743200" indent="0" algn="ctr">
               <a:buNone/>
-              <a:defRPr>
-                <a:solidFill>
-                  <a:schemeClr val="tx1">
-                    <a:tint val="75000"/>
-                  </a:schemeClr>
-                </a:solidFill>
-              </a:defRPr>
+              <a:defRPr sz="2000"/>
             </a:lvl7pPr>
             <a:lvl8pPr marL="3200400" indent="0" algn="ctr">
               <a:buNone/>
-              <a:defRPr>
-                <a:solidFill>
-                  <a:schemeClr val="tx1">
-                    <a:tint val="75000"/>
-                  </a:schemeClr>
-                </a:solidFill>
-              </a:defRPr>
+              <a:defRPr sz="2000"/>
             </a:lvl8pPr>
             <a:lvl9pPr marL="3657600" indent="0" algn="ctr">
               <a:buNone/>
-              <a:defRPr>
-                <a:solidFill>
-                  <a:schemeClr val="tx1">
-                    <a:tint val="75000"/>
-                  </a:schemeClr>
-                </a:solidFill>
-              </a:defRPr>
+              <a:defRPr sz="2000"/>
             </a:lvl9pPr>
           </a:lstStyle>
           <a:p>
             <a:r>
-              <a:rPr lang="en-US" smtClean="0"/>
-              <a:t>Click to edit Master subtitle style</a:t>
-            </a:r>
-            <a:endParaRPr lang="es-ES"/>
+              <a:rPr lang="es-ES" smtClean="0"/>
+              <a:t>Haga clic para editar el estilo de subtítulo del patrón</a:t>
+            </a:r>
+            <a:endParaRPr lang="en-US" dirty="0"/>
           </a:p>
         </p:txBody>
       </p:sp>
@@ -7227,10 +7272,48 @@
           </a:p>
         </p:txBody>
       </p:sp>
+      <p:cxnSp>
+        <p:nvCxnSpPr>
+          <p:cNvPr id="9" name="Straight Connector 8"/>
+          <p:cNvCxnSpPr/>
+          <p:nvPr/>
+        </p:nvCxnSpPr>
+        <p:spPr>
+          <a:xfrm>
+            <a:off x="905744" y="4343400"/>
+            <a:ext cx="7406640" cy="0"/>
+          </a:xfrm>
+          <a:prstGeom prst="line">
+            <a:avLst/>
+          </a:prstGeom>
+          <a:ln w="6350">
+            <a:solidFill>
+              <a:schemeClr val="tx1">
+                <a:lumMod val="50000"/>
+                <a:lumOff val="50000"/>
+              </a:schemeClr>
+            </a:solidFill>
+          </a:ln>
+        </p:spPr>
+        <p:style>
+          <a:lnRef idx="1">
+            <a:schemeClr val="accent1"/>
+          </a:lnRef>
+          <a:fillRef idx="0">
+            <a:schemeClr val="accent1"/>
+          </a:fillRef>
+          <a:effectRef idx="0">
+            <a:schemeClr val="accent1"/>
+          </a:effectRef>
+          <a:fontRef idx="minor">
+            <a:schemeClr val="tx1"/>
+          </a:fontRef>
+        </p:style>
+      </p:cxnSp>
     </p:spTree>
     <p:extLst>
       <p:ext uri="{BB962C8B-B14F-4D97-AF65-F5344CB8AC3E}">
-        <p14:creationId xmlns:p14="http://schemas.microsoft.com/office/powerpoint/2010/main" val="3830031916"/>
+        <p14:creationId xmlns:p14="http://schemas.microsoft.com/office/powerpoint/2010/main" val="798377595"/>
       </p:ext>
     </p:extLst>
   </p:cSld>
@@ -7242,7 +7325,7 @@
 
 <file path=ppt/slideLayouts/slideLayout24.xml><?xml version="1.0" encoding="utf-8"?>
 <p:sldLayout xmlns:a="http://schemas.openxmlformats.org/drawingml/2006/main" xmlns:r="http://schemas.openxmlformats.org/officeDocument/2006/relationships" xmlns:p="http://schemas.openxmlformats.org/presentationml/2006/main" type="obj" preserve="1">
-  <p:cSld name="Title and Content">
+  <p:cSld name="Título y objetos">
     <p:spTree>
       <p:nvGrpSpPr>
         <p:cNvPr id="1" name=""/>
@@ -7273,10 +7356,10 @@
           <a:lstStyle/>
           <a:p>
             <a:r>
-              <a:rPr lang="en-US" smtClean="0"/>
-              <a:t>Click to edit Master title style</a:t>
-            </a:r>
-            <a:endParaRPr lang="es-ES"/>
+              <a:rPr lang="es-ES" smtClean="0"/>
+              <a:t>Haga clic para modificar el estilo de título del patrón</a:t>
+            </a:r>
+            <a:endParaRPr lang="en-US" dirty="0"/>
           </a:p>
         </p:txBody>
       </p:sp>
@@ -7297,38 +7380,38 @@
           <a:p>
             <a:pPr lvl="0"/>
             <a:r>
-              <a:rPr lang="en-US" smtClean="0"/>
-              <a:t>Click to edit Master text styles</a:t>
+              <a:rPr lang="es-ES" smtClean="0"/>
+              <a:t>Editar el estilo de texto del patrón</a:t>
             </a:r>
           </a:p>
           <a:p>
             <a:pPr lvl="1"/>
             <a:r>
-              <a:rPr lang="en-US" smtClean="0"/>
-              <a:t>Second level</a:t>
+              <a:rPr lang="es-ES" smtClean="0"/>
+              <a:t>Segundo nivel</a:t>
             </a:r>
           </a:p>
           <a:p>
             <a:pPr lvl="2"/>
             <a:r>
-              <a:rPr lang="en-US" smtClean="0"/>
-              <a:t>Third level</a:t>
+              <a:rPr lang="es-ES" smtClean="0"/>
+              <a:t>Tercer nivel</a:t>
             </a:r>
           </a:p>
           <a:p>
             <a:pPr lvl="3"/>
             <a:r>
-              <a:rPr lang="en-US" smtClean="0"/>
-              <a:t>Fourth level</a:t>
+              <a:rPr lang="es-ES" smtClean="0"/>
+              <a:t>Cuarto nivel</a:t>
             </a:r>
           </a:p>
           <a:p>
             <a:pPr lvl="4"/>
             <a:r>
-              <a:rPr lang="en-US" smtClean="0"/>
-              <a:t>Fifth level</a:t>
-            </a:r>
-            <a:endParaRPr lang="es-ES"/>
+              <a:rPr lang="es-ES" smtClean="0"/>
+              <a:t>Quinto nivel</a:t>
+            </a:r>
+            <a:endParaRPr lang="en-US" dirty="0"/>
           </a:p>
         </p:txBody>
       </p:sp>
@@ -7410,7 +7493,7 @@
     </p:spTree>
     <p:extLst>
       <p:ext uri="{BB962C8B-B14F-4D97-AF65-F5344CB8AC3E}">
-        <p14:creationId xmlns:p14="http://schemas.microsoft.com/office/powerpoint/2010/main" val="4193731914"/>
+        <p14:creationId xmlns:p14="http://schemas.microsoft.com/office/powerpoint/2010/main" val="4137034390"/>
       </p:ext>
     </p:extLst>
   </p:cSld>
@@ -7421,6 +7504,1350 @@
 </file>
 
 <file path=ppt/slideLayouts/slideLayout25.xml><?xml version="1.0" encoding="utf-8"?>
+<p:sldLayout xmlns:a="http://schemas.openxmlformats.org/drawingml/2006/main" xmlns:r="http://schemas.openxmlformats.org/officeDocument/2006/relationships" xmlns:p="http://schemas.openxmlformats.org/presentationml/2006/main" showMasterSp="0" type="secHead" preserve="1">
+  <p:cSld name="Encabezado de sección">
+    <p:bg>
+      <p:bgPr>
+        <a:solidFill>
+          <a:schemeClr val="bg1"/>
+        </a:solidFill>
+        <a:effectLst/>
+      </p:bgPr>
+    </p:bg>
+    <p:spTree>
+      <p:nvGrpSpPr>
+        <p:cNvPr id="1" name=""/>
+        <p:cNvGrpSpPr/>
+        <p:nvPr/>
+      </p:nvGrpSpPr>
+      <p:grpSpPr>
+        <a:xfrm>
+          <a:off x="0" y="0"/>
+          <a:ext cx="0" cy="0"/>
+          <a:chOff x="0" y="0"/>
+          <a:chExt cx="0" cy="0"/>
+        </a:xfrm>
+      </p:grpSpPr>
+      <p:sp>
+        <p:nvSpPr>
+          <p:cNvPr id="7" name="Rectangle 6"/>
+          <p:cNvSpPr/>
+          <p:nvPr/>
+        </p:nvSpPr>
+        <p:spPr>
+          <a:xfrm>
+            <a:off x="2382" y="6400800"/>
+            <a:ext cx="9141619" cy="457200"/>
+          </a:xfrm>
+          <a:prstGeom prst="rect">
+            <a:avLst/>
+          </a:prstGeom>
+          <a:solidFill>
+            <a:schemeClr val="accent2"/>
+          </a:solidFill>
+          <a:ln>
+            <a:noFill/>
+          </a:ln>
+        </p:spPr>
+        <p:style>
+          <a:lnRef idx="2">
+            <a:schemeClr val="accent1">
+              <a:shade val="50000"/>
+            </a:schemeClr>
+          </a:lnRef>
+          <a:fillRef idx="1">
+            <a:schemeClr val="accent1"/>
+          </a:fillRef>
+          <a:effectRef idx="0">
+            <a:schemeClr val="accent1"/>
+          </a:effectRef>
+          <a:fontRef idx="minor">
+            <a:schemeClr val="lt1"/>
+          </a:fontRef>
+        </p:style>
+      </p:sp>
+      <p:sp>
+        <p:nvSpPr>
+          <p:cNvPr id="8" name="Rectangle 7"/>
+          <p:cNvSpPr/>
+          <p:nvPr/>
+        </p:nvSpPr>
+        <p:spPr>
+          <a:xfrm>
+            <a:off x="12" y="6334316"/>
+            <a:ext cx="9141619" cy="64008"/>
+          </a:xfrm>
+          <a:prstGeom prst="rect">
+            <a:avLst/>
+          </a:prstGeom>
+          <a:solidFill>
+            <a:schemeClr val="accent1"/>
+          </a:solidFill>
+          <a:ln>
+            <a:noFill/>
+          </a:ln>
+        </p:spPr>
+        <p:style>
+          <a:lnRef idx="2">
+            <a:schemeClr val="accent1">
+              <a:shade val="50000"/>
+            </a:schemeClr>
+          </a:lnRef>
+          <a:fillRef idx="1">
+            <a:schemeClr val="accent1"/>
+          </a:fillRef>
+          <a:effectRef idx="0">
+            <a:schemeClr val="accent1"/>
+          </a:effectRef>
+          <a:fontRef idx="minor">
+            <a:schemeClr val="lt1"/>
+          </a:fontRef>
+        </p:style>
+      </p:sp>
+      <p:sp>
+        <p:nvSpPr>
+          <p:cNvPr id="2" name="Title 1"/>
+          <p:cNvSpPr>
+            <a:spLocks noGrp="1"/>
+          </p:cNvSpPr>
+          <p:nvPr>
+            <p:ph type="title"/>
+          </p:nvPr>
+        </p:nvSpPr>
+        <p:spPr>
+          <a:xfrm>
+            <a:off x="822960" y="758952"/>
+            <a:ext cx="7543800" cy="3566160"/>
+          </a:xfrm>
+        </p:spPr>
+        <p:txBody>
+          <a:bodyPr anchor="b" anchorCtr="0">
+            <a:normAutofit/>
+          </a:bodyPr>
+          <a:lstStyle>
+            <a:lvl1pPr>
+              <a:lnSpc>
+                <a:spcPct val="85000"/>
+              </a:lnSpc>
+              <a:defRPr sz="8000" b="0">
+                <a:solidFill>
+                  <a:schemeClr val="tx1">
+                    <a:lumMod val="85000"/>
+                    <a:lumOff val="15000"/>
+                  </a:schemeClr>
+                </a:solidFill>
+              </a:defRPr>
+            </a:lvl1pPr>
+          </a:lstStyle>
+          <a:p>
+            <a:r>
+              <a:rPr lang="es-ES" smtClean="0"/>
+              <a:t>Haga clic para modificar el estilo de título del patrón</a:t>
+            </a:r>
+            <a:endParaRPr lang="en-US" dirty="0"/>
+          </a:p>
+        </p:txBody>
+      </p:sp>
+      <p:sp>
+        <p:nvSpPr>
+          <p:cNvPr id="3" name="Text Placeholder 2"/>
+          <p:cNvSpPr>
+            <a:spLocks noGrp="1"/>
+          </p:cNvSpPr>
+          <p:nvPr>
+            <p:ph type="body" idx="1"/>
+          </p:nvPr>
+        </p:nvSpPr>
+        <p:spPr>
+          <a:xfrm>
+            <a:off x="822960" y="4453128"/>
+            <a:ext cx="7543800" cy="1143000"/>
+          </a:xfrm>
+        </p:spPr>
+        <p:txBody>
+          <a:bodyPr lIns="91440" rIns="91440" anchor="t" anchorCtr="0">
+            <a:normAutofit/>
+          </a:bodyPr>
+          <a:lstStyle>
+            <a:lvl1pPr marL="0" indent="0">
+              <a:buNone/>
+              <a:defRPr sz="2400" cap="all" spc="200" baseline="0">
+                <a:solidFill>
+                  <a:schemeClr val="tx2"/>
+                </a:solidFill>
+                <a:latin typeface="+mj-lt"/>
+              </a:defRPr>
+            </a:lvl1pPr>
+            <a:lvl2pPr marL="457200" indent="0">
+              <a:buNone/>
+              <a:defRPr sz="1800">
+                <a:solidFill>
+                  <a:schemeClr val="tx1">
+                    <a:tint val="75000"/>
+                  </a:schemeClr>
+                </a:solidFill>
+              </a:defRPr>
+            </a:lvl2pPr>
+            <a:lvl3pPr marL="914400" indent="0">
+              <a:buNone/>
+              <a:defRPr sz="1600">
+                <a:solidFill>
+                  <a:schemeClr val="tx1">
+                    <a:tint val="75000"/>
+                  </a:schemeClr>
+                </a:solidFill>
+              </a:defRPr>
+            </a:lvl3pPr>
+            <a:lvl4pPr marL="1371600" indent="0">
+              <a:buNone/>
+              <a:defRPr sz="1400">
+                <a:solidFill>
+                  <a:schemeClr val="tx1">
+                    <a:tint val="75000"/>
+                  </a:schemeClr>
+                </a:solidFill>
+              </a:defRPr>
+            </a:lvl4pPr>
+            <a:lvl5pPr marL="1828800" indent="0">
+              <a:buNone/>
+              <a:defRPr sz="1400">
+                <a:solidFill>
+                  <a:schemeClr val="tx1">
+                    <a:tint val="75000"/>
+                  </a:schemeClr>
+                </a:solidFill>
+              </a:defRPr>
+            </a:lvl5pPr>
+            <a:lvl6pPr marL="2286000" indent="0">
+              <a:buNone/>
+              <a:defRPr sz="1400">
+                <a:solidFill>
+                  <a:schemeClr val="tx1">
+                    <a:tint val="75000"/>
+                  </a:schemeClr>
+                </a:solidFill>
+              </a:defRPr>
+            </a:lvl6pPr>
+            <a:lvl7pPr marL="2743200" indent="0">
+              <a:buNone/>
+              <a:defRPr sz="1400">
+                <a:solidFill>
+                  <a:schemeClr val="tx1">
+                    <a:tint val="75000"/>
+                  </a:schemeClr>
+                </a:solidFill>
+              </a:defRPr>
+            </a:lvl7pPr>
+            <a:lvl8pPr marL="3200400" indent="0">
+              <a:buNone/>
+              <a:defRPr sz="1400">
+                <a:solidFill>
+                  <a:schemeClr val="tx1">
+                    <a:tint val="75000"/>
+                  </a:schemeClr>
+                </a:solidFill>
+              </a:defRPr>
+            </a:lvl8pPr>
+            <a:lvl9pPr marL="3657600" indent="0">
+              <a:buNone/>
+              <a:defRPr sz="1400">
+                <a:solidFill>
+                  <a:schemeClr val="tx1">
+                    <a:tint val="75000"/>
+                  </a:schemeClr>
+                </a:solidFill>
+              </a:defRPr>
+            </a:lvl9pPr>
+          </a:lstStyle>
+          <a:p>
+            <a:pPr lvl="0"/>
+            <a:r>
+              <a:rPr lang="es-ES" smtClean="0"/>
+              <a:t>Editar el estilo de texto del patrón</a:t>
+            </a:r>
+          </a:p>
+        </p:txBody>
+      </p:sp>
+      <p:sp>
+        <p:nvSpPr>
+          <p:cNvPr id="4" name="Date Placeholder 3"/>
+          <p:cNvSpPr>
+            <a:spLocks noGrp="1"/>
+          </p:cNvSpPr>
+          <p:nvPr>
+            <p:ph type="dt" sz="half" idx="10"/>
+          </p:nvPr>
+        </p:nvSpPr>
+        <p:spPr/>
+        <p:txBody>
+          <a:bodyPr/>
+          <a:lstStyle/>
+          <a:p>
+            <a:pPr>
+              <a:defRPr/>
+            </a:pPr>
+            <a:fld id="{87DA26DE-D93C-4C69-8AB9-0DC9DF594737}" type="datetimeFigureOut">
+              <a:rPr lang="es-AR" smtClean="0"/>
+              <a:pPr>
+                <a:defRPr/>
+              </a:pPr>
+              <a:t>24/2/2023</a:t>
+            </a:fld>
+            <a:endParaRPr lang="es-AR"/>
+          </a:p>
+        </p:txBody>
+      </p:sp>
+      <p:sp>
+        <p:nvSpPr>
+          <p:cNvPr id="5" name="Footer Placeholder 4"/>
+          <p:cNvSpPr>
+            <a:spLocks noGrp="1"/>
+          </p:cNvSpPr>
+          <p:nvPr>
+            <p:ph type="ftr" sz="quarter" idx="11"/>
+          </p:nvPr>
+        </p:nvSpPr>
+        <p:spPr/>
+        <p:txBody>
+          <a:bodyPr/>
+          <a:lstStyle/>
+          <a:p>
+            <a:pPr>
+              <a:defRPr/>
+            </a:pPr>
+            <a:endParaRPr lang="es-AR"/>
+          </a:p>
+        </p:txBody>
+      </p:sp>
+      <p:sp>
+        <p:nvSpPr>
+          <p:cNvPr id="6" name="Slide Number Placeholder 5"/>
+          <p:cNvSpPr>
+            <a:spLocks noGrp="1"/>
+          </p:cNvSpPr>
+          <p:nvPr>
+            <p:ph type="sldNum" sz="quarter" idx="12"/>
+          </p:nvPr>
+        </p:nvSpPr>
+        <p:spPr/>
+        <p:txBody>
+          <a:bodyPr/>
+          <a:lstStyle/>
+          <a:p>
+            <a:fld id="{BE6A9779-67F1-4867-A584-55A69026F865}" type="slidenum">
+              <a:rPr lang="es-AR" altLang="es-AR" smtClean="0"/>
+              <a:pPr/>
+              <a:t>‹Nº›</a:t>
+            </a:fld>
+            <a:endParaRPr lang="es-AR" altLang="es-AR"/>
+          </a:p>
+        </p:txBody>
+      </p:sp>
+      <p:cxnSp>
+        <p:nvCxnSpPr>
+          <p:cNvPr id="9" name="Straight Connector 8"/>
+          <p:cNvCxnSpPr/>
+          <p:nvPr/>
+        </p:nvCxnSpPr>
+        <p:spPr>
+          <a:xfrm>
+            <a:off x="905744" y="4343400"/>
+            <a:ext cx="7406640" cy="0"/>
+          </a:xfrm>
+          <a:prstGeom prst="line">
+            <a:avLst/>
+          </a:prstGeom>
+          <a:ln w="6350">
+            <a:solidFill>
+              <a:schemeClr val="tx1">
+                <a:lumMod val="50000"/>
+                <a:lumOff val="50000"/>
+              </a:schemeClr>
+            </a:solidFill>
+          </a:ln>
+        </p:spPr>
+        <p:style>
+          <a:lnRef idx="1">
+            <a:schemeClr val="accent1"/>
+          </a:lnRef>
+          <a:fillRef idx="0">
+            <a:schemeClr val="accent1"/>
+          </a:fillRef>
+          <a:effectRef idx="0">
+            <a:schemeClr val="accent1"/>
+          </a:effectRef>
+          <a:fontRef idx="minor">
+            <a:schemeClr val="tx1"/>
+          </a:fontRef>
+        </p:style>
+      </p:cxnSp>
+    </p:spTree>
+    <p:extLst>
+      <p:ext uri="{BB962C8B-B14F-4D97-AF65-F5344CB8AC3E}">
+        <p14:creationId xmlns:p14="http://schemas.microsoft.com/office/powerpoint/2010/main" val="312580705"/>
+      </p:ext>
+    </p:extLst>
+  </p:cSld>
+  <p:clrMapOvr>
+    <a:masterClrMapping/>
+  </p:clrMapOvr>
+</p:sldLayout>
+</file>
+
+<file path=ppt/slideLayouts/slideLayout26.xml><?xml version="1.0" encoding="utf-8"?>
+<p:sldLayout xmlns:a="http://schemas.openxmlformats.org/drawingml/2006/main" xmlns:r="http://schemas.openxmlformats.org/officeDocument/2006/relationships" xmlns:p="http://schemas.openxmlformats.org/presentationml/2006/main" type="twoObj" preserve="1">
+  <p:cSld name="Dos objetos">
+    <p:spTree>
+      <p:nvGrpSpPr>
+        <p:cNvPr id="1" name=""/>
+        <p:cNvGrpSpPr/>
+        <p:nvPr/>
+      </p:nvGrpSpPr>
+      <p:grpSpPr>
+        <a:xfrm>
+          <a:off x="0" y="0"/>
+          <a:ext cx="0" cy="0"/>
+          <a:chOff x="0" y="0"/>
+          <a:chExt cx="0" cy="0"/>
+        </a:xfrm>
+      </p:grpSpPr>
+      <p:sp>
+        <p:nvSpPr>
+          <p:cNvPr id="8" name="Title 7"/>
+          <p:cNvSpPr>
+            <a:spLocks noGrp="1"/>
+          </p:cNvSpPr>
+          <p:nvPr>
+            <p:ph type="title"/>
+          </p:nvPr>
+        </p:nvSpPr>
+        <p:spPr>
+          <a:xfrm>
+            <a:off x="822960" y="286604"/>
+            <a:ext cx="7543800" cy="1450757"/>
+          </a:xfrm>
+        </p:spPr>
+        <p:txBody>
+          <a:bodyPr/>
+          <a:lstStyle/>
+          <a:p>
+            <a:r>
+              <a:rPr lang="es-ES" smtClean="0"/>
+              <a:t>Haga clic para modificar el estilo de título del patrón</a:t>
+            </a:r>
+            <a:endParaRPr lang="en-US" dirty="0"/>
+          </a:p>
+        </p:txBody>
+      </p:sp>
+      <p:sp>
+        <p:nvSpPr>
+          <p:cNvPr id="3" name="Content Placeholder 2"/>
+          <p:cNvSpPr>
+            <a:spLocks noGrp="1"/>
+          </p:cNvSpPr>
+          <p:nvPr>
+            <p:ph sz="half" idx="1"/>
+          </p:nvPr>
+        </p:nvSpPr>
+        <p:spPr>
+          <a:xfrm>
+            <a:off x="822960" y="1845735"/>
+            <a:ext cx="3703320" cy="4023359"/>
+          </a:xfrm>
+        </p:spPr>
+        <p:txBody>
+          <a:bodyPr/>
+          <a:lstStyle/>
+          <a:p>
+            <a:pPr lvl="0"/>
+            <a:r>
+              <a:rPr lang="es-ES" smtClean="0"/>
+              <a:t>Editar el estilo de texto del patrón</a:t>
+            </a:r>
+          </a:p>
+          <a:p>
+            <a:pPr lvl="1"/>
+            <a:r>
+              <a:rPr lang="es-ES" smtClean="0"/>
+              <a:t>Segundo nivel</a:t>
+            </a:r>
+          </a:p>
+          <a:p>
+            <a:pPr lvl="2"/>
+            <a:r>
+              <a:rPr lang="es-ES" smtClean="0"/>
+              <a:t>Tercer nivel</a:t>
+            </a:r>
+          </a:p>
+          <a:p>
+            <a:pPr lvl="3"/>
+            <a:r>
+              <a:rPr lang="es-ES" smtClean="0"/>
+              <a:t>Cuarto nivel</a:t>
+            </a:r>
+          </a:p>
+          <a:p>
+            <a:pPr lvl="4"/>
+            <a:r>
+              <a:rPr lang="es-ES" smtClean="0"/>
+              <a:t>Quinto nivel</a:t>
+            </a:r>
+            <a:endParaRPr lang="en-US" dirty="0"/>
+          </a:p>
+        </p:txBody>
+      </p:sp>
+      <p:sp>
+        <p:nvSpPr>
+          <p:cNvPr id="4" name="Content Placeholder 3"/>
+          <p:cNvSpPr>
+            <a:spLocks noGrp="1"/>
+          </p:cNvSpPr>
+          <p:nvPr>
+            <p:ph sz="half" idx="2"/>
+          </p:nvPr>
+        </p:nvSpPr>
+        <p:spPr>
+          <a:xfrm>
+            <a:off x="4663440" y="1845735"/>
+            <a:ext cx="3703320" cy="4023360"/>
+          </a:xfrm>
+        </p:spPr>
+        <p:txBody>
+          <a:bodyPr/>
+          <a:lstStyle/>
+          <a:p>
+            <a:pPr lvl="0"/>
+            <a:r>
+              <a:rPr lang="es-ES" smtClean="0"/>
+              <a:t>Editar el estilo de texto del patrón</a:t>
+            </a:r>
+          </a:p>
+          <a:p>
+            <a:pPr lvl="1"/>
+            <a:r>
+              <a:rPr lang="es-ES" smtClean="0"/>
+              <a:t>Segundo nivel</a:t>
+            </a:r>
+          </a:p>
+          <a:p>
+            <a:pPr lvl="2"/>
+            <a:r>
+              <a:rPr lang="es-ES" smtClean="0"/>
+              <a:t>Tercer nivel</a:t>
+            </a:r>
+          </a:p>
+          <a:p>
+            <a:pPr lvl="3"/>
+            <a:r>
+              <a:rPr lang="es-ES" smtClean="0"/>
+              <a:t>Cuarto nivel</a:t>
+            </a:r>
+          </a:p>
+          <a:p>
+            <a:pPr lvl="4"/>
+            <a:r>
+              <a:rPr lang="es-ES" smtClean="0"/>
+              <a:t>Quinto nivel</a:t>
+            </a:r>
+            <a:endParaRPr lang="en-US" dirty="0"/>
+          </a:p>
+        </p:txBody>
+      </p:sp>
+      <p:sp>
+        <p:nvSpPr>
+          <p:cNvPr id="5" name="Date Placeholder 4"/>
+          <p:cNvSpPr>
+            <a:spLocks noGrp="1"/>
+          </p:cNvSpPr>
+          <p:nvPr>
+            <p:ph type="dt" sz="half" idx="10"/>
+          </p:nvPr>
+        </p:nvSpPr>
+        <p:spPr/>
+        <p:txBody>
+          <a:bodyPr/>
+          <a:lstStyle/>
+          <a:p>
+            <a:pPr>
+              <a:defRPr/>
+            </a:pPr>
+            <a:fld id="{87DA26DE-D93C-4C69-8AB9-0DC9DF594737}" type="datetimeFigureOut">
+              <a:rPr lang="es-AR" smtClean="0"/>
+              <a:pPr>
+                <a:defRPr/>
+              </a:pPr>
+              <a:t>24/2/2023</a:t>
+            </a:fld>
+            <a:endParaRPr lang="es-AR"/>
+          </a:p>
+        </p:txBody>
+      </p:sp>
+      <p:sp>
+        <p:nvSpPr>
+          <p:cNvPr id="6" name="Footer Placeholder 5"/>
+          <p:cNvSpPr>
+            <a:spLocks noGrp="1"/>
+          </p:cNvSpPr>
+          <p:nvPr>
+            <p:ph type="ftr" sz="quarter" idx="11"/>
+          </p:nvPr>
+        </p:nvSpPr>
+        <p:spPr/>
+        <p:txBody>
+          <a:bodyPr/>
+          <a:lstStyle/>
+          <a:p>
+            <a:pPr>
+              <a:defRPr/>
+            </a:pPr>
+            <a:endParaRPr lang="es-AR"/>
+          </a:p>
+        </p:txBody>
+      </p:sp>
+      <p:sp>
+        <p:nvSpPr>
+          <p:cNvPr id="7" name="Slide Number Placeholder 6"/>
+          <p:cNvSpPr>
+            <a:spLocks noGrp="1"/>
+          </p:cNvSpPr>
+          <p:nvPr>
+            <p:ph type="sldNum" sz="quarter" idx="12"/>
+          </p:nvPr>
+        </p:nvSpPr>
+        <p:spPr/>
+        <p:txBody>
+          <a:bodyPr/>
+          <a:lstStyle/>
+          <a:p>
+            <a:fld id="{BE6A9779-67F1-4867-A584-55A69026F865}" type="slidenum">
+              <a:rPr lang="es-AR" altLang="es-AR" smtClean="0"/>
+              <a:pPr/>
+              <a:t>‹Nº›</a:t>
+            </a:fld>
+            <a:endParaRPr lang="es-AR" altLang="es-AR"/>
+          </a:p>
+        </p:txBody>
+      </p:sp>
+    </p:spTree>
+    <p:extLst>
+      <p:ext uri="{BB962C8B-B14F-4D97-AF65-F5344CB8AC3E}">
+        <p14:creationId xmlns:p14="http://schemas.microsoft.com/office/powerpoint/2010/main" val="2980834038"/>
+      </p:ext>
+    </p:extLst>
+  </p:cSld>
+  <p:clrMapOvr>
+    <a:masterClrMapping/>
+  </p:clrMapOvr>
+</p:sldLayout>
+</file>
+
+<file path=ppt/slideLayouts/slideLayout27.xml><?xml version="1.0" encoding="utf-8"?>
+<p:sldLayout xmlns:a="http://schemas.openxmlformats.org/drawingml/2006/main" xmlns:r="http://schemas.openxmlformats.org/officeDocument/2006/relationships" xmlns:p="http://schemas.openxmlformats.org/presentationml/2006/main" type="twoTxTwoObj" preserve="1">
+  <p:cSld name="Comparación">
+    <p:spTree>
+      <p:nvGrpSpPr>
+        <p:cNvPr id="1" name=""/>
+        <p:cNvGrpSpPr/>
+        <p:nvPr/>
+      </p:nvGrpSpPr>
+      <p:grpSpPr>
+        <a:xfrm>
+          <a:off x="0" y="0"/>
+          <a:ext cx="0" cy="0"/>
+          <a:chOff x="0" y="0"/>
+          <a:chExt cx="0" cy="0"/>
+        </a:xfrm>
+      </p:grpSpPr>
+      <p:sp>
+        <p:nvSpPr>
+          <p:cNvPr id="10" name="Title 9"/>
+          <p:cNvSpPr>
+            <a:spLocks noGrp="1"/>
+          </p:cNvSpPr>
+          <p:nvPr>
+            <p:ph type="title"/>
+          </p:nvPr>
+        </p:nvSpPr>
+        <p:spPr>
+          <a:xfrm>
+            <a:off x="822960" y="286604"/>
+            <a:ext cx="7543800" cy="1450757"/>
+          </a:xfrm>
+        </p:spPr>
+        <p:txBody>
+          <a:bodyPr/>
+          <a:lstStyle/>
+          <a:p>
+            <a:r>
+              <a:rPr lang="es-ES" smtClean="0"/>
+              <a:t>Haga clic para modificar el estilo de título del patrón</a:t>
+            </a:r>
+            <a:endParaRPr lang="en-US" dirty="0"/>
+          </a:p>
+        </p:txBody>
+      </p:sp>
+      <p:sp>
+        <p:nvSpPr>
+          <p:cNvPr id="3" name="Text Placeholder 2"/>
+          <p:cNvSpPr>
+            <a:spLocks noGrp="1"/>
+          </p:cNvSpPr>
+          <p:nvPr>
+            <p:ph type="body" idx="1"/>
+          </p:nvPr>
+        </p:nvSpPr>
+        <p:spPr>
+          <a:xfrm>
+            <a:off x="822960" y="1846052"/>
+            <a:ext cx="3703320" cy="736282"/>
+          </a:xfrm>
+        </p:spPr>
+        <p:txBody>
+          <a:bodyPr lIns="91440" rIns="91440" anchor="ctr">
+            <a:normAutofit/>
+          </a:bodyPr>
+          <a:lstStyle>
+            <a:lvl1pPr marL="0" indent="0">
+              <a:buNone/>
+              <a:defRPr sz="2000" b="0" cap="all" baseline="0">
+                <a:solidFill>
+                  <a:schemeClr val="tx2"/>
+                </a:solidFill>
+              </a:defRPr>
+            </a:lvl1pPr>
+            <a:lvl2pPr marL="457200" indent="0">
+              <a:buNone/>
+              <a:defRPr sz="2000" b="1"/>
+            </a:lvl2pPr>
+            <a:lvl3pPr marL="914400" indent="0">
+              <a:buNone/>
+              <a:defRPr sz="1800" b="1"/>
+            </a:lvl3pPr>
+            <a:lvl4pPr marL="1371600" indent="0">
+              <a:buNone/>
+              <a:defRPr sz="1600" b="1"/>
+            </a:lvl4pPr>
+            <a:lvl5pPr marL="1828800" indent="0">
+              <a:buNone/>
+              <a:defRPr sz="1600" b="1"/>
+            </a:lvl5pPr>
+            <a:lvl6pPr marL="2286000" indent="0">
+              <a:buNone/>
+              <a:defRPr sz="1600" b="1"/>
+            </a:lvl6pPr>
+            <a:lvl7pPr marL="2743200" indent="0">
+              <a:buNone/>
+              <a:defRPr sz="1600" b="1"/>
+            </a:lvl7pPr>
+            <a:lvl8pPr marL="3200400" indent="0">
+              <a:buNone/>
+              <a:defRPr sz="1600" b="1"/>
+            </a:lvl8pPr>
+            <a:lvl9pPr marL="3657600" indent="0">
+              <a:buNone/>
+              <a:defRPr sz="1600" b="1"/>
+            </a:lvl9pPr>
+          </a:lstStyle>
+          <a:p>
+            <a:pPr lvl="0"/>
+            <a:r>
+              <a:rPr lang="es-ES" smtClean="0"/>
+              <a:t>Editar el estilo de texto del patrón</a:t>
+            </a:r>
+          </a:p>
+        </p:txBody>
+      </p:sp>
+      <p:sp>
+        <p:nvSpPr>
+          <p:cNvPr id="4" name="Content Placeholder 3"/>
+          <p:cNvSpPr>
+            <a:spLocks noGrp="1"/>
+          </p:cNvSpPr>
+          <p:nvPr>
+            <p:ph sz="half" idx="2"/>
+          </p:nvPr>
+        </p:nvSpPr>
+        <p:spPr>
+          <a:xfrm>
+            <a:off x="822960" y="2582335"/>
+            <a:ext cx="3703320" cy="3286760"/>
+          </a:xfrm>
+        </p:spPr>
+        <p:txBody>
+          <a:bodyPr/>
+          <a:lstStyle/>
+          <a:p>
+            <a:pPr lvl="0"/>
+            <a:r>
+              <a:rPr lang="es-ES" smtClean="0"/>
+              <a:t>Editar el estilo de texto del patrón</a:t>
+            </a:r>
+          </a:p>
+          <a:p>
+            <a:pPr lvl="1"/>
+            <a:r>
+              <a:rPr lang="es-ES" smtClean="0"/>
+              <a:t>Segundo nivel</a:t>
+            </a:r>
+          </a:p>
+          <a:p>
+            <a:pPr lvl="2"/>
+            <a:r>
+              <a:rPr lang="es-ES" smtClean="0"/>
+              <a:t>Tercer nivel</a:t>
+            </a:r>
+          </a:p>
+          <a:p>
+            <a:pPr lvl="3"/>
+            <a:r>
+              <a:rPr lang="es-ES" smtClean="0"/>
+              <a:t>Cuarto nivel</a:t>
+            </a:r>
+          </a:p>
+          <a:p>
+            <a:pPr lvl="4"/>
+            <a:r>
+              <a:rPr lang="es-ES" smtClean="0"/>
+              <a:t>Quinto nivel</a:t>
+            </a:r>
+            <a:endParaRPr lang="en-US" dirty="0"/>
+          </a:p>
+        </p:txBody>
+      </p:sp>
+      <p:sp>
+        <p:nvSpPr>
+          <p:cNvPr id="5" name="Text Placeholder 4"/>
+          <p:cNvSpPr>
+            <a:spLocks noGrp="1"/>
+          </p:cNvSpPr>
+          <p:nvPr>
+            <p:ph type="body" sz="quarter" idx="3"/>
+          </p:nvPr>
+        </p:nvSpPr>
+        <p:spPr>
+          <a:xfrm>
+            <a:off x="4663440" y="1846052"/>
+            <a:ext cx="3703320" cy="736282"/>
+          </a:xfrm>
+        </p:spPr>
+        <p:txBody>
+          <a:bodyPr lIns="91440" rIns="91440" anchor="ctr">
+            <a:normAutofit/>
+          </a:bodyPr>
+          <a:lstStyle>
+            <a:lvl1pPr marL="0" indent="0">
+              <a:buNone/>
+              <a:defRPr sz="2000" b="0" cap="all" baseline="0">
+                <a:solidFill>
+                  <a:schemeClr val="tx2"/>
+                </a:solidFill>
+              </a:defRPr>
+            </a:lvl1pPr>
+            <a:lvl2pPr marL="457200" indent="0">
+              <a:buNone/>
+              <a:defRPr sz="2000" b="1"/>
+            </a:lvl2pPr>
+            <a:lvl3pPr marL="914400" indent="0">
+              <a:buNone/>
+              <a:defRPr sz="1800" b="1"/>
+            </a:lvl3pPr>
+            <a:lvl4pPr marL="1371600" indent="0">
+              <a:buNone/>
+              <a:defRPr sz="1600" b="1"/>
+            </a:lvl4pPr>
+            <a:lvl5pPr marL="1828800" indent="0">
+              <a:buNone/>
+              <a:defRPr sz="1600" b="1"/>
+            </a:lvl5pPr>
+            <a:lvl6pPr marL="2286000" indent="0">
+              <a:buNone/>
+              <a:defRPr sz="1600" b="1"/>
+            </a:lvl6pPr>
+            <a:lvl7pPr marL="2743200" indent="0">
+              <a:buNone/>
+              <a:defRPr sz="1600" b="1"/>
+            </a:lvl7pPr>
+            <a:lvl8pPr marL="3200400" indent="0">
+              <a:buNone/>
+              <a:defRPr sz="1600" b="1"/>
+            </a:lvl8pPr>
+            <a:lvl9pPr marL="3657600" indent="0">
+              <a:buNone/>
+              <a:defRPr sz="1600" b="1"/>
+            </a:lvl9pPr>
+          </a:lstStyle>
+          <a:p>
+            <a:pPr lvl="0"/>
+            <a:r>
+              <a:rPr lang="es-ES" smtClean="0"/>
+              <a:t>Editar el estilo de texto del patrón</a:t>
+            </a:r>
+          </a:p>
+        </p:txBody>
+      </p:sp>
+      <p:sp>
+        <p:nvSpPr>
+          <p:cNvPr id="6" name="Content Placeholder 5"/>
+          <p:cNvSpPr>
+            <a:spLocks noGrp="1"/>
+          </p:cNvSpPr>
+          <p:nvPr>
+            <p:ph sz="quarter" idx="4"/>
+          </p:nvPr>
+        </p:nvSpPr>
+        <p:spPr>
+          <a:xfrm>
+            <a:off x="4663440" y="2582334"/>
+            <a:ext cx="3703320" cy="3286760"/>
+          </a:xfrm>
+        </p:spPr>
+        <p:txBody>
+          <a:bodyPr/>
+          <a:lstStyle/>
+          <a:p>
+            <a:pPr lvl="0"/>
+            <a:r>
+              <a:rPr lang="es-ES" smtClean="0"/>
+              <a:t>Editar el estilo de texto del patrón</a:t>
+            </a:r>
+          </a:p>
+          <a:p>
+            <a:pPr lvl="1"/>
+            <a:r>
+              <a:rPr lang="es-ES" smtClean="0"/>
+              <a:t>Segundo nivel</a:t>
+            </a:r>
+          </a:p>
+          <a:p>
+            <a:pPr lvl="2"/>
+            <a:r>
+              <a:rPr lang="es-ES" smtClean="0"/>
+              <a:t>Tercer nivel</a:t>
+            </a:r>
+          </a:p>
+          <a:p>
+            <a:pPr lvl="3"/>
+            <a:r>
+              <a:rPr lang="es-ES" smtClean="0"/>
+              <a:t>Cuarto nivel</a:t>
+            </a:r>
+          </a:p>
+          <a:p>
+            <a:pPr lvl="4"/>
+            <a:r>
+              <a:rPr lang="es-ES" smtClean="0"/>
+              <a:t>Quinto nivel</a:t>
+            </a:r>
+            <a:endParaRPr lang="en-US" dirty="0"/>
+          </a:p>
+        </p:txBody>
+      </p:sp>
+      <p:sp>
+        <p:nvSpPr>
+          <p:cNvPr id="7" name="Date Placeholder 6"/>
+          <p:cNvSpPr>
+            <a:spLocks noGrp="1"/>
+          </p:cNvSpPr>
+          <p:nvPr>
+            <p:ph type="dt" sz="half" idx="10"/>
+          </p:nvPr>
+        </p:nvSpPr>
+        <p:spPr/>
+        <p:txBody>
+          <a:bodyPr/>
+          <a:lstStyle/>
+          <a:p>
+            <a:pPr>
+              <a:defRPr/>
+            </a:pPr>
+            <a:fld id="{87DA26DE-D93C-4C69-8AB9-0DC9DF594737}" type="datetimeFigureOut">
+              <a:rPr lang="es-AR" smtClean="0"/>
+              <a:pPr>
+                <a:defRPr/>
+              </a:pPr>
+              <a:t>24/2/2023</a:t>
+            </a:fld>
+            <a:endParaRPr lang="es-AR"/>
+          </a:p>
+        </p:txBody>
+      </p:sp>
+      <p:sp>
+        <p:nvSpPr>
+          <p:cNvPr id="8" name="Footer Placeholder 7"/>
+          <p:cNvSpPr>
+            <a:spLocks noGrp="1"/>
+          </p:cNvSpPr>
+          <p:nvPr>
+            <p:ph type="ftr" sz="quarter" idx="11"/>
+          </p:nvPr>
+        </p:nvSpPr>
+        <p:spPr/>
+        <p:txBody>
+          <a:bodyPr/>
+          <a:lstStyle/>
+          <a:p>
+            <a:pPr>
+              <a:defRPr/>
+            </a:pPr>
+            <a:endParaRPr lang="es-AR"/>
+          </a:p>
+        </p:txBody>
+      </p:sp>
+      <p:sp>
+        <p:nvSpPr>
+          <p:cNvPr id="9" name="Slide Number Placeholder 8"/>
+          <p:cNvSpPr>
+            <a:spLocks noGrp="1"/>
+          </p:cNvSpPr>
+          <p:nvPr>
+            <p:ph type="sldNum" sz="quarter" idx="12"/>
+          </p:nvPr>
+        </p:nvSpPr>
+        <p:spPr/>
+        <p:txBody>
+          <a:bodyPr/>
+          <a:lstStyle/>
+          <a:p>
+            <a:fld id="{BE6A9779-67F1-4867-A584-55A69026F865}" type="slidenum">
+              <a:rPr lang="es-AR" altLang="es-AR" smtClean="0"/>
+              <a:pPr/>
+              <a:t>‹Nº›</a:t>
+            </a:fld>
+            <a:endParaRPr lang="es-AR" altLang="es-AR"/>
+          </a:p>
+        </p:txBody>
+      </p:sp>
+    </p:spTree>
+    <p:extLst>
+      <p:ext uri="{BB962C8B-B14F-4D97-AF65-F5344CB8AC3E}">
+        <p14:creationId xmlns:p14="http://schemas.microsoft.com/office/powerpoint/2010/main" val="3785177348"/>
+      </p:ext>
+    </p:extLst>
+  </p:cSld>
+  <p:clrMapOvr>
+    <a:masterClrMapping/>
+  </p:clrMapOvr>
+</p:sldLayout>
+</file>
+
+<file path=ppt/slideLayouts/slideLayout28.xml><?xml version="1.0" encoding="utf-8"?>
+<p:sldLayout xmlns:a="http://schemas.openxmlformats.org/drawingml/2006/main" xmlns:r="http://schemas.openxmlformats.org/officeDocument/2006/relationships" xmlns:p="http://schemas.openxmlformats.org/presentationml/2006/main" type="titleOnly" preserve="1">
+  <p:cSld name="Solo el título">
+    <p:spTree>
+      <p:nvGrpSpPr>
+        <p:cNvPr id="1" name=""/>
+        <p:cNvGrpSpPr/>
+        <p:nvPr/>
+      </p:nvGrpSpPr>
+      <p:grpSpPr>
+        <a:xfrm>
+          <a:off x="0" y="0"/>
+          <a:ext cx="0" cy="0"/>
+          <a:chOff x="0" y="0"/>
+          <a:chExt cx="0" cy="0"/>
+        </a:xfrm>
+      </p:grpSpPr>
+      <p:sp>
+        <p:nvSpPr>
+          <p:cNvPr id="2" name="Title 1"/>
+          <p:cNvSpPr>
+            <a:spLocks noGrp="1"/>
+          </p:cNvSpPr>
+          <p:nvPr>
+            <p:ph type="title"/>
+          </p:nvPr>
+        </p:nvSpPr>
+        <p:spPr/>
+        <p:txBody>
+          <a:bodyPr/>
+          <a:lstStyle/>
+          <a:p>
+            <a:r>
+              <a:rPr lang="es-ES" smtClean="0"/>
+              <a:t>Haga clic para modificar el estilo de título del patrón</a:t>
+            </a:r>
+            <a:endParaRPr lang="en-US" dirty="0"/>
+          </a:p>
+        </p:txBody>
+      </p:sp>
+      <p:sp>
+        <p:nvSpPr>
+          <p:cNvPr id="3" name="Date Placeholder 2"/>
+          <p:cNvSpPr>
+            <a:spLocks noGrp="1"/>
+          </p:cNvSpPr>
+          <p:nvPr>
+            <p:ph type="dt" sz="half" idx="10"/>
+          </p:nvPr>
+        </p:nvSpPr>
+        <p:spPr/>
+        <p:txBody>
+          <a:bodyPr/>
+          <a:lstStyle/>
+          <a:p>
+            <a:pPr>
+              <a:defRPr/>
+            </a:pPr>
+            <a:fld id="{87DA26DE-D93C-4C69-8AB9-0DC9DF594737}" type="datetimeFigureOut">
+              <a:rPr lang="es-AR" smtClean="0"/>
+              <a:pPr>
+                <a:defRPr/>
+              </a:pPr>
+              <a:t>24/2/2023</a:t>
+            </a:fld>
+            <a:endParaRPr lang="es-AR"/>
+          </a:p>
+        </p:txBody>
+      </p:sp>
+      <p:sp>
+        <p:nvSpPr>
+          <p:cNvPr id="4" name="Footer Placeholder 3"/>
+          <p:cNvSpPr>
+            <a:spLocks noGrp="1"/>
+          </p:cNvSpPr>
+          <p:nvPr>
+            <p:ph type="ftr" sz="quarter" idx="11"/>
+          </p:nvPr>
+        </p:nvSpPr>
+        <p:spPr/>
+        <p:txBody>
+          <a:bodyPr/>
+          <a:lstStyle/>
+          <a:p>
+            <a:pPr>
+              <a:defRPr/>
+            </a:pPr>
+            <a:endParaRPr lang="es-AR"/>
+          </a:p>
+        </p:txBody>
+      </p:sp>
+      <p:sp>
+        <p:nvSpPr>
+          <p:cNvPr id="5" name="Slide Number Placeholder 4"/>
+          <p:cNvSpPr>
+            <a:spLocks noGrp="1"/>
+          </p:cNvSpPr>
+          <p:nvPr>
+            <p:ph type="sldNum" sz="quarter" idx="12"/>
+          </p:nvPr>
+        </p:nvSpPr>
+        <p:spPr/>
+        <p:txBody>
+          <a:bodyPr/>
+          <a:lstStyle/>
+          <a:p>
+            <a:fld id="{BE6A9779-67F1-4867-A584-55A69026F865}" type="slidenum">
+              <a:rPr lang="es-AR" altLang="es-AR" smtClean="0"/>
+              <a:pPr/>
+              <a:t>‹Nº›</a:t>
+            </a:fld>
+            <a:endParaRPr lang="es-AR" altLang="es-AR"/>
+          </a:p>
+        </p:txBody>
+      </p:sp>
+    </p:spTree>
+    <p:extLst>
+      <p:ext uri="{BB962C8B-B14F-4D97-AF65-F5344CB8AC3E}">
+        <p14:creationId xmlns:p14="http://schemas.microsoft.com/office/powerpoint/2010/main" val="687775765"/>
+      </p:ext>
+    </p:extLst>
+  </p:cSld>
+  <p:clrMapOvr>
+    <a:masterClrMapping/>
+  </p:clrMapOvr>
+</p:sldLayout>
+</file>
+
+<file path=ppt/slideLayouts/slideLayout29.xml><?xml version="1.0" encoding="utf-8"?>
+<p:sldLayout xmlns:a="http://schemas.openxmlformats.org/drawingml/2006/main" xmlns:r="http://schemas.openxmlformats.org/officeDocument/2006/relationships" xmlns:p="http://schemas.openxmlformats.org/presentationml/2006/main" showMasterSp="0" type="blank" preserve="1">
+  <p:cSld name="En blanco">
+    <p:spTree>
+      <p:nvGrpSpPr>
+        <p:cNvPr id="1" name=""/>
+        <p:cNvGrpSpPr/>
+        <p:nvPr/>
+      </p:nvGrpSpPr>
+      <p:grpSpPr>
+        <a:xfrm>
+          <a:off x="0" y="0"/>
+          <a:ext cx="0" cy="0"/>
+          <a:chOff x="0" y="0"/>
+          <a:chExt cx="0" cy="0"/>
+        </a:xfrm>
+      </p:grpSpPr>
+      <p:sp>
+        <p:nvSpPr>
+          <p:cNvPr id="5" name="Rectangle 4"/>
+          <p:cNvSpPr/>
+          <p:nvPr/>
+        </p:nvSpPr>
+        <p:spPr>
+          <a:xfrm>
+            <a:off x="2382" y="6400800"/>
+            <a:ext cx="9141619" cy="457200"/>
+          </a:xfrm>
+          <a:prstGeom prst="rect">
+            <a:avLst/>
+          </a:prstGeom>
+          <a:solidFill>
+            <a:schemeClr val="accent2"/>
+          </a:solidFill>
+          <a:ln>
+            <a:noFill/>
+          </a:ln>
+        </p:spPr>
+        <p:style>
+          <a:lnRef idx="2">
+            <a:schemeClr val="accent1">
+              <a:shade val="50000"/>
+            </a:schemeClr>
+          </a:lnRef>
+          <a:fillRef idx="1">
+            <a:schemeClr val="accent1"/>
+          </a:fillRef>
+          <a:effectRef idx="0">
+            <a:schemeClr val="accent1"/>
+          </a:effectRef>
+          <a:fontRef idx="minor">
+            <a:schemeClr val="lt1"/>
+          </a:fontRef>
+        </p:style>
+      </p:sp>
+      <p:sp>
+        <p:nvSpPr>
+          <p:cNvPr id="6" name="Rectangle 5"/>
+          <p:cNvSpPr/>
+          <p:nvPr/>
+        </p:nvSpPr>
+        <p:spPr>
+          <a:xfrm>
+            <a:off x="12" y="6334316"/>
+            <a:ext cx="9141619" cy="64008"/>
+          </a:xfrm>
+          <a:prstGeom prst="rect">
+            <a:avLst/>
+          </a:prstGeom>
+          <a:solidFill>
+            <a:schemeClr val="accent1"/>
+          </a:solidFill>
+          <a:ln>
+            <a:noFill/>
+          </a:ln>
+        </p:spPr>
+        <p:style>
+          <a:lnRef idx="2">
+            <a:schemeClr val="accent1">
+              <a:shade val="50000"/>
+            </a:schemeClr>
+          </a:lnRef>
+          <a:fillRef idx="1">
+            <a:schemeClr val="accent1"/>
+          </a:fillRef>
+          <a:effectRef idx="0">
+            <a:schemeClr val="accent1"/>
+          </a:effectRef>
+          <a:fontRef idx="minor">
+            <a:schemeClr val="lt1"/>
+          </a:fontRef>
+        </p:style>
+      </p:sp>
+      <p:sp>
+        <p:nvSpPr>
+          <p:cNvPr id="7" name="Date Placeholder 6"/>
+          <p:cNvSpPr>
+            <a:spLocks noGrp="1"/>
+          </p:cNvSpPr>
+          <p:nvPr>
+            <p:ph type="dt" sz="half" idx="10"/>
+          </p:nvPr>
+        </p:nvSpPr>
+        <p:spPr/>
+        <p:txBody>
+          <a:bodyPr/>
+          <a:lstStyle/>
+          <a:p>
+            <a:pPr>
+              <a:defRPr/>
+            </a:pPr>
+            <a:fld id="{87DA26DE-D93C-4C69-8AB9-0DC9DF594737}" type="datetimeFigureOut">
+              <a:rPr lang="es-AR" smtClean="0"/>
+              <a:pPr>
+                <a:defRPr/>
+              </a:pPr>
+              <a:t>24/2/2023</a:t>
+            </a:fld>
+            <a:endParaRPr lang="es-AR"/>
+          </a:p>
+        </p:txBody>
+      </p:sp>
+      <p:sp>
+        <p:nvSpPr>
+          <p:cNvPr id="8" name="Footer Placeholder 7"/>
+          <p:cNvSpPr>
+            <a:spLocks noGrp="1"/>
+          </p:cNvSpPr>
+          <p:nvPr>
+            <p:ph type="ftr" sz="quarter" idx="11"/>
+          </p:nvPr>
+        </p:nvSpPr>
+        <p:spPr/>
+        <p:txBody>
+          <a:bodyPr/>
+          <a:lstStyle>
+            <a:lvl1pPr>
+              <a:defRPr>
+                <a:solidFill>
+                  <a:srgbClr val="FFFFFF"/>
+                </a:solidFill>
+              </a:defRPr>
+            </a:lvl1pPr>
+          </a:lstStyle>
+          <a:p>
+            <a:pPr>
+              <a:defRPr/>
+            </a:pPr>
+            <a:endParaRPr lang="es-AR"/>
+          </a:p>
+        </p:txBody>
+      </p:sp>
+      <p:sp>
+        <p:nvSpPr>
+          <p:cNvPr id="9" name="Slide Number Placeholder 8"/>
+          <p:cNvSpPr>
+            <a:spLocks noGrp="1"/>
+          </p:cNvSpPr>
+          <p:nvPr>
+            <p:ph type="sldNum" sz="quarter" idx="12"/>
+          </p:nvPr>
+        </p:nvSpPr>
+        <p:spPr/>
+        <p:txBody>
+          <a:bodyPr/>
+          <a:lstStyle/>
+          <a:p>
+            <a:fld id="{BE6A9779-67F1-4867-A584-55A69026F865}" type="slidenum">
+              <a:rPr lang="es-AR" altLang="es-AR" smtClean="0"/>
+              <a:pPr/>
+              <a:t>‹Nº›</a:t>
+            </a:fld>
+            <a:endParaRPr lang="es-AR" altLang="es-AR"/>
+          </a:p>
+        </p:txBody>
+      </p:sp>
+    </p:spTree>
+    <p:extLst>
+      <p:ext uri="{BB962C8B-B14F-4D97-AF65-F5344CB8AC3E}">
+        <p14:creationId xmlns:p14="http://schemas.microsoft.com/office/powerpoint/2010/main" val="1688464365"/>
+      </p:ext>
+    </p:extLst>
+  </p:cSld>
+  <p:clrMapOvr>
+    <a:masterClrMapping/>
+  </p:clrMapOvr>
+</p:sldLayout>
+</file>
+
+<file path=ppt/slideLayouts/slideLayout3.xml><?xml version="1.0" encoding="utf-8"?>
 <p:sldLayout xmlns:a="http://schemas.openxmlformats.org/drawingml/2006/main" xmlns:r="http://schemas.openxmlformats.org/officeDocument/2006/relationships" xmlns:p="http://schemas.openxmlformats.org/presentationml/2006/main" type="secHead" preserve="1">
   <p:cSld name="Section Header">
     <p:spTree>
@@ -7676,7 +9103,1196 @@
 </p:sldLayout>
 </file>
 
-<file path=ppt/slideLayouts/slideLayout26.xml><?xml version="1.0" encoding="utf-8"?>
+<file path=ppt/slideLayouts/slideLayout30.xml><?xml version="1.0" encoding="utf-8"?>
+<p:sldLayout xmlns:a="http://schemas.openxmlformats.org/drawingml/2006/main" xmlns:r="http://schemas.openxmlformats.org/officeDocument/2006/relationships" xmlns:p="http://schemas.openxmlformats.org/presentationml/2006/main" showMasterSp="0" type="objTx" preserve="1">
+  <p:cSld name="Contenido con título">
+    <p:spTree>
+      <p:nvGrpSpPr>
+        <p:cNvPr id="1" name=""/>
+        <p:cNvGrpSpPr/>
+        <p:nvPr/>
+      </p:nvGrpSpPr>
+      <p:grpSpPr>
+        <a:xfrm>
+          <a:off x="0" y="0"/>
+          <a:ext cx="0" cy="0"/>
+          <a:chOff x="0" y="0"/>
+          <a:chExt cx="0" cy="0"/>
+        </a:xfrm>
+      </p:grpSpPr>
+      <p:sp>
+        <p:nvSpPr>
+          <p:cNvPr id="8" name="Rectangle 7"/>
+          <p:cNvSpPr/>
+          <p:nvPr/>
+        </p:nvSpPr>
+        <p:spPr>
+          <a:xfrm>
+            <a:off x="13" y="0"/>
+            <a:ext cx="3038093" cy="6858000"/>
+          </a:xfrm>
+          <a:prstGeom prst="rect">
+            <a:avLst/>
+          </a:prstGeom>
+          <a:solidFill>
+            <a:schemeClr val="accent2"/>
+          </a:solidFill>
+          <a:ln>
+            <a:noFill/>
+          </a:ln>
+        </p:spPr>
+        <p:style>
+          <a:lnRef idx="2">
+            <a:schemeClr val="accent1">
+              <a:shade val="50000"/>
+            </a:schemeClr>
+          </a:lnRef>
+          <a:fillRef idx="1">
+            <a:schemeClr val="accent1"/>
+          </a:fillRef>
+          <a:effectRef idx="0">
+            <a:schemeClr val="accent1"/>
+          </a:effectRef>
+          <a:fontRef idx="minor">
+            <a:schemeClr val="lt1"/>
+          </a:fontRef>
+        </p:style>
+      </p:sp>
+      <p:sp>
+        <p:nvSpPr>
+          <p:cNvPr id="9" name="Rectangle 8"/>
+          <p:cNvSpPr/>
+          <p:nvPr/>
+        </p:nvSpPr>
+        <p:spPr>
+          <a:xfrm>
+            <a:off x="3030053" y="0"/>
+            <a:ext cx="48006" cy="6858000"/>
+          </a:xfrm>
+          <a:prstGeom prst="rect">
+            <a:avLst/>
+          </a:prstGeom>
+          <a:solidFill>
+            <a:schemeClr val="accent1"/>
+          </a:solidFill>
+          <a:ln>
+            <a:noFill/>
+          </a:ln>
+        </p:spPr>
+        <p:style>
+          <a:lnRef idx="2">
+            <a:schemeClr val="accent1">
+              <a:shade val="50000"/>
+            </a:schemeClr>
+          </a:lnRef>
+          <a:fillRef idx="1">
+            <a:schemeClr val="accent1"/>
+          </a:fillRef>
+          <a:effectRef idx="0">
+            <a:schemeClr val="accent1"/>
+          </a:effectRef>
+          <a:fontRef idx="minor">
+            <a:schemeClr val="lt1"/>
+          </a:fontRef>
+        </p:style>
+      </p:sp>
+      <p:sp>
+        <p:nvSpPr>
+          <p:cNvPr id="2" name="Title 1"/>
+          <p:cNvSpPr>
+            <a:spLocks noGrp="1"/>
+          </p:cNvSpPr>
+          <p:nvPr>
+            <p:ph type="title"/>
+          </p:nvPr>
+        </p:nvSpPr>
+        <p:spPr>
+          <a:xfrm>
+            <a:off x="342900" y="594359"/>
+            <a:ext cx="2400300" cy="2286000"/>
+          </a:xfrm>
+        </p:spPr>
+        <p:txBody>
+          <a:bodyPr anchor="b">
+            <a:normAutofit/>
+          </a:bodyPr>
+          <a:lstStyle>
+            <a:lvl1pPr>
+              <a:defRPr sz="3600" b="0">
+                <a:solidFill>
+                  <a:srgbClr val="FFFFFF"/>
+                </a:solidFill>
+              </a:defRPr>
+            </a:lvl1pPr>
+          </a:lstStyle>
+          <a:p>
+            <a:r>
+              <a:rPr lang="es-ES" smtClean="0"/>
+              <a:t>Haga clic para modificar el estilo de título del patrón</a:t>
+            </a:r>
+            <a:endParaRPr lang="en-US" dirty="0"/>
+          </a:p>
+        </p:txBody>
+      </p:sp>
+      <p:sp>
+        <p:nvSpPr>
+          <p:cNvPr id="3" name="Content Placeholder 2"/>
+          <p:cNvSpPr>
+            <a:spLocks noGrp="1"/>
+          </p:cNvSpPr>
+          <p:nvPr>
+            <p:ph idx="1"/>
+          </p:nvPr>
+        </p:nvSpPr>
+        <p:spPr>
+          <a:xfrm>
+            <a:off x="3600450" y="731520"/>
+            <a:ext cx="4869180" cy="5257800"/>
+          </a:xfrm>
+        </p:spPr>
+        <p:txBody>
+          <a:bodyPr/>
+          <a:lstStyle/>
+          <a:p>
+            <a:pPr lvl="0"/>
+            <a:r>
+              <a:rPr lang="es-ES" smtClean="0"/>
+              <a:t>Editar el estilo de texto del patrón</a:t>
+            </a:r>
+          </a:p>
+          <a:p>
+            <a:pPr lvl="1"/>
+            <a:r>
+              <a:rPr lang="es-ES" smtClean="0"/>
+              <a:t>Segundo nivel</a:t>
+            </a:r>
+          </a:p>
+          <a:p>
+            <a:pPr lvl="2"/>
+            <a:r>
+              <a:rPr lang="es-ES" smtClean="0"/>
+              <a:t>Tercer nivel</a:t>
+            </a:r>
+          </a:p>
+          <a:p>
+            <a:pPr lvl="3"/>
+            <a:r>
+              <a:rPr lang="es-ES" smtClean="0"/>
+              <a:t>Cuarto nivel</a:t>
+            </a:r>
+          </a:p>
+          <a:p>
+            <a:pPr lvl="4"/>
+            <a:r>
+              <a:rPr lang="es-ES" smtClean="0"/>
+              <a:t>Quinto nivel</a:t>
+            </a:r>
+            <a:endParaRPr lang="en-US" dirty="0"/>
+          </a:p>
+        </p:txBody>
+      </p:sp>
+      <p:sp>
+        <p:nvSpPr>
+          <p:cNvPr id="4" name="Text Placeholder 3"/>
+          <p:cNvSpPr>
+            <a:spLocks noGrp="1"/>
+          </p:cNvSpPr>
+          <p:nvPr>
+            <p:ph type="body" sz="half" idx="2"/>
+          </p:nvPr>
+        </p:nvSpPr>
+        <p:spPr>
+          <a:xfrm>
+            <a:off x="342900" y="2926080"/>
+            <a:ext cx="2400300" cy="3379124"/>
+          </a:xfrm>
+        </p:spPr>
+        <p:txBody>
+          <a:bodyPr lIns="91440" rIns="91440">
+            <a:normAutofit/>
+          </a:bodyPr>
+          <a:lstStyle>
+            <a:lvl1pPr marL="0" indent="0">
+              <a:buNone/>
+              <a:defRPr sz="1500">
+                <a:solidFill>
+                  <a:srgbClr val="FFFFFF"/>
+                </a:solidFill>
+              </a:defRPr>
+            </a:lvl1pPr>
+            <a:lvl2pPr marL="457200" indent="0">
+              <a:buNone/>
+              <a:defRPr sz="1200"/>
+            </a:lvl2pPr>
+            <a:lvl3pPr marL="914400" indent="0">
+              <a:buNone/>
+              <a:defRPr sz="1000"/>
+            </a:lvl3pPr>
+            <a:lvl4pPr marL="1371600" indent="0">
+              <a:buNone/>
+              <a:defRPr sz="900"/>
+            </a:lvl4pPr>
+            <a:lvl5pPr marL="1828800" indent="0">
+              <a:buNone/>
+              <a:defRPr sz="900"/>
+            </a:lvl5pPr>
+            <a:lvl6pPr marL="2286000" indent="0">
+              <a:buNone/>
+              <a:defRPr sz="900"/>
+            </a:lvl6pPr>
+            <a:lvl7pPr marL="2743200" indent="0">
+              <a:buNone/>
+              <a:defRPr sz="900"/>
+            </a:lvl7pPr>
+            <a:lvl8pPr marL="3200400" indent="0">
+              <a:buNone/>
+              <a:defRPr sz="900"/>
+            </a:lvl8pPr>
+            <a:lvl9pPr marL="3657600" indent="0">
+              <a:buNone/>
+              <a:defRPr sz="900"/>
+            </a:lvl9pPr>
+          </a:lstStyle>
+          <a:p>
+            <a:pPr lvl="0"/>
+            <a:r>
+              <a:rPr lang="es-ES" smtClean="0"/>
+              <a:t>Editar el estilo de texto del patrón</a:t>
+            </a:r>
+          </a:p>
+        </p:txBody>
+      </p:sp>
+      <p:sp>
+        <p:nvSpPr>
+          <p:cNvPr id="5" name="Date Placeholder 4"/>
+          <p:cNvSpPr>
+            <a:spLocks noGrp="1"/>
+          </p:cNvSpPr>
+          <p:nvPr>
+            <p:ph type="dt" sz="half" idx="10"/>
+          </p:nvPr>
+        </p:nvSpPr>
+        <p:spPr>
+          <a:xfrm>
+            <a:off x="349134" y="6459786"/>
+            <a:ext cx="1963883" cy="365125"/>
+          </a:xfrm>
+        </p:spPr>
+        <p:txBody>
+          <a:bodyPr/>
+          <a:lstStyle>
+            <a:lvl1pPr algn="l">
+              <a:defRPr/>
+            </a:lvl1pPr>
+          </a:lstStyle>
+          <a:p>
+            <a:pPr>
+              <a:defRPr/>
+            </a:pPr>
+            <a:fld id="{87DA26DE-D93C-4C69-8AB9-0DC9DF594737}" type="datetimeFigureOut">
+              <a:rPr lang="es-AR" smtClean="0"/>
+              <a:pPr>
+                <a:defRPr/>
+              </a:pPr>
+              <a:t>24/2/2023</a:t>
+            </a:fld>
+            <a:endParaRPr lang="es-AR"/>
+          </a:p>
+        </p:txBody>
+      </p:sp>
+      <p:sp>
+        <p:nvSpPr>
+          <p:cNvPr id="6" name="Footer Placeholder 5"/>
+          <p:cNvSpPr>
+            <a:spLocks noGrp="1"/>
+          </p:cNvSpPr>
+          <p:nvPr>
+            <p:ph type="ftr" sz="quarter" idx="11"/>
+          </p:nvPr>
+        </p:nvSpPr>
+        <p:spPr>
+          <a:xfrm>
+            <a:off x="3600450" y="6459786"/>
+            <a:ext cx="3486150" cy="365125"/>
+          </a:xfrm>
+        </p:spPr>
+        <p:txBody>
+          <a:bodyPr/>
+          <a:lstStyle>
+            <a:lvl1pPr algn="l">
+              <a:defRPr>
+                <a:solidFill>
+                  <a:schemeClr val="tx2"/>
+                </a:solidFill>
+              </a:defRPr>
+            </a:lvl1pPr>
+          </a:lstStyle>
+          <a:p>
+            <a:pPr>
+              <a:defRPr/>
+            </a:pPr>
+            <a:endParaRPr lang="es-AR"/>
+          </a:p>
+        </p:txBody>
+      </p:sp>
+      <p:sp>
+        <p:nvSpPr>
+          <p:cNvPr id="7" name="Slide Number Placeholder 6"/>
+          <p:cNvSpPr>
+            <a:spLocks noGrp="1"/>
+          </p:cNvSpPr>
+          <p:nvPr>
+            <p:ph type="sldNum" sz="quarter" idx="12"/>
+          </p:nvPr>
+        </p:nvSpPr>
+        <p:spPr/>
+        <p:txBody>
+          <a:bodyPr/>
+          <a:lstStyle>
+            <a:lvl1pPr>
+              <a:defRPr>
+                <a:solidFill>
+                  <a:schemeClr val="tx2"/>
+                </a:solidFill>
+              </a:defRPr>
+            </a:lvl1pPr>
+          </a:lstStyle>
+          <a:p>
+            <a:fld id="{BE6A9779-67F1-4867-A584-55A69026F865}" type="slidenum">
+              <a:rPr lang="es-AR" altLang="es-AR" smtClean="0"/>
+              <a:pPr/>
+              <a:t>‹Nº›</a:t>
+            </a:fld>
+            <a:endParaRPr lang="es-AR" altLang="es-AR"/>
+          </a:p>
+        </p:txBody>
+      </p:sp>
+    </p:spTree>
+    <p:extLst>
+      <p:ext uri="{BB962C8B-B14F-4D97-AF65-F5344CB8AC3E}">
+        <p14:creationId xmlns:p14="http://schemas.microsoft.com/office/powerpoint/2010/main" val="2211081335"/>
+      </p:ext>
+    </p:extLst>
+  </p:cSld>
+  <p:clrMapOvr>
+    <a:masterClrMapping/>
+  </p:clrMapOvr>
+</p:sldLayout>
+</file>
+
+<file path=ppt/slideLayouts/slideLayout31.xml><?xml version="1.0" encoding="utf-8"?>
+<p:sldLayout xmlns:a="http://schemas.openxmlformats.org/drawingml/2006/main" xmlns:r="http://schemas.openxmlformats.org/officeDocument/2006/relationships" xmlns:p="http://schemas.openxmlformats.org/presentationml/2006/main" showMasterSp="0" type="picTx" preserve="1">
+  <p:cSld name="Imagen con título">
+    <p:spTree>
+      <p:nvGrpSpPr>
+        <p:cNvPr id="1" name=""/>
+        <p:cNvGrpSpPr/>
+        <p:nvPr/>
+      </p:nvGrpSpPr>
+      <p:grpSpPr>
+        <a:xfrm>
+          <a:off x="0" y="0"/>
+          <a:ext cx="0" cy="0"/>
+          <a:chOff x="0" y="0"/>
+          <a:chExt cx="0" cy="0"/>
+        </a:xfrm>
+      </p:grpSpPr>
+      <p:sp>
+        <p:nvSpPr>
+          <p:cNvPr id="8" name="Rectangle 7"/>
+          <p:cNvSpPr/>
+          <p:nvPr/>
+        </p:nvSpPr>
+        <p:spPr>
+          <a:xfrm>
+            <a:off x="0" y="4953000"/>
+            <a:ext cx="9141619" cy="1905000"/>
+          </a:xfrm>
+          <a:prstGeom prst="rect">
+            <a:avLst/>
+          </a:prstGeom>
+          <a:solidFill>
+            <a:schemeClr val="accent2"/>
+          </a:solidFill>
+          <a:ln>
+            <a:noFill/>
+          </a:ln>
+        </p:spPr>
+        <p:style>
+          <a:lnRef idx="2">
+            <a:schemeClr val="accent1">
+              <a:shade val="50000"/>
+            </a:schemeClr>
+          </a:lnRef>
+          <a:fillRef idx="1">
+            <a:schemeClr val="accent1"/>
+          </a:fillRef>
+          <a:effectRef idx="0">
+            <a:schemeClr val="accent1"/>
+          </a:effectRef>
+          <a:fontRef idx="minor">
+            <a:schemeClr val="lt1"/>
+          </a:fontRef>
+        </p:style>
+      </p:sp>
+      <p:sp>
+        <p:nvSpPr>
+          <p:cNvPr id="9" name="Rectangle 8"/>
+          <p:cNvSpPr/>
+          <p:nvPr/>
+        </p:nvSpPr>
+        <p:spPr>
+          <a:xfrm>
+            <a:off x="12" y="4915076"/>
+            <a:ext cx="9141619" cy="64008"/>
+          </a:xfrm>
+          <a:prstGeom prst="rect">
+            <a:avLst/>
+          </a:prstGeom>
+          <a:solidFill>
+            <a:schemeClr val="accent1"/>
+          </a:solidFill>
+          <a:ln>
+            <a:noFill/>
+          </a:ln>
+        </p:spPr>
+        <p:style>
+          <a:lnRef idx="2">
+            <a:schemeClr val="accent1">
+              <a:shade val="50000"/>
+            </a:schemeClr>
+          </a:lnRef>
+          <a:fillRef idx="1">
+            <a:schemeClr val="accent1"/>
+          </a:fillRef>
+          <a:effectRef idx="0">
+            <a:schemeClr val="accent1"/>
+          </a:effectRef>
+          <a:fontRef idx="minor">
+            <a:schemeClr val="lt1"/>
+          </a:fontRef>
+        </p:style>
+      </p:sp>
+      <p:sp>
+        <p:nvSpPr>
+          <p:cNvPr id="2" name="Title 1"/>
+          <p:cNvSpPr>
+            <a:spLocks noGrp="1"/>
+          </p:cNvSpPr>
+          <p:nvPr>
+            <p:ph type="title"/>
+          </p:nvPr>
+        </p:nvSpPr>
+        <p:spPr>
+          <a:xfrm>
+            <a:off x="822960" y="5074920"/>
+            <a:ext cx="7589520" cy="822960"/>
+          </a:xfrm>
+        </p:spPr>
+        <p:txBody>
+          <a:bodyPr tIns="0" bIns="0" anchor="b">
+            <a:noAutofit/>
+          </a:bodyPr>
+          <a:lstStyle>
+            <a:lvl1pPr>
+              <a:defRPr sz="3600" b="0">
+                <a:solidFill>
+                  <a:srgbClr val="FFFFFF"/>
+                </a:solidFill>
+              </a:defRPr>
+            </a:lvl1pPr>
+          </a:lstStyle>
+          <a:p>
+            <a:r>
+              <a:rPr lang="es-ES" smtClean="0"/>
+              <a:t>Haga clic para modificar el estilo de título del patrón</a:t>
+            </a:r>
+            <a:endParaRPr lang="en-US" dirty="0"/>
+          </a:p>
+        </p:txBody>
+      </p:sp>
+      <p:sp>
+        <p:nvSpPr>
+          <p:cNvPr id="3" name="Picture Placeholder 2"/>
+          <p:cNvSpPr>
+            <a:spLocks noGrp="1" noChangeAspect="1"/>
+          </p:cNvSpPr>
+          <p:nvPr>
+            <p:ph type="pic" idx="1"/>
+          </p:nvPr>
+        </p:nvSpPr>
+        <p:spPr>
+          <a:xfrm>
+            <a:off x="12" y="0"/>
+            <a:ext cx="9143989" cy="4915076"/>
+          </a:xfrm>
+          <a:solidFill>
+            <a:schemeClr val="bg2">
+              <a:lumMod val="90000"/>
+            </a:schemeClr>
+          </a:solidFill>
+        </p:spPr>
+        <p:txBody>
+          <a:bodyPr lIns="457200" tIns="457200" anchor="t"/>
+          <a:lstStyle>
+            <a:lvl1pPr marL="0" indent="0">
+              <a:buNone/>
+              <a:defRPr sz="3200"/>
+            </a:lvl1pPr>
+            <a:lvl2pPr marL="457200" indent="0">
+              <a:buNone/>
+              <a:defRPr sz="2800"/>
+            </a:lvl2pPr>
+            <a:lvl3pPr marL="914400" indent="0">
+              <a:buNone/>
+              <a:defRPr sz="2400"/>
+            </a:lvl3pPr>
+            <a:lvl4pPr marL="1371600" indent="0">
+              <a:buNone/>
+              <a:defRPr sz="2000"/>
+            </a:lvl4pPr>
+            <a:lvl5pPr marL="1828800" indent="0">
+              <a:buNone/>
+              <a:defRPr sz="2000"/>
+            </a:lvl5pPr>
+            <a:lvl6pPr marL="2286000" indent="0">
+              <a:buNone/>
+              <a:defRPr sz="2000"/>
+            </a:lvl6pPr>
+            <a:lvl7pPr marL="2743200" indent="0">
+              <a:buNone/>
+              <a:defRPr sz="2000"/>
+            </a:lvl7pPr>
+            <a:lvl8pPr marL="3200400" indent="0">
+              <a:buNone/>
+              <a:defRPr sz="2000"/>
+            </a:lvl8pPr>
+            <a:lvl9pPr marL="3657600" indent="0">
+              <a:buNone/>
+              <a:defRPr sz="2000"/>
+            </a:lvl9pPr>
+          </a:lstStyle>
+          <a:p>
+            <a:r>
+              <a:rPr lang="es-ES" smtClean="0"/>
+              <a:t>Haga clic en el icono para agregar una imagen</a:t>
+            </a:r>
+            <a:endParaRPr lang="en-US" dirty="0"/>
+          </a:p>
+        </p:txBody>
+      </p:sp>
+      <p:sp>
+        <p:nvSpPr>
+          <p:cNvPr id="4" name="Text Placeholder 3"/>
+          <p:cNvSpPr>
+            <a:spLocks noGrp="1"/>
+          </p:cNvSpPr>
+          <p:nvPr>
+            <p:ph type="body" sz="half" idx="2"/>
+          </p:nvPr>
+        </p:nvSpPr>
+        <p:spPr>
+          <a:xfrm>
+            <a:off x="822960" y="5907024"/>
+            <a:ext cx="7589520" cy="594360"/>
+          </a:xfrm>
+        </p:spPr>
+        <p:txBody>
+          <a:bodyPr lIns="91440" tIns="0" rIns="91440" bIns="0">
+            <a:normAutofit/>
+          </a:bodyPr>
+          <a:lstStyle>
+            <a:lvl1pPr marL="0" indent="0">
+              <a:spcBef>
+                <a:spcPts val="0"/>
+              </a:spcBef>
+              <a:spcAft>
+                <a:spcPts val="600"/>
+              </a:spcAft>
+              <a:buNone/>
+              <a:defRPr sz="1500">
+                <a:solidFill>
+                  <a:srgbClr val="FFFFFF"/>
+                </a:solidFill>
+              </a:defRPr>
+            </a:lvl1pPr>
+            <a:lvl2pPr marL="457200" indent="0">
+              <a:buNone/>
+              <a:defRPr sz="1200"/>
+            </a:lvl2pPr>
+            <a:lvl3pPr marL="914400" indent="0">
+              <a:buNone/>
+              <a:defRPr sz="1000"/>
+            </a:lvl3pPr>
+            <a:lvl4pPr marL="1371600" indent="0">
+              <a:buNone/>
+              <a:defRPr sz="900"/>
+            </a:lvl4pPr>
+            <a:lvl5pPr marL="1828800" indent="0">
+              <a:buNone/>
+              <a:defRPr sz="900"/>
+            </a:lvl5pPr>
+            <a:lvl6pPr marL="2286000" indent="0">
+              <a:buNone/>
+              <a:defRPr sz="900"/>
+            </a:lvl6pPr>
+            <a:lvl7pPr marL="2743200" indent="0">
+              <a:buNone/>
+              <a:defRPr sz="900"/>
+            </a:lvl7pPr>
+            <a:lvl8pPr marL="3200400" indent="0">
+              <a:buNone/>
+              <a:defRPr sz="900"/>
+            </a:lvl8pPr>
+            <a:lvl9pPr marL="3657600" indent="0">
+              <a:buNone/>
+              <a:defRPr sz="900"/>
+            </a:lvl9pPr>
+          </a:lstStyle>
+          <a:p>
+            <a:pPr lvl="0"/>
+            <a:r>
+              <a:rPr lang="es-ES" smtClean="0"/>
+              <a:t>Editar el estilo de texto del patrón</a:t>
+            </a:r>
+          </a:p>
+        </p:txBody>
+      </p:sp>
+      <p:sp>
+        <p:nvSpPr>
+          <p:cNvPr id="5" name="Date Placeholder 4"/>
+          <p:cNvSpPr>
+            <a:spLocks noGrp="1"/>
+          </p:cNvSpPr>
+          <p:nvPr>
+            <p:ph type="dt" sz="half" idx="10"/>
+          </p:nvPr>
+        </p:nvSpPr>
+        <p:spPr/>
+        <p:txBody>
+          <a:bodyPr/>
+          <a:lstStyle/>
+          <a:p>
+            <a:pPr>
+              <a:defRPr/>
+            </a:pPr>
+            <a:fld id="{87DA26DE-D93C-4C69-8AB9-0DC9DF594737}" type="datetimeFigureOut">
+              <a:rPr lang="es-AR" smtClean="0"/>
+              <a:pPr>
+                <a:defRPr/>
+              </a:pPr>
+              <a:t>24/2/2023</a:t>
+            </a:fld>
+            <a:endParaRPr lang="es-AR"/>
+          </a:p>
+        </p:txBody>
+      </p:sp>
+      <p:sp>
+        <p:nvSpPr>
+          <p:cNvPr id="6" name="Footer Placeholder 5"/>
+          <p:cNvSpPr>
+            <a:spLocks noGrp="1"/>
+          </p:cNvSpPr>
+          <p:nvPr>
+            <p:ph type="ftr" sz="quarter" idx="11"/>
+          </p:nvPr>
+        </p:nvSpPr>
+        <p:spPr/>
+        <p:txBody>
+          <a:bodyPr/>
+          <a:lstStyle/>
+          <a:p>
+            <a:pPr>
+              <a:defRPr/>
+            </a:pPr>
+            <a:endParaRPr lang="es-AR"/>
+          </a:p>
+        </p:txBody>
+      </p:sp>
+      <p:sp>
+        <p:nvSpPr>
+          <p:cNvPr id="7" name="Slide Number Placeholder 6"/>
+          <p:cNvSpPr>
+            <a:spLocks noGrp="1"/>
+          </p:cNvSpPr>
+          <p:nvPr>
+            <p:ph type="sldNum" sz="quarter" idx="12"/>
+          </p:nvPr>
+        </p:nvSpPr>
+        <p:spPr/>
+        <p:txBody>
+          <a:bodyPr/>
+          <a:lstStyle/>
+          <a:p>
+            <a:fld id="{BE6A9779-67F1-4867-A584-55A69026F865}" type="slidenum">
+              <a:rPr lang="es-AR" altLang="es-AR" smtClean="0"/>
+              <a:pPr/>
+              <a:t>‹Nº›</a:t>
+            </a:fld>
+            <a:endParaRPr lang="es-AR" altLang="es-AR"/>
+          </a:p>
+        </p:txBody>
+      </p:sp>
+    </p:spTree>
+    <p:extLst>
+      <p:ext uri="{BB962C8B-B14F-4D97-AF65-F5344CB8AC3E}">
+        <p14:creationId xmlns:p14="http://schemas.microsoft.com/office/powerpoint/2010/main" val="1880932141"/>
+      </p:ext>
+    </p:extLst>
+  </p:cSld>
+  <p:clrMapOvr>
+    <a:masterClrMapping/>
+  </p:clrMapOvr>
+</p:sldLayout>
+</file>
+
+<file path=ppt/slideLayouts/slideLayout32.xml><?xml version="1.0" encoding="utf-8"?>
+<p:sldLayout xmlns:a="http://schemas.openxmlformats.org/drawingml/2006/main" xmlns:r="http://schemas.openxmlformats.org/officeDocument/2006/relationships" xmlns:p="http://schemas.openxmlformats.org/presentationml/2006/main" type="vertTx" preserve="1">
+  <p:cSld name="Título y texto vertical">
+    <p:spTree>
+      <p:nvGrpSpPr>
+        <p:cNvPr id="1" name=""/>
+        <p:cNvGrpSpPr/>
+        <p:nvPr/>
+      </p:nvGrpSpPr>
+      <p:grpSpPr>
+        <a:xfrm>
+          <a:off x="0" y="0"/>
+          <a:ext cx="0" cy="0"/>
+          <a:chOff x="0" y="0"/>
+          <a:chExt cx="0" cy="0"/>
+        </a:xfrm>
+      </p:grpSpPr>
+      <p:sp>
+        <p:nvSpPr>
+          <p:cNvPr id="2" name="Title 1"/>
+          <p:cNvSpPr>
+            <a:spLocks noGrp="1"/>
+          </p:cNvSpPr>
+          <p:nvPr>
+            <p:ph type="title"/>
+          </p:nvPr>
+        </p:nvSpPr>
+        <p:spPr/>
+        <p:txBody>
+          <a:bodyPr/>
+          <a:lstStyle/>
+          <a:p>
+            <a:r>
+              <a:rPr lang="es-ES" smtClean="0"/>
+              <a:t>Haga clic para modificar el estilo de título del patrón</a:t>
+            </a:r>
+            <a:endParaRPr lang="en-US" dirty="0"/>
+          </a:p>
+        </p:txBody>
+      </p:sp>
+      <p:sp>
+        <p:nvSpPr>
+          <p:cNvPr id="3" name="Vertical Text Placeholder 2"/>
+          <p:cNvSpPr>
+            <a:spLocks noGrp="1"/>
+          </p:cNvSpPr>
+          <p:nvPr>
+            <p:ph type="body" orient="vert" idx="1"/>
+          </p:nvPr>
+        </p:nvSpPr>
+        <p:spPr/>
+        <p:txBody>
+          <a:bodyPr vert="eaVert" lIns="45720" tIns="0" rIns="45720" bIns="0"/>
+          <a:lstStyle/>
+          <a:p>
+            <a:pPr lvl="0"/>
+            <a:r>
+              <a:rPr lang="es-ES" smtClean="0"/>
+              <a:t>Editar el estilo de texto del patrón</a:t>
+            </a:r>
+          </a:p>
+          <a:p>
+            <a:pPr lvl="1"/>
+            <a:r>
+              <a:rPr lang="es-ES" smtClean="0"/>
+              <a:t>Segundo nivel</a:t>
+            </a:r>
+          </a:p>
+          <a:p>
+            <a:pPr lvl="2"/>
+            <a:r>
+              <a:rPr lang="es-ES" smtClean="0"/>
+              <a:t>Tercer nivel</a:t>
+            </a:r>
+          </a:p>
+          <a:p>
+            <a:pPr lvl="3"/>
+            <a:r>
+              <a:rPr lang="es-ES" smtClean="0"/>
+              <a:t>Cuarto nivel</a:t>
+            </a:r>
+          </a:p>
+          <a:p>
+            <a:pPr lvl="4"/>
+            <a:r>
+              <a:rPr lang="es-ES" smtClean="0"/>
+              <a:t>Quinto nivel</a:t>
+            </a:r>
+            <a:endParaRPr lang="en-US" dirty="0"/>
+          </a:p>
+        </p:txBody>
+      </p:sp>
+      <p:sp>
+        <p:nvSpPr>
+          <p:cNvPr id="4" name="Date Placeholder 3"/>
+          <p:cNvSpPr>
+            <a:spLocks noGrp="1"/>
+          </p:cNvSpPr>
+          <p:nvPr>
+            <p:ph type="dt" sz="half" idx="10"/>
+          </p:nvPr>
+        </p:nvSpPr>
+        <p:spPr/>
+        <p:txBody>
+          <a:bodyPr/>
+          <a:lstStyle/>
+          <a:p>
+            <a:pPr>
+              <a:defRPr/>
+            </a:pPr>
+            <a:fld id="{87DA26DE-D93C-4C69-8AB9-0DC9DF594737}" type="datetimeFigureOut">
+              <a:rPr lang="es-AR" smtClean="0"/>
+              <a:pPr>
+                <a:defRPr/>
+              </a:pPr>
+              <a:t>24/2/2023</a:t>
+            </a:fld>
+            <a:endParaRPr lang="es-AR"/>
+          </a:p>
+        </p:txBody>
+      </p:sp>
+      <p:sp>
+        <p:nvSpPr>
+          <p:cNvPr id="5" name="Footer Placeholder 4"/>
+          <p:cNvSpPr>
+            <a:spLocks noGrp="1"/>
+          </p:cNvSpPr>
+          <p:nvPr>
+            <p:ph type="ftr" sz="quarter" idx="11"/>
+          </p:nvPr>
+        </p:nvSpPr>
+        <p:spPr/>
+        <p:txBody>
+          <a:bodyPr/>
+          <a:lstStyle/>
+          <a:p>
+            <a:pPr>
+              <a:defRPr/>
+            </a:pPr>
+            <a:endParaRPr lang="es-AR"/>
+          </a:p>
+        </p:txBody>
+      </p:sp>
+      <p:sp>
+        <p:nvSpPr>
+          <p:cNvPr id="6" name="Slide Number Placeholder 5"/>
+          <p:cNvSpPr>
+            <a:spLocks noGrp="1"/>
+          </p:cNvSpPr>
+          <p:nvPr>
+            <p:ph type="sldNum" sz="quarter" idx="12"/>
+          </p:nvPr>
+        </p:nvSpPr>
+        <p:spPr/>
+        <p:txBody>
+          <a:bodyPr/>
+          <a:lstStyle/>
+          <a:p>
+            <a:fld id="{BE6A9779-67F1-4867-A584-55A69026F865}" type="slidenum">
+              <a:rPr lang="es-AR" altLang="es-AR" smtClean="0"/>
+              <a:pPr/>
+              <a:t>‹Nº›</a:t>
+            </a:fld>
+            <a:endParaRPr lang="es-AR" altLang="es-AR"/>
+          </a:p>
+        </p:txBody>
+      </p:sp>
+    </p:spTree>
+    <p:extLst>
+      <p:ext uri="{BB962C8B-B14F-4D97-AF65-F5344CB8AC3E}">
+        <p14:creationId xmlns:p14="http://schemas.microsoft.com/office/powerpoint/2010/main" val="1160103997"/>
+      </p:ext>
+    </p:extLst>
+  </p:cSld>
+  <p:clrMapOvr>
+    <a:masterClrMapping/>
+  </p:clrMapOvr>
+</p:sldLayout>
+</file>
+
+<file path=ppt/slideLayouts/slideLayout33.xml><?xml version="1.0" encoding="utf-8"?>
+<p:sldLayout xmlns:a="http://schemas.openxmlformats.org/drawingml/2006/main" xmlns:r="http://schemas.openxmlformats.org/officeDocument/2006/relationships" xmlns:p="http://schemas.openxmlformats.org/presentationml/2006/main" showMasterSp="0" type="vertTitleAndTx" preserve="1">
+  <p:cSld name="Título vertical y texto">
+    <p:spTree>
+      <p:nvGrpSpPr>
+        <p:cNvPr id="1" name=""/>
+        <p:cNvGrpSpPr/>
+        <p:nvPr/>
+      </p:nvGrpSpPr>
+      <p:grpSpPr>
+        <a:xfrm>
+          <a:off x="0" y="0"/>
+          <a:ext cx="0" cy="0"/>
+          <a:chOff x="0" y="0"/>
+          <a:chExt cx="0" cy="0"/>
+        </a:xfrm>
+      </p:grpSpPr>
+      <p:sp>
+        <p:nvSpPr>
+          <p:cNvPr id="7" name="Rectangle 6"/>
+          <p:cNvSpPr/>
+          <p:nvPr/>
+        </p:nvSpPr>
+        <p:spPr>
+          <a:xfrm>
+            <a:off x="2382" y="6400800"/>
+            <a:ext cx="9141619" cy="457200"/>
+          </a:xfrm>
+          <a:prstGeom prst="rect">
+            <a:avLst/>
+          </a:prstGeom>
+          <a:solidFill>
+            <a:schemeClr val="accent2"/>
+          </a:solidFill>
+          <a:ln>
+            <a:noFill/>
+          </a:ln>
+        </p:spPr>
+        <p:style>
+          <a:lnRef idx="2">
+            <a:schemeClr val="accent1">
+              <a:shade val="50000"/>
+            </a:schemeClr>
+          </a:lnRef>
+          <a:fillRef idx="1">
+            <a:schemeClr val="accent1"/>
+          </a:fillRef>
+          <a:effectRef idx="0">
+            <a:schemeClr val="accent1"/>
+          </a:effectRef>
+          <a:fontRef idx="minor">
+            <a:schemeClr val="lt1"/>
+          </a:fontRef>
+        </p:style>
+      </p:sp>
+      <p:sp>
+        <p:nvSpPr>
+          <p:cNvPr id="8" name="Rectangle 7"/>
+          <p:cNvSpPr/>
+          <p:nvPr/>
+        </p:nvSpPr>
+        <p:spPr>
+          <a:xfrm>
+            <a:off x="12" y="6334316"/>
+            <a:ext cx="9141619" cy="64008"/>
+          </a:xfrm>
+          <a:prstGeom prst="rect">
+            <a:avLst/>
+          </a:prstGeom>
+          <a:solidFill>
+            <a:schemeClr val="accent1"/>
+          </a:solidFill>
+          <a:ln>
+            <a:noFill/>
+          </a:ln>
+        </p:spPr>
+        <p:style>
+          <a:lnRef idx="2">
+            <a:schemeClr val="accent1">
+              <a:shade val="50000"/>
+            </a:schemeClr>
+          </a:lnRef>
+          <a:fillRef idx="1">
+            <a:schemeClr val="accent1"/>
+          </a:fillRef>
+          <a:effectRef idx="0">
+            <a:schemeClr val="accent1"/>
+          </a:effectRef>
+          <a:fontRef idx="minor">
+            <a:schemeClr val="lt1"/>
+          </a:fontRef>
+        </p:style>
+      </p:sp>
+      <p:sp>
+        <p:nvSpPr>
+          <p:cNvPr id="2" name="Vertical Title 1"/>
+          <p:cNvSpPr>
+            <a:spLocks noGrp="1"/>
+          </p:cNvSpPr>
+          <p:nvPr>
+            <p:ph type="title" orient="vert"/>
+          </p:nvPr>
+        </p:nvSpPr>
+        <p:spPr>
+          <a:xfrm>
+            <a:off x="6543675" y="412302"/>
+            <a:ext cx="1971675" cy="5759898"/>
+          </a:xfrm>
+        </p:spPr>
+        <p:txBody>
+          <a:bodyPr vert="eaVert"/>
+          <a:lstStyle/>
+          <a:p>
+            <a:r>
+              <a:rPr lang="es-ES" smtClean="0"/>
+              <a:t>Haga clic para modificar el estilo de título del patrón</a:t>
+            </a:r>
+            <a:endParaRPr lang="en-US" dirty="0"/>
+          </a:p>
+        </p:txBody>
+      </p:sp>
+      <p:sp>
+        <p:nvSpPr>
+          <p:cNvPr id="3" name="Vertical Text Placeholder 2"/>
+          <p:cNvSpPr>
+            <a:spLocks noGrp="1"/>
+          </p:cNvSpPr>
+          <p:nvPr>
+            <p:ph type="body" orient="vert" idx="1"/>
+          </p:nvPr>
+        </p:nvSpPr>
+        <p:spPr>
+          <a:xfrm>
+            <a:off x="628650" y="412302"/>
+            <a:ext cx="5800725" cy="5759898"/>
+          </a:xfrm>
+        </p:spPr>
+        <p:txBody>
+          <a:bodyPr vert="eaVert" lIns="45720" tIns="0" rIns="45720" bIns="0"/>
+          <a:lstStyle/>
+          <a:p>
+            <a:pPr lvl="0"/>
+            <a:r>
+              <a:rPr lang="es-ES" smtClean="0"/>
+              <a:t>Editar el estilo de texto del patrón</a:t>
+            </a:r>
+          </a:p>
+          <a:p>
+            <a:pPr lvl="1"/>
+            <a:r>
+              <a:rPr lang="es-ES" smtClean="0"/>
+              <a:t>Segundo nivel</a:t>
+            </a:r>
+          </a:p>
+          <a:p>
+            <a:pPr lvl="2"/>
+            <a:r>
+              <a:rPr lang="es-ES" smtClean="0"/>
+              <a:t>Tercer nivel</a:t>
+            </a:r>
+          </a:p>
+          <a:p>
+            <a:pPr lvl="3"/>
+            <a:r>
+              <a:rPr lang="es-ES" smtClean="0"/>
+              <a:t>Cuarto nivel</a:t>
+            </a:r>
+          </a:p>
+          <a:p>
+            <a:pPr lvl="4"/>
+            <a:r>
+              <a:rPr lang="es-ES" smtClean="0"/>
+              <a:t>Quinto nivel</a:t>
+            </a:r>
+            <a:endParaRPr lang="en-US" dirty="0"/>
+          </a:p>
+        </p:txBody>
+      </p:sp>
+      <p:sp>
+        <p:nvSpPr>
+          <p:cNvPr id="4" name="Date Placeholder 3"/>
+          <p:cNvSpPr>
+            <a:spLocks noGrp="1"/>
+          </p:cNvSpPr>
+          <p:nvPr>
+            <p:ph type="dt" sz="half" idx="10"/>
+          </p:nvPr>
+        </p:nvSpPr>
+        <p:spPr/>
+        <p:txBody>
+          <a:bodyPr/>
+          <a:lstStyle/>
+          <a:p>
+            <a:pPr>
+              <a:defRPr/>
+            </a:pPr>
+            <a:fld id="{87DA26DE-D93C-4C69-8AB9-0DC9DF594737}" type="datetimeFigureOut">
+              <a:rPr lang="es-AR" smtClean="0"/>
+              <a:pPr>
+                <a:defRPr/>
+              </a:pPr>
+              <a:t>24/2/2023</a:t>
+            </a:fld>
+            <a:endParaRPr lang="es-AR"/>
+          </a:p>
+        </p:txBody>
+      </p:sp>
+      <p:sp>
+        <p:nvSpPr>
+          <p:cNvPr id="5" name="Footer Placeholder 4"/>
+          <p:cNvSpPr>
+            <a:spLocks noGrp="1"/>
+          </p:cNvSpPr>
+          <p:nvPr>
+            <p:ph type="ftr" sz="quarter" idx="11"/>
+          </p:nvPr>
+        </p:nvSpPr>
+        <p:spPr/>
+        <p:txBody>
+          <a:bodyPr/>
+          <a:lstStyle/>
+          <a:p>
+            <a:pPr>
+              <a:defRPr/>
+            </a:pPr>
+            <a:endParaRPr lang="es-AR"/>
+          </a:p>
+        </p:txBody>
+      </p:sp>
+      <p:sp>
+        <p:nvSpPr>
+          <p:cNvPr id="6" name="Slide Number Placeholder 5"/>
+          <p:cNvSpPr>
+            <a:spLocks noGrp="1"/>
+          </p:cNvSpPr>
+          <p:nvPr>
+            <p:ph type="sldNum" sz="quarter" idx="12"/>
+          </p:nvPr>
+        </p:nvSpPr>
+        <p:spPr/>
+        <p:txBody>
+          <a:bodyPr/>
+          <a:lstStyle/>
+          <a:p>
+            <a:fld id="{BE6A9779-67F1-4867-A584-55A69026F865}" type="slidenum">
+              <a:rPr lang="es-AR" altLang="es-AR" smtClean="0"/>
+              <a:pPr/>
+              <a:t>‹Nº›</a:t>
+            </a:fld>
+            <a:endParaRPr lang="es-AR" altLang="es-AR"/>
+          </a:p>
+        </p:txBody>
+      </p:sp>
+    </p:spTree>
+    <p:extLst>
+      <p:ext uri="{BB962C8B-B14F-4D97-AF65-F5344CB8AC3E}">
+        <p14:creationId xmlns:p14="http://schemas.microsoft.com/office/powerpoint/2010/main" val="4111034638"/>
+      </p:ext>
+    </p:extLst>
+  </p:cSld>
+  <p:clrMapOvr>
+    <a:masterClrMapping/>
+  </p:clrMapOvr>
+</p:sldLayout>
+</file>
+
+<file path=ppt/slideLayouts/slideLayout4.xml><?xml version="1.0" encoding="utf-8"?>
 <p:sldLayout xmlns:a="http://schemas.openxmlformats.org/drawingml/2006/main" xmlns:r="http://schemas.openxmlformats.org/officeDocument/2006/relationships" xmlns:p="http://schemas.openxmlformats.org/presentationml/2006/main" type="twoObj" preserve="1">
   <p:cSld name="Two Content">
     <p:spTree>
@@ -7974,7 +10590,7 @@
 </p:sldLayout>
 </file>
 
-<file path=ppt/slideLayouts/slideLayout27.xml><?xml version="1.0" encoding="utf-8"?>
+<file path=ppt/slideLayouts/slideLayout5.xml><?xml version="1.0" encoding="utf-8"?>
 <p:sldLayout xmlns:a="http://schemas.openxmlformats.org/drawingml/2006/main" xmlns:r="http://schemas.openxmlformats.org/officeDocument/2006/relationships" xmlns:p="http://schemas.openxmlformats.org/presentationml/2006/main" type="twoTxTwoObj" preserve="1">
   <p:cSld name="Comparison">
     <p:spTree>
@@ -8406,7 +11022,7 @@
 </p:sldLayout>
 </file>
 
-<file path=ppt/slideLayouts/slideLayout28.xml><?xml version="1.0" encoding="utf-8"?>
+<file path=ppt/slideLayouts/slideLayout6.xml><?xml version="1.0" encoding="utf-8"?>
 <p:sldLayout xmlns:a="http://schemas.openxmlformats.org/drawingml/2006/main" xmlns:r="http://schemas.openxmlformats.org/officeDocument/2006/relationships" xmlns:p="http://schemas.openxmlformats.org/presentationml/2006/main" type="titleOnly" preserve="1">
   <p:cSld name="Title Only">
     <p:spTree>
@@ -8534,7 +11150,7 @@
 </p:sldLayout>
 </file>
 
-<file path=ppt/slideLayouts/slideLayout29.xml><?xml version="1.0" encoding="utf-8"?>
+<file path=ppt/slideLayouts/slideLayout7.xml><?xml version="1.0" encoding="utf-8"?>
 <p:sldLayout xmlns:a="http://schemas.openxmlformats.org/drawingml/2006/main" xmlns:r="http://schemas.openxmlformats.org/officeDocument/2006/relationships" xmlns:p="http://schemas.openxmlformats.org/presentationml/2006/main" type="blank" preserve="1">
   <p:cSld name="Blank">
     <p:spTree>
@@ -8639,263 +11255,7 @@
 </p:sldLayout>
 </file>
 
-<file path=ppt/slideLayouts/slideLayout3.xml><?xml version="1.0" encoding="utf-8"?>
-<p:sldLayout xmlns:a="http://schemas.openxmlformats.org/drawingml/2006/main" xmlns:r="http://schemas.openxmlformats.org/officeDocument/2006/relationships" xmlns:p="http://schemas.openxmlformats.org/presentationml/2006/main" type="secHead" preserve="1">
-  <p:cSld name="Section Header">
-    <p:spTree>
-      <p:nvGrpSpPr>
-        <p:cNvPr id="1" name=""/>
-        <p:cNvGrpSpPr/>
-        <p:nvPr/>
-      </p:nvGrpSpPr>
-      <p:grpSpPr>
-        <a:xfrm>
-          <a:off x="0" y="0"/>
-          <a:ext cx="0" cy="0"/>
-          <a:chOff x="0" y="0"/>
-          <a:chExt cx="0" cy="0"/>
-        </a:xfrm>
-      </p:grpSpPr>
-      <p:sp>
-        <p:nvSpPr>
-          <p:cNvPr id="2" name="Title 1"/>
-          <p:cNvSpPr>
-            <a:spLocks noGrp="1"/>
-          </p:cNvSpPr>
-          <p:nvPr>
-            <p:ph type="title"/>
-          </p:nvPr>
-        </p:nvSpPr>
-        <p:spPr>
-          <a:xfrm>
-            <a:off x="722313" y="4406900"/>
-            <a:ext cx="7772400" cy="1362075"/>
-          </a:xfrm>
-        </p:spPr>
-        <p:txBody>
-          <a:bodyPr anchor="t"/>
-          <a:lstStyle>
-            <a:lvl1pPr algn="l">
-              <a:defRPr sz="4000" b="1" cap="all"/>
-            </a:lvl1pPr>
-          </a:lstStyle>
-          <a:p>
-            <a:r>
-              <a:rPr lang="en-US" smtClean="0"/>
-              <a:t>Click to edit Master title style</a:t>
-            </a:r>
-            <a:endParaRPr lang="es-ES"/>
-          </a:p>
-        </p:txBody>
-      </p:sp>
-      <p:sp>
-        <p:nvSpPr>
-          <p:cNvPr id="3" name="Text Placeholder 2"/>
-          <p:cNvSpPr>
-            <a:spLocks noGrp="1"/>
-          </p:cNvSpPr>
-          <p:nvPr>
-            <p:ph type="body" idx="1"/>
-          </p:nvPr>
-        </p:nvSpPr>
-        <p:spPr>
-          <a:xfrm>
-            <a:off x="722313" y="2906713"/>
-            <a:ext cx="7772400" cy="1500187"/>
-          </a:xfrm>
-        </p:spPr>
-        <p:txBody>
-          <a:bodyPr anchor="b"/>
-          <a:lstStyle>
-            <a:lvl1pPr marL="0" indent="0">
-              <a:buNone/>
-              <a:defRPr sz="2000">
-                <a:solidFill>
-                  <a:schemeClr val="tx1">
-                    <a:tint val="75000"/>
-                  </a:schemeClr>
-                </a:solidFill>
-              </a:defRPr>
-            </a:lvl1pPr>
-            <a:lvl2pPr marL="457200" indent="0">
-              <a:buNone/>
-              <a:defRPr sz="1800">
-                <a:solidFill>
-                  <a:schemeClr val="tx1">
-                    <a:tint val="75000"/>
-                  </a:schemeClr>
-                </a:solidFill>
-              </a:defRPr>
-            </a:lvl2pPr>
-            <a:lvl3pPr marL="914400" indent="0">
-              <a:buNone/>
-              <a:defRPr sz="1600">
-                <a:solidFill>
-                  <a:schemeClr val="tx1">
-                    <a:tint val="75000"/>
-                  </a:schemeClr>
-                </a:solidFill>
-              </a:defRPr>
-            </a:lvl3pPr>
-            <a:lvl4pPr marL="1371600" indent="0">
-              <a:buNone/>
-              <a:defRPr sz="1400">
-                <a:solidFill>
-                  <a:schemeClr val="tx1">
-                    <a:tint val="75000"/>
-                  </a:schemeClr>
-                </a:solidFill>
-              </a:defRPr>
-            </a:lvl4pPr>
-            <a:lvl5pPr marL="1828800" indent="0">
-              <a:buNone/>
-              <a:defRPr sz="1400">
-                <a:solidFill>
-                  <a:schemeClr val="tx1">
-                    <a:tint val="75000"/>
-                  </a:schemeClr>
-                </a:solidFill>
-              </a:defRPr>
-            </a:lvl5pPr>
-            <a:lvl6pPr marL="2286000" indent="0">
-              <a:buNone/>
-              <a:defRPr sz="1400">
-                <a:solidFill>
-                  <a:schemeClr val="tx1">
-                    <a:tint val="75000"/>
-                  </a:schemeClr>
-                </a:solidFill>
-              </a:defRPr>
-            </a:lvl6pPr>
-            <a:lvl7pPr marL="2743200" indent="0">
-              <a:buNone/>
-              <a:defRPr sz="1400">
-                <a:solidFill>
-                  <a:schemeClr val="tx1">
-                    <a:tint val="75000"/>
-                  </a:schemeClr>
-                </a:solidFill>
-              </a:defRPr>
-            </a:lvl7pPr>
-            <a:lvl8pPr marL="3200400" indent="0">
-              <a:buNone/>
-              <a:defRPr sz="1400">
-                <a:solidFill>
-                  <a:schemeClr val="tx1">
-                    <a:tint val="75000"/>
-                  </a:schemeClr>
-                </a:solidFill>
-              </a:defRPr>
-            </a:lvl8pPr>
-            <a:lvl9pPr marL="3657600" indent="0">
-              <a:buNone/>
-              <a:defRPr sz="1400">
-                <a:solidFill>
-                  <a:schemeClr val="tx1">
-                    <a:tint val="75000"/>
-                  </a:schemeClr>
-                </a:solidFill>
-              </a:defRPr>
-            </a:lvl9pPr>
-          </a:lstStyle>
-          <a:p>
-            <a:pPr lvl="0"/>
-            <a:r>
-              <a:rPr lang="en-US" smtClean="0"/>
-              <a:t>Click to edit Master text styles</a:t>
-            </a:r>
-          </a:p>
-        </p:txBody>
-      </p:sp>
-      <p:sp>
-        <p:nvSpPr>
-          <p:cNvPr id="4" name="Date Placeholder 3"/>
-          <p:cNvSpPr>
-            <a:spLocks noGrp="1"/>
-          </p:cNvSpPr>
-          <p:nvPr>
-            <p:ph type="dt" sz="half" idx="10"/>
-          </p:nvPr>
-        </p:nvSpPr>
-        <p:spPr/>
-        <p:txBody>
-          <a:bodyPr/>
-          <a:lstStyle/>
-          <a:p>
-            <a:pPr>
-              <a:defRPr/>
-            </a:pPr>
-            <a:fld id="{87DA26DE-D93C-4C69-8AB9-0DC9DF594737}" type="datetimeFigureOut">
-              <a:rPr lang="es-AR" smtClean="0"/>
-              <a:pPr>
-                <a:defRPr/>
-              </a:pPr>
-              <a:t>24/2/2023</a:t>
-            </a:fld>
-            <a:endParaRPr lang="es-AR"/>
-          </a:p>
-        </p:txBody>
-      </p:sp>
-      <p:sp>
-        <p:nvSpPr>
-          <p:cNvPr id="5" name="Footer Placeholder 4"/>
-          <p:cNvSpPr>
-            <a:spLocks noGrp="1"/>
-          </p:cNvSpPr>
-          <p:nvPr>
-            <p:ph type="ftr" sz="quarter" idx="11"/>
-          </p:nvPr>
-        </p:nvSpPr>
-        <p:spPr/>
-        <p:txBody>
-          <a:bodyPr/>
-          <a:lstStyle/>
-          <a:p>
-            <a:pPr>
-              <a:defRPr/>
-            </a:pPr>
-            <a:endParaRPr lang="es-AR"/>
-          </a:p>
-        </p:txBody>
-      </p:sp>
-      <p:sp>
-        <p:nvSpPr>
-          <p:cNvPr id="6" name="Slide Number Placeholder 5"/>
-          <p:cNvSpPr>
-            <a:spLocks noGrp="1"/>
-          </p:cNvSpPr>
-          <p:nvPr>
-            <p:ph type="sldNum" sz="quarter" idx="12"/>
-          </p:nvPr>
-        </p:nvSpPr>
-        <p:spPr/>
-        <p:txBody>
-          <a:bodyPr/>
-          <a:lstStyle/>
-          <a:p>
-            <a:fld id="{BE6A9779-67F1-4867-A584-55A69026F865}" type="slidenum">
-              <a:rPr lang="es-AR" altLang="es-AR" smtClean="0"/>
-              <a:pPr/>
-              <a:t>‹Nº›</a:t>
-            </a:fld>
-            <a:endParaRPr lang="es-AR" altLang="es-AR"/>
-          </a:p>
-        </p:txBody>
-      </p:sp>
-    </p:spTree>
-    <p:extLst>
-      <p:ext uri="{BB962C8B-B14F-4D97-AF65-F5344CB8AC3E}">
-        <p14:creationId xmlns:p14="http://schemas.microsoft.com/office/powerpoint/2010/main" val="4165292097"/>
-      </p:ext>
-    </p:extLst>
-  </p:cSld>
-  <p:clrMapOvr>
-    <a:masterClrMapping/>
-  </p:clrMapOvr>
-</p:sldLayout>
-</file>
-
-<file path=ppt/slideLayouts/slideLayout30.xml><?xml version="1.0" encoding="utf-8"?>
+<file path=ppt/slideLayouts/slideLayout8.xml><?xml version="1.0" encoding="utf-8"?>
 <p:sldLayout xmlns:a="http://schemas.openxmlformats.org/drawingml/2006/main" xmlns:r="http://schemas.openxmlformats.org/officeDocument/2006/relationships" xmlns:p="http://schemas.openxmlformats.org/presentationml/2006/main" type="objTx" preserve="1">
   <p:cSld name="Content with Caption">
     <p:spTree>
@@ -9182,7 +11542,7 @@
 </p:sldLayout>
 </file>
 
-<file path=ppt/slideLayouts/slideLayout31.xml><?xml version="1.0" encoding="utf-8"?>
+<file path=ppt/slideLayouts/slideLayout9.xml><?xml version="1.0" encoding="utf-8"?>
 <p:sldLayout xmlns:a="http://schemas.openxmlformats.org/drawingml/2006/main" xmlns:r="http://schemas.openxmlformats.org/officeDocument/2006/relationships" xmlns:p="http://schemas.openxmlformats.org/presentationml/2006/main" type="picTx" preserve="1">
   <p:cSld name="Picture with Caption">
     <p:spTree>
@@ -9449,1891 +11809,8 @@
 </p:sldLayout>
 </file>
 
-<file path=ppt/slideLayouts/slideLayout32.xml><?xml version="1.0" encoding="utf-8"?>
-<p:sldLayout xmlns:a="http://schemas.openxmlformats.org/drawingml/2006/main" xmlns:r="http://schemas.openxmlformats.org/officeDocument/2006/relationships" xmlns:p="http://schemas.openxmlformats.org/presentationml/2006/main" type="vertTx" preserve="1">
-  <p:cSld name="Title and Vertical Text">
-    <p:spTree>
-      <p:nvGrpSpPr>
-        <p:cNvPr id="1" name=""/>
-        <p:cNvGrpSpPr/>
-        <p:nvPr/>
-      </p:nvGrpSpPr>
-      <p:grpSpPr>
-        <a:xfrm>
-          <a:off x="0" y="0"/>
-          <a:ext cx="0" cy="0"/>
-          <a:chOff x="0" y="0"/>
-          <a:chExt cx="0" cy="0"/>
-        </a:xfrm>
-      </p:grpSpPr>
-      <p:sp>
-        <p:nvSpPr>
-          <p:cNvPr id="2" name="Title 1"/>
-          <p:cNvSpPr>
-            <a:spLocks noGrp="1"/>
-          </p:cNvSpPr>
-          <p:nvPr>
-            <p:ph type="title"/>
-          </p:nvPr>
-        </p:nvSpPr>
-        <p:spPr/>
-        <p:txBody>
-          <a:bodyPr/>
-          <a:lstStyle/>
-          <a:p>
-            <a:r>
-              <a:rPr lang="en-US" smtClean="0"/>
-              <a:t>Click to edit Master title style</a:t>
-            </a:r>
-            <a:endParaRPr lang="es-ES"/>
-          </a:p>
-        </p:txBody>
-      </p:sp>
-      <p:sp>
-        <p:nvSpPr>
-          <p:cNvPr id="3" name="Vertical Text Placeholder 2"/>
-          <p:cNvSpPr>
-            <a:spLocks noGrp="1"/>
-          </p:cNvSpPr>
-          <p:nvPr>
-            <p:ph type="body" orient="vert" idx="1"/>
-          </p:nvPr>
-        </p:nvSpPr>
-        <p:spPr/>
-        <p:txBody>
-          <a:bodyPr vert="eaVert"/>
-          <a:lstStyle/>
-          <a:p>
-            <a:pPr lvl="0"/>
-            <a:r>
-              <a:rPr lang="en-US" smtClean="0"/>
-              <a:t>Click to edit Master text styles</a:t>
-            </a:r>
-          </a:p>
-          <a:p>
-            <a:pPr lvl="1"/>
-            <a:r>
-              <a:rPr lang="en-US" smtClean="0"/>
-              <a:t>Second level</a:t>
-            </a:r>
-          </a:p>
-          <a:p>
-            <a:pPr lvl="2"/>
-            <a:r>
-              <a:rPr lang="en-US" smtClean="0"/>
-              <a:t>Third level</a:t>
-            </a:r>
-          </a:p>
-          <a:p>
-            <a:pPr lvl="3"/>
-            <a:r>
-              <a:rPr lang="en-US" smtClean="0"/>
-              <a:t>Fourth level</a:t>
-            </a:r>
-          </a:p>
-          <a:p>
-            <a:pPr lvl="4"/>
-            <a:r>
-              <a:rPr lang="en-US" smtClean="0"/>
-              <a:t>Fifth level</a:t>
-            </a:r>
-            <a:endParaRPr lang="es-ES"/>
-          </a:p>
-        </p:txBody>
-      </p:sp>
-      <p:sp>
-        <p:nvSpPr>
-          <p:cNvPr id="4" name="Date Placeholder 3"/>
-          <p:cNvSpPr>
-            <a:spLocks noGrp="1"/>
-          </p:cNvSpPr>
-          <p:nvPr>
-            <p:ph type="dt" sz="half" idx="10"/>
-          </p:nvPr>
-        </p:nvSpPr>
-        <p:spPr/>
-        <p:txBody>
-          <a:bodyPr/>
-          <a:lstStyle/>
-          <a:p>
-            <a:pPr>
-              <a:defRPr/>
-            </a:pPr>
-            <a:fld id="{87DA26DE-D93C-4C69-8AB9-0DC9DF594737}" type="datetimeFigureOut">
-              <a:rPr lang="es-AR" smtClean="0"/>
-              <a:pPr>
-                <a:defRPr/>
-              </a:pPr>
-              <a:t>24/2/2023</a:t>
-            </a:fld>
-            <a:endParaRPr lang="es-AR"/>
-          </a:p>
-        </p:txBody>
-      </p:sp>
-      <p:sp>
-        <p:nvSpPr>
-          <p:cNvPr id="5" name="Footer Placeholder 4"/>
-          <p:cNvSpPr>
-            <a:spLocks noGrp="1"/>
-          </p:cNvSpPr>
-          <p:nvPr>
-            <p:ph type="ftr" sz="quarter" idx="11"/>
-          </p:nvPr>
-        </p:nvSpPr>
-        <p:spPr/>
-        <p:txBody>
-          <a:bodyPr/>
-          <a:lstStyle/>
-          <a:p>
-            <a:pPr>
-              <a:defRPr/>
-            </a:pPr>
-            <a:endParaRPr lang="es-AR"/>
-          </a:p>
-        </p:txBody>
-      </p:sp>
-      <p:sp>
-        <p:nvSpPr>
-          <p:cNvPr id="6" name="Slide Number Placeholder 5"/>
-          <p:cNvSpPr>
-            <a:spLocks noGrp="1"/>
-          </p:cNvSpPr>
-          <p:nvPr>
-            <p:ph type="sldNum" sz="quarter" idx="12"/>
-          </p:nvPr>
-        </p:nvSpPr>
-        <p:spPr/>
-        <p:txBody>
-          <a:bodyPr/>
-          <a:lstStyle/>
-          <a:p>
-            <a:fld id="{BE6A9779-67F1-4867-A584-55A69026F865}" type="slidenum">
-              <a:rPr lang="es-AR" altLang="es-AR" smtClean="0"/>
-              <a:pPr/>
-              <a:t>‹Nº›</a:t>
-            </a:fld>
-            <a:endParaRPr lang="es-AR" altLang="es-AR"/>
-          </a:p>
-        </p:txBody>
-      </p:sp>
-    </p:spTree>
-    <p:extLst>
-      <p:ext uri="{BB962C8B-B14F-4D97-AF65-F5344CB8AC3E}">
-        <p14:creationId xmlns:p14="http://schemas.microsoft.com/office/powerpoint/2010/main" val="3479608520"/>
-      </p:ext>
-    </p:extLst>
-  </p:cSld>
-  <p:clrMapOvr>
-    <a:masterClrMapping/>
-  </p:clrMapOvr>
-</p:sldLayout>
-</file>
-
-<file path=ppt/slideLayouts/slideLayout33.xml><?xml version="1.0" encoding="utf-8"?>
-<p:sldLayout xmlns:a="http://schemas.openxmlformats.org/drawingml/2006/main" xmlns:r="http://schemas.openxmlformats.org/officeDocument/2006/relationships" xmlns:p="http://schemas.openxmlformats.org/presentationml/2006/main" type="vertTitleAndTx" preserve="1">
-  <p:cSld name="Vertical Title and Text">
-    <p:spTree>
-      <p:nvGrpSpPr>
-        <p:cNvPr id="1" name=""/>
-        <p:cNvGrpSpPr/>
-        <p:nvPr/>
-      </p:nvGrpSpPr>
-      <p:grpSpPr>
-        <a:xfrm>
-          <a:off x="0" y="0"/>
-          <a:ext cx="0" cy="0"/>
-          <a:chOff x="0" y="0"/>
-          <a:chExt cx="0" cy="0"/>
-        </a:xfrm>
-      </p:grpSpPr>
-      <p:sp>
-        <p:nvSpPr>
-          <p:cNvPr id="2" name="Vertical Title 1"/>
-          <p:cNvSpPr>
-            <a:spLocks noGrp="1"/>
-          </p:cNvSpPr>
-          <p:nvPr>
-            <p:ph type="title" orient="vert"/>
-          </p:nvPr>
-        </p:nvSpPr>
-        <p:spPr>
-          <a:xfrm>
-            <a:off x="6629400" y="274638"/>
-            <a:ext cx="2057400" cy="5851525"/>
-          </a:xfrm>
-        </p:spPr>
-        <p:txBody>
-          <a:bodyPr vert="eaVert"/>
-          <a:lstStyle/>
-          <a:p>
-            <a:r>
-              <a:rPr lang="en-US" smtClean="0"/>
-              <a:t>Click to edit Master title style</a:t>
-            </a:r>
-            <a:endParaRPr lang="es-ES"/>
-          </a:p>
-        </p:txBody>
-      </p:sp>
-      <p:sp>
-        <p:nvSpPr>
-          <p:cNvPr id="3" name="Vertical Text Placeholder 2"/>
-          <p:cNvSpPr>
-            <a:spLocks noGrp="1"/>
-          </p:cNvSpPr>
-          <p:nvPr>
-            <p:ph type="body" orient="vert" idx="1"/>
-          </p:nvPr>
-        </p:nvSpPr>
-        <p:spPr>
-          <a:xfrm>
-            <a:off x="457200" y="274638"/>
-            <a:ext cx="6019800" cy="5851525"/>
-          </a:xfrm>
-        </p:spPr>
-        <p:txBody>
-          <a:bodyPr vert="eaVert"/>
-          <a:lstStyle/>
-          <a:p>
-            <a:pPr lvl="0"/>
-            <a:r>
-              <a:rPr lang="en-US" smtClean="0"/>
-              <a:t>Click to edit Master text styles</a:t>
-            </a:r>
-          </a:p>
-          <a:p>
-            <a:pPr lvl="1"/>
-            <a:r>
-              <a:rPr lang="en-US" smtClean="0"/>
-              <a:t>Second level</a:t>
-            </a:r>
-          </a:p>
-          <a:p>
-            <a:pPr lvl="2"/>
-            <a:r>
-              <a:rPr lang="en-US" smtClean="0"/>
-              <a:t>Third level</a:t>
-            </a:r>
-          </a:p>
-          <a:p>
-            <a:pPr lvl="3"/>
-            <a:r>
-              <a:rPr lang="en-US" smtClean="0"/>
-              <a:t>Fourth level</a:t>
-            </a:r>
-          </a:p>
-          <a:p>
-            <a:pPr lvl="4"/>
-            <a:r>
-              <a:rPr lang="en-US" smtClean="0"/>
-              <a:t>Fifth level</a:t>
-            </a:r>
-            <a:endParaRPr lang="es-ES"/>
-          </a:p>
-        </p:txBody>
-      </p:sp>
-      <p:sp>
-        <p:nvSpPr>
-          <p:cNvPr id="4" name="Date Placeholder 3"/>
-          <p:cNvSpPr>
-            <a:spLocks noGrp="1"/>
-          </p:cNvSpPr>
-          <p:nvPr>
-            <p:ph type="dt" sz="half" idx="10"/>
-          </p:nvPr>
-        </p:nvSpPr>
-        <p:spPr/>
-        <p:txBody>
-          <a:bodyPr/>
-          <a:lstStyle/>
-          <a:p>
-            <a:pPr>
-              <a:defRPr/>
-            </a:pPr>
-            <a:fld id="{87DA26DE-D93C-4C69-8AB9-0DC9DF594737}" type="datetimeFigureOut">
-              <a:rPr lang="es-AR" smtClean="0"/>
-              <a:pPr>
-                <a:defRPr/>
-              </a:pPr>
-              <a:t>24/2/2023</a:t>
-            </a:fld>
-            <a:endParaRPr lang="es-AR"/>
-          </a:p>
-        </p:txBody>
-      </p:sp>
-      <p:sp>
-        <p:nvSpPr>
-          <p:cNvPr id="5" name="Footer Placeholder 4"/>
-          <p:cNvSpPr>
-            <a:spLocks noGrp="1"/>
-          </p:cNvSpPr>
-          <p:nvPr>
-            <p:ph type="ftr" sz="quarter" idx="11"/>
-          </p:nvPr>
-        </p:nvSpPr>
-        <p:spPr/>
-        <p:txBody>
-          <a:bodyPr/>
-          <a:lstStyle/>
-          <a:p>
-            <a:pPr>
-              <a:defRPr/>
-            </a:pPr>
-            <a:endParaRPr lang="es-AR"/>
-          </a:p>
-        </p:txBody>
-      </p:sp>
-      <p:sp>
-        <p:nvSpPr>
-          <p:cNvPr id="6" name="Slide Number Placeholder 5"/>
-          <p:cNvSpPr>
-            <a:spLocks noGrp="1"/>
-          </p:cNvSpPr>
-          <p:nvPr>
-            <p:ph type="sldNum" sz="quarter" idx="12"/>
-          </p:nvPr>
-        </p:nvSpPr>
-        <p:spPr/>
-        <p:txBody>
-          <a:bodyPr/>
-          <a:lstStyle/>
-          <a:p>
-            <a:fld id="{BE6A9779-67F1-4867-A584-55A69026F865}" type="slidenum">
-              <a:rPr lang="es-AR" altLang="es-AR" smtClean="0"/>
-              <a:pPr/>
-              <a:t>‹Nº›</a:t>
-            </a:fld>
-            <a:endParaRPr lang="es-AR" altLang="es-AR"/>
-          </a:p>
-        </p:txBody>
-      </p:sp>
-    </p:spTree>
-    <p:extLst>
-      <p:ext uri="{BB962C8B-B14F-4D97-AF65-F5344CB8AC3E}">
-        <p14:creationId xmlns:p14="http://schemas.microsoft.com/office/powerpoint/2010/main" val="3203033286"/>
-      </p:ext>
-    </p:extLst>
-  </p:cSld>
-  <p:clrMapOvr>
-    <a:masterClrMapping/>
-  </p:clrMapOvr>
-</p:sldLayout>
-</file>
-
-<file path=ppt/slideLayouts/slideLayout4.xml><?xml version="1.0" encoding="utf-8"?>
-<p:sldLayout xmlns:a="http://schemas.openxmlformats.org/drawingml/2006/main" xmlns:r="http://schemas.openxmlformats.org/officeDocument/2006/relationships" xmlns:p="http://schemas.openxmlformats.org/presentationml/2006/main" type="twoObj" preserve="1">
-  <p:cSld name="Two Content">
-    <p:spTree>
-      <p:nvGrpSpPr>
-        <p:cNvPr id="1" name=""/>
-        <p:cNvGrpSpPr/>
-        <p:nvPr/>
-      </p:nvGrpSpPr>
-      <p:grpSpPr>
-        <a:xfrm>
-          <a:off x="0" y="0"/>
-          <a:ext cx="0" cy="0"/>
-          <a:chOff x="0" y="0"/>
-          <a:chExt cx="0" cy="0"/>
-        </a:xfrm>
-      </p:grpSpPr>
-      <p:sp>
-        <p:nvSpPr>
-          <p:cNvPr id="2" name="Title 1"/>
-          <p:cNvSpPr>
-            <a:spLocks noGrp="1"/>
-          </p:cNvSpPr>
-          <p:nvPr>
-            <p:ph type="title"/>
-          </p:nvPr>
-        </p:nvSpPr>
-        <p:spPr/>
-        <p:txBody>
-          <a:bodyPr/>
-          <a:lstStyle/>
-          <a:p>
-            <a:r>
-              <a:rPr lang="en-US" smtClean="0"/>
-              <a:t>Click to edit Master title style</a:t>
-            </a:r>
-            <a:endParaRPr lang="es-ES"/>
-          </a:p>
-        </p:txBody>
-      </p:sp>
-      <p:sp>
-        <p:nvSpPr>
-          <p:cNvPr id="3" name="Content Placeholder 2"/>
-          <p:cNvSpPr>
-            <a:spLocks noGrp="1"/>
-          </p:cNvSpPr>
-          <p:nvPr>
-            <p:ph sz="half" idx="1"/>
-          </p:nvPr>
-        </p:nvSpPr>
-        <p:spPr>
-          <a:xfrm>
-            <a:off x="457200" y="1600200"/>
-            <a:ext cx="4038600" cy="4525963"/>
-          </a:xfrm>
-        </p:spPr>
-        <p:txBody>
-          <a:bodyPr/>
-          <a:lstStyle>
-            <a:lvl1pPr>
-              <a:defRPr sz="2800"/>
-            </a:lvl1pPr>
-            <a:lvl2pPr>
-              <a:defRPr sz="2400"/>
-            </a:lvl2pPr>
-            <a:lvl3pPr>
-              <a:defRPr sz="2000"/>
-            </a:lvl3pPr>
-            <a:lvl4pPr>
-              <a:defRPr sz="1800"/>
-            </a:lvl4pPr>
-            <a:lvl5pPr>
-              <a:defRPr sz="1800"/>
-            </a:lvl5pPr>
-            <a:lvl6pPr>
-              <a:defRPr sz="1800"/>
-            </a:lvl6pPr>
-            <a:lvl7pPr>
-              <a:defRPr sz="1800"/>
-            </a:lvl7pPr>
-            <a:lvl8pPr>
-              <a:defRPr sz="1800"/>
-            </a:lvl8pPr>
-            <a:lvl9pPr>
-              <a:defRPr sz="1800"/>
-            </a:lvl9pPr>
-          </a:lstStyle>
-          <a:p>
-            <a:pPr lvl="0"/>
-            <a:r>
-              <a:rPr lang="en-US" smtClean="0"/>
-              <a:t>Click to edit Master text styles</a:t>
-            </a:r>
-          </a:p>
-          <a:p>
-            <a:pPr lvl="1"/>
-            <a:r>
-              <a:rPr lang="en-US" smtClean="0"/>
-              <a:t>Second level</a:t>
-            </a:r>
-          </a:p>
-          <a:p>
-            <a:pPr lvl="2"/>
-            <a:r>
-              <a:rPr lang="en-US" smtClean="0"/>
-              <a:t>Third level</a:t>
-            </a:r>
-          </a:p>
-          <a:p>
-            <a:pPr lvl="3"/>
-            <a:r>
-              <a:rPr lang="en-US" smtClean="0"/>
-              <a:t>Fourth level</a:t>
-            </a:r>
-          </a:p>
-          <a:p>
-            <a:pPr lvl="4"/>
-            <a:r>
-              <a:rPr lang="en-US" smtClean="0"/>
-              <a:t>Fifth level</a:t>
-            </a:r>
-            <a:endParaRPr lang="es-ES"/>
-          </a:p>
-        </p:txBody>
-      </p:sp>
-      <p:sp>
-        <p:nvSpPr>
-          <p:cNvPr id="4" name="Content Placeholder 3"/>
-          <p:cNvSpPr>
-            <a:spLocks noGrp="1"/>
-          </p:cNvSpPr>
-          <p:nvPr>
-            <p:ph sz="half" idx="2"/>
-          </p:nvPr>
-        </p:nvSpPr>
-        <p:spPr>
-          <a:xfrm>
-            <a:off x="4648200" y="1600200"/>
-            <a:ext cx="4038600" cy="4525963"/>
-          </a:xfrm>
-        </p:spPr>
-        <p:txBody>
-          <a:bodyPr/>
-          <a:lstStyle>
-            <a:lvl1pPr>
-              <a:defRPr sz="2800"/>
-            </a:lvl1pPr>
-            <a:lvl2pPr>
-              <a:defRPr sz="2400"/>
-            </a:lvl2pPr>
-            <a:lvl3pPr>
-              <a:defRPr sz="2000"/>
-            </a:lvl3pPr>
-            <a:lvl4pPr>
-              <a:defRPr sz="1800"/>
-            </a:lvl4pPr>
-            <a:lvl5pPr>
-              <a:defRPr sz="1800"/>
-            </a:lvl5pPr>
-            <a:lvl6pPr>
-              <a:defRPr sz="1800"/>
-            </a:lvl6pPr>
-            <a:lvl7pPr>
-              <a:defRPr sz="1800"/>
-            </a:lvl7pPr>
-            <a:lvl8pPr>
-              <a:defRPr sz="1800"/>
-            </a:lvl8pPr>
-            <a:lvl9pPr>
-              <a:defRPr sz="1800"/>
-            </a:lvl9pPr>
-          </a:lstStyle>
-          <a:p>
-            <a:pPr lvl="0"/>
-            <a:r>
-              <a:rPr lang="en-US" smtClean="0"/>
-              <a:t>Click to edit Master text styles</a:t>
-            </a:r>
-          </a:p>
-          <a:p>
-            <a:pPr lvl="1"/>
-            <a:r>
-              <a:rPr lang="en-US" smtClean="0"/>
-              <a:t>Second level</a:t>
-            </a:r>
-          </a:p>
-          <a:p>
-            <a:pPr lvl="2"/>
-            <a:r>
-              <a:rPr lang="en-US" smtClean="0"/>
-              <a:t>Third level</a:t>
-            </a:r>
-          </a:p>
-          <a:p>
-            <a:pPr lvl="3"/>
-            <a:r>
-              <a:rPr lang="en-US" smtClean="0"/>
-              <a:t>Fourth level</a:t>
-            </a:r>
-          </a:p>
-          <a:p>
-            <a:pPr lvl="4"/>
-            <a:r>
-              <a:rPr lang="en-US" smtClean="0"/>
-              <a:t>Fifth level</a:t>
-            </a:r>
-            <a:endParaRPr lang="es-ES"/>
-          </a:p>
-        </p:txBody>
-      </p:sp>
-      <p:sp>
-        <p:nvSpPr>
-          <p:cNvPr id="5" name="Date Placeholder 4"/>
-          <p:cNvSpPr>
-            <a:spLocks noGrp="1"/>
-          </p:cNvSpPr>
-          <p:nvPr>
-            <p:ph type="dt" sz="half" idx="10"/>
-          </p:nvPr>
-        </p:nvSpPr>
-        <p:spPr/>
-        <p:txBody>
-          <a:bodyPr/>
-          <a:lstStyle/>
-          <a:p>
-            <a:pPr>
-              <a:defRPr/>
-            </a:pPr>
-            <a:fld id="{87DA26DE-D93C-4C69-8AB9-0DC9DF594737}" type="datetimeFigureOut">
-              <a:rPr lang="es-AR" smtClean="0"/>
-              <a:pPr>
-                <a:defRPr/>
-              </a:pPr>
-              <a:t>24/2/2023</a:t>
-            </a:fld>
-            <a:endParaRPr lang="es-AR"/>
-          </a:p>
-        </p:txBody>
-      </p:sp>
-      <p:sp>
-        <p:nvSpPr>
-          <p:cNvPr id="6" name="Footer Placeholder 5"/>
-          <p:cNvSpPr>
-            <a:spLocks noGrp="1"/>
-          </p:cNvSpPr>
-          <p:nvPr>
-            <p:ph type="ftr" sz="quarter" idx="11"/>
-          </p:nvPr>
-        </p:nvSpPr>
-        <p:spPr/>
-        <p:txBody>
-          <a:bodyPr/>
-          <a:lstStyle/>
-          <a:p>
-            <a:pPr>
-              <a:defRPr/>
-            </a:pPr>
-            <a:endParaRPr lang="es-AR"/>
-          </a:p>
-        </p:txBody>
-      </p:sp>
-      <p:sp>
-        <p:nvSpPr>
-          <p:cNvPr id="7" name="Slide Number Placeholder 6"/>
-          <p:cNvSpPr>
-            <a:spLocks noGrp="1"/>
-          </p:cNvSpPr>
-          <p:nvPr>
-            <p:ph type="sldNum" sz="quarter" idx="12"/>
-          </p:nvPr>
-        </p:nvSpPr>
-        <p:spPr/>
-        <p:txBody>
-          <a:bodyPr/>
-          <a:lstStyle/>
-          <a:p>
-            <a:fld id="{BE6A9779-67F1-4867-A584-55A69026F865}" type="slidenum">
-              <a:rPr lang="es-AR" altLang="es-AR" smtClean="0"/>
-              <a:pPr/>
-              <a:t>‹Nº›</a:t>
-            </a:fld>
-            <a:endParaRPr lang="es-AR" altLang="es-AR"/>
-          </a:p>
-        </p:txBody>
-      </p:sp>
-    </p:spTree>
-    <p:extLst>
-      <p:ext uri="{BB962C8B-B14F-4D97-AF65-F5344CB8AC3E}">
-        <p14:creationId xmlns:p14="http://schemas.microsoft.com/office/powerpoint/2010/main" val="2913018605"/>
-      </p:ext>
-    </p:extLst>
-  </p:cSld>
-  <p:clrMapOvr>
-    <a:masterClrMapping/>
-  </p:clrMapOvr>
-</p:sldLayout>
-</file>
-
-<file path=ppt/slideLayouts/slideLayout5.xml><?xml version="1.0" encoding="utf-8"?>
-<p:sldLayout xmlns:a="http://schemas.openxmlformats.org/drawingml/2006/main" xmlns:r="http://schemas.openxmlformats.org/officeDocument/2006/relationships" xmlns:p="http://schemas.openxmlformats.org/presentationml/2006/main" type="twoTxTwoObj" preserve="1">
-  <p:cSld name="Comparison">
-    <p:spTree>
-      <p:nvGrpSpPr>
-        <p:cNvPr id="1" name=""/>
-        <p:cNvGrpSpPr/>
-        <p:nvPr/>
-      </p:nvGrpSpPr>
-      <p:grpSpPr>
-        <a:xfrm>
-          <a:off x="0" y="0"/>
-          <a:ext cx="0" cy="0"/>
-          <a:chOff x="0" y="0"/>
-          <a:chExt cx="0" cy="0"/>
-        </a:xfrm>
-      </p:grpSpPr>
-      <p:sp>
-        <p:nvSpPr>
-          <p:cNvPr id="2" name="Title 1"/>
-          <p:cNvSpPr>
-            <a:spLocks noGrp="1"/>
-          </p:cNvSpPr>
-          <p:nvPr>
-            <p:ph type="title"/>
-          </p:nvPr>
-        </p:nvSpPr>
-        <p:spPr/>
-        <p:txBody>
-          <a:bodyPr/>
-          <a:lstStyle>
-            <a:lvl1pPr>
-              <a:defRPr/>
-            </a:lvl1pPr>
-          </a:lstStyle>
-          <a:p>
-            <a:r>
-              <a:rPr lang="en-US" smtClean="0"/>
-              <a:t>Click to edit Master title style</a:t>
-            </a:r>
-            <a:endParaRPr lang="es-ES"/>
-          </a:p>
-        </p:txBody>
-      </p:sp>
-      <p:sp>
-        <p:nvSpPr>
-          <p:cNvPr id="3" name="Text Placeholder 2"/>
-          <p:cNvSpPr>
-            <a:spLocks noGrp="1"/>
-          </p:cNvSpPr>
-          <p:nvPr>
-            <p:ph type="body" idx="1"/>
-          </p:nvPr>
-        </p:nvSpPr>
-        <p:spPr>
-          <a:xfrm>
-            <a:off x="457200" y="1535113"/>
-            <a:ext cx="4040188" cy="639762"/>
-          </a:xfrm>
-        </p:spPr>
-        <p:txBody>
-          <a:bodyPr anchor="b"/>
-          <a:lstStyle>
-            <a:lvl1pPr marL="0" indent="0">
-              <a:buNone/>
-              <a:defRPr sz="2400" b="1"/>
-            </a:lvl1pPr>
-            <a:lvl2pPr marL="457200" indent="0">
-              <a:buNone/>
-              <a:defRPr sz="2000" b="1"/>
-            </a:lvl2pPr>
-            <a:lvl3pPr marL="914400" indent="0">
-              <a:buNone/>
-              <a:defRPr sz="1800" b="1"/>
-            </a:lvl3pPr>
-            <a:lvl4pPr marL="1371600" indent="0">
-              <a:buNone/>
-              <a:defRPr sz="1600" b="1"/>
-            </a:lvl4pPr>
-            <a:lvl5pPr marL="1828800" indent="0">
-              <a:buNone/>
-              <a:defRPr sz="1600" b="1"/>
-            </a:lvl5pPr>
-            <a:lvl6pPr marL="2286000" indent="0">
-              <a:buNone/>
-              <a:defRPr sz="1600" b="1"/>
-            </a:lvl6pPr>
-            <a:lvl7pPr marL="2743200" indent="0">
-              <a:buNone/>
-              <a:defRPr sz="1600" b="1"/>
-            </a:lvl7pPr>
-            <a:lvl8pPr marL="3200400" indent="0">
-              <a:buNone/>
-              <a:defRPr sz="1600" b="1"/>
-            </a:lvl8pPr>
-            <a:lvl9pPr marL="3657600" indent="0">
-              <a:buNone/>
-              <a:defRPr sz="1600" b="1"/>
-            </a:lvl9pPr>
-          </a:lstStyle>
-          <a:p>
-            <a:pPr lvl="0"/>
-            <a:r>
-              <a:rPr lang="en-US" smtClean="0"/>
-              <a:t>Click to edit Master text styles</a:t>
-            </a:r>
-          </a:p>
-        </p:txBody>
-      </p:sp>
-      <p:sp>
-        <p:nvSpPr>
-          <p:cNvPr id="4" name="Content Placeholder 3"/>
-          <p:cNvSpPr>
-            <a:spLocks noGrp="1"/>
-          </p:cNvSpPr>
-          <p:nvPr>
-            <p:ph sz="half" idx="2"/>
-          </p:nvPr>
-        </p:nvSpPr>
-        <p:spPr>
-          <a:xfrm>
-            <a:off x="457200" y="2174875"/>
-            <a:ext cx="4040188" cy="3951288"/>
-          </a:xfrm>
-        </p:spPr>
-        <p:txBody>
-          <a:bodyPr/>
-          <a:lstStyle>
-            <a:lvl1pPr>
-              <a:defRPr sz="2400"/>
-            </a:lvl1pPr>
-            <a:lvl2pPr>
-              <a:defRPr sz="2000"/>
-            </a:lvl2pPr>
-            <a:lvl3pPr>
-              <a:defRPr sz="1800"/>
-            </a:lvl3pPr>
-            <a:lvl4pPr>
-              <a:defRPr sz="1600"/>
-            </a:lvl4pPr>
-            <a:lvl5pPr>
-              <a:defRPr sz="1600"/>
-            </a:lvl5pPr>
-            <a:lvl6pPr>
-              <a:defRPr sz="1600"/>
-            </a:lvl6pPr>
-            <a:lvl7pPr>
-              <a:defRPr sz="1600"/>
-            </a:lvl7pPr>
-            <a:lvl8pPr>
-              <a:defRPr sz="1600"/>
-            </a:lvl8pPr>
-            <a:lvl9pPr>
-              <a:defRPr sz="1600"/>
-            </a:lvl9pPr>
-          </a:lstStyle>
-          <a:p>
-            <a:pPr lvl="0"/>
-            <a:r>
-              <a:rPr lang="en-US" smtClean="0"/>
-              <a:t>Click to edit Master text styles</a:t>
-            </a:r>
-          </a:p>
-          <a:p>
-            <a:pPr lvl="1"/>
-            <a:r>
-              <a:rPr lang="en-US" smtClean="0"/>
-              <a:t>Second level</a:t>
-            </a:r>
-          </a:p>
-          <a:p>
-            <a:pPr lvl="2"/>
-            <a:r>
-              <a:rPr lang="en-US" smtClean="0"/>
-              <a:t>Third level</a:t>
-            </a:r>
-          </a:p>
-          <a:p>
-            <a:pPr lvl="3"/>
-            <a:r>
-              <a:rPr lang="en-US" smtClean="0"/>
-              <a:t>Fourth level</a:t>
-            </a:r>
-          </a:p>
-          <a:p>
-            <a:pPr lvl="4"/>
-            <a:r>
-              <a:rPr lang="en-US" smtClean="0"/>
-              <a:t>Fifth level</a:t>
-            </a:r>
-            <a:endParaRPr lang="es-ES"/>
-          </a:p>
-        </p:txBody>
-      </p:sp>
-      <p:sp>
-        <p:nvSpPr>
-          <p:cNvPr id="5" name="Text Placeholder 4"/>
-          <p:cNvSpPr>
-            <a:spLocks noGrp="1"/>
-          </p:cNvSpPr>
-          <p:nvPr>
-            <p:ph type="body" sz="quarter" idx="3"/>
-          </p:nvPr>
-        </p:nvSpPr>
-        <p:spPr>
-          <a:xfrm>
-            <a:off x="4645025" y="1535113"/>
-            <a:ext cx="4041775" cy="639762"/>
-          </a:xfrm>
-        </p:spPr>
-        <p:txBody>
-          <a:bodyPr anchor="b"/>
-          <a:lstStyle>
-            <a:lvl1pPr marL="0" indent="0">
-              <a:buNone/>
-              <a:defRPr sz="2400" b="1"/>
-            </a:lvl1pPr>
-            <a:lvl2pPr marL="457200" indent="0">
-              <a:buNone/>
-              <a:defRPr sz="2000" b="1"/>
-            </a:lvl2pPr>
-            <a:lvl3pPr marL="914400" indent="0">
-              <a:buNone/>
-              <a:defRPr sz="1800" b="1"/>
-            </a:lvl3pPr>
-            <a:lvl4pPr marL="1371600" indent="0">
-              <a:buNone/>
-              <a:defRPr sz="1600" b="1"/>
-            </a:lvl4pPr>
-            <a:lvl5pPr marL="1828800" indent="0">
-              <a:buNone/>
-              <a:defRPr sz="1600" b="1"/>
-            </a:lvl5pPr>
-            <a:lvl6pPr marL="2286000" indent="0">
-              <a:buNone/>
-              <a:defRPr sz="1600" b="1"/>
-            </a:lvl6pPr>
-            <a:lvl7pPr marL="2743200" indent="0">
-              <a:buNone/>
-              <a:defRPr sz="1600" b="1"/>
-            </a:lvl7pPr>
-            <a:lvl8pPr marL="3200400" indent="0">
-              <a:buNone/>
-              <a:defRPr sz="1600" b="1"/>
-            </a:lvl8pPr>
-            <a:lvl9pPr marL="3657600" indent="0">
-              <a:buNone/>
-              <a:defRPr sz="1600" b="1"/>
-            </a:lvl9pPr>
-          </a:lstStyle>
-          <a:p>
-            <a:pPr lvl="0"/>
-            <a:r>
-              <a:rPr lang="en-US" smtClean="0"/>
-              <a:t>Click to edit Master text styles</a:t>
-            </a:r>
-          </a:p>
-        </p:txBody>
-      </p:sp>
-      <p:sp>
-        <p:nvSpPr>
-          <p:cNvPr id="6" name="Content Placeholder 5"/>
-          <p:cNvSpPr>
-            <a:spLocks noGrp="1"/>
-          </p:cNvSpPr>
-          <p:nvPr>
-            <p:ph sz="quarter" idx="4"/>
-          </p:nvPr>
-        </p:nvSpPr>
-        <p:spPr>
-          <a:xfrm>
-            <a:off x="4645025" y="2174875"/>
-            <a:ext cx="4041775" cy="3951288"/>
-          </a:xfrm>
-        </p:spPr>
-        <p:txBody>
-          <a:bodyPr/>
-          <a:lstStyle>
-            <a:lvl1pPr>
-              <a:defRPr sz="2400"/>
-            </a:lvl1pPr>
-            <a:lvl2pPr>
-              <a:defRPr sz="2000"/>
-            </a:lvl2pPr>
-            <a:lvl3pPr>
-              <a:defRPr sz="1800"/>
-            </a:lvl3pPr>
-            <a:lvl4pPr>
-              <a:defRPr sz="1600"/>
-            </a:lvl4pPr>
-            <a:lvl5pPr>
-              <a:defRPr sz="1600"/>
-            </a:lvl5pPr>
-            <a:lvl6pPr>
-              <a:defRPr sz="1600"/>
-            </a:lvl6pPr>
-            <a:lvl7pPr>
-              <a:defRPr sz="1600"/>
-            </a:lvl7pPr>
-            <a:lvl8pPr>
-              <a:defRPr sz="1600"/>
-            </a:lvl8pPr>
-            <a:lvl9pPr>
-              <a:defRPr sz="1600"/>
-            </a:lvl9pPr>
-          </a:lstStyle>
-          <a:p>
-            <a:pPr lvl="0"/>
-            <a:r>
-              <a:rPr lang="en-US" smtClean="0"/>
-              <a:t>Click to edit Master text styles</a:t>
-            </a:r>
-          </a:p>
-          <a:p>
-            <a:pPr lvl="1"/>
-            <a:r>
-              <a:rPr lang="en-US" smtClean="0"/>
-              <a:t>Second level</a:t>
-            </a:r>
-          </a:p>
-          <a:p>
-            <a:pPr lvl="2"/>
-            <a:r>
-              <a:rPr lang="en-US" smtClean="0"/>
-              <a:t>Third level</a:t>
-            </a:r>
-          </a:p>
-          <a:p>
-            <a:pPr lvl="3"/>
-            <a:r>
-              <a:rPr lang="en-US" smtClean="0"/>
-              <a:t>Fourth level</a:t>
-            </a:r>
-          </a:p>
-          <a:p>
-            <a:pPr lvl="4"/>
-            <a:r>
-              <a:rPr lang="en-US" smtClean="0"/>
-              <a:t>Fifth level</a:t>
-            </a:r>
-            <a:endParaRPr lang="es-ES"/>
-          </a:p>
-        </p:txBody>
-      </p:sp>
-      <p:sp>
-        <p:nvSpPr>
-          <p:cNvPr id="7" name="Date Placeholder 6"/>
-          <p:cNvSpPr>
-            <a:spLocks noGrp="1"/>
-          </p:cNvSpPr>
-          <p:nvPr>
-            <p:ph type="dt" sz="half" idx="10"/>
-          </p:nvPr>
-        </p:nvSpPr>
-        <p:spPr/>
-        <p:txBody>
-          <a:bodyPr/>
-          <a:lstStyle/>
-          <a:p>
-            <a:pPr>
-              <a:defRPr/>
-            </a:pPr>
-            <a:fld id="{87DA26DE-D93C-4C69-8AB9-0DC9DF594737}" type="datetimeFigureOut">
-              <a:rPr lang="es-AR" smtClean="0"/>
-              <a:pPr>
-                <a:defRPr/>
-              </a:pPr>
-              <a:t>24/2/2023</a:t>
-            </a:fld>
-            <a:endParaRPr lang="es-AR"/>
-          </a:p>
-        </p:txBody>
-      </p:sp>
-      <p:sp>
-        <p:nvSpPr>
-          <p:cNvPr id="8" name="Footer Placeholder 7"/>
-          <p:cNvSpPr>
-            <a:spLocks noGrp="1"/>
-          </p:cNvSpPr>
-          <p:nvPr>
-            <p:ph type="ftr" sz="quarter" idx="11"/>
-          </p:nvPr>
-        </p:nvSpPr>
-        <p:spPr/>
-        <p:txBody>
-          <a:bodyPr/>
-          <a:lstStyle/>
-          <a:p>
-            <a:pPr>
-              <a:defRPr/>
-            </a:pPr>
-            <a:endParaRPr lang="es-AR"/>
-          </a:p>
-        </p:txBody>
-      </p:sp>
-      <p:sp>
-        <p:nvSpPr>
-          <p:cNvPr id="9" name="Slide Number Placeholder 8"/>
-          <p:cNvSpPr>
-            <a:spLocks noGrp="1"/>
-          </p:cNvSpPr>
-          <p:nvPr>
-            <p:ph type="sldNum" sz="quarter" idx="12"/>
-          </p:nvPr>
-        </p:nvSpPr>
-        <p:spPr/>
-        <p:txBody>
-          <a:bodyPr/>
-          <a:lstStyle/>
-          <a:p>
-            <a:fld id="{BE6A9779-67F1-4867-A584-55A69026F865}" type="slidenum">
-              <a:rPr lang="es-AR" altLang="es-AR" smtClean="0"/>
-              <a:pPr/>
-              <a:t>‹Nº›</a:t>
-            </a:fld>
-            <a:endParaRPr lang="es-AR" altLang="es-AR"/>
-          </a:p>
-        </p:txBody>
-      </p:sp>
-    </p:spTree>
-    <p:extLst>
-      <p:ext uri="{BB962C8B-B14F-4D97-AF65-F5344CB8AC3E}">
-        <p14:creationId xmlns:p14="http://schemas.microsoft.com/office/powerpoint/2010/main" val="479346157"/>
-      </p:ext>
-    </p:extLst>
-  </p:cSld>
-  <p:clrMapOvr>
-    <a:masterClrMapping/>
-  </p:clrMapOvr>
-</p:sldLayout>
-</file>
-
-<file path=ppt/slideLayouts/slideLayout6.xml><?xml version="1.0" encoding="utf-8"?>
-<p:sldLayout xmlns:a="http://schemas.openxmlformats.org/drawingml/2006/main" xmlns:r="http://schemas.openxmlformats.org/officeDocument/2006/relationships" xmlns:p="http://schemas.openxmlformats.org/presentationml/2006/main" type="titleOnly" preserve="1">
-  <p:cSld name="Title Only">
-    <p:spTree>
-      <p:nvGrpSpPr>
-        <p:cNvPr id="1" name=""/>
-        <p:cNvGrpSpPr/>
-        <p:nvPr/>
-      </p:nvGrpSpPr>
-      <p:grpSpPr>
-        <a:xfrm>
-          <a:off x="0" y="0"/>
-          <a:ext cx="0" cy="0"/>
-          <a:chOff x="0" y="0"/>
-          <a:chExt cx="0" cy="0"/>
-        </a:xfrm>
-      </p:grpSpPr>
-      <p:sp>
-        <p:nvSpPr>
-          <p:cNvPr id="2" name="Title 1"/>
-          <p:cNvSpPr>
-            <a:spLocks noGrp="1"/>
-          </p:cNvSpPr>
-          <p:nvPr>
-            <p:ph type="title"/>
-          </p:nvPr>
-        </p:nvSpPr>
-        <p:spPr/>
-        <p:txBody>
-          <a:bodyPr/>
-          <a:lstStyle/>
-          <a:p>
-            <a:r>
-              <a:rPr lang="en-US" smtClean="0"/>
-              <a:t>Click to edit Master title style</a:t>
-            </a:r>
-            <a:endParaRPr lang="es-ES"/>
-          </a:p>
-        </p:txBody>
-      </p:sp>
-      <p:sp>
-        <p:nvSpPr>
-          <p:cNvPr id="3" name="Date Placeholder 2"/>
-          <p:cNvSpPr>
-            <a:spLocks noGrp="1"/>
-          </p:cNvSpPr>
-          <p:nvPr>
-            <p:ph type="dt" sz="half" idx="10"/>
-          </p:nvPr>
-        </p:nvSpPr>
-        <p:spPr/>
-        <p:txBody>
-          <a:bodyPr/>
-          <a:lstStyle/>
-          <a:p>
-            <a:pPr>
-              <a:defRPr/>
-            </a:pPr>
-            <a:fld id="{87DA26DE-D93C-4C69-8AB9-0DC9DF594737}" type="datetimeFigureOut">
-              <a:rPr lang="es-AR" smtClean="0"/>
-              <a:pPr>
-                <a:defRPr/>
-              </a:pPr>
-              <a:t>24/2/2023</a:t>
-            </a:fld>
-            <a:endParaRPr lang="es-AR"/>
-          </a:p>
-        </p:txBody>
-      </p:sp>
-      <p:sp>
-        <p:nvSpPr>
-          <p:cNvPr id="4" name="Footer Placeholder 3"/>
-          <p:cNvSpPr>
-            <a:spLocks noGrp="1"/>
-          </p:cNvSpPr>
-          <p:nvPr>
-            <p:ph type="ftr" sz="quarter" idx="11"/>
-          </p:nvPr>
-        </p:nvSpPr>
-        <p:spPr/>
-        <p:txBody>
-          <a:bodyPr/>
-          <a:lstStyle/>
-          <a:p>
-            <a:pPr>
-              <a:defRPr/>
-            </a:pPr>
-            <a:endParaRPr lang="es-AR"/>
-          </a:p>
-        </p:txBody>
-      </p:sp>
-      <p:sp>
-        <p:nvSpPr>
-          <p:cNvPr id="5" name="Slide Number Placeholder 4"/>
-          <p:cNvSpPr>
-            <a:spLocks noGrp="1"/>
-          </p:cNvSpPr>
-          <p:nvPr>
-            <p:ph type="sldNum" sz="quarter" idx="12"/>
-          </p:nvPr>
-        </p:nvSpPr>
-        <p:spPr/>
-        <p:txBody>
-          <a:bodyPr/>
-          <a:lstStyle/>
-          <a:p>
-            <a:fld id="{BE6A9779-67F1-4867-A584-55A69026F865}" type="slidenum">
-              <a:rPr lang="es-AR" altLang="es-AR" smtClean="0"/>
-              <a:pPr/>
-              <a:t>‹Nº›</a:t>
-            </a:fld>
-            <a:endParaRPr lang="es-AR" altLang="es-AR"/>
-          </a:p>
-        </p:txBody>
-      </p:sp>
-    </p:spTree>
-    <p:extLst>
-      <p:ext uri="{BB962C8B-B14F-4D97-AF65-F5344CB8AC3E}">
-        <p14:creationId xmlns:p14="http://schemas.microsoft.com/office/powerpoint/2010/main" val="3604776731"/>
-      </p:ext>
-    </p:extLst>
-  </p:cSld>
-  <p:clrMapOvr>
-    <a:masterClrMapping/>
-  </p:clrMapOvr>
-</p:sldLayout>
-</file>
-
-<file path=ppt/slideLayouts/slideLayout7.xml><?xml version="1.0" encoding="utf-8"?>
-<p:sldLayout xmlns:a="http://schemas.openxmlformats.org/drawingml/2006/main" xmlns:r="http://schemas.openxmlformats.org/officeDocument/2006/relationships" xmlns:p="http://schemas.openxmlformats.org/presentationml/2006/main" type="blank" preserve="1">
-  <p:cSld name="Blank">
-    <p:spTree>
-      <p:nvGrpSpPr>
-        <p:cNvPr id="1" name=""/>
-        <p:cNvGrpSpPr/>
-        <p:nvPr/>
-      </p:nvGrpSpPr>
-      <p:grpSpPr>
-        <a:xfrm>
-          <a:off x="0" y="0"/>
-          <a:ext cx="0" cy="0"/>
-          <a:chOff x="0" y="0"/>
-          <a:chExt cx="0" cy="0"/>
-        </a:xfrm>
-      </p:grpSpPr>
-      <p:sp>
-        <p:nvSpPr>
-          <p:cNvPr id="2" name="Date Placeholder 1"/>
-          <p:cNvSpPr>
-            <a:spLocks noGrp="1"/>
-          </p:cNvSpPr>
-          <p:nvPr>
-            <p:ph type="dt" sz="half" idx="10"/>
-          </p:nvPr>
-        </p:nvSpPr>
-        <p:spPr/>
-        <p:txBody>
-          <a:bodyPr/>
-          <a:lstStyle/>
-          <a:p>
-            <a:pPr>
-              <a:defRPr/>
-            </a:pPr>
-            <a:fld id="{87DA26DE-D93C-4C69-8AB9-0DC9DF594737}" type="datetimeFigureOut">
-              <a:rPr lang="es-AR" smtClean="0"/>
-              <a:pPr>
-                <a:defRPr/>
-              </a:pPr>
-              <a:t>24/2/2023</a:t>
-            </a:fld>
-            <a:endParaRPr lang="es-AR"/>
-          </a:p>
-        </p:txBody>
-      </p:sp>
-      <p:sp>
-        <p:nvSpPr>
-          <p:cNvPr id="3" name="Footer Placeholder 2"/>
-          <p:cNvSpPr>
-            <a:spLocks noGrp="1"/>
-          </p:cNvSpPr>
-          <p:nvPr>
-            <p:ph type="ftr" sz="quarter" idx="11"/>
-          </p:nvPr>
-        </p:nvSpPr>
-        <p:spPr/>
-        <p:txBody>
-          <a:bodyPr/>
-          <a:lstStyle/>
-          <a:p>
-            <a:pPr>
-              <a:defRPr/>
-            </a:pPr>
-            <a:endParaRPr lang="es-AR"/>
-          </a:p>
-        </p:txBody>
-      </p:sp>
-      <p:sp>
-        <p:nvSpPr>
-          <p:cNvPr id="4" name="Slide Number Placeholder 3"/>
-          <p:cNvSpPr>
-            <a:spLocks noGrp="1"/>
-          </p:cNvSpPr>
-          <p:nvPr>
-            <p:ph type="sldNum" sz="quarter" idx="12"/>
-          </p:nvPr>
-        </p:nvSpPr>
-        <p:spPr/>
-        <p:txBody>
-          <a:bodyPr/>
-          <a:lstStyle/>
-          <a:p>
-            <a:fld id="{BE6A9779-67F1-4867-A584-55A69026F865}" type="slidenum">
-              <a:rPr lang="es-AR" altLang="es-AR" smtClean="0"/>
-              <a:pPr/>
-              <a:t>‹Nº›</a:t>
-            </a:fld>
-            <a:endParaRPr lang="es-AR" altLang="es-AR"/>
-          </a:p>
-        </p:txBody>
-      </p:sp>
-    </p:spTree>
-    <p:extLst>
-      <p:ext uri="{BB962C8B-B14F-4D97-AF65-F5344CB8AC3E}">
-        <p14:creationId xmlns:p14="http://schemas.microsoft.com/office/powerpoint/2010/main" val="4010999694"/>
-      </p:ext>
-    </p:extLst>
-  </p:cSld>
-  <p:clrMapOvr>
-    <a:masterClrMapping/>
-  </p:clrMapOvr>
-</p:sldLayout>
-</file>
-
-<file path=ppt/slideLayouts/slideLayout8.xml><?xml version="1.0" encoding="utf-8"?>
-<p:sldLayout xmlns:a="http://schemas.openxmlformats.org/drawingml/2006/main" xmlns:r="http://schemas.openxmlformats.org/officeDocument/2006/relationships" xmlns:p="http://schemas.openxmlformats.org/presentationml/2006/main" type="objTx" preserve="1">
-  <p:cSld name="Content with Caption">
-    <p:spTree>
-      <p:nvGrpSpPr>
-        <p:cNvPr id="1" name=""/>
-        <p:cNvGrpSpPr/>
-        <p:nvPr/>
-      </p:nvGrpSpPr>
-      <p:grpSpPr>
-        <a:xfrm>
-          <a:off x="0" y="0"/>
-          <a:ext cx="0" cy="0"/>
-          <a:chOff x="0" y="0"/>
-          <a:chExt cx="0" cy="0"/>
-        </a:xfrm>
-      </p:grpSpPr>
-      <p:sp>
-        <p:nvSpPr>
-          <p:cNvPr id="2" name="Title 1"/>
-          <p:cNvSpPr>
-            <a:spLocks noGrp="1"/>
-          </p:cNvSpPr>
-          <p:nvPr>
-            <p:ph type="title"/>
-          </p:nvPr>
-        </p:nvSpPr>
-        <p:spPr>
-          <a:xfrm>
-            <a:off x="457200" y="273050"/>
-            <a:ext cx="3008313" cy="1162050"/>
-          </a:xfrm>
-        </p:spPr>
-        <p:txBody>
-          <a:bodyPr anchor="b"/>
-          <a:lstStyle>
-            <a:lvl1pPr algn="l">
-              <a:defRPr sz="2000" b="1"/>
-            </a:lvl1pPr>
-          </a:lstStyle>
-          <a:p>
-            <a:r>
-              <a:rPr lang="en-US" smtClean="0"/>
-              <a:t>Click to edit Master title style</a:t>
-            </a:r>
-            <a:endParaRPr lang="es-ES"/>
-          </a:p>
-        </p:txBody>
-      </p:sp>
-      <p:sp>
-        <p:nvSpPr>
-          <p:cNvPr id="3" name="Content Placeholder 2"/>
-          <p:cNvSpPr>
-            <a:spLocks noGrp="1"/>
-          </p:cNvSpPr>
-          <p:nvPr>
-            <p:ph idx="1"/>
-          </p:nvPr>
-        </p:nvSpPr>
-        <p:spPr>
-          <a:xfrm>
-            <a:off x="3575050" y="273050"/>
-            <a:ext cx="5111750" cy="5853113"/>
-          </a:xfrm>
-        </p:spPr>
-        <p:txBody>
-          <a:bodyPr/>
-          <a:lstStyle>
-            <a:lvl1pPr>
-              <a:defRPr sz="3200"/>
-            </a:lvl1pPr>
-            <a:lvl2pPr>
-              <a:defRPr sz="2800"/>
-            </a:lvl2pPr>
-            <a:lvl3pPr>
-              <a:defRPr sz="2400"/>
-            </a:lvl3pPr>
-            <a:lvl4pPr>
-              <a:defRPr sz="2000"/>
-            </a:lvl4pPr>
-            <a:lvl5pPr>
-              <a:defRPr sz="2000"/>
-            </a:lvl5pPr>
-            <a:lvl6pPr>
-              <a:defRPr sz="2000"/>
-            </a:lvl6pPr>
-            <a:lvl7pPr>
-              <a:defRPr sz="2000"/>
-            </a:lvl7pPr>
-            <a:lvl8pPr>
-              <a:defRPr sz="2000"/>
-            </a:lvl8pPr>
-            <a:lvl9pPr>
-              <a:defRPr sz="2000"/>
-            </a:lvl9pPr>
-          </a:lstStyle>
-          <a:p>
-            <a:pPr lvl="0"/>
-            <a:r>
-              <a:rPr lang="en-US" smtClean="0"/>
-              <a:t>Click to edit Master text styles</a:t>
-            </a:r>
-          </a:p>
-          <a:p>
-            <a:pPr lvl="1"/>
-            <a:r>
-              <a:rPr lang="en-US" smtClean="0"/>
-              <a:t>Second level</a:t>
-            </a:r>
-          </a:p>
-          <a:p>
-            <a:pPr lvl="2"/>
-            <a:r>
-              <a:rPr lang="en-US" smtClean="0"/>
-              <a:t>Third level</a:t>
-            </a:r>
-          </a:p>
-          <a:p>
-            <a:pPr lvl="3"/>
-            <a:r>
-              <a:rPr lang="en-US" smtClean="0"/>
-              <a:t>Fourth level</a:t>
-            </a:r>
-          </a:p>
-          <a:p>
-            <a:pPr lvl="4"/>
-            <a:r>
-              <a:rPr lang="en-US" smtClean="0"/>
-              <a:t>Fifth level</a:t>
-            </a:r>
-            <a:endParaRPr lang="es-ES"/>
-          </a:p>
-        </p:txBody>
-      </p:sp>
-      <p:sp>
-        <p:nvSpPr>
-          <p:cNvPr id="4" name="Text Placeholder 3"/>
-          <p:cNvSpPr>
-            <a:spLocks noGrp="1"/>
-          </p:cNvSpPr>
-          <p:nvPr>
-            <p:ph type="body" sz="half" idx="2"/>
-          </p:nvPr>
-        </p:nvSpPr>
-        <p:spPr>
-          <a:xfrm>
-            <a:off x="457200" y="1435100"/>
-            <a:ext cx="3008313" cy="4691063"/>
-          </a:xfrm>
-        </p:spPr>
-        <p:txBody>
-          <a:bodyPr/>
-          <a:lstStyle>
-            <a:lvl1pPr marL="0" indent="0">
-              <a:buNone/>
-              <a:defRPr sz="1400"/>
-            </a:lvl1pPr>
-            <a:lvl2pPr marL="457200" indent="0">
-              <a:buNone/>
-              <a:defRPr sz="1200"/>
-            </a:lvl2pPr>
-            <a:lvl3pPr marL="914400" indent="0">
-              <a:buNone/>
-              <a:defRPr sz="1000"/>
-            </a:lvl3pPr>
-            <a:lvl4pPr marL="1371600" indent="0">
-              <a:buNone/>
-              <a:defRPr sz="900"/>
-            </a:lvl4pPr>
-            <a:lvl5pPr marL="1828800" indent="0">
-              <a:buNone/>
-              <a:defRPr sz="900"/>
-            </a:lvl5pPr>
-            <a:lvl6pPr marL="2286000" indent="0">
-              <a:buNone/>
-              <a:defRPr sz="900"/>
-            </a:lvl6pPr>
-            <a:lvl7pPr marL="2743200" indent="0">
-              <a:buNone/>
-              <a:defRPr sz="900"/>
-            </a:lvl7pPr>
-            <a:lvl8pPr marL="3200400" indent="0">
-              <a:buNone/>
-              <a:defRPr sz="900"/>
-            </a:lvl8pPr>
-            <a:lvl9pPr marL="3657600" indent="0">
-              <a:buNone/>
-              <a:defRPr sz="900"/>
-            </a:lvl9pPr>
-          </a:lstStyle>
-          <a:p>
-            <a:pPr lvl="0"/>
-            <a:r>
-              <a:rPr lang="en-US" smtClean="0"/>
-              <a:t>Click to edit Master text styles</a:t>
-            </a:r>
-          </a:p>
-        </p:txBody>
-      </p:sp>
-      <p:sp>
-        <p:nvSpPr>
-          <p:cNvPr id="5" name="Date Placeholder 4"/>
-          <p:cNvSpPr>
-            <a:spLocks noGrp="1"/>
-          </p:cNvSpPr>
-          <p:nvPr>
-            <p:ph type="dt" sz="half" idx="10"/>
-          </p:nvPr>
-        </p:nvSpPr>
-        <p:spPr/>
-        <p:txBody>
-          <a:bodyPr/>
-          <a:lstStyle/>
-          <a:p>
-            <a:pPr>
-              <a:defRPr/>
-            </a:pPr>
-            <a:fld id="{87DA26DE-D93C-4C69-8AB9-0DC9DF594737}" type="datetimeFigureOut">
-              <a:rPr lang="es-AR" smtClean="0"/>
-              <a:pPr>
-                <a:defRPr/>
-              </a:pPr>
-              <a:t>24/2/2023</a:t>
-            </a:fld>
-            <a:endParaRPr lang="es-AR"/>
-          </a:p>
-        </p:txBody>
-      </p:sp>
-      <p:sp>
-        <p:nvSpPr>
-          <p:cNvPr id="6" name="Footer Placeholder 5"/>
-          <p:cNvSpPr>
-            <a:spLocks noGrp="1"/>
-          </p:cNvSpPr>
-          <p:nvPr>
-            <p:ph type="ftr" sz="quarter" idx="11"/>
-          </p:nvPr>
-        </p:nvSpPr>
-        <p:spPr/>
-        <p:txBody>
-          <a:bodyPr/>
-          <a:lstStyle/>
-          <a:p>
-            <a:pPr>
-              <a:defRPr/>
-            </a:pPr>
-            <a:endParaRPr lang="es-AR"/>
-          </a:p>
-        </p:txBody>
-      </p:sp>
-      <p:sp>
-        <p:nvSpPr>
-          <p:cNvPr id="7" name="Slide Number Placeholder 6"/>
-          <p:cNvSpPr>
-            <a:spLocks noGrp="1"/>
-          </p:cNvSpPr>
-          <p:nvPr>
-            <p:ph type="sldNum" sz="quarter" idx="12"/>
-          </p:nvPr>
-        </p:nvSpPr>
-        <p:spPr/>
-        <p:txBody>
-          <a:bodyPr/>
-          <a:lstStyle/>
-          <a:p>
-            <a:fld id="{BE6A9779-67F1-4867-A584-55A69026F865}" type="slidenum">
-              <a:rPr lang="es-AR" altLang="es-AR" smtClean="0"/>
-              <a:pPr/>
-              <a:t>‹Nº›</a:t>
-            </a:fld>
-            <a:endParaRPr lang="es-AR" altLang="es-AR"/>
-          </a:p>
-        </p:txBody>
-      </p:sp>
-    </p:spTree>
-    <p:extLst>
-      <p:ext uri="{BB962C8B-B14F-4D97-AF65-F5344CB8AC3E}">
-        <p14:creationId xmlns:p14="http://schemas.microsoft.com/office/powerpoint/2010/main" val="2189354808"/>
-      </p:ext>
-    </p:extLst>
-  </p:cSld>
-  <p:clrMapOvr>
-    <a:masterClrMapping/>
-  </p:clrMapOvr>
-</p:sldLayout>
-</file>
-
-<file path=ppt/slideLayouts/slideLayout9.xml><?xml version="1.0" encoding="utf-8"?>
-<p:sldLayout xmlns:a="http://schemas.openxmlformats.org/drawingml/2006/main" xmlns:r="http://schemas.openxmlformats.org/officeDocument/2006/relationships" xmlns:p="http://schemas.openxmlformats.org/presentationml/2006/main" type="picTx" preserve="1">
-  <p:cSld name="Picture with Caption">
-    <p:spTree>
-      <p:nvGrpSpPr>
-        <p:cNvPr id="1" name=""/>
-        <p:cNvGrpSpPr/>
-        <p:nvPr/>
-      </p:nvGrpSpPr>
-      <p:grpSpPr>
-        <a:xfrm>
-          <a:off x="0" y="0"/>
-          <a:ext cx="0" cy="0"/>
-          <a:chOff x="0" y="0"/>
-          <a:chExt cx="0" cy="0"/>
-        </a:xfrm>
-      </p:grpSpPr>
-      <p:sp>
-        <p:nvSpPr>
-          <p:cNvPr id="2" name="Title 1"/>
-          <p:cNvSpPr>
-            <a:spLocks noGrp="1"/>
-          </p:cNvSpPr>
-          <p:nvPr>
-            <p:ph type="title"/>
-          </p:nvPr>
-        </p:nvSpPr>
-        <p:spPr>
-          <a:xfrm>
-            <a:off x="1792288" y="4800600"/>
-            <a:ext cx="5486400" cy="566738"/>
-          </a:xfrm>
-        </p:spPr>
-        <p:txBody>
-          <a:bodyPr anchor="b"/>
-          <a:lstStyle>
-            <a:lvl1pPr algn="l">
-              <a:defRPr sz="2000" b="1"/>
-            </a:lvl1pPr>
-          </a:lstStyle>
-          <a:p>
-            <a:r>
-              <a:rPr lang="en-US" smtClean="0"/>
-              <a:t>Click to edit Master title style</a:t>
-            </a:r>
-            <a:endParaRPr lang="es-ES"/>
-          </a:p>
-        </p:txBody>
-      </p:sp>
-      <p:sp>
-        <p:nvSpPr>
-          <p:cNvPr id="3" name="Picture Placeholder 2"/>
-          <p:cNvSpPr>
-            <a:spLocks noGrp="1"/>
-          </p:cNvSpPr>
-          <p:nvPr>
-            <p:ph type="pic" idx="1"/>
-          </p:nvPr>
-        </p:nvSpPr>
-        <p:spPr>
-          <a:xfrm>
-            <a:off x="1792288" y="612775"/>
-            <a:ext cx="5486400" cy="4114800"/>
-          </a:xfrm>
-        </p:spPr>
-        <p:txBody>
-          <a:bodyPr/>
-          <a:lstStyle>
-            <a:lvl1pPr marL="0" indent="0">
-              <a:buNone/>
-              <a:defRPr sz="3200"/>
-            </a:lvl1pPr>
-            <a:lvl2pPr marL="457200" indent="0">
-              <a:buNone/>
-              <a:defRPr sz="2800"/>
-            </a:lvl2pPr>
-            <a:lvl3pPr marL="914400" indent="0">
-              <a:buNone/>
-              <a:defRPr sz="2400"/>
-            </a:lvl3pPr>
-            <a:lvl4pPr marL="1371600" indent="0">
-              <a:buNone/>
-              <a:defRPr sz="2000"/>
-            </a:lvl4pPr>
-            <a:lvl5pPr marL="1828800" indent="0">
-              <a:buNone/>
-              <a:defRPr sz="2000"/>
-            </a:lvl5pPr>
-            <a:lvl6pPr marL="2286000" indent="0">
-              <a:buNone/>
-              <a:defRPr sz="2000"/>
-            </a:lvl6pPr>
-            <a:lvl7pPr marL="2743200" indent="0">
-              <a:buNone/>
-              <a:defRPr sz="2000"/>
-            </a:lvl7pPr>
-            <a:lvl8pPr marL="3200400" indent="0">
-              <a:buNone/>
-              <a:defRPr sz="2000"/>
-            </a:lvl8pPr>
-            <a:lvl9pPr marL="3657600" indent="0">
-              <a:buNone/>
-              <a:defRPr sz="2000"/>
-            </a:lvl9pPr>
-          </a:lstStyle>
-          <a:p>
-            <a:endParaRPr lang="es-ES"/>
-          </a:p>
-        </p:txBody>
-      </p:sp>
-      <p:sp>
-        <p:nvSpPr>
-          <p:cNvPr id="4" name="Text Placeholder 3"/>
-          <p:cNvSpPr>
-            <a:spLocks noGrp="1"/>
-          </p:cNvSpPr>
-          <p:nvPr>
-            <p:ph type="body" sz="half" idx="2"/>
-          </p:nvPr>
-        </p:nvSpPr>
-        <p:spPr>
-          <a:xfrm>
-            <a:off x="1792288" y="5367338"/>
-            <a:ext cx="5486400" cy="804862"/>
-          </a:xfrm>
-        </p:spPr>
-        <p:txBody>
-          <a:bodyPr/>
-          <a:lstStyle>
-            <a:lvl1pPr marL="0" indent="0">
-              <a:buNone/>
-              <a:defRPr sz="1400"/>
-            </a:lvl1pPr>
-            <a:lvl2pPr marL="457200" indent="0">
-              <a:buNone/>
-              <a:defRPr sz="1200"/>
-            </a:lvl2pPr>
-            <a:lvl3pPr marL="914400" indent="0">
-              <a:buNone/>
-              <a:defRPr sz="1000"/>
-            </a:lvl3pPr>
-            <a:lvl4pPr marL="1371600" indent="0">
-              <a:buNone/>
-              <a:defRPr sz="900"/>
-            </a:lvl4pPr>
-            <a:lvl5pPr marL="1828800" indent="0">
-              <a:buNone/>
-              <a:defRPr sz="900"/>
-            </a:lvl5pPr>
-            <a:lvl6pPr marL="2286000" indent="0">
-              <a:buNone/>
-              <a:defRPr sz="900"/>
-            </a:lvl6pPr>
-            <a:lvl7pPr marL="2743200" indent="0">
-              <a:buNone/>
-              <a:defRPr sz="900"/>
-            </a:lvl7pPr>
-            <a:lvl8pPr marL="3200400" indent="0">
-              <a:buNone/>
-              <a:defRPr sz="900"/>
-            </a:lvl8pPr>
-            <a:lvl9pPr marL="3657600" indent="0">
-              <a:buNone/>
-              <a:defRPr sz="900"/>
-            </a:lvl9pPr>
-          </a:lstStyle>
-          <a:p>
-            <a:pPr lvl="0"/>
-            <a:r>
-              <a:rPr lang="en-US" smtClean="0"/>
-              <a:t>Click to edit Master text styles</a:t>
-            </a:r>
-          </a:p>
-        </p:txBody>
-      </p:sp>
-      <p:sp>
-        <p:nvSpPr>
-          <p:cNvPr id="5" name="Date Placeholder 4"/>
-          <p:cNvSpPr>
-            <a:spLocks noGrp="1"/>
-          </p:cNvSpPr>
-          <p:nvPr>
-            <p:ph type="dt" sz="half" idx="10"/>
-          </p:nvPr>
-        </p:nvSpPr>
-        <p:spPr/>
-        <p:txBody>
-          <a:bodyPr/>
-          <a:lstStyle/>
-          <a:p>
-            <a:pPr>
-              <a:defRPr/>
-            </a:pPr>
-            <a:fld id="{87DA26DE-D93C-4C69-8AB9-0DC9DF594737}" type="datetimeFigureOut">
-              <a:rPr lang="es-AR" smtClean="0"/>
-              <a:pPr>
-                <a:defRPr/>
-              </a:pPr>
-              <a:t>24/2/2023</a:t>
-            </a:fld>
-            <a:endParaRPr lang="es-AR"/>
-          </a:p>
-        </p:txBody>
-      </p:sp>
-      <p:sp>
-        <p:nvSpPr>
-          <p:cNvPr id="6" name="Footer Placeholder 5"/>
-          <p:cNvSpPr>
-            <a:spLocks noGrp="1"/>
-          </p:cNvSpPr>
-          <p:nvPr>
-            <p:ph type="ftr" sz="quarter" idx="11"/>
-          </p:nvPr>
-        </p:nvSpPr>
-        <p:spPr/>
-        <p:txBody>
-          <a:bodyPr/>
-          <a:lstStyle/>
-          <a:p>
-            <a:pPr>
-              <a:defRPr/>
-            </a:pPr>
-            <a:endParaRPr lang="es-AR"/>
-          </a:p>
-        </p:txBody>
-      </p:sp>
-      <p:sp>
-        <p:nvSpPr>
-          <p:cNvPr id="7" name="Slide Number Placeholder 6"/>
-          <p:cNvSpPr>
-            <a:spLocks noGrp="1"/>
-          </p:cNvSpPr>
-          <p:nvPr>
-            <p:ph type="sldNum" sz="quarter" idx="12"/>
-          </p:nvPr>
-        </p:nvSpPr>
-        <p:spPr/>
-        <p:txBody>
-          <a:bodyPr/>
-          <a:lstStyle/>
-          <a:p>
-            <a:fld id="{BE6A9779-67F1-4867-A584-55A69026F865}" type="slidenum">
-              <a:rPr lang="es-AR" altLang="es-AR" smtClean="0"/>
-              <a:pPr/>
-              <a:t>‹Nº›</a:t>
-            </a:fld>
-            <a:endParaRPr lang="es-AR" altLang="es-AR"/>
-          </a:p>
-        </p:txBody>
-      </p:sp>
-    </p:spTree>
-    <p:extLst>
-      <p:ext uri="{BB962C8B-B14F-4D97-AF65-F5344CB8AC3E}">
-        <p14:creationId xmlns:p14="http://schemas.microsoft.com/office/powerpoint/2010/main" val="2181651771"/>
-      </p:ext>
-    </p:extLst>
-  </p:cSld>
-  <p:clrMapOvr>
-    <a:masterClrMapping/>
-  </p:clrMapOvr>
-</p:sldLayout>
-</file>
-
 <file path=ppt/slideMasters/slideMaster1.xml><?xml version="1.0" encoding="utf-8"?>
-<p:sldMaster xmlns:a="http://schemas.openxmlformats.org/drawingml/2006/main" xmlns:r="http://schemas.openxmlformats.org/officeDocument/2006/relationships" xmlns:p="http://schemas.openxmlformats.org/presentationml/2006/main">
+<p:sldMaster xmlns:a="http://schemas.openxmlformats.org/drawingml/2006/main" xmlns:r="http://schemas.openxmlformats.org/officeDocument/2006/relationships" xmlns:p="http://schemas.openxmlformats.org/presentationml/2006/main" preserve="1">
   <p:cSld>
     <p:bg>
       <p:bgRef idx="1001">
@@ -11587,17 +12064,17 @@
   </p:cSld>
   <p:clrMap bg1="lt1" tx1="dk1" bg2="lt2" tx2="dk2" accent1="accent1" accent2="accent2" accent3="accent3" accent4="accent4" accent5="accent5" accent6="accent6" hlink="hlink" folHlink="folHlink"/>
   <p:sldLayoutIdLst>
-    <p:sldLayoutId id="2147484429" r:id="rId1"/>
-    <p:sldLayoutId id="2147484430" r:id="rId2"/>
-    <p:sldLayoutId id="2147484431" r:id="rId3"/>
-    <p:sldLayoutId id="2147484432" r:id="rId4"/>
-    <p:sldLayoutId id="2147484433" r:id="rId5"/>
-    <p:sldLayoutId id="2147484434" r:id="rId6"/>
-    <p:sldLayoutId id="2147484435" r:id="rId7"/>
-    <p:sldLayoutId id="2147484436" r:id="rId8"/>
-    <p:sldLayoutId id="2147484437" r:id="rId9"/>
-    <p:sldLayoutId id="2147484438" r:id="rId10"/>
-    <p:sldLayoutId id="2147484439" r:id="rId11"/>
+    <p:sldLayoutId id="2147484441" r:id="rId1"/>
+    <p:sldLayoutId id="2147484442" r:id="rId2"/>
+    <p:sldLayoutId id="2147484443" r:id="rId3"/>
+    <p:sldLayoutId id="2147484444" r:id="rId4"/>
+    <p:sldLayoutId id="2147484445" r:id="rId5"/>
+    <p:sldLayoutId id="2147484446" r:id="rId6"/>
+    <p:sldLayoutId id="2147484447" r:id="rId7"/>
+    <p:sldLayoutId id="2147484448" r:id="rId8"/>
+    <p:sldLayoutId id="2147484449" r:id="rId9"/>
+    <p:sldLayoutId id="2147484450" r:id="rId10"/>
+    <p:sldLayoutId id="2147484451" r:id="rId11"/>
   </p:sldLayoutIdLst>
   <p:txStyles>
     <p:titleStyle>
@@ -12107,526 +12584,6 @@
   </p:cSld>
   <p:clrMap bg1="lt1" tx1="dk1" bg2="lt2" tx2="dk2" accent1="accent1" accent2="accent2" accent3="accent3" accent4="accent4" accent5="accent5" accent6="accent6" hlink="hlink" folHlink="folHlink"/>
   <p:sldLayoutIdLst>
-    <p:sldLayoutId id="2147484441" r:id="rId1"/>
-    <p:sldLayoutId id="2147484442" r:id="rId2"/>
-    <p:sldLayoutId id="2147484443" r:id="rId3"/>
-    <p:sldLayoutId id="2147484444" r:id="rId4"/>
-    <p:sldLayoutId id="2147484445" r:id="rId5"/>
-    <p:sldLayoutId id="2147484446" r:id="rId6"/>
-    <p:sldLayoutId id="2147484447" r:id="rId7"/>
-    <p:sldLayoutId id="2147484448" r:id="rId8"/>
-    <p:sldLayoutId id="2147484449" r:id="rId9"/>
-    <p:sldLayoutId id="2147484450" r:id="rId10"/>
-    <p:sldLayoutId id="2147484451" r:id="rId11"/>
-  </p:sldLayoutIdLst>
-  <p:txStyles>
-    <p:titleStyle>
-      <a:lvl1pPr algn="ctr" defTabSz="914400" rtl="0" eaLnBrk="1" latinLnBrk="0" hangingPunct="1">
-        <a:spcBef>
-          <a:spcPct val="0"/>
-        </a:spcBef>
-        <a:buNone/>
-        <a:defRPr sz="4400" kern="1200">
-          <a:solidFill>
-            <a:schemeClr val="tx1"/>
-          </a:solidFill>
-          <a:latin typeface="+mj-lt"/>
-          <a:ea typeface="+mj-ea"/>
-          <a:cs typeface="+mj-cs"/>
-        </a:defRPr>
-      </a:lvl1pPr>
-    </p:titleStyle>
-    <p:bodyStyle>
-      <a:lvl1pPr marL="342900" indent="-342900" algn="l" defTabSz="914400" rtl="0" eaLnBrk="1" latinLnBrk="0" hangingPunct="1">
-        <a:spcBef>
-          <a:spcPct val="20000"/>
-        </a:spcBef>
-        <a:buFont typeface="Arial" panose="020B0604020202020204" pitchFamily="34" charset="0"/>
-        <a:buChar char="•"/>
-        <a:defRPr sz="3200" kern="1200">
-          <a:solidFill>
-            <a:schemeClr val="tx1"/>
-          </a:solidFill>
-          <a:latin typeface="+mn-lt"/>
-          <a:ea typeface="+mn-ea"/>
-          <a:cs typeface="+mn-cs"/>
-        </a:defRPr>
-      </a:lvl1pPr>
-      <a:lvl2pPr marL="742950" indent="-285750" algn="l" defTabSz="914400" rtl="0" eaLnBrk="1" latinLnBrk="0" hangingPunct="1">
-        <a:spcBef>
-          <a:spcPct val="20000"/>
-        </a:spcBef>
-        <a:buFont typeface="Arial" panose="020B0604020202020204" pitchFamily="34" charset="0"/>
-        <a:buChar char="–"/>
-        <a:defRPr sz="2800" kern="1200">
-          <a:solidFill>
-            <a:schemeClr val="tx1"/>
-          </a:solidFill>
-          <a:latin typeface="+mn-lt"/>
-          <a:ea typeface="+mn-ea"/>
-          <a:cs typeface="+mn-cs"/>
-        </a:defRPr>
-      </a:lvl2pPr>
-      <a:lvl3pPr marL="1143000" indent="-228600" algn="l" defTabSz="914400" rtl="0" eaLnBrk="1" latinLnBrk="0" hangingPunct="1">
-        <a:spcBef>
-          <a:spcPct val="20000"/>
-        </a:spcBef>
-        <a:buFont typeface="Arial" panose="020B0604020202020204" pitchFamily="34" charset="0"/>
-        <a:buChar char="•"/>
-        <a:defRPr sz="2400" kern="1200">
-          <a:solidFill>
-            <a:schemeClr val="tx1"/>
-          </a:solidFill>
-          <a:latin typeface="+mn-lt"/>
-          <a:ea typeface="+mn-ea"/>
-          <a:cs typeface="+mn-cs"/>
-        </a:defRPr>
-      </a:lvl3pPr>
-      <a:lvl4pPr marL="1600200" indent="-228600" algn="l" defTabSz="914400" rtl="0" eaLnBrk="1" latinLnBrk="0" hangingPunct="1">
-        <a:spcBef>
-          <a:spcPct val="20000"/>
-        </a:spcBef>
-        <a:buFont typeface="Arial" panose="020B0604020202020204" pitchFamily="34" charset="0"/>
-        <a:buChar char="–"/>
-        <a:defRPr sz="2000" kern="1200">
-          <a:solidFill>
-            <a:schemeClr val="tx1"/>
-          </a:solidFill>
-          <a:latin typeface="+mn-lt"/>
-          <a:ea typeface="+mn-ea"/>
-          <a:cs typeface="+mn-cs"/>
-        </a:defRPr>
-      </a:lvl4pPr>
-      <a:lvl5pPr marL="2057400" indent="-228600" algn="l" defTabSz="914400" rtl="0" eaLnBrk="1" latinLnBrk="0" hangingPunct="1">
-        <a:spcBef>
-          <a:spcPct val="20000"/>
-        </a:spcBef>
-        <a:buFont typeface="Arial" panose="020B0604020202020204" pitchFamily="34" charset="0"/>
-        <a:buChar char="»"/>
-        <a:defRPr sz="2000" kern="1200">
-          <a:solidFill>
-            <a:schemeClr val="tx1"/>
-          </a:solidFill>
-          <a:latin typeface="+mn-lt"/>
-          <a:ea typeface="+mn-ea"/>
-          <a:cs typeface="+mn-cs"/>
-        </a:defRPr>
-      </a:lvl5pPr>
-      <a:lvl6pPr marL="2514600" indent="-228600" algn="l" defTabSz="914400" rtl="0" eaLnBrk="1" latinLnBrk="0" hangingPunct="1">
-        <a:spcBef>
-          <a:spcPct val="20000"/>
-        </a:spcBef>
-        <a:buFont typeface="Arial" panose="020B0604020202020204" pitchFamily="34" charset="0"/>
-        <a:buChar char="•"/>
-        <a:defRPr sz="2000" kern="1200">
-          <a:solidFill>
-            <a:schemeClr val="tx1"/>
-          </a:solidFill>
-          <a:latin typeface="+mn-lt"/>
-          <a:ea typeface="+mn-ea"/>
-          <a:cs typeface="+mn-cs"/>
-        </a:defRPr>
-      </a:lvl6pPr>
-      <a:lvl7pPr marL="2971800" indent="-228600" algn="l" defTabSz="914400" rtl="0" eaLnBrk="1" latinLnBrk="0" hangingPunct="1">
-        <a:spcBef>
-          <a:spcPct val="20000"/>
-        </a:spcBef>
-        <a:buFont typeface="Arial" panose="020B0604020202020204" pitchFamily="34" charset="0"/>
-        <a:buChar char="•"/>
-        <a:defRPr sz="2000" kern="1200">
-          <a:solidFill>
-            <a:schemeClr val="tx1"/>
-          </a:solidFill>
-          <a:latin typeface="+mn-lt"/>
-          <a:ea typeface="+mn-ea"/>
-          <a:cs typeface="+mn-cs"/>
-        </a:defRPr>
-      </a:lvl7pPr>
-      <a:lvl8pPr marL="3429000" indent="-228600" algn="l" defTabSz="914400" rtl="0" eaLnBrk="1" latinLnBrk="0" hangingPunct="1">
-        <a:spcBef>
-          <a:spcPct val="20000"/>
-        </a:spcBef>
-        <a:buFont typeface="Arial" panose="020B0604020202020204" pitchFamily="34" charset="0"/>
-        <a:buChar char="•"/>
-        <a:defRPr sz="2000" kern="1200">
-          <a:solidFill>
-            <a:schemeClr val="tx1"/>
-          </a:solidFill>
-          <a:latin typeface="+mn-lt"/>
-          <a:ea typeface="+mn-ea"/>
-          <a:cs typeface="+mn-cs"/>
-        </a:defRPr>
-      </a:lvl8pPr>
-      <a:lvl9pPr marL="3886200" indent="-228600" algn="l" defTabSz="914400" rtl="0" eaLnBrk="1" latinLnBrk="0" hangingPunct="1">
-        <a:spcBef>
-          <a:spcPct val="20000"/>
-        </a:spcBef>
-        <a:buFont typeface="Arial" panose="020B0604020202020204" pitchFamily="34" charset="0"/>
-        <a:buChar char="•"/>
-        <a:defRPr sz="2000" kern="1200">
-          <a:solidFill>
-            <a:schemeClr val="tx1"/>
-          </a:solidFill>
-          <a:latin typeface="+mn-lt"/>
-          <a:ea typeface="+mn-ea"/>
-          <a:cs typeface="+mn-cs"/>
-        </a:defRPr>
-      </a:lvl9pPr>
-    </p:bodyStyle>
-    <p:otherStyle>
-      <a:defPPr>
-        <a:defRPr lang="es-ES"/>
-      </a:defPPr>
-      <a:lvl1pPr marL="0" algn="l" defTabSz="914400" rtl="0" eaLnBrk="1" latinLnBrk="0" hangingPunct="1">
-        <a:defRPr sz="1800" kern="1200">
-          <a:solidFill>
-            <a:schemeClr val="tx1"/>
-          </a:solidFill>
-          <a:latin typeface="+mn-lt"/>
-          <a:ea typeface="+mn-ea"/>
-          <a:cs typeface="+mn-cs"/>
-        </a:defRPr>
-      </a:lvl1pPr>
-      <a:lvl2pPr marL="457200" algn="l" defTabSz="914400" rtl="0" eaLnBrk="1" latinLnBrk="0" hangingPunct="1">
-        <a:defRPr sz="1800" kern="1200">
-          <a:solidFill>
-            <a:schemeClr val="tx1"/>
-          </a:solidFill>
-          <a:latin typeface="+mn-lt"/>
-          <a:ea typeface="+mn-ea"/>
-          <a:cs typeface="+mn-cs"/>
-        </a:defRPr>
-      </a:lvl2pPr>
-      <a:lvl3pPr marL="914400" algn="l" defTabSz="914400" rtl="0" eaLnBrk="1" latinLnBrk="0" hangingPunct="1">
-        <a:defRPr sz="1800" kern="1200">
-          <a:solidFill>
-            <a:schemeClr val="tx1"/>
-          </a:solidFill>
-          <a:latin typeface="+mn-lt"/>
-          <a:ea typeface="+mn-ea"/>
-          <a:cs typeface="+mn-cs"/>
-        </a:defRPr>
-      </a:lvl3pPr>
-      <a:lvl4pPr marL="1371600" algn="l" defTabSz="914400" rtl="0" eaLnBrk="1" latinLnBrk="0" hangingPunct="1">
-        <a:defRPr sz="1800" kern="1200">
-          <a:solidFill>
-            <a:schemeClr val="tx1"/>
-          </a:solidFill>
-          <a:latin typeface="+mn-lt"/>
-          <a:ea typeface="+mn-ea"/>
-          <a:cs typeface="+mn-cs"/>
-        </a:defRPr>
-      </a:lvl4pPr>
-      <a:lvl5pPr marL="1828800" algn="l" defTabSz="914400" rtl="0" eaLnBrk="1" latinLnBrk="0" hangingPunct="1">
-        <a:defRPr sz="1800" kern="1200">
-          <a:solidFill>
-            <a:schemeClr val="tx1"/>
-          </a:solidFill>
-          <a:latin typeface="+mn-lt"/>
-          <a:ea typeface="+mn-ea"/>
-          <a:cs typeface="+mn-cs"/>
-        </a:defRPr>
-      </a:lvl5pPr>
-      <a:lvl6pPr marL="2286000" algn="l" defTabSz="914400" rtl="0" eaLnBrk="1" latinLnBrk="0" hangingPunct="1">
-        <a:defRPr sz="1800" kern="1200">
-          <a:solidFill>
-            <a:schemeClr val="tx1"/>
-          </a:solidFill>
-          <a:latin typeface="+mn-lt"/>
-          <a:ea typeface="+mn-ea"/>
-          <a:cs typeface="+mn-cs"/>
-        </a:defRPr>
-      </a:lvl6pPr>
-      <a:lvl7pPr marL="2743200" algn="l" defTabSz="914400" rtl="0" eaLnBrk="1" latinLnBrk="0" hangingPunct="1">
-        <a:defRPr sz="1800" kern="1200">
-          <a:solidFill>
-            <a:schemeClr val="tx1"/>
-          </a:solidFill>
-          <a:latin typeface="+mn-lt"/>
-          <a:ea typeface="+mn-ea"/>
-          <a:cs typeface="+mn-cs"/>
-        </a:defRPr>
-      </a:lvl7pPr>
-      <a:lvl8pPr marL="3200400" algn="l" defTabSz="914400" rtl="0" eaLnBrk="1" latinLnBrk="0" hangingPunct="1">
-        <a:defRPr sz="1800" kern="1200">
-          <a:solidFill>
-            <a:schemeClr val="tx1"/>
-          </a:solidFill>
-          <a:latin typeface="+mn-lt"/>
-          <a:ea typeface="+mn-ea"/>
-          <a:cs typeface="+mn-cs"/>
-        </a:defRPr>
-      </a:lvl8pPr>
-      <a:lvl9pPr marL="3657600" algn="l" defTabSz="914400" rtl="0" eaLnBrk="1" latinLnBrk="0" hangingPunct="1">
-        <a:defRPr sz="1800" kern="1200">
-          <a:solidFill>
-            <a:schemeClr val="tx1"/>
-          </a:solidFill>
-          <a:latin typeface="+mn-lt"/>
-          <a:ea typeface="+mn-ea"/>
-          <a:cs typeface="+mn-cs"/>
-        </a:defRPr>
-      </a:lvl9pPr>
-    </p:otherStyle>
-  </p:txStyles>
-</p:sldMaster>
-</file>
-
-<file path=ppt/slideMasters/slideMaster3.xml><?xml version="1.0" encoding="utf-8"?>
-<p:sldMaster xmlns:a="http://schemas.openxmlformats.org/drawingml/2006/main" xmlns:r="http://schemas.openxmlformats.org/officeDocument/2006/relationships" xmlns:p="http://schemas.openxmlformats.org/presentationml/2006/main" preserve="1">
-  <p:cSld>
-    <p:bg>
-      <p:bgRef idx="1001">
-        <a:schemeClr val="bg1"/>
-      </p:bgRef>
-    </p:bg>
-    <p:spTree>
-      <p:nvGrpSpPr>
-        <p:cNvPr id="1" name=""/>
-        <p:cNvGrpSpPr/>
-        <p:nvPr/>
-      </p:nvGrpSpPr>
-      <p:grpSpPr>
-        <a:xfrm>
-          <a:off x="0" y="0"/>
-          <a:ext cx="0" cy="0"/>
-          <a:chOff x="0" y="0"/>
-          <a:chExt cx="0" cy="0"/>
-        </a:xfrm>
-      </p:grpSpPr>
-      <p:sp>
-        <p:nvSpPr>
-          <p:cNvPr id="2" name="Title Placeholder 1"/>
-          <p:cNvSpPr>
-            <a:spLocks noGrp="1"/>
-          </p:cNvSpPr>
-          <p:nvPr>
-            <p:ph type="title"/>
-          </p:nvPr>
-        </p:nvSpPr>
-        <p:spPr>
-          <a:xfrm>
-            <a:off x="457200" y="274638"/>
-            <a:ext cx="8229600" cy="1143000"/>
-          </a:xfrm>
-          <a:prstGeom prst="rect">
-            <a:avLst/>
-          </a:prstGeom>
-        </p:spPr>
-        <p:txBody>
-          <a:bodyPr vert="horz" lIns="91440" tIns="45720" rIns="91440" bIns="45720" rtlCol="0" anchor="ctr">
-            <a:normAutofit/>
-          </a:bodyPr>
-          <a:lstStyle/>
-          <a:p>
-            <a:r>
-              <a:rPr lang="en-US" smtClean="0"/>
-              <a:t>Click to edit Master title style</a:t>
-            </a:r>
-            <a:endParaRPr lang="es-ES"/>
-          </a:p>
-        </p:txBody>
-      </p:sp>
-      <p:sp>
-        <p:nvSpPr>
-          <p:cNvPr id="3" name="Text Placeholder 2"/>
-          <p:cNvSpPr>
-            <a:spLocks noGrp="1"/>
-          </p:cNvSpPr>
-          <p:nvPr>
-            <p:ph type="body" idx="1"/>
-          </p:nvPr>
-        </p:nvSpPr>
-        <p:spPr>
-          <a:xfrm>
-            <a:off x="457200" y="1600200"/>
-            <a:ext cx="8229600" cy="4525963"/>
-          </a:xfrm>
-          <a:prstGeom prst="rect">
-            <a:avLst/>
-          </a:prstGeom>
-        </p:spPr>
-        <p:txBody>
-          <a:bodyPr vert="horz" lIns="91440" tIns="45720" rIns="91440" bIns="45720" rtlCol="0">
-            <a:normAutofit/>
-          </a:bodyPr>
-          <a:lstStyle/>
-          <a:p>
-            <a:pPr lvl="0"/>
-            <a:r>
-              <a:rPr lang="en-US" smtClean="0"/>
-              <a:t>Click to edit Master text styles</a:t>
-            </a:r>
-          </a:p>
-          <a:p>
-            <a:pPr lvl="1"/>
-            <a:r>
-              <a:rPr lang="en-US" smtClean="0"/>
-              <a:t>Second level</a:t>
-            </a:r>
-          </a:p>
-          <a:p>
-            <a:pPr lvl="2"/>
-            <a:r>
-              <a:rPr lang="en-US" smtClean="0"/>
-              <a:t>Third level</a:t>
-            </a:r>
-          </a:p>
-          <a:p>
-            <a:pPr lvl="3"/>
-            <a:r>
-              <a:rPr lang="en-US" smtClean="0"/>
-              <a:t>Fourth level</a:t>
-            </a:r>
-          </a:p>
-          <a:p>
-            <a:pPr lvl="4"/>
-            <a:r>
-              <a:rPr lang="en-US" smtClean="0"/>
-              <a:t>Fifth level</a:t>
-            </a:r>
-            <a:endParaRPr lang="es-ES"/>
-          </a:p>
-        </p:txBody>
-      </p:sp>
-      <p:sp>
-        <p:nvSpPr>
-          <p:cNvPr id="4" name="Date Placeholder 3"/>
-          <p:cNvSpPr>
-            <a:spLocks noGrp="1"/>
-          </p:cNvSpPr>
-          <p:nvPr>
-            <p:ph type="dt" sz="half" idx="2"/>
-          </p:nvPr>
-        </p:nvSpPr>
-        <p:spPr>
-          <a:xfrm>
-            <a:off x="457200" y="6356350"/>
-            <a:ext cx="2133600" cy="365125"/>
-          </a:xfrm>
-          <a:prstGeom prst="rect">
-            <a:avLst/>
-          </a:prstGeom>
-        </p:spPr>
-        <p:txBody>
-          <a:bodyPr vert="horz" lIns="91440" tIns="45720" rIns="91440" bIns="45720" rtlCol="0" anchor="ctr"/>
-          <a:lstStyle>
-            <a:lvl1pPr algn="l">
-              <a:defRPr sz="1200">
-                <a:solidFill>
-                  <a:schemeClr val="tx1">
-                    <a:tint val="75000"/>
-                  </a:schemeClr>
-                </a:solidFill>
-              </a:defRPr>
-            </a:lvl1pPr>
-          </a:lstStyle>
-          <a:p>
-            <a:pPr>
-              <a:defRPr/>
-            </a:pPr>
-            <a:fld id="{87DA26DE-D93C-4C69-8AB9-0DC9DF594737}" type="datetimeFigureOut">
-              <a:rPr lang="es-AR" smtClean="0"/>
-              <a:pPr>
-                <a:defRPr/>
-              </a:pPr>
-              <a:t>24/2/2023</a:t>
-            </a:fld>
-            <a:endParaRPr lang="es-AR"/>
-          </a:p>
-        </p:txBody>
-      </p:sp>
-      <p:sp>
-        <p:nvSpPr>
-          <p:cNvPr id="5" name="Footer Placeholder 4"/>
-          <p:cNvSpPr>
-            <a:spLocks noGrp="1"/>
-          </p:cNvSpPr>
-          <p:nvPr>
-            <p:ph type="ftr" sz="quarter" idx="3"/>
-          </p:nvPr>
-        </p:nvSpPr>
-        <p:spPr>
-          <a:xfrm>
-            <a:off x="3124200" y="6356350"/>
-            <a:ext cx="2895600" cy="365125"/>
-          </a:xfrm>
-          <a:prstGeom prst="rect">
-            <a:avLst/>
-          </a:prstGeom>
-        </p:spPr>
-        <p:txBody>
-          <a:bodyPr vert="horz" lIns="91440" tIns="45720" rIns="91440" bIns="45720" rtlCol="0" anchor="ctr"/>
-          <a:lstStyle>
-            <a:lvl1pPr algn="ctr">
-              <a:defRPr sz="1200">
-                <a:solidFill>
-                  <a:schemeClr val="tx1">
-                    <a:tint val="75000"/>
-                  </a:schemeClr>
-                </a:solidFill>
-              </a:defRPr>
-            </a:lvl1pPr>
-          </a:lstStyle>
-          <a:p>
-            <a:pPr>
-              <a:defRPr/>
-            </a:pPr>
-            <a:endParaRPr lang="es-AR"/>
-          </a:p>
-        </p:txBody>
-      </p:sp>
-      <p:sp>
-        <p:nvSpPr>
-          <p:cNvPr id="6" name="Slide Number Placeholder 5"/>
-          <p:cNvSpPr>
-            <a:spLocks noGrp="1"/>
-          </p:cNvSpPr>
-          <p:nvPr>
-            <p:ph type="sldNum" sz="quarter" idx="4"/>
-          </p:nvPr>
-        </p:nvSpPr>
-        <p:spPr>
-          <a:xfrm>
-            <a:off x="6553200" y="6356350"/>
-            <a:ext cx="2133600" cy="365125"/>
-          </a:xfrm>
-          <a:prstGeom prst="rect">
-            <a:avLst/>
-          </a:prstGeom>
-        </p:spPr>
-        <p:txBody>
-          <a:bodyPr vert="horz" lIns="91440" tIns="45720" rIns="91440" bIns="45720" rtlCol="0" anchor="ctr"/>
-          <a:lstStyle>
-            <a:lvl1pPr algn="r">
-              <a:defRPr sz="1200">
-                <a:solidFill>
-                  <a:schemeClr val="tx1">
-                    <a:tint val="75000"/>
-                  </a:schemeClr>
-                </a:solidFill>
-              </a:defRPr>
-            </a:lvl1pPr>
-          </a:lstStyle>
-          <a:p>
-            <a:fld id="{BE6A9779-67F1-4867-A584-55A69026F865}" type="slidenum">
-              <a:rPr lang="es-AR" altLang="es-AR" smtClean="0"/>
-              <a:pPr/>
-              <a:t>‹Nº›</a:t>
-            </a:fld>
-            <a:endParaRPr lang="es-AR" altLang="es-AR"/>
-          </a:p>
-        </p:txBody>
-      </p:sp>
-    </p:spTree>
-    <p:extLst>
-      <p:ext uri="{BB962C8B-B14F-4D97-AF65-F5344CB8AC3E}">
-        <p14:creationId xmlns:p14="http://schemas.microsoft.com/office/powerpoint/2010/main" val="989467718"/>
-      </p:ext>
-    </p:extLst>
-  </p:cSld>
-  <p:clrMap bg1="lt1" tx1="dk1" bg2="lt2" tx2="dk2" accent1="accent1" accent2="accent2" accent3="accent3" accent4="accent4" accent5="accent5" accent6="accent6" hlink="hlink" folHlink="folHlink"/>
-  <p:sldLayoutIdLst>
     <p:sldLayoutId id="2147484453" r:id="rId1"/>
     <p:sldLayoutId id="2147484454" r:id="rId2"/>
     <p:sldLayoutId id="2147484455" r:id="rId3"/>
@@ -12892,17 +12849,752 @@
 </p:sldMaster>
 </file>
 
+<file path=ppt/slideMasters/slideMaster3.xml><?xml version="1.0" encoding="utf-8"?>
+<p:sldMaster xmlns:a="http://schemas.openxmlformats.org/drawingml/2006/main" xmlns:r="http://schemas.openxmlformats.org/officeDocument/2006/relationships" xmlns:p="http://schemas.openxmlformats.org/presentationml/2006/main">
+  <p:cSld>
+    <p:bg>
+      <p:bgRef idx="1001">
+        <a:schemeClr val="bg1"/>
+      </p:bgRef>
+    </p:bg>
+    <p:spTree>
+      <p:nvGrpSpPr>
+        <p:cNvPr id="1" name=""/>
+        <p:cNvGrpSpPr/>
+        <p:nvPr/>
+      </p:nvGrpSpPr>
+      <p:grpSpPr>
+        <a:xfrm>
+          <a:off x="0" y="0"/>
+          <a:ext cx="0" cy="0"/>
+          <a:chOff x="0" y="0"/>
+          <a:chExt cx="0" cy="0"/>
+        </a:xfrm>
+      </p:grpSpPr>
+      <p:sp>
+        <p:nvSpPr>
+          <p:cNvPr id="7" name="Rectangle 6"/>
+          <p:cNvSpPr/>
+          <p:nvPr/>
+        </p:nvSpPr>
+        <p:spPr>
+          <a:xfrm>
+            <a:off x="0" y="6400800"/>
+            <a:ext cx="9144001" cy="457200"/>
+          </a:xfrm>
+          <a:prstGeom prst="rect">
+            <a:avLst/>
+          </a:prstGeom>
+          <a:solidFill>
+            <a:schemeClr val="accent2"/>
+          </a:solidFill>
+          <a:ln>
+            <a:noFill/>
+          </a:ln>
+        </p:spPr>
+        <p:style>
+          <a:lnRef idx="2">
+            <a:schemeClr val="accent1">
+              <a:shade val="50000"/>
+            </a:schemeClr>
+          </a:lnRef>
+          <a:fillRef idx="1">
+            <a:schemeClr val="accent1"/>
+          </a:fillRef>
+          <a:effectRef idx="0">
+            <a:schemeClr val="accent1"/>
+          </a:effectRef>
+          <a:fontRef idx="minor">
+            <a:schemeClr val="lt1"/>
+          </a:fontRef>
+        </p:style>
+      </p:sp>
+      <p:sp>
+        <p:nvSpPr>
+          <p:cNvPr id="9" name="Rectangle 8"/>
+          <p:cNvSpPr/>
+          <p:nvPr/>
+        </p:nvSpPr>
+        <p:spPr>
+          <a:xfrm>
+            <a:off x="0" y="6334316"/>
+            <a:ext cx="9144001" cy="66484"/>
+          </a:xfrm>
+          <a:prstGeom prst="rect">
+            <a:avLst/>
+          </a:prstGeom>
+          <a:solidFill>
+            <a:schemeClr val="accent1"/>
+          </a:solidFill>
+          <a:ln>
+            <a:noFill/>
+          </a:ln>
+        </p:spPr>
+        <p:style>
+          <a:lnRef idx="2">
+            <a:schemeClr val="accent1">
+              <a:shade val="50000"/>
+            </a:schemeClr>
+          </a:lnRef>
+          <a:fillRef idx="1">
+            <a:schemeClr val="accent1"/>
+          </a:fillRef>
+          <a:effectRef idx="0">
+            <a:schemeClr val="accent1"/>
+          </a:effectRef>
+          <a:fontRef idx="minor">
+            <a:schemeClr val="lt1"/>
+          </a:fontRef>
+        </p:style>
+      </p:sp>
+      <p:sp>
+        <p:nvSpPr>
+          <p:cNvPr id="2" name="Title Placeholder 1"/>
+          <p:cNvSpPr>
+            <a:spLocks noGrp="1"/>
+          </p:cNvSpPr>
+          <p:nvPr>
+            <p:ph type="title"/>
+          </p:nvPr>
+        </p:nvSpPr>
+        <p:spPr>
+          <a:xfrm>
+            <a:off x="822960" y="286604"/>
+            <a:ext cx="7543800" cy="1450757"/>
+          </a:xfrm>
+          <a:prstGeom prst="rect">
+            <a:avLst/>
+          </a:prstGeom>
+        </p:spPr>
+        <p:txBody>
+          <a:bodyPr vert="horz" lIns="91440" tIns="45720" rIns="91440" bIns="45720" rtlCol="0" anchor="b">
+            <a:normAutofit/>
+          </a:bodyPr>
+          <a:lstStyle/>
+          <a:p>
+            <a:r>
+              <a:rPr lang="es-ES" smtClean="0"/>
+              <a:t>Haga clic para modificar el estilo de título del patrón</a:t>
+            </a:r>
+            <a:endParaRPr lang="en-US" dirty="0"/>
+          </a:p>
+        </p:txBody>
+      </p:sp>
+      <p:sp>
+        <p:nvSpPr>
+          <p:cNvPr id="3" name="Text Placeholder 2"/>
+          <p:cNvSpPr>
+            <a:spLocks noGrp="1"/>
+          </p:cNvSpPr>
+          <p:nvPr>
+            <p:ph type="body" idx="1"/>
+          </p:nvPr>
+        </p:nvSpPr>
+        <p:spPr>
+          <a:xfrm>
+            <a:off x="822959" y="1845734"/>
+            <a:ext cx="7543801" cy="4023360"/>
+          </a:xfrm>
+          <a:prstGeom prst="rect">
+            <a:avLst/>
+          </a:prstGeom>
+        </p:spPr>
+        <p:txBody>
+          <a:bodyPr vert="horz" lIns="0" tIns="45720" rIns="0" bIns="45720" rtlCol="0">
+            <a:normAutofit/>
+          </a:bodyPr>
+          <a:lstStyle/>
+          <a:p>
+            <a:pPr lvl="0"/>
+            <a:r>
+              <a:rPr lang="es-ES" smtClean="0"/>
+              <a:t>Editar el estilo de texto del patrón</a:t>
+            </a:r>
+          </a:p>
+          <a:p>
+            <a:pPr lvl="1"/>
+            <a:r>
+              <a:rPr lang="es-ES" smtClean="0"/>
+              <a:t>Segundo nivel</a:t>
+            </a:r>
+          </a:p>
+          <a:p>
+            <a:pPr lvl="2"/>
+            <a:r>
+              <a:rPr lang="es-ES" smtClean="0"/>
+              <a:t>Tercer nivel</a:t>
+            </a:r>
+          </a:p>
+          <a:p>
+            <a:pPr lvl="3"/>
+            <a:r>
+              <a:rPr lang="es-ES" smtClean="0"/>
+              <a:t>Cuarto nivel</a:t>
+            </a:r>
+          </a:p>
+          <a:p>
+            <a:pPr lvl="4"/>
+            <a:r>
+              <a:rPr lang="es-ES" smtClean="0"/>
+              <a:t>Quinto nivel</a:t>
+            </a:r>
+            <a:endParaRPr lang="en-US" dirty="0"/>
+          </a:p>
+        </p:txBody>
+      </p:sp>
+      <p:sp>
+        <p:nvSpPr>
+          <p:cNvPr id="4" name="Date Placeholder 3"/>
+          <p:cNvSpPr>
+            <a:spLocks noGrp="1"/>
+          </p:cNvSpPr>
+          <p:nvPr>
+            <p:ph type="dt" sz="half" idx="2"/>
+          </p:nvPr>
+        </p:nvSpPr>
+        <p:spPr>
+          <a:xfrm>
+            <a:off x="822961" y="6459786"/>
+            <a:ext cx="1854203" cy="365125"/>
+          </a:xfrm>
+          <a:prstGeom prst="rect">
+            <a:avLst/>
+          </a:prstGeom>
+        </p:spPr>
+        <p:txBody>
+          <a:bodyPr vert="horz" lIns="91440" tIns="45720" rIns="91440" bIns="45720" rtlCol="0" anchor="ctr"/>
+          <a:lstStyle>
+            <a:lvl1pPr algn="l">
+              <a:defRPr sz="900">
+                <a:solidFill>
+                  <a:srgbClr val="FFFFFF"/>
+                </a:solidFill>
+              </a:defRPr>
+            </a:lvl1pPr>
+          </a:lstStyle>
+          <a:p>
+            <a:pPr>
+              <a:defRPr/>
+            </a:pPr>
+            <a:fld id="{87DA26DE-D93C-4C69-8AB9-0DC9DF594737}" type="datetimeFigureOut">
+              <a:rPr lang="es-AR" smtClean="0"/>
+              <a:pPr>
+                <a:defRPr/>
+              </a:pPr>
+              <a:t>24/2/2023</a:t>
+            </a:fld>
+            <a:endParaRPr lang="es-AR"/>
+          </a:p>
+        </p:txBody>
+      </p:sp>
+      <p:sp>
+        <p:nvSpPr>
+          <p:cNvPr id="5" name="Footer Placeholder 4"/>
+          <p:cNvSpPr>
+            <a:spLocks noGrp="1"/>
+          </p:cNvSpPr>
+          <p:nvPr>
+            <p:ph type="ftr" sz="quarter" idx="3"/>
+          </p:nvPr>
+        </p:nvSpPr>
+        <p:spPr>
+          <a:xfrm>
+            <a:off x="2764639" y="6459786"/>
+            <a:ext cx="3617103" cy="365125"/>
+          </a:xfrm>
+          <a:prstGeom prst="rect">
+            <a:avLst/>
+          </a:prstGeom>
+        </p:spPr>
+        <p:txBody>
+          <a:bodyPr vert="horz" lIns="91440" tIns="45720" rIns="91440" bIns="45720" rtlCol="0" anchor="ctr"/>
+          <a:lstStyle>
+            <a:lvl1pPr algn="ctr">
+              <a:defRPr sz="900" cap="all" baseline="0">
+                <a:solidFill>
+                  <a:srgbClr val="FFFFFF"/>
+                </a:solidFill>
+              </a:defRPr>
+            </a:lvl1pPr>
+          </a:lstStyle>
+          <a:p>
+            <a:pPr>
+              <a:defRPr/>
+            </a:pPr>
+            <a:endParaRPr lang="es-AR"/>
+          </a:p>
+        </p:txBody>
+      </p:sp>
+      <p:sp>
+        <p:nvSpPr>
+          <p:cNvPr id="6" name="Slide Number Placeholder 5"/>
+          <p:cNvSpPr>
+            <a:spLocks noGrp="1"/>
+          </p:cNvSpPr>
+          <p:nvPr>
+            <p:ph type="sldNum" sz="quarter" idx="4"/>
+          </p:nvPr>
+        </p:nvSpPr>
+        <p:spPr>
+          <a:xfrm>
+            <a:off x="7425344" y="6459786"/>
+            <a:ext cx="984019" cy="365125"/>
+          </a:xfrm>
+          <a:prstGeom prst="rect">
+            <a:avLst/>
+          </a:prstGeom>
+        </p:spPr>
+        <p:txBody>
+          <a:bodyPr vert="horz" lIns="91440" tIns="45720" rIns="91440" bIns="45720" rtlCol="0" anchor="ctr"/>
+          <a:lstStyle>
+            <a:lvl1pPr algn="r">
+              <a:defRPr sz="1050">
+                <a:solidFill>
+                  <a:srgbClr val="FFFFFF"/>
+                </a:solidFill>
+              </a:defRPr>
+            </a:lvl1pPr>
+          </a:lstStyle>
+          <a:p>
+            <a:fld id="{BE6A9779-67F1-4867-A584-55A69026F865}" type="slidenum">
+              <a:rPr lang="es-AR" altLang="es-AR" smtClean="0"/>
+              <a:pPr/>
+              <a:t>‹Nº›</a:t>
+            </a:fld>
+            <a:endParaRPr lang="es-AR" altLang="es-AR"/>
+          </a:p>
+        </p:txBody>
+      </p:sp>
+      <p:cxnSp>
+        <p:nvCxnSpPr>
+          <p:cNvPr id="10" name="Straight Connector 9"/>
+          <p:cNvCxnSpPr/>
+          <p:nvPr/>
+        </p:nvCxnSpPr>
+        <p:spPr>
+          <a:xfrm>
+            <a:off x="895149" y="1737845"/>
+            <a:ext cx="7475220" cy="0"/>
+          </a:xfrm>
+          <a:prstGeom prst="line">
+            <a:avLst/>
+          </a:prstGeom>
+          <a:ln w="6350">
+            <a:solidFill>
+              <a:schemeClr val="tx1">
+                <a:lumMod val="50000"/>
+                <a:lumOff val="50000"/>
+              </a:schemeClr>
+            </a:solidFill>
+          </a:ln>
+        </p:spPr>
+        <p:style>
+          <a:lnRef idx="1">
+            <a:schemeClr val="accent1"/>
+          </a:lnRef>
+          <a:fillRef idx="0">
+            <a:schemeClr val="accent1"/>
+          </a:fillRef>
+          <a:effectRef idx="0">
+            <a:schemeClr val="accent1"/>
+          </a:effectRef>
+          <a:fontRef idx="minor">
+            <a:schemeClr val="tx1"/>
+          </a:fontRef>
+        </p:style>
+      </p:cxnSp>
+    </p:spTree>
+    <p:extLst>
+      <p:ext uri="{BB962C8B-B14F-4D97-AF65-F5344CB8AC3E}">
+        <p14:creationId xmlns:p14="http://schemas.microsoft.com/office/powerpoint/2010/main" val="2846792269"/>
+      </p:ext>
+    </p:extLst>
+  </p:cSld>
+  <p:clrMap bg1="lt1" tx1="dk1" bg2="lt2" tx2="dk2" accent1="accent1" accent2="accent2" accent3="accent3" accent4="accent4" accent5="accent5" accent6="accent6" hlink="hlink" folHlink="folHlink"/>
+  <p:sldLayoutIdLst>
+    <p:sldLayoutId id="2147484501" r:id="rId1"/>
+    <p:sldLayoutId id="2147484502" r:id="rId2"/>
+    <p:sldLayoutId id="2147484503" r:id="rId3"/>
+    <p:sldLayoutId id="2147484504" r:id="rId4"/>
+    <p:sldLayoutId id="2147484505" r:id="rId5"/>
+    <p:sldLayoutId id="2147484506" r:id="rId6"/>
+    <p:sldLayoutId id="2147484507" r:id="rId7"/>
+    <p:sldLayoutId id="2147484508" r:id="rId8"/>
+    <p:sldLayoutId id="2147484509" r:id="rId9"/>
+    <p:sldLayoutId id="2147484510" r:id="rId10"/>
+    <p:sldLayoutId id="2147484511" r:id="rId11"/>
+  </p:sldLayoutIdLst>
+  <p:txStyles>
+    <p:titleStyle>
+      <a:lvl1pPr algn="l" defTabSz="914400" rtl="0" eaLnBrk="1" latinLnBrk="0" hangingPunct="1">
+        <a:lnSpc>
+          <a:spcPct val="85000"/>
+        </a:lnSpc>
+        <a:spcBef>
+          <a:spcPct val="0"/>
+        </a:spcBef>
+        <a:buNone/>
+        <a:defRPr sz="4800" kern="1200" spc="-50" baseline="0">
+          <a:solidFill>
+            <a:schemeClr val="tx1">
+              <a:lumMod val="75000"/>
+              <a:lumOff val="25000"/>
+            </a:schemeClr>
+          </a:solidFill>
+          <a:latin typeface="+mj-lt"/>
+          <a:ea typeface="+mj-ea"/>
+          <a:cs typeface="+mj-cs"/>
+        </a:defRPr>
+      </a:lvl1pPr>
+    </p:titleStyle>
+    <p:bodyStyle>
+      <a:lvl1pPr marL="91440" indent="-91440" algn="l" defTabSz="914400" rtl="0" eaLnBrk="1" latinLnBrk="0" hangingPunct="1">
+        <a:lnSpc>
+          <a:spcPct val="90000"/>
+        </a:lnSpc>
+        <a:spcBef>
+          <a:spcPts val="1200"/>
+        </a:spcBef>
+        <a:spcAft>
+          <a:spcPts val="200"/>
+        </a:spcAft>
+        <a:buClr>
+          <a:schemeClr val="accent1"/>
+        </a:buClr>
+        <a:buSzPct val="100000"/>
+        <a:buFont typeface="Calibri" panose="020F0502020204030204" pitchFamily="34" charset="0"/>
+        <a:buChar char=" "/>
+        <a:defRPr sz="2000" kern="1200">
+          <a:solidFill>
+            <a:schemeClr val="tx1">
+              <a:lumMod val="75000"/>
+              <a:lumOff val="25000"/>
+            </a:schemeClr>
+          </a:solidFill>
+          <a:latin typeface="+mn-lt"/>
+          <a:ea typeface="+mn-ea"/>
+          <a:cs typeface="+mn-cs"/>
+        </a:defRPr>
+      </a:lvl1pPr>
+      <a:lvl2pPr marL="384048" indent="-182880" algn="l" defTabSz="914400" rtl="0" eaLnBrk="1" latinLnBrk="0" hangingPunct="1">
+        <a:lnSpc>
+          <a:spcPct val="90000"/>
+        </a:lnSpc>
+        <a:spcBef>
+          <a:spcPts val="200"/>
+        </a:spcBef>
+        <a:spcAft>
+          <a:spcPts val="400"/>
+        </a:spcAft>
+        <a:buClr>
+          <a:schemeClr val="accent1"/>
+        </a:buClr>
+        <a:buFont typeface="Calibri" pitchFamily="34" charset="0"/>
+        <a:buChar char="◦"/>
+        <a:defRPr sz="1800" kern="1200">
+          <a:solidFill>
+            <a:schemeClr val="tx1">
+              <a:lumMod val="75000"/>
+              <a:lumOff val="25000"/>
+            </a:schemeClr>
+          </a:solidFill>
+          <a:latin typeface="+mn-lt"/>
+          <a:ea typeface="+mn-ea"/>
+          <a:cs typeface="+mn-cs"/>
+        </a:defRPr>
+      </a:lvl2pPr>
+      <a:lvl3pPr marL="566928" indent="-182880" algn="l" defTabSz="914400" rtl="0" eaLnBrk="1" latinLnBrk="0" hangingPunct="1">
+        <a:lnSpc>
+          <a:spcPct val="90000"/>
+        </a:lnSpc>
+        <a:spcBef>
+          <a:spcPts val="200"/>
+        </a:spcBef>
+        <a:spcAft>
+          <a:spcPts val="400"/>
+        </a:spcAft>
+        <a:buClr>
+          <a:schemeClr val="accent1"/>
+        </a:buClr>
+        <a:buFont typeface="Calibri" pitchFamily="34" charset="0"/>
+        <a:buChar char="◦"/>
+        <a:defRPr sz="1400" kern="1200">
+          <a:solidFill>
+            <a:schemeClr val="tx1">
+              <a:lumMod val="75000"/>
+              <a:lumOff val="25000"/>
+            </a:schemeClr>
+          </a:solidFill>
+          <a:latin typeface="+mn-lt"/>
+          <a:ea typeface="+mn-ea"/>
+          <a:cs typeface="+mn-cs"/>
+        </a:defRPr>
+      </a:lvl3pPr>
+      <a:lvl4pPr marL="749808" indent="-182880" algn="l" defTabSz="914400" rtl="0" eaLnBrk="1" latinLnBrk="0" hangingPunct="1">
+        <a:lnSpc>
+          <a:spcPct val="90000"/>
+        </a:lnSpc>
+        <a:spcBef>
+          <a:spcPts val="200"/>
+        </a:spcBef>
+        <a:spcAft>
+          <a:spcPts val="400"/>
+        </a:spcAft>
+        <a:buClr>
+          <a:schemeClr val="accent1"/>
+        </a:buClr>
+        <a:buFont typeface="Calibri" pitchFamily="34" charset="0"/>
+        <a:buChar char="◦"/>
+        <a:defRPr sz="1400" kern="1200">
+          <a:solidFill>
+            <a:schemeClr val="tx1">
+              <a:lumMod val="75000"/>
+              <a:lumOff val="25000"/>
+            </a:schemeClr>
+          </a:solidFill>
+          <a:latin typeface="+mn-lt"/>
+          <a:ea typeface="+mn-ea"/>
+          <a:cs typeface="+mn-cs"/>
+        </a:defRPr>
+      </a:lvl4pPr>
+      <a:lvl5pPr marL="932688" indent="-182880" algn="l" defTabSz="914400" rtl="0" eaLnBrk="1" latinLnBrk="0" hangingPunct="1">
+        <a:lnSpc>
+          <a:spcPct val="90000"/>
+        </a:lnSpc>
+        <a:spcBef>
+          <a:spcPts val="200"/>
+        </a:spcBef>
+        <a:spcAft>
+          <a:spcPts val="400"/>
+        </a:spcAft>
+        <a:buClr>
+          <a:schemeClr val="accent1"/>
+        </a:buClr>
+        <a:buFont typeface="Calibri" pitchFamily="34" charset="0"/>
+        <a:buChar char="◦"/>
+        <a:defRPr sz="1400" kern="1200">
+          <a:solidFill>
+            <a:schemeClr val="tx1">
+              <a:lumMod val="75000"/>
+              <a:lumOff val="25000"/>
+            </a:schemeClr>
+          </a:solidFill>
+          <a:latin typeface="+mn-lt"/>
+          <a:ea typeface="+mn-ea"/>
+          <a:cs typeface="+mn-cs"/>
+        </a:defRPr>
+      </a:lvl5pPr>
+      <a:lvl6pPr marL="1100000" indent="-228600" algn="l" defTabSz="914400" rtl="0" eaLnBrk="1" latinLnBrk="0" hangingPunct="1">
+        <a:lnSpc>
+          <a:spcPct val="90000"/>
+        </a:lnSpc>
+        <a:spcBef>
+          <a:spcPts val="200"/>
+        </a:spcBef>
+        <a:spcAft>
+          <a:spcPts val="400"/>
+        </a:spcAft>
+        <a:buClr>
+          <a:schemeClr val="accent1"/>
+        </a:buClr>
+        <a:buFont typeface="Calibri" pitchFamily="34" charset="0"/>
+        <a:buChar char="◦"/>
+        <a:defRPr sz="1400" kern="1200">
+          <a:solidFill>
+            <a:schemeClr val="tx1">
+              <a:lumMod val="75000"/>
+              <a:lumOff val="25000"/>
+            </a:schemeClr>
+          </a:solidFill>
+          <a:latin typeface="+mn-lt"/>
+          <a:ea typeface="+mn-ea"/>
+          <a:cs typeface="+mn-cs"/>
+        </a:defRPr>
+      </a:lvl6pPr>
+      <a:lvl7pPr marL="1300000" indent="-228600" algn="l" defTabSz="914400" rtl="0" eaLnBrk="1" latinLnBrk="0" hangingPunct="1">
+        <a:lnSpc>
+          <a:spcPct val="90000"/>
+        </a:lnSpc>
+        <a:spcBef>
+          <a:spcPts val="200"/>
+        </a:spcBef>
+        <a:spcAft>
+          <a:spcPts val="400"/>
+        </a:spcAft>
+        <a:buClr>
+          <a:schemeClr val="accent1"/>
+        </a:buClr>
+        <a:buFont typeface="Calibri" pitchFamily="34" charset="0"/>
+        <a:buChar char="◦"/>
+        <a:defRPr sz="1400" kern="1200">
+          <a:solidFill>
+            <a:schemeClr val="tx1">
+              <a:lumMod val="75000"/>
+              <a:lumOff val="25000"/>
+            </a:schemeClr>
+          </a:solidFill>
+          <a:latin typeface="+mn-lt"/>
+          <a:ea typeface="+mn-ea"/>
+          <a:cs typeface="+mn-cs"/>
+        </a:defRPr>
+      </a:lvl7pPr>
+      <a:lvl8pPr marL="1500000" indent="-228600" algn="l" defTabSz="914400" rtl="0" eaLnBrk="1" latinLnBrk="0" hangingPunct="1">
+        <a:lnSpc>
+          <a:spcPct val="90000"/>
+        </a:lnSpc>
+        <a:spcBef>
+          <a:spcPts val="200"/>
+        </a:spcBef>
+        <a:spcAft>
+          <a:spcPts val="400"/>
+        </a:spcAft>
+        <a:buClr>
+          <a:schemeClr val="accent1"/>
+        </a:buClr>
+        <a:buFont typeface="Calibri" pitchFamily="34" charset="0"/>
+        <a:buChar char="◦"/>
+        <a:defRPr sz="1400" kern="1200">
+          <a:solidFill>
+            <a:schemeClr val="tx1">
+              <a:lumMod val="75000"/>
+              <a:lumOff val="25000"/>
+            </a:schemeClr>
+          </a:solidFill>
+          <a:latin typeface="+mn-lt"/>
+          <a:ea typeface="+mn-ea"/>
+          <a:cs typeface="+mn-cs"/>
+        </a:defRPr>
+      </a:lvl8pPr>
+      <a:lvl9pPr marL="1700000" indent="-228600" algn="l" defTabSz="914400" rtl="0" eaLnBrk="1" latinLnBrk="0" hangingPunct="1">
+        <a:lnSpc>
+          <a:spcPct val="90000"/>
+        </a:lnSpc>
+        <a:spcBef>
+          <a:spcPts val="200"/>
+        </a:spcBef>
+        <a:spcAft>
+          <a:spcPts val="400"/>
+        </a:spcAft>
+        <a:buClr>
+          <a:schemeClr val="accent1"/>
+        </a:buClr>
+        <a:buFont typeface="Calibri" pitchFamily="34" charset="0"/>
+        <a:buChar char="◦"/>
+        <a:defRPr sz="1400" kern="1200">
+          <a:solidFill>
+            <a:schemeClr val="tx1">
+              <a:lumMod val="75000"/>
+              <a:lumOff val="25000"/>
+            </a:schemeClr>
+          </a:solidFill>
+          <a:latin typeface="+mn-lt"/>
+          <a:ea typeface="+mn-ea"/>
+          <a:cs typeface="+mn-cs"/>
+        </a:defRPr>
+      </a:lvl9pPr>
+    </p:bodyStyle>
+    <p:otherStyle>
+      <a:defPPr>
+        <a:defRPr lang="en-US"/>
+      </a:defPPr>
+      <a:lvl1pPr marL="0" algn="l" defTabSz="914400" rtl="0" eaLnBrk="1" latinLnBrk="0" hangingPunct="1">
+        <a:defRPr sz="1800" kern="1200">
+          <a:solidFill>
+            <a:schemeClr val="tx1"/>
+          </a:solidFill>
+          <a:latin typeface="+mn-lt"/>
+          <a:ea typeface="+mn-ea"/>
+          <a:cs typeface="+mn-cs"/>
+        </a:defRPr>
+      </a:lvl1pPr>
+      <a:lvl2pPr marL="457200" algn="l" defTabSz="914400" rtl="0" eaLnBrk="1" latinLnBrk="0" hangingPunct="1">
+        <a:defRPr sz="1800" kern="1200">
+          <a:solidFill>
+            <a:schemeClr val="tx1"/>
+          </a:solidFill>
+          <a:latin typeface="+mn-lt"/>
+          <a:ea typeface="+mn-ea"/>
+          <a:cs typeface="+mn-cs"/>
+        </a:defRPr>
+      </a:lvl2pPr>
+      <a:lvl3pPr marL="914400" algn="l" defTabSz="914400" rtl="0" eaLnBrk="1" latinLnBrk="0" hangingPunct="1">
+        <a:defRPr sz="1800" kern="1200">
+          <a:solidFill>
+            <a:schemeClr val="tx1"/>
+          </a:solidFill>
+          <a:latin typeface="+mn-lt"/>
+          <a:ea typeface="+mn-ea"/>
+          <a:cs typeface="+mn-cs"/>
+        </a:defRPr>
+      </a:lvl3pPr>
+      <a:lvl4pPr marL="1371600" algn="l" defTabSz="914400" rtl="0" eaLnBrk="1" latinLnBrk="0" hangingPunct="1">
+        <a:defRPr sz="1800" kern="1200">
+          <a:solidFill>
+            <a:schemeClr val="tx1"/>
+          </a:solidFill>
+          <a:latin typeface="+mn-lt"/>
+          <a:ea typeface="+mn-ea"/>
+          <a:cs typeface="+mn-cs"/>
+        </a:defRPr>
+      </a:lvl4pPr>
+      <a:lvl5pPr marL="1828800" algn="l" defTabSz="914400" rtl="0" eaLnBrk="1" latinLnBrk="0" hangingPunct="1">
+        <a:defRPr sz="1800" kern="1200">
+          <a:solidFill>
+            <a:schemeClr val="tx1"/>
+          </a:solidFill>
+          <a:latin typeface="+mn-lt"/>
+          <a:ea typeface="+mn-ea"/>
+          <a:cs typeface="+mn-cs"/>
+        </a:defRPr>
+      </a:lvl5pPr>
+      <a:lvl6pPr marL="2286000" algn="l" defTabSz="914400" rtl="0" eaLnBrk="1" latinLnBrk="0" hangingPunct="1">
+        <a:defRPr sz="1800" kern="1200">
+          <a:solidFill>
+            <a:schemeClr val="tx1"/>
+          </a:solidFill>
+          <a:latin typeface="+mn-lt"/>
+          <a:ea typeface="+mn-ea"/>
+          <a:cs typeface="+mn-cs"/>
+        </a:defRPr>
+      </a:lvl6pPr>
+      <a:lvl7pPr marL="2743200" algn="l" defTabSz="914400" rtl="0" eaLnBrk="1" latinLnBrk="0" hangingPunct="1">
+        <a:defRPr sz="1800" kern="1200">
+          <a:solidFill>
+            <a:schemeClr val="tx1"/>
+          </a:solidFill>
+          <a:latin typeface="+mn-lt"/>
+          <a:ea typeface="+mn-ea"/>
+          <a:cs typeface="+mn-cs"/>
+        </a:defRPr>
+      </a:lvl7pPr>
+      <a:lvl8pPr marL="3200400" algn="l" defTabSz="914400" rtl="0" eaLnBrk="1" latinLnBrk="0" hangingPunct="1">
+        <a:defRPr sz="1800" kern="1200">
+          <a:solidFill>
+            <a:schemeClr val="tx1"/>
+          </a:solidFill>
+          <a:latin typeface="+mn-lt"/>
+          <a:ea typeface="+mn-ea"/>
+          <a:cs typeface="+mn-cs"/>
+        </a:defRPr>
+      </a:lvl8pPr>
+      <a:lvl9pPr marL="3657600" algn="l" defTabSz="914400" rtl="0" eaLnBrk="1" latinLnBrk="0" hangingPunct="1">
+        <a:defRPr sz="1800" kern="1200">
+          <a:solidFill>
+            <a:schemeClr val="tx1"/>
+          </a:solidFill>
+          <a:latin typeface="+mn-lt"/>
+          <a:ea typeface="+mn-ea"/>
+          <a:cs typeface="+mn-cs"/>
+        </a:defRPr>
+      </a:lvl9pPr>
+    </p:otherStyle>
+  </p:txStyles>
+</p:sldMaster>
+</file>
+
 <file path=ppt/slides/slide1.xml><?xml version="1.0" encoding="utf-8"?>
 <p:sld xmlns:a="http://schemas.openxmlformats.org/drawingml/2006/main" xmlns:r="http://schemas.openxmlformats.org/officeDocument/2006/relationships" xmlns:p="http://schemas.openxmlformats.org/presentationml/2006/main">
   <p:cSld>
-    <p:bg>
-      <p:bgPr>
-        <a:solidFill>
-          <a:schemeClr val="bg1"/>
-        </a:solidFill>
-        <a:effectLst/>
-      </p:bgPr>
-    </p:bg>
     <p:spTree>
       <p:nvGrpSpPr>
         <p:cNvPr id="1" name=""/>
@@ -13591,20 +14283,6 @@
 <file path=ppt/slides/slide10.xml><?xml version="1.0" encoding="utf-8"?>
 <p:sld xmlns:a="http://schemas.openxmlformats.org/drawingml/2006/main" xmlns:r="http://schemas.openxmlformats.org/officeDocument/2006/relationships" xmlns:p="http://schemas.openxmlformats.org/presentationml/2006/main">
   <p:cSld>
-    <p:bg>
-      <p:bgPr>
-        <a:blipFill dpi="0" rotWithShape="1">
-          <a:blip r:embed="rId3">
-            <a:lum/>
-          </a:blip>
-          <a:srcRect/>
-          <a:stretch>
-            <a:fillRect/>
-          </a:stretch>
-        </a:blipFill>
-        <a:effectLst/>
-      </p:bgPr>
-    </p:bg>
     <p:spTree>
       <p:nvGrpSpPr>
         <p:cNvPr id="1" name=""/>
@@ -13619,30 +14297,6 @@
           <a:chExt cx="0" cy="0"/>
         </a:xfrm>
       </p:grpSpPr>
-      <p:pic>
-        <p:nvPicPr>
-          <p:cNvPr id="2" name="1 Imagen" descr="logo anclaje MIN agroind NUEVO.jpg"/>
-          <p:cNvPicPr>
-            <a:picLocks noChangeAspect="1"/>
-          </p:cNvPicPr>
-          <p:nvPr/>
-        </p:nvPicPr>
-        <p:blipFill>
-          <a:blip r:embed="rId4"/>
-          <a:stretch>
-            <a:fillRect/>
-          </a:stretch>
-        </p:blipFill>
-        <p:spPr>
-          <a:xfrm>
-            <a:off x="5796136" y="6300573"/>
-            <a:ext cx="3312368" cy="518532"/>
-          </a:xfrm>
-          <a:prstGeom prst="rect">
-            <a:avLst/>
-          </a:prstGeom>
-        </p:spPr>
-      </p:pic>
       <p:sp>
         <p:nvSpPr>
           <p:cNvPr id="3" name="TextBox 2"/>
@@ -14089,20 +14743,6 @@
 <file path=ppt/slides/slide11.xml><?xml version="1.0" encoding="utf-8"?>
 <p:sld xmlns:a="http://schemas.openxmlformats.org/drawingml/2006/main" xmlns:r="http://schemas.openxmlformats.org/officeDocument/2006/relationships" xmlns:p="http://schemas.openxmlformats.org/presentationml/2006/main">
   <p:cSld>
-    <p:bg>
-      <p:bgPr>
-        <a:blipFill dpi="0" rotWithShape="1">
-          <a:blip r:embed="rId3">
-            <a:lum/>
-          </a:blip>
-          <a:srcRect/>
-          <a:stretch>
-            <a:fillRect/>
-          </a:stretch>
-        </a:blipFill>
-        <a:effectLst/>
-      </p:bgPr>
-    </p:bg>
     <p:spTree>
       <p:nvGrpSpPr>
         <p:cNvPr id="1" name=""/>
@@ -14117,30 +14757,6 @@
           <a:chExt cx="0" cy="0"/>
         </a:xfrm>
       </p:grpSpPr>
-      <p:pic>
-        <p:nvPicPr>
-          <p:cNvPr id="2" name="1 Imagen" descr="logo anclaje MIN agroind NUEVO.jpg"/>
-          <p:cNvPicPr>
-            <a:picLocks noChangeAspect="1"/>
-          </p:cNvPicPr>
-          <p:nvPr/>
-        </p:nvPicPr>
-        <p:blipFill>
-          <a:blip r:embed="rId4"/>
-          <a:stretch>
-            <a:fillRect/>
-          </a:stretch>
-        </p:blipFill>
-        <p:spPr>
-          <a:xfrm>
-            <a:off x="5796136" y="6300573"/>
-            <a:ext cx="3312368" cy="518532"/>
-          </a:xfrm>
-          <a:prstGeom prst="rect">
-            <a:avLst/>
-          </a:prstGeom>
-        </p:spPr>
-      </p:pic>
       <p:sp>
         <p:nvSpPr>
           <p:cNvPr id="3" name="TextBox 2"/>
@@ -14579,20 +15195,6 @@
 <file path=ppt/slides/slide12.xml><?xml version="1.0" encoding="utf-8"?>
 <p:sld xmlns:a="http://schemas.openxmlformats.org/drawingml/2006/main" xmlns:r="http://schemas.openxmlformats.org/officeDocument/2006/relationships" xmlns:p="http://schemas.openxmlformats.org/presentationml/2006/main">
   <p:cSld>
-    <p:bg>
-      <p:bgPr>
-        <a:blipFill dpi="0" rotWithShape="1">
-          <a:blip r:embed="rId3">
-            <a:lum/>
-          </a:blip>
-          <a:srcRect/>
-          <a:stretch>
-            <a:fillRect/>
-          </a:stretch>
-        </a:blipFill>
-        <a:effectLst/>
-      </p:bgPr>
-    </p:bg>
     <p:spTree>
       <p:nvGrpSpPr>
         <p:cNvPr id="1" name=""/>
@@ -14607,30 +15209,6 @@
           <a:chExt cx="0" cy="0"/>
         </a:xfrm>
       </p:grpSpPr>
-      <p:pic>
-        <p:nvPicPr>
-          <p:cNvPr id="2" name="1 Imagen" descr="logo anclaje MIN agroind NUEVO.jpg"/>
-          <p:cNvPicPr>
-            <a:picLocks noChangeAspect="1"/>
-          </p:cNvPicPr>
-          <p:nvPr/>
-        </p:nvPicPr>
-        <p:blipFill>
-          <a:blip r:embed="rId4"/>
-          <a:stretch>
-            <a:fillRect/>
-          </a:stretch>
-        </p:blipFill>
-        <p:spPr>
-          <a:xfrm>
-            <a:off x="5796136" y="6300573"/>
-            <a:ext cx="3312368" cy="518532"/>
-          </a:xfrm>
-          <a:prstGeom prst="rect">
-            <a:avLst/>
-          </a:prstGeom>
-        </p:spPr>
-      </p:pic>
       <p:sp>
         <p:nvSpPr>
           <p:cNvPr id="3" name="TextBox 2"/>
@@ -15496,20 +16074,6 @@
 <file path=ppt/slides/slide13.xml><?xml version="1.0" encoding="utf-8"?>
 <p:sld xmlns:a="http://schemas.openxmlformats.org/drawingml/2006/main" xmlns:r="http://schemas.openxmlformats.org/officeDocument/2006/relationships" xmlns:p="http://schemas.openxmlformats.org/presentationml/2006/main">
   <p:cSld>
-    <p:bg>
-      <p:bgPr>
-        <a:blipFill dpi="0" rotWithShape="1">
-          <a:blip r:embed="rId3">
-            <a:lum/>
-          </a:blip>
-          <a:srcRect/>
-          <a:stretch>
-            <a:fillRect/>
-          </a:stretch>
-        </a:blipFill>
-        <a:effectLst/>
-      </p:bgPr>
-    </p:bg>
     <p:spTree>
       <p:nvGrpSpPr>
         <p:cNvPr id="1" name=""/>
@@ -15524,30 +16088,6 @@
           <a:chExt cx="0" cy="0"/>
         </a:xfrm>
       </p:grpSpPr>
-      <p:pic>
-        <p:nvPicPr>
-          <p:cNvPr id="2" name="1 Imagen" descr="logo anclaje MIN agroind NUEVO.jpg"/>
-          <p:cNvPicPr>
-            <a:picLocks noChangeAspect="1"/>
-          </p:cNvPicPr>
-          <p:nvPr/>
-        </p:nvPicPr>
-        <p:blipFill>
-          <a:blip r:embed="rId4"/>
-          <a:stretch>
-            <a:fillRect/>
-          </a:stretch>
-        </p:blipFill>
-        <p:spPr>
-          <a:xfrm>
-            <a:off x="5796136" y="6300573"/>
-            <a:ext cx="3312368" cy="518532"/>
-          </a:xfrm>
-          <a:prstGeom prst="rect">
-            <a:avLst/>
-          </a:prstGeom>
-        </p:spPr>
-      </p:pic>
       <p:sp>
         <p:nvSpPr>
           <p:cNvPr id="3" name="TextBox 2"/>
@@ -16081,20 +16621,6 @@
 <file path=ppt/slides/slide14.xml><?xml version="1.0" encoding="utf-8"?>
 <p:sld xmlns:a="http://schemas.openxmlformats.org/drawingml/2006/main" xmlns:r="http://schemas.openxmlformats.org/officeDocument/2006/relationships" xmlns:p="http://schemas.openxmlformats.org/presentationml/2006/main">
   <p:cSld>
-    <p:bg>
-      <p:bgPr>
-        <a:blipFill dpi="0" rotWithShape="1">
-          <a:blip r:embed="rId3">
-            <a:lum/>
-          </a:blip>
-          <a:srcRect/>
-          <a:stretch>
-            <a:fillRect/>
-          </a:stretch>
-        </a:blipFill>
-        <a:effectLst/>
-      </p:bgPr>
-    </p:bg>
     <p:spTree>
       <p:nvGrpSpPr>
         <p:cNvPr id="1" name=""/>
@@ -16109,30 +16635,6 @@
           <a:chExt cx="0" cy="0"/>
         </a:xfrm>
       </p:grpSpPr>
-      <p:pic>
-        <p:nvPicPr>
-          <p:cNvPr id="2" name="1 Imagen" descr="logo anclaje MIN agroind NUEVO.jpg"/>
-          <p:cNvPicPr>
-            <a:picLocks noChangeAspect="1"/>
-          </p:cNvPicPr>
-          <p:nvPr/>
-        </p:nvPicPr>
-        <p:blipFill>
-          <a:blip r:embed="rId4"/>
-          <a:stretch>
-            <a:fillRect/>
-          </a:stretch>
-        </p:blipFill>
-        <p:spPr>
-          <a:xfrm>
-            <a:off x="5796136" y="6300573"/>
-            <a:ext cx="3312368" cy="518532"/>
-          </a:xfrm>
-          <a:prstGeom prst="rect">
-            <a:avLst/>
-          </a:prstGeom>
-        </p:spPr>
-      </p:pic>
       <p:sp>
         <p:nvSpPr>
           <p:cNvPr id="3" name="TextBox 2"/>
@@ -16666,20 +17168,6 @@
 <file path=ppt/slides/slide15.xml><?xml version="1.0" encoding="utf-8"?>
 <p:sld xmlns:a="http://schemas.openxmlformats.org/drawingml/2006/main" xmlns:r="http://schemas.openxmlformats.org/officeDocument/2006/relationships" xmlns:p="http://schemas.openxmlformats.org/presentationml/2006/main">
   <p:cSld>
-    <p:bg>
-      <p:bgPr>
-        <a:blipFill dpi="0" rotWithShape="1">
-          <a:blip r:embed="rId3">
-            <a:lum/>
-          </a:blip>
-          <a:srcRect/>
-          <a:stretch>
-            <a:fillRect/>
-          </a:stretch>
-        </a:blipFill>
-        <a:effectLst/>
-      </p:bgPr>
-    </p:bg>
     <p:spTree>
       <p:nvGrpSpPr>
         <p:cNvPr id="1" name=""/>
@@ -16696,30 +17184,6 @@
       </p:grpSpPr>
       <p:pic>
         <p:nvPicPr>
-          <p:cNvPr id="2" name="1 Imagen" descr="logo anclaje MIN agroind NUEVO.jpg"/>
-          <p:cNvPicPr>
-            <a:picLocks noChangeAspect="1"/>
-          </p:cNvPicPr>
-          <p:nvPr/>
-        </p:nvPicPr>
-        <p:blipFill>
-          <a:blip r:embed="rId4"/>
-          <a:stretch>
-            <a:fillRect/>
-          </a:stretch>
-        </p:blipFill>
-        <p:spPr>
-          <a:xfrm>
-            <a:off x="5796136" y="6300573"/>
-            <a:ext cx="3312368" cy="518532"/>
-          </a:xfrm>
-          <a:prstGeom prst="rect">
-            <a:avLst/>
-          </a:prstGeom>
-        </p:spPr>
-      </p:pic>
-      <p:pic>
-        <p:nvPicPr>
           <p:cNvPr id="2050" name="Picture 2"/>
           <p:cNvPicPr>
             <a:picLocks noChangeAspect="1" noChangeArrowheads="1"/>
@@ -16727,7 +17191,7 @@
           <p:nvPr/>
         </p:nvPicPr>
         <p:blipFill>
-          <a:blip r:embed="rId5">
+          <a:blip r:embed="rId3">
             <a:extLst>
               <a:ext uri="{28A0092B-C50C-407E-A947-70E740481C1C}">
                 <a14:useLocalDpi xmlns:a14="http://schemas.microsoft.com/office/drawing/2010/main" val="0"/>
@@ -16948,20 +17412,6 @@
 <file path=ppt/slides/slide16.xml><?xml version="1.0" encoding="utf-8"?>
 <p:sld xmlns:a="http://schemas.openxmlformats.org/drawingml/2006/main" xmlns:r="http://schemas.openxmlformats.org/officeDocument/2006/relationships" xmlns:p="http://schemas.openxmlformats.org/presentationml/2006/main">
   <p:cSld>
-    <p:bg>
-      <p:bgPr>
-        <a:blipFill dpi="0" rotWithShape="1">
-          <a:blip r:embed="rId3">
-            <a:lum/>
-          </a:blip>
-          <a:srcRect/>
-          <a:stretch>
-            <a:fillRect/>
-          </a:stretch>
-        </a:blipFill>
-        <a:effectLst/>
-      </p:bgPr>
-    </p:bg>
     <p:spTree>
       <p:nvGrpSpPr>
         <p:cNvPr id="1" name=""/>
@@ -16985,7 +17435,7 @@
           <p:nvPr/>
         </p:nvPicPr>
         <p:blipFill>
-          <a:blip r:embed="rId4"/>
+          <a:blip r:embed="rId3"/>
           <a:stretch>
             <a:fillRect/>
           </a:stretch>
@@ -17009,7 +17459,7 @@
           <p:nvPr/>
         </p:nvPicPr>
         <p:blipFill>
-          <a:blip r:embed="rId5">
+          <a:blip r:embed="rId4">
             <a:extLst>
               <a:ext uri="{28A0092B-C50C-407E-A947-70E740481C1C}">
                 <a14:useLocalDpi xmlns:a14="http://schemas.microsoft.com/office/drawing/2010/main" val="0"/>
@@ -17063,7 +17513,7 @@
           <p:nvPr/>
         </p:nvPicPr>
         <p:blipFill>
-          <a:blip r:embed="rId6">
+          <a:blip r:embed="rId5">
             <a:extLst>
               <a:ext uri="{28A0092B-C50C-407E-A947-70E740481C1C}">
                 <a14:useLocalDpi xmlns:a14="http://schemas.microsoft.com/office/drawing/2010/main" val="0"/>
@@ -17261,20 +17711,6 @@
 <file path=ppt/slides/slide17.xml><?xml version="1.0" encoding="utf-8"?>
 <p:sld xmlns:a="http://schemas.openxmlformats.org/drawingml/2006/main" xmlns:r="http://schemas.openxmlformats.org/officeDocument/2006/relationships" xmlns:p="http://schemas.openxmlformats.org/presentationml/2006/main">
   <p:cSld>
-    <p:bg>
-      <p:bgPr>
-        <a:blipFill dpi="0" rotWithShape="1">
-          <a:blip r:embed="rId3">
-            <a:lum/>
-          </a:blip>
-          <a:srcRect/>
-          <a:stretch>
-            <a:fillRect/>
-          </a:stretch>
-        </a:blipFill>
-        <a:effectLst/>
-      </p:bgPr>
-    </p:bg>
     <p:spTree>
       <p:nvGrpSpPr>
         <p:cNvPr id="1" name=""/>
@@ -17289,30 +17725,6 @@
           <a:chExt cx="0" cy="0"/>
         </a:xfrm>
       </p:grpSpPr>
-      <p:pic>
-        <p:nvPicPr>
-          <p:cNvPr id="2" name="1 Imagen" descr="logo anclaje MIN agroind NUEVO.jpg"/>
-          <p:cNvPicPr>
-            <a:picLocks noChangeAspect="1"/>
-          </p:cNvPicPr>
-          <p:nvPr/>
-        </p:nvPicPr>
-        <p:blipFill>
-          <a:blip r:embed="rId4"/>
-          <a:stretch>
-            <a:fillRect/>
-          </a:stretch>
-        </p:blipFill>
-        <p:spPr>
-          <a:xfrm>
-            <a:off x="5796136" y="6300573"/>
-            <a:ext cx="3312368" cy="518532"/>
-          </a:xfrm>
-          <a:prstGeom prst="rect">
-            <a:avLst/>
-          </a:prstGeom>
-        </p:spPr>
-      </p:pic>
       <p:sp>
         <p:nvSpPr>
           <p:cNvPr id="5" name="TextBox 4"/>
@@ -17376,7 +17788,7 @@
           <p:nvPr/>
         </p:nvPicPr>
         <p:blipFill>
-          <a:blip r:embed="rId5">
+          <a:blip r:embed="rId3">
             <a:extLst>
               <a:ext uri="{28A0092B-C50C-407E-A947-70E740481C1C}">
                 <a14:useLocalDpi xmlns:a14="http://schemas.microsoft.com/office/drawing/2010/main" val="0"/>
@@ -17617,20 +18029,6 @@
 <file path=ppt/slides/slide18.xml><?xml version="1.0" encoding="utf-8"?>
 <p:sld xmlns:a="http://schemas.openxmlformats.org/drawingml/2006/main" xmlns:r="http://schemas.openxmlformats.org/officeDocument/2006/relationships" xmlns:p="http://schemas.openxmlformats.org/presentationml/2006/main">
   <p:cSld>
-    <p:bg>
-      <p:bgPr>
-        <a:blipFill dpi="0" rotWithShape="1">
-          <a:blip r:embed="rId3">
-            <a:lum/>
-          </a:blip>
-          <a:srcRect/>
-          <a:stretch>
-            <a:fillRect/>
-          </a:stretch>
-        </a:blipFill>
-        <a:effectLst/>
-      </p:bgPr>
-    </p:bg>
     <p:spTree>
       <p:nvGrpSpPr>
         <p:cNvPr id="1" name=""/>
@@ -17645,30 +18043,6 @@
           <a:chExt cx="0" cy="0"/>
         </a:xfrm>
       </p:grpSpPr>
-      <p:pic>
-        <p:nvPicPr>
-          <p:cNvPr id="2" name="1 Imagen" descr="logo anclaje MIN agroind NUEVO.jpg"/>
-          <p:cNvPicPr>
-            <a:picLocks noChangeAspect="1"/>
-          </p:cNvPicPr>
-          <p:nvPr/>
-        </p:nvPicPr>
-        <p:blipFill>
-          <a:blip r:embed="rId4"/>
-          <a:stretch>
-            <a:fillRect/>
-          </a:stretch>
-        </p:blipFill>
-        <p:spPr>
-          <a:xfrm>
-            <a:off x="5796136" y="6300573"/>
-            <a:ext cx="3312368" cy="518532"/>
-          </a:xfrm>
-          <a:prstGeom prst="rect">
-            <a:avLst/>
-          </a:prstGeom>
-        </p:spPr>
-      </p:pic>
       <p:sp>
         <p:nvSpPr>
           <p:cNvPr id="3" name="TextBox 2"/>
@@ -18641,7 +19015,7 @@
             <p:nvPr/>
           </p:nvPicPr>
           <p:blipFill rotWithShape="1">
-            <a:blip r:embed="rId5">
+            <a:blip r:embed="rId3">
               <a:extLst>
                 <a:ext uri="{28A0092B-C50C-407E-A947-70E740481C1C}">
                   <a14:useLocalDpi xmlns:a14="http://schemas.microsoft.com/office/drawing/2010/main" val="0"/>
@@ -18745,20 +19119,6 @@
 <file path=ppt/slides/slide19.xml><?xml version="1.0" encoding="utf-8"?>
 <p:sld xmlns:a="http://schemas.openxmlformats.org/drawingml/2006/main" xmlns:r="http://schemas.openxmlformats.org/officeDocument/2006/relationships" xmlns:p="http://schemas.openxmlformats.org/presentationml/2006/main">
   <p:cSld>
-    <p:bg>
-      <p:bgPr>
-        <a:blipFill dpi="0" rotWithShape="1">
-          <a:blip r:embed="rId3">
-            <a:lum/>
-          </a:blip>
-          <a:srcRect/>
-          <a:stretch>
-            <a:fillRect/>
-          </a:stretch>
-        </a:blipFill>
-        <a:effectLst/>
-      </p:bgPr>
-    </p:bg>
     <p:spTree>
       <p:nvGrpSpPr>
         <p:cNvPr id="1" name=""/>
@@ -18773,30 +19133,6 @@
           <a:chExt cx="0" cy="0"/>
         </a:xfrm>
       </p:grpSpPr>
-      <p:pic>
-        <p:nvPicPr>
-          <p:cNvPr id="2" name="1 Imagen" descr="logo anclaje MIN agroind NUEVO.jpg"/>
-          <p:cNvPicPr>
-            <a:picLocks noChangeAspect="1"/>
-          </p:cNvPicPr>
-          <p:nvPr/>
-        </p:nvPicPr>
-        <p:blipFill>
-          <a:blip r:embed="rId4"/>
-          <a:stretch>
-            <a:fillRect/>
-          </a:stretch>
-        </p:blipFill>
-        <p:spPr>
-          <a:xfrm>
-            <a:off x="5796136" y="6300573"/>
-            <a:ext cx="3312368" cy="518532"/>
-          </a:xfrm>
-          <a:prstGeom prst="rect">
-            <a:avLst/>
-          </a:prstGeom>
-        </p:spPr>
-      </p:pic>
       <p:sp>
         <p:nvSpPr>
           <p:cNvPr id="3" name="TextBox 2"/>
@@ -19520,20 +19856,6 @@
 <file path=ppt/slides/slide2.xml><?xml version="1.0" encoding="utf-8"?>
 <p:sld xmlns:a="http://schemas.openxmlformats.org/drawingml/2006/main" xmlns:r="http://schemas.openxmlformats.org/officeDocument/2006/relationships" xmlns:p="http://schemas.openxmlformats.org/presentationml/2006/main">
   <p:cSld>
-    <p:bg>
-      <p:bgPr>
-        <a:blipFill dpi="0" rotWithShape="1">
-          <a:blip r:embed="rId3">
-            <a:lum/>
-          </a:blip>
-          <a:srcRect/>
-          <a:stretch>
-            <a:fillRect/>
-          </a:stretch>
-        </a:blipFill>
-        <a:effectLst/>
-      </p:bgPr>
-    </p:bg>
     <p:spTree>
       <p:nvGrpSpPr>
         <p:cNvPr id="1" name=""/>
@@ -19972,20 +20294,6 @@
 <file path=ppt/slides/slide20.xml><?xml version="1.0" encoding="utf-8"?>
 <p:sld xmlns:a="http://schemas.openxmlformats.org/drawingml/2006/main" xmlns:r="http://schemas.openxmlformats.org/officeDocument/2006/relationships" xmlns:p="http://schemas.openxmlformats.org/presentationml/2006/main">
   <p:cSld>
-    <p:bg>
-      <p:bgPr>
-        <a:blipFill dpi="0" rotWithShape="1">
-          <a:blip r:embed="rId3">
-            <a:lum/>
-          </a:blip>
-          <a:srcRect/>
-          <a:stretch>
-            <a:fillRect/>
-          </a:stretch>
-        </a:blipFill>
-        <a:effectLst/>
-      </p:bgPr>
-    </p:bg>
     <p:spTree>
       <p:nvGrpSpPr>
         <p:cNvPr id="1" name=""/>
@@ -20000,30 +20308,6 @@
           <a:chExt cx="0" cy="0"/>
         </a:xfrm>
       </p:grpSpPr>
-      <p:pic>
-        <p:nvPicPr>
-          <p:cNvPr id="2" name="1 Imagen" descr="logo anclaje MIN agroind NUEVO.jpg"/>
-          <p:cNvPicPr>
-            <a:picLocks noChangeAspect="1"/>
-          </p:cNvPicPr>
-          <p:nvPr/>
-        </p:nvPicPr>
-        <p:blipFill>
-          <a:blip r:embed="rId4"/>
-          <a:stretch>
-            <a:fillRect/>
-          </a:stretch>
-        </p:blipFill>
-        <p:spPr>
-          <a:xfrm>
-            <a:off x="5796136" y="6300573"/>
-            <a:ext cx="3312368" cy="518532"/>
-          </a:xfrm>
-          <a:prstGeom prst="rect">
-            <a:avLst/>
-          </a:prstGeom>
-        </p:spPr>
-      </p:pic>
       <p:sp>
         <p:nvSpPr>
           <p:cNvPr id="3" name="TextBox 2"/>
@@ -20367,20 +20651,6 @@
 <file path=ppt/slides/slide21.xml><?xml version="1.0" encoding="utf-8"?>
 <p:sld xmlns:a="http://schemas.openxmlformats.org/drawingml/2006/main" xmlns:r="http://schemas.openxmlformats.org/officeDocument/2006/relationships" xmlns:p="http://schemas.openxmlformats.org/presentationml/2006/main">
   <p:cSld>
-    <p:bg>
-      <p:bgPr>
-        <a:blipFill dpi="0" rotWithShape="1">
-          <a:blip r:embed="rId3">
-            <a:lum/>
-          </a:blip>
-          <a:srcRect/>
-          <a:stretch>
-            <a:fillRect/>
-          </a:stretch>
-        </a:blipFill>
-        <a:effectLst/>
-      </p:bgPr>
-    </p:bg>
     <p:spTree>
       <p:nvGrpSpPr>
         <p:cNvPr id="1" name=""/>
@@ -20395,30 +20665,6 @@
           <a:chExt cx="0" cy="0"/>
         </a:xfrm>
       </p:grpSpPr>
-      <p:pic>
-        <p:nvPicPr>
-          <p:cNvPr id="2" name="1 Imagen" descr="logo anclaje MIN agroind NUEVO.jpg"/>
-          <p:cNvPicPr>
-            <a:picLocks noChangeAspect="1"/>
-          </p:cNvPicPr>
-          <p:nvPr/>
-        </p:nvPicPr>
-        <p:blipFill>
-          <a:blip r:embed="rId4"/>
-          <a:stretch>
-            <a:fillRect/>
-          </a:stretch>
-        </p:blipFill>
-        <p:spPr>
-          <a:xfrm>
-            <a:off x="5796136" y="6294844"/>
-            <a:ext cx="3312368" cy="518532"/>
-          </a:xfrm>
-          <a:prstGeom prst="rect">
-            <a:avLst/>
-          </a:prstGeom>
-        </p:spPr>
-      </p:pic>
       <p:sp>
         <p:nvSpPr>
           <p:cNvPr id="3" name="TextBox 2"/>
@@ -28100,20 +28346,6 @@
 <file path=ppt/slides/slide22.xml><?xml version="1.0" encoding="utf-8"?>
 <p:sld xmlns:a="http://schemas.openxmlformats.org/drawingml/2006/main" xmlns:r="http://schemas.openxmlformats.org/officeDocument/2006/relationships" xmlns:p="http://schemas.openxmlformats.org/presentationml/2006/main" show="0">
   <p:cSld>
-    <p:bg>
-      <p:bgPr>
-        <a:blipFill dpi="0" rotWithShape="1">
-          <a:blip r:embed="rId3">
-            <a:lum/>
-          </a:blip>
-          <a:srcRect/>
-          <a:stretch>
-            <a:fillRect/>
-          </a:stretch>
-        </a:blipFill>
-        <a:effectLst/>
-      </p:bgPr>
-    </p:bg>
     <p:spTree>
       <p:nvGrpSpPr>
         <p:cNvPr id="1" name=""/>
@@ -28128,30 +28360,6 @@
           <a:chExt cx="0" cy="0"/>
         </a:xfrm>
       </p:grpSpPr>
-      <p:pic>
-        <p:nvPicPr>
-          <p:cNvPr id="2" name="1 Imagen" descr="logo anclaje MIN agroind NUEVO.jpg"/>
-          <p:cNvPicPr>
-            <a:picLocks noChangeAspect="1"/>
-          </p:cNvPicPr>
-          <p:nvPr/>
-        </p:nvPicPr>
-        <p:blipFill>
-          <a:blip r:embed="rId4"/>
-          <a:stretch>
-            <a:fillRect/>
-          </a:stretch>
-        </p:blipFill>
-        <p:spPr>
-          <a:xfrm>
-            <a:off x="5796136" y="6294844"/>
-            <a:ext cx="3312368" cy="518532"/>
-          </a:xfrm>
-          <a:prstGeom prst="rect">
-            <a:avLst/>
-          </a:prstGeom>
-        </p:spPr>
-      </p:pic>
       <p:sp>
         <p:nvSpPr>
           <p:cNvPr id="3" name="TextBox 2"/>
@@ -28904,20 +29112,6 @@
 <file path=ppt/slides/slide23.xml><?xml version="1.0" encoding="utf-8"?>
 <p:sld xmlns:a="http://schemas.openxmlformats.org/drawingml/2006/main" xmlns:r="http://schemas.openxmlformats.org/officeDocument/2006/relationships" xmlns:p="http://schemas.openxmlformats.org/presentationml/2006/main">
   <p:cSld>
-    <p:bg>
-      <p:bgPr>
-        <a:blipFill dpi="0" rotWithShape="1">
-          <a:blip r:embed="rId3">
-            <a:lum/>
-          </a:blip>
-          <a:srcRect/>
-          <a:stretch>
-            <a:fillRect/>
-          </a:stretch>
-        </a:blipFill>
-        <a:effectLst/>
-      </p:bgPr>
-    </p:bg>
     <p:spTree>
       <p:nvGrpSpPr>
         <p:cNvPr id="1" name=""/>
@@ -28932,30 +29126,6 @@
           <a:chExt cx="0" cy="0"/>
         </a:xfrm>
       </p:grpSpPr>
-      <p:pic>
-        <p:nvPicPr>
-          <p:cNvPr id="2" name="1 Imagen" descr="logo anclaje MIN agroind NUEVO.jpg"/>
-          <p:cNvPicPr>
-            <a:picLocks noChangeAspect="1"/>
-          </p:cNvPicPr>
-          <p:nvPr/>
-        </p:nvPicPr>
-        <p:blipFill>
-          <a:blip r:embed="rId4"/>
-          <a:stretch>
-            <a:fillRect/>
-          </a:stretch>
-        </p:blipFill>
-        <p:spPr>
-          <a:xfrm>
-            <a:off x="5796136" y="6300573"/>
-            <a:ext cx="3312368" cy="518532"/>
-          </a:xfrm>
-          <a:prstGeom prst="rect">
-            <a:avLst/>
-          </a:prstGeom>
-        </p:spPr>
-      </p:pic>
       <p:sp>
         <p:nvSpPr>
           <p:cNvPr id="3" name="TextBox 2"/>
@@ -30081,20 +30251,6 @@
 <file path=ppt/slides/slide24.xml><?xml version="1.0" encoding="utf-8"?>
 <p:sld xmlns:a="http://schemas.openxmlformats.org/drawingml/2006/main" xmlns:r="http://schemas.openxmlformats.org/officeDocument/2006/relationships" xmlns:p="http://schemas.openxmlformats.org/presentationml/2006/main">
   <p:cSld>
-    <p:bg>
-      <p:bgPr>
-        <a:blipFill dpi="0" rotWithShape="1">
-          <a:blip r:embed="rId3">
-            <a:lum/>
-          </a:blip>
-          <a:srcRect/>
-          <a:stretch>
-            <a:fillRect/>
-          </a:stretch>
-        </a:blipFill>
-        <a:effectLst/>
-      </p:bgPr>
-    </p:bg>
     <p:spTree>
       <p:nvGrpSpPr>
         <p:cNvPr id="1" name=""/>
@@ -30109,30 +30265,6 @@
           <a:chExt cx="0" cy="0"/>
         </a:xfrm>
       </p:grpSpPr>
-      <p:pic>
-        <p:nvPicPr>
-          <p:cNvPr id="2" name="1 Imagen" descr="logo anclaje MIN agroind NUEVO.jpg"/>
-          <p:cNvPicPr>
-            <a:picLocks noChangeAspect="1"/>
-          </p:cNvPicPr>
-          <p:nvPr/>
-        </p:nvPicPr>
-        <p:blipFill>
-          <a:blip r:embed="rId4"/>
-          <a:stretch>
-            <a:fillRect/>
-          </a:stretch>
-        </p:blipFill>
-        <p:spPr>
-          <a:xfrm>
-            <a:off x="5796136" y="6300573"/>
-            <a:ext cx="3312368" cy="518532"/>
-          </a:xfrm>
-          <a:prstGeom prst="rect">
-            <a:avLst/>
-          </a:prstGeom>
-        </p:spPr>
-      </p:pic>
       <p:sp>
         <p:nvSpPr>
           <p:cNvPr id="3" name="TextBox 2"/>
@@ -30612,20 +30744,6 @@
 <file path=ppt/slides/slide25.xml><?xml version="1.0" encoding="utf-8"?>
 <p:sld xmlns:a="http://schemas.openxmlformats.org/drawingml/2006/main" xmlns:r="http://schemas.openxmlformats.org/officeDocument/2006/relationships" xmlns:p="http://schemas.openxmlformats.org/presentationml/2006/main">
   <p:cSld>
-    <p:bg>
-      <p:bgPr>
-        <a:blipFill dpi="0" rotWithShape="1">
-          <a:blip r:embed="rId4">
-            <a:lum/>
-          </a:blip>
-          <a:srcRect/>
-          <a:stretch>
-            <a:fillRect/>
-          </a:stretch>
-        </a:blipFill>
-        <a:effectLst/>
-      </p:bgPr>
-    </p:bg>
     <p:spTree>
       <p:nvGrpSpPr>
         <p:cNvPr id="1" name=""/>
@@ -30640,30 +30758,6 @@
           <a:chExt cx="0" cy="0"/>
         </a:xfrm>
       </p:grpSpPr>
-      <p:pic>
-        <p:nvPicPr>
-          <p:cNvPr id="2" name="1 Imagen" descr="logo anclaje MIN agroind NUEVO.jpg"/>
-          <p:cNvPicPr>
-            <a:picLocks noChangeAspect="1"/>
-          </p:cNvPicPr>
-          <p:nvPr/>
-        </p:nvPicPr>
-        <p:blipFill>
-          <a:blip r:embed="rId5"/>
-          <a:stretch>
-            <a:fillRect/>
-          </a:stretch>
-        </p:blipFill>
-        <p:spPr>
-          <a:xfrm>
-            <a:off x="5796136" y="6300573"/>
-            <a:ext cx="3312368" cy="518532"/>
-          </a:xfrm>
-          <a:prstGeom prst="rect">
-            <a:avLst/>
-          </a:prstGeom>
-        </p:spPr>
-      </p:pic>
       <p:sp>
         <p:nvSpPr>
           <p:cNvPr id="9" name="Rectangle 3"/>
@@ -31130,12 +31224,12 @@
           <a:graphicData uri="http://schemas.openxmlformats.org/presentationml/2006/ole">
             <mc:AlternateContent xmlns:mc="http://schemas.openxmlformats.org/markup-compatibility/2006">
               <mc:Choice xmlns:v="urn:schemas-microsoft-com:vml" Requires="v">
-                <p:oleObj spid="_x0000_s5196" name="Equation" r:id="rId6" imgW="4635360" imgH="457200" progId="Equation.3">
+                <p:oleObj spid="_x0000_s5202" name="Equation" r:id="rId4" imgW="4635360" imgH="457200" progId="Equation.3">
                   <p:embed/>
                 </p:oleObj>
               </mc:Choice>
               <mc:Fallback>
-                <p:oleObj name="Equation" r:id="rId6" imgW="4635360" imgH="457200" progId="Equation.3">
+                <p:oleObj name="Equation" r:id="rId4" imgW="4635360" imgH="457200" progId="Equation.3">
                   <p:embed/>
                   <p:pic>
                     <p:nvPicPr>
@@ -31146,7 +31240,7 @@
                       <p:nvPr/>
                     </p:nvPicPr>
                     <p:blipFill>
-                      <a:blip r:embed="rId7"/>
+                      <a:blip r:embed="rId5"/>
                       <a:srcRect/>
                       <a:stretch>
                         <a:fillRect/>
@@ -31200,12 +31294,12 @@
           <a:graphicData uri="http://schemas.openxmlformats.org/presentationml/2006/ole">
             <mc:AlternateContent xmlns:mc="http://schemas.openxmlformats.org/markup-compatibility/2006">
               <mc:Choice xmlns:v="urn:schemas-microsoft-com:vml" Requires="v">
-                <p:oleObj spid="_x0000_s5197" name="Equation" r:id="rId8" imgW="1739880" imgH="457200" progId="Equation.3">
+                <p:oleObj spid="_x0000_s5203" name="Equation" r:id="rId6" imgW="1739880" imgH="457200" progId="Equation.3">
                   <p:embed/>
                 </p:oleObj>
               </mc:Choice>
               <mc:Fallback>
-                <p:oleObj name="Equation" r:id="rId8" imgW="1739880" imgH="457200" progId="Equation.3">
+                <p:oleObj name="Equation" r:id="rId6" imgW="1739880" imgH="457200" progId="Equation.3">
                   <p:embed/>
                   <p:pic>
                     <p:nvPicPr>
@@ -31216,7 +31310,7 @@
                       <p:nvPr/>
                     </p:nvPicPr>
                     <p:blipFill>
-                      <a:blip r:embed="rId9"/>
+                      <a:blip r:embed="rId7"/>
                       <a:srcRect/>
                       <a:stretch>
                         <a:fillRect/>
@@ -31485,20 +31579,6 @@
 <file path=ppt/slides/slide26.xml><?xml version="1.0" encoding="utf-8"?>
 <p:sld xmlns:a="http://schemas.openxmlformats.org/drawingml/2006/main" xmlns:r="http://schemas.openxmlformats.org/officeDocument/2006/relationships" xmlns:p="http://schemas.openxmlformats.org/presentationml/2006/main">
   <p:cSld>
-    <p:bg>
-      <p:bgPr>
-        <a:blipFill dpi="0" rotWithShape="1">
-          <a:blip r:embed="rId4">
-            <a:lum/>
-          </a:blip>
-          <a:srcRect/>
-          <a:stretch>
-            <a:fillRect/>
-          </a:stretch>
-        </a:blipFill>
-        <a:effectLst/>
-      </p:bgPr>
-    </p:bg>
     <p:spTree>
       <p:nvGrpSpPr>
         <p:cNvPr id="1" name=""/>
@@ -31747,12 +31827,12 @@
           <a:graphicData uri="http://schemas.openxmlformats.org/presentationml/2006/ole">
             <mc:AlternateContent xmlns:mc="http://schemas.openxmlformats.org/markup-compatibility/2006">
               <mc:Choice xmlns:v="urn:schemas-microsoft-com:vml" Requires="v">
-                <p:oleObj spid="_x0000_s7191" name="Equation" r:id="rId5" imgW="1739880" imgH="457200" progId="Equation.3">
+                <p:oleObj spid="_x0000_s7193" name="Equation" r:id="rId4" imgW="1739880" imgH="457200" progId="Equation.3">
                   <p:embed/>
                 </p:oleObj>
               </mc:Choice>
               <mc:Fallback>
-                <p:oleObj name="Equation" r:id="rId5" imgW="1739880" imgH="457200" progId="Equation.3">
+                <p:oleObj name="Equation" r:id="rId4" imgW="1739880" imgH="457200" progId="Equation.3">
                   <p:embed/>
                   <p:pic>
                     <p:nvPicPr>
@@ -31763,7 +31843,7 @@
                       <p:nvPr/>
                     </p:nvPicPr>
                     <p:blipFill>
-                      <a:blip r:embed="rId6"/>
+                      <a:blip r:embed="rId5"/>
                       <a:srcRect/>
                       <a:stretch>
                         <a:fillRect/>
@@ -31801,7 +31881,7 @@
           <p:nvPr/>
         </p:nvPicPr>
         <p:blipFill>
-          <a:blip r:embed="rId7">
+          <a:blip r:embed="rId6">
             <a:extLst>
               <a:ext uri="{28A0092B-C50C-407E-A947-70E740481C1C}">
                 <a14:useLocalDpi xmlns:a14="http://schemas.microsoft.com/office/drawing/2010/main" val="0"/>
@@ -31931,20 +32011,6 @@
 <file path=ppt/slides/slide27.xml><?xml version="1.0" encoding="utf-8"?>
 <p:sld xmlns:a="http://schemas.openxmlformats.org/drawingml/2006/main" xmlns:r="http://schemas.openxmlformats.org/officeDocument/2006/relationships" xmlns:p="http://schemas.openxmlformats.org/presentationml/2006/main">
   <p:cSld>
-    <p:bg>
-      <p:bgPr>
-        <a:blipFill dpi="0" rotWithShape="1">
-          <a:blip r:embed="rId4">
-            <a:lum/>
-          </a:blip>
-          <a:srcRect/>
-          <a:stretch>
-            <a:fillRect/>
-          </a:stretch>
-        </a:blipFill>
-        <a:effectLst/>
-      </p:bgPr>
-    </p:bg>
     <p:spTree>
       <p:nvGrpSpPr>
         <p:cNvPr id="1" name=""/>
@@ -32279,12 +32345,12 @@
           <a:graphicData uri="http://schemas.openxmlformats.org/presentationml/2006/ole">
             <mc:AlternateContent xmlns:mc="http://schemas.openxmlformats.org/markup-compatibility/2006">
               <mc:Choice xmlns:v="urn:schemas-microsoft-com:vml" Requires="v">
-                <p:oleObj spid="_x0000_s8207" name="Equation" r:id="rId5" imgW="1739880" imgH="457200" progId="Equation.3">
+                <p:oleObj spid="_x0000_s8209" name="Equation" r:id="rId4" imgW="1739880" imgH="457200" progId="Equation.3">
                   <p:embed/>
                 </p:oleObj>
               </mc:Choice>
               <mc:Fallback>
-                <p:oleObj name="Equation" r:id="rId5" imgW="1739880" imgH="457200" progId="Equation.3">
+                <p:oleObj name="Equation" r:id="rId4" imgW="1739880" imgH="457200" progId="Equation.3">
                   <p:embed/>
                   <p:pic>
                     <p:nvPicPr>
@@ -32295,7 +32361,7 @@
                       <p:nvPr/>
                     </p:nvPicPr>
                     <p:blipFill>
-                      <a:blip r:embed="rId6"/>
+                      <a:blip r:embed="rId5"/>
                       <a:srcRect/>
                       <a:stretch>
                         <a:fillRect/>
@@ -32389,20 +32455,6 @@
 <file path=ppt/slides/slide28.xml><?xml version="1.0" encoding="utf-8"?>
 <p:sld xmlns:a="http://schemas.openxmlformats.org/drawingml/2006/main" xmlns:r="http://schemas.openxmlformats.org/officeDocument/2006/relationships" xmlns:p="http://schemas.openxmlformats.org/presentationml/2006/main">
   <p:cSld>
-    <p:bg>
-      <p:bgPr>
-        <a:blipFill dpi="0" rotWithShape="1">
-          <a:blip r:embed="rId4">
-            <a:lum/>
-          </a:blip>
-          <a:srcRect/>
-          <a:stretch>
-            <a:fillRect/>
-          </a:stretch>
-        </a:blipFill>
-        <a:effectLst/>
-      </p:bgPr>
-    </p:bg>
     <p:spTree>
       <p:nvGrpSpPr>
         <p:cNvPr id="1" name=""/>
@@ -32417,30 +32469,6 @@
           <a:chExt cx="0" cy="0"/>
         </a:xfrm>
       </p:grpSpPr>
-      <p:pic>
-        <p:nvPicPr>
-          <p:cNvPr id="2" name="1 Imagen" descr="logo anclaje MIN agroind NUEVO.jpg"/>
-          <p:cNvPicPr>
-            <a:picLocks noChangeAspect="1"/>
-          </p:cNvPicPr>
-          <p:nvPr/>
-        </p:nvPicPr>
-        <p:blipFill>
-          <a:blip r:embed="rId5"/>
-          <a:stretch>
-            <a:fillRect/>
-          </a:stretch>
-        </p:blipFill>
-        <p:spPr>
-          <a:xfrm>
-            <a:off x="5796136" y="6300573"/>
-            <a:ext cx="3312368" cy="518532"/>
-          </a:xfrm>
-          <a:prstGeom prst="rect">
-            <a:avLst/>
-          </a:prstGeom>
-        </p:spPr>
-      </p:pic>
       <p:sp>
         <p:nvSpPr>
           <p:cNvPr id="3" name="TextBox 2"/>
@@ -32938,12 +32966,12 @@
           <a:graphicData uri="http://schemas.openxmlformats.org/presentationml/2006/ole">
             <mc:AlternateContent xmlns:mc="http://schemas.openxmlformats.org/markup-compatibility/2006">
               <mc:Choice xmlns:v="urn:schemas-microsoft-com:vml" Requires="v">
-                <p:oleObj spid="_x0000_s6285" name="Equation" r:id="rId6" imgW="1688760" imgH="457200" progId="Equation.3">
+                <p:oleObj spid="_x0000_s6297" name="Equation" r:id="rId4" imgW="1688760" imgH="457200" progId="Equation.3">
                   <p:embed/>
                 </p:oleObj>
               </mc:Choice>
               <mc:Fallback>
-                <p:oleObj name="Equation" r:id="rId6" imgW="1688760" imgH="457200" progId="Equation.3">
+                <p:oleObj name="Equation" r:id="rId4" imgW="1688760" imgH="457200" progId="Equation.3">
                   <p:embed/>
                   <p:pic>
                     <p:nvPicPr>
@@ -32954,7 +32982,7 @@
                       <p:nvPr/>
                     </p:nvPicPr>
                     <p:blipFill>
-                      <a:blip r:embed="rId7"/>
+                      <a:blip r:embed="rId5"/>
                       <a:srcRect/>
                       <a:stretch>
                         <a:fillRect/>
@@ -33005,12 +33033,12 @@
           <a:graphicData uri="http://schemas.openxmlformats.org/presentationml/2006/ole">
             <mc:AlternateContent xmlns:mc="http://schemas.openxmlformats.org/markup-compatibility/2006">
               <mc:Choice xmlns:v="urn:schemas-microsoft-com:vml" Requires="v">
-                <p:oleObj spid="_x0000_s6286" name="Equation" r:id="rId8" imgW="2539800" imgH="457200" progId="Equation.3">
+                <p:oleObj spid="_x0000_s6298" name="Equation" r:id="rId6" imgW="2539800" imgH="457200" progId="Equation.3">
                   <p:embed/>
                 </p:oleObj>
               </mc:Choice>
               <mc:Fallback>
-                <p:oleObj name="Equation" r:id="rId8" imgW="2539800" imgH="457200" progId="Equation.3">
+                <p:oleObj name="Equation" r:id="rId6" imgW="2539800" imgH="457200" progId="Equation.3">
                   <p:embed/>
                   <p:pic>
                     <p:nvPicPr>
@@ -33021,7 +33049,7 @@
                       <p:nvPr/>
                     </p:nvPicPr>
                     <p:blipFill>
-                      <a:blip r:embed="rId9"/>
+                      <a:blip r:embed="rId7"/>
                       <a:srcRect/>
                       <a:stretch>
                         <a:fillRect/>
@@ -33088,12 +33116,12 @@
           <a:graphicData uri="http://schemas.openxmlformats.org/presentationml/2006/ole">
             <mc:AlternateContent xmlns:mc="http://schemas.openxmlformats.org/markup-compatibility/2006">
               <mc:Choice xmlns:v="urn:schemas-microsoft-com:vml" Requires="v">
-                <p:oleObj spid="_x0000_s6287" name="Equation" r:id="rId10" imgW="1511280" imgH="419040" progId="Equation.3">
+                <p:oleObj spid="_x0000_s6299" name="Equation" r:id="rId8" imgW="1511280" imgH="419040" progId="Equation.3">
                   <p:embed/>
                 </p:oleObj>
               </mc:Choice>
               <mc:Fallback>
-                <p:oleObj name="Equation" r:id="rId10" imgW="1511280" imgH="419040" progId="Equation.3">
+                <p:oleObj name="Equation" r:id="rId8" imgW="1511280" imgH="419040" progId="Equation.3">
                   <p:embed/>
                   <p:pic>
                     <p:nvPicPr>
@@ -33104,7 +33132,7 @@
                       <p:nvPr/>
                     </p:nvPicPr>
                     <p:blipFill>
-                      <a:blip r:embed="rId11">
+                      <a:blip r:embed="rId9">
                         <a:extLst>
                           <a:ext uri="{28A0092B-C50C-407E-A947-70E740481C1C}">
                             <a14:useLocalDpi xmlns:a14="http://schemas.microsoft.com/office/drawing/2010/main" val="0"/>
@@ -33158,12 +33186,12 @@
           <a:graphicData uri="http://schemas.openxmlformats.org/presentationml/2006/ole">
             <mc:AlternateContent xmlns:mc="http://schemas.openxmlformats.org/markup-compatibility/2006">
               <mc:Choice xmlns:v="urn:schemas-microsoft-com:vml" Requires="v">
-                <p:oleObj spid="_x0000_s6288" name="Equation" r:id="rId12" imgW="1167893" imgH="203112" progId="Equation.3">
+                <p:oleObj spid="_x0000_s6300" name="Equation" r:id="rId10" imgW="1167893" imgH="203112" progId="Equation.3">
                   <p:embed/>
                 </p:oleObj>
               </mc:Choice>
               <mc:Fallback>
-                <p:oleObj name="Equation" r:id="rId12" imgW="1167893" imgH="203112" progId="Equation.3">
+                <p:oleObj name="Equation" r:id="rId10" imgW="1167893" imgH="203112" progId="Equation.3">
                   <p:embed/>
                   <p:pic>
                     <p:nvPicPr>
@@ -33174,7 +33202,7 @@
                       <p:nvPr/>
                     </p:nvPicPr>
                     <p:blipFill>
-                      <a:blip r:embed="rId13">
+                      <a:blip r:embed="rId11">
                         <a:extLst>
                           <a:ext uri="{28A0092B-C50C-407E-A947-70E740481C1C}">
                             <a14:useLocalDpi xmlns:a14="http://schemas.microsoft.com/office/drawing/2010/main" val="0"/>
@@ -33233,20 +33261,6 @@
 <file path=ppt/slides/slide29.xml><?xml version="1.0" encoding="utf-8"?>
 <p:sld xmlns:a="http://schemas.openxmlformats.org/drawingml/2006/main" xmlns:r="http://schemas.openxmlformats.org/officeDocument/2006/relationships" xmlns:p="http://schemas.openxmlformats.org/presentationml/2006/main">
   <p:cSld>
-    <p:bg>
-      <p:bgPr>
-        <a:blipFill dpi="0" rotWithShape="1">
-          <a:blip r:embed="rId3">
-            <a:lum/>
-          </a:blip>
-          <a:srcRect/>
-          <a:stretch>
-            <a:fillRect/>
-          </a:stretch>
-        </a:blipFill>
-        <a:effectLst/>
-      </p:bgPr>
-    </p:bg>
     <p:spTree>
       <p:nvGrpSpPr>
         <p:cNvPr id="1" name=""/>
@@ -33261,30 +33275,6 @@
           <a:chExt cx="0" cy="0"/>
         </a:xfrm>
       </p:grpSpPr>
-      <p:pic>
-        <p:nvPicPr>
-          <p:cNvPr id="2" name="1 Imagen" descr="logo anclaje MIN agroind NUEVO.jpg"/>
-          <p:cNvPicPr>
-            <a:picLocks noChangeAspect="1"/>
-          </p:cNvPicPr>
-          <p:nvPr/>
-        </p:nvPicPr>
-        <p:blipFill>
-          <a:blip r:embed="rId4"/>
-          <a:stretch>
-            <a:fillRect/>
-          </a:stretch>
-        </p:blipFill>
-        <p:spPr>
-          <a:xfrm>
-            <a:off x="5796136" y="6300573"/>
-            <a:ext cx="3312368" cy="518532"/>
-          </a:xfrm>
-          <a:prstGeom prst="rect">
-            <a:avLst/>
-          </a:prstGeom>
-        </p:spPr>
-      </p:pic>
       <p:sp>
         <p:nvSpPr>
           <p:cNvPr id="3" name="TextBox 2"/>
@@ -33685,20 +33675,6 @@
 <file path=ppt/slides/slide3.xml><?xml version="1.0" encoding="utf-8"?>
 <p:sld xmlns:a="http://schemas.openxmlformats.org/drawingml/2006/main" xmlns:r="http://schemas.openxmlformats.org/officeDocument/2006/relationships" xmlns:p="http://schemas.openxmlformats.org/presentationml/2006/main">
   <p:cSld>
-    <p:bg>
-      <p:bgPr>
-        <a:blipFill dpi="0" rotWithShape="1">
-          <a:blip r:embed="rId3">
-            <a:lum/>
-          </a:blip>
-          <a:srcRect/>
-          <a:stretch>
-            <a:fillRect/>
-          </a:stretch>
-        </a:blipFill>
-        <a:effectLst/>
-      </p:bgPr>
-    </p:bg>
     <p:spTree>
       <p:nvGrpSpPr>
         <p:cNvPr id="1" name=""/>
@@ -33715,30 +33691,6 @@
       </p:grpSpPr>
       <p:pic>
         <p:nvPicPr>
-          <p:cNvPr id="2" name="1 Imagen" descr="logo anclaje MIN agroind NUEVO.jpg"/>
-          <p:cNvPicPr>
-            <a:picLocks noChangeAspect="1"/>
-          </p:cNvPicPr>
-          <p:nvPr/>
-        </p:nvPicPr>
-        <p:blipFill>
-          <a:blip r:embed="rId4"/>
-          <a:stretch>
-            <a:fillRect/>
-          </a:stretch>
-        </p:blipFill>
-        <p:spPr>
-          <a:xfrm>
-            <a:off x="5796136" y="6300573"/>
-            <a:ext cx="3312368" cy="518532"/>
-          </a:xfrm>
-          <a:prstGeom prst="rect">
-            <a:avLst/>
-          </a:prstGeom>
-        </p:spPr>
-      </p:pic>
-      <p:pic>
-        <p:nvPicPr>
           <p:cNvPr id="3" name="Picture 2"/>
           <p:cNvPicPr>
             <a:picLocks noChangeAspect="1" noChangeArrowheads="1"/>
@@ -33746,7 +33698,7 @@
           <p:nvPr/>
         </p:nvPicPr>
         <p:blipFill>
-          <a:blip r:embed="rId5" cstate="print">
+          <a:blip r:embed="rId3" cstate="print">
             <a:extLst>
               <a:ext uri="{28A0092B-C50C-407E-A947-70E740481C1C}">
                 <a14:useLocalDpi xmlns:a14="http://schemas.microsoft.com/office/drawing/2010/main" val="0"/>
@@ -33810,7 +33762,7 @@
           <p:nvPr/>
         </p:nvPicPr>
         <p:blipFill rotWithShape="1">
-          <a:blip r:embed="rId6">
+          <a:blip r:embed="rId4">
             <a:extLst>
               <a:ext uri="{28A0092B-C50C-407E-A947-70E740481C1C}">
                 <a14:useLocalDpi xmlns:a14="http://schemas.microsoft.com/office/drawing/2010/main" val="0"/>
@@ -34006,54 +33958,26 @@
       </p:sp>
       <p:pic>
         <p:nvPicPr>
-          <p:cNvPr id="3075" name="Picture 3"/>
+          <p:cNvPr id="7" name="Imagen 6"/>
           <p:cNvPicPr>
-            <a:picLocks noChangeAspect="1" noChangeArrowheads="1"/>
+            <a:picLocks noChangeAspect="1"/>
           </p:cNvPicPr>
           <p:nvPr/>
         </p:nvPicPr>
-        <p:blipFill rotWithShape="1">
-          <a:blip>
-            <a:extLst>
-              <a:ext uri="{28A0092B-C50C-407E-A947-70E740481C1C}">
-                <a14:useLocalDpi xmlns:a14="http://schemas.microsoft.com/office/drawing/2010/main" val="0"/>
-              </a:ext>
-            </a:extLst>
-          </a:blip>
-          <a:srcRect l="13578" t="23908" r="24095" b="14023"/>
-          <a:stretch/>
+        <p:blipFill>
+          <a:blip r:embed="rId5"/>
+          <a:stretch>
+            <a:fillRect/>
+          </a:stretch>
         </p:blipFill>
-        <p:spPr bwMode="auto">
+        <p:spPr>
           <a:xfrm>
-            <a:off x="107504" y="3881407"/>
-            <a:ext cx="5184576" cy="2904223"/>
+            <a:off x="284576" y="3861048"/>
+            <a:ext cx="4920635" cy="2756509"/>
           </a:xfrm>
           <a:prstGeom prst="rect">
             <a:avLst/>
           </a:prstGeom>
-          <a:noFill/>
-          <a:ln>
-            <a:noFill/>
-          </a:ln>
-          <a:extLst>
-            <a:ext uri="{909E8E84-426E-40DD-AFC4-6F175D3DCCD1}">
-              <a14:hiddenFill xmlns:a14="http://schemas.microsoft.com/office/drawing/2010/main">
-                <a:solidFill>
-                  <a:schemeClr val="accent1"/>
-                </a:solidFill>
-              </a14:hiddenFill>
-            </a:ext>
-            <a:ext uri="{91240B29-F687-4F45-9708-019B960494DF}">
-              <a14:hiddenLine xmlns:a14="http://schemas.microsoft.com/office/drawing/2010/main" w="9525">
-                <a:solidFill>
-                  <a:schemeClr val="tx1"/>
-                </a:solidFill>
-                <a:miter lim="800000"/>
-                <a:headEnd/>
-                <a:tailEnd/>
-              </a14:hiddenLine>
-            </a:ext>
-          </a:extLst>
         </p:spPr>
       </p:pic>
     </p:spTree>
@@ -34079,20 +34003,6 @@
 <file path=ppt/slides/slide4.xml><?xml version="1.0" encoding="utf-8"?>
 <p:sld xmlns:a="http://schemas.openxmlformats.org/drawingml/2006/main" xmlns:r="http://schemas.openxmlformats.org/officeDocument/2006/relationships" xmlns:p="http://schemas.openxmlformats.org/presentationml/2006/main">
   <p:cSld>
-    <p:bg>
-      <p:bgPr>
-        <a:blipFill dpi="0" rotWithShape="1">
-          <a:blip r:embed="rId2">
-            <a:lum/>
-          </a:blip>
-          <a:srcRect/>
-          <a:stretch>
-            <a:fillRect/>
-          </a:stretch>
-        </a:blipFill>
-        <a:effectLst/>
-      </p:bgPr>
-    </p:bg>
     <p:spTree>
       <p:nvGrpSpPr>
         <p:cNvPr id="1" name=""/>
@@ -34109,30 +34019,6 @@
       </p:grpSpPr>
       <p:pic>
         <p:nvPicPr>
-          <p:cNvPr id="2" name="1 Imagen" descr="logo anclaje MIN agroind NUEVO.jpg"/>
-          <p:cNvPicPr>
-            <a:picLocks noChangeAspect="1"/>
-          </p:cNvPicPr>
-          <p:nvPr/>
-        </p:nvPicPr>
-        <p:blipFill>
-          <a:blip r:embed="rId3"/>
-          <a:stretch>
-            <a:fillRect/>
-          </a:stretch>
-        </p:blipFill>
-        <p:spPr>
-          <a:xfrm>
-            <a:off x="5796136" y="6300573"/>
-            <a:ext cx="3312368" cy="518532"/>
-          </a:xfrm>
-          <a:prstGeom prst="rect">
-            <a:avLst/>
-          </a:prstGeom>
-        </p:spPr>
-      </p:pic>
-      <p:pic>
-        <p:nvPicPr>
           <p:cNvPr id="4098" name="Picture 2"/>
           <p:cNvPicPr>
             <a:picLocks noChangeAspect="1" noChangeArrowheads="1"/>
@@ -34140,7 +34026,7 @@
           <p:nvPr/>
         </p:nvPicPr>
         <p:blipFill rotWithShape="1">
-          <a:blip r:embed="rId4">
+          <a:blip r:embed="rId2">
             <a:extLst>
               <a:ext uri="{28A0092B-C50C-407E-A947-70E740481C1C}">
                 <a14:useLocalDpi xmlns:a14="http://schemas.microsoft.com/office/drawing/2010/main" val="0"/>
@@ -34262,20 +34148,6 @@
 <file path=ppt/slides/slide5.xml><?xml version="1.0" encoding="utf-8"?>
 <p:sld xmlns:a="http://schemas.openxmlformats.org/drawingml/2006/main" xmlns:r="http://schemas.openxmlformats.org/officeDocument/2006/relationships" xmlns:p="http://schemas.openxmlformats.org/presentationml/2006/main">
   <p:cSld>
-    <p:bg>
-      <p:bgPr>
-        <a:blipFill dpi="0" rotWithShape="1">
-          <a:blip r:embed="rId3">
-            <a:lum/>
-          </a:blip>
-          <a:srcRect/>
-          <a:stretch>
-            <a:fillRect/>
-          </a:stretch>
-        </a:blipFill>
-        <a:effectLst/>
-      </p:bgPr>
-    </p:bg>
     <p:spTree>
       <p:nvGrpSpPr>
         <p:cNvPr id="1" name=""/>
@@ -34290,30 +34162,6 @@
           <a:chExt cx="0" cy="0"/>
         </a:xfrm>
       </p:grpSpPr>
-      <p:pic>
-        <p:nvPicPr>
-          <p:cNvPr id="2" name="1 Imagen" descr="logo anclaje MIN agroind NUEVO.jpg"/>
-          <p:cNvPicPr>
-            <a:picLocks noChangeAspect="1"/>
-          </p:cNvPicPr>
-          <p:nvPr/>
-        </p:nvPicPr>
-        <p:blipFill>
-          <a:blip r:embed="rId4"/>
-          <a:stretch>
-            <a:fillRect/>
-          </a:stretch>
-        </p:blipFill>
-        <p:spPr>
-          <a:xfrm>
-            <a:off x="5796136" y="6300573"/>
-            <a:ext cx="3312368" cy="518532"/>
-          </a:xfrm>
-          <a:prstGeom prst="rect">
-            <a:avLst/>
-          </a:prstGeom>
-        </p:spPr>
-      </p:pic>
       <p:sp>
         <p:nvSpPr>
           <p:cNvPr id="3" name="TextBox 2"/>
@@ -34816,20 +34664,6 @@
 <file path=ppt/slides/slide6.xml><?xml version="1.0" encoding="utf-8"?>
 <p:sld xmlns:a="http://schemas.openxmlformats.org/drawingml/2006/main" xmlns:r="http://schemas.openxmlformats.org/officeDocument/2006/relationships" xmlns:p="http://schemas.openxmlformats.org/presentationml/2006/main">
   <p:cSld>
-    <p:bg>
-      <p:bgPr>
-        <a:blipFill dpi="0" rotWithShape="1">
-          <a:blip r:embed="rId3">
-            <a:lum/>
-          </a:blip>
-          <a:srcRect/>
-          <a:stretch>
-            <a:fillRect/>
-          </a:stretch>
-        </a:blipFill>
-        <a:effectLst/>
-      </p:bgPr>
-    </p:bg>
     <p:spTree>
       <p:nvGrpSpPr>
         <p:cNvPr id="1" name=""/>
@@ -34844,30 +34678,6 @@
           <a:chExt cx="0" cy="0"/>
         </a:xfrm>
       </p:grpSpPr>
-      <p:pic>
-        <p:nvPicPr>
-          <p:cNvPr id="2" name="1 Imagen" descr="logo anclaje MIN agroind NUEVO.jpg"/>
-          <p:cNvPicPr>
-            <a:picLocks noChangeAspect="1"/>
-          </p:cNvPicPr>
-          <p:nvPr/>
-        </p:nvPicPr>
-        <p:blipFill>
-          <a:blip r:embed="rId4"/>
-          <a:stretch>
-            <a:fillRect/>
-          </a:stretch>
-        </p:blipFill>
-        <p:spPr>
-          <a:xfrm>
-            <a:off x="5796136" y="6300573"/>
-            <a:ext cx="3312368" cy="518532"/>
-          </a:xfrm>
-          <a:prstGeom prst="rect">
-            <a:avLst/>
-          </a:prstGeom>
-        </p:spPr>
-      </p:pic>
       <p:sp>
         <p:nvSpPr>
           <p:cNvPr id="3" name="TextBox 2"/>
@@ -35327,7 +35137,7 @@
           <p:nvPr/>
         </p:nvPicPr>
         <p:blipFill>
-          <a:blip r:embed="rId5">
+          <a:blip r:embed="rId3">
             <a:extLst>
               <a:ext uri="{28A0092B-C50C-407E-A947-70E740481C1C}">
                 <a14:useLocalDpi xmlns:a14="http://schemas.microsoft.com/office/drawing/2010/main" val="0"/>
@@ -35684,7 +35494,7 @@
           <p:nvPr/>
         </p:nvPicPr>
         <p:blipFill>
-          <a:blip r:embed="rId6">
+          <a:blip r:embed="rId4">
             <a:extLst>
               <a:ext uri="{28A0092B-C50C-407E-A947-70E740481C1C}">
                 <a14:useLocalDpi xmlns:a14="http://schemas.microsoft.com/office/drawing/2010/main" val="0"/>
@@ -35752,20 +35562,6 @@
 <file path=ppt/slides/slide7.xml><?xml version="1.0" encoding="utf-8"?>
 <p:sld xmlns:a="http://schemas.openxmlformats.org/drawingml/2006/main" xmlns:r="http://schemas.openxmlformats.org/officeDocument/2006/relationships" xmlns:p="http://schemas.openxmlformats.org/presentationml/2006/main">
   <p:cSld>
-    <p:bg>
-      <p:bgPr>
-        <a:blipFill dpi="0" rotWithShape="1">
-          <a:blip r:embed="rId3">
-            <a:lum/>
-          </a:blip>
-          <a:srcRect/>
-          <a:stretch>
-            <a:fillRect/>
-          </a:stretch>
-        </a:blipFill>
-        <a:effectLst/>
-      </p:bgPr>
-    </p:bg>
     <p:spTree>
       <p:nvGrpSpPr>
         <p:cNvPr id="1" name=""/>
@@ -35780,30 +35576,6 @@
           <a:chExt cx="0" cy="0"/>
         </a:xfrm>
       </p:grpSpPr>
-      <p:pic>
-        <p:nvPicPr>
-          <p:cNvPr id="2" name="1 Imagen" descr="logo anclaje MIN agroind NUEVO.jpg"/>
-          <p:cNvPicPr>
-            <a:picLocks noChangeAspect="1"/>
-          </p:cNvPicPr>
-          <p:nvPr/>
-        </p:nvPicPr>
-        <p:blipFill>
-          <a:blip r:embed="rId4"/>
-          <a:stretch>
-            <a:fillRect/>
-          </a:stretch>
-        </p:blipFill>
-        <p:spPr>
-          <a:xfrm>
-            <a:off x="5796136" y="6300573"/>
-            <a:ext cx="3312368" cy="518532"/>
-          </a:xfrm>
-          <a:prstGeom prst="rect">
-            <a:avLst/>
-          </a:prstGeom>
-        </p:spPr>
-      </p:pic>
       <p:sp>
         <p:nvSpPr>
           <p:cNvPr id="3" name="TextBox 2"/>
@@ -36648,20 +36420,6 @@
 <file path=ppt/slides/slide8.xml><?xml version="1.0" encoding="utf-8"?>
 <p:sld xmlns:a="http://schemas.openxmlformats.org/drawingml/2006/main" xmlns:r="http://schemas.openxmlformats.org/officeDocument/2006/relationships" xmlns:p="http://schemas.openxmlformats.org/presentationml/2006/main">
   <p:cSld>
-    <p:bg>
-      <p:bgPr>
-        <a:blipFill dpi="0" rotWithShape="1">
-          <a:blip r:embed="rId3">
-            <a:lum/>
-          </a:blip>
-          <a:srcRect/>
-          <a:stretch>
-            <a:fillRect/>
-          </a:stretch>
-        </a:blipFill>
-        <a:effectLst/>
-      </p:bgPr>
-    </p:bg>
     <p:spTree>
       <p:nvGrpSpPr>
         <p:cNvPr id="1" name=""/>
@@ -36676,30 +36434,6 @@
           <a:chExt cx="0" cy="0"/>
         </a:xfrm>
       </p:grpSpPr>
-      <p:pic>
-        <p:nvPicPr>
-          <p:cNvPr id="2" name="1 Imagen" descr="logo anclaje MIN agroind NUEVO.jpg"/>
-          <p:cNvPicPr>
-            <a:picLocks noChangeAspect="1"/>
-          </p:cNvPicPr>
-          <p:nvPr/>
-        </p:nvPicPr>
-        <p:blipFill>
-          <a:blip r:embed="rId4"/>
-          <a:stretch>
-            <a:fillRect/>
-          </a:stretch>
-        </p:blipFill>
-        <p:spPr>
-          <a:xfrm>
-            <a:off x="5796136" y="6300573"/>
-            <a:ext cx="3312368" cy="518532"/>
-          </a:xfrm>
-          <a:prstGeom prst="rect">
-            <a:avLst/>
-          </a:prstGeom>
-        </p:spPr>
-      </p:pic>
       <p:sp>
         <p:nvSpPr>
           <p:cNvPr id="3" name="TextBox 2"/>
@@ -37218,20 +36952,6 @@
 <file path=ppt/slides/slide9.xml><?xml version="1.0" encoding="utf-8"?>
 <p:sld xmlns:a="http://schemas.openxmlformats.org/drawingml/2006/main" xmlns:r="http://schemas.openxmlformats.org/officeDocument/2006/relationships" xmlns:p="http://schemas.openxmlformats.org/presentationml/2006/main">
   <p:cSld>
-    <p:bg>
-      <p:bgPr>
-        <a:blipFill dpi="0" rotWithShape="1">
-          <a:blip r:embed="rId3">
-            <a:lum/>
-          </a:blip>
-          <a:srcRect/>
-          <a:stretch>
-            <a:fillRect/>
-          </a:stretch>
-        </a:blipFill>
-        <a:effectLst/>
-      </p:bgPr>
-    </p:bg>
     <p:spTree>
       <p:nvGrpSpPr>
         <p:cNvPr id="1" name=""/>
@@ -37246,30 +36966,6 @@
           <a:chExt cx="0" cy="0"/>
         </a:xfrm>
       </p:grpSpPr>
-      <p:pic>
-        <p:nvPicPr>
-          <p:cNvPr id="2" name="1 Imagen" descr="logo anclaje MIN agroind NUEVO.jpg"/>
-          <p:cNvPicPr>
-            <a:picLocks noChangeAspect="1"/>
-          </p:cNvPicPr>
-          <p:nvPr/>
-        </p:nvPicPr>
-        <p:blipFill>
-          <a:blip r:embed="rId4"/>
-          <a:stretch>
-            <a:fillRect/>
-          </a:stretch>
-        </p:blipFill>
-        <p:spPr>
-          <a:xfrm>
-            <a:off x="5796136" y="6300573"/>
-            <a:ext cx="3312368" cy="518532"/>
-          </a:xfrm>
-          <a:prstGeom prst="rect">
-            <a:avLst/>
-          </a:prstGeom>
-        </p:spPr>
-      </p:pic>
       <p:sp>
         <p:nvSpPr>
           <p:cNvPr id="3" name="TextBox 2"/>
@@ -37688,7 +37384,7 @@
 </file>
 
 <file path=ppt/theme/theme1.xml><?xml version="1.0" encoding="utf-8"?>
-<a:theme xmlns:a="http://schemas.openxmlformats.org/drawingml/2006/main" name="1_Office Theme">
+<a:theme xmlns:a="http://schemas.openxmlformats.org/drawingml/2006/main" name="Theme3">
   <a:themeElements>
     <a:clrScheme name="Office">
       <a:dk1>
@@ -37973,7 +37669,7 @@
 </file>
 
 <file path=ppt/theme/theme2.xml><?xml version="1.0" encoding="utf-8"?>
-<a:theme xmlns:a="http://schemas.openxmlformats.org/drawingml/2006/main" name="Theme3">
+<a:theme xmlns:a="http://schemas.openxmlformats.org/drawingml/2006/main" name="2_Office Theme">
   <a:themeElements>
     <a:clrScheme name="Office">
       <a:dk1>
@@ -38258,9 +37954,9 @@
 </file>
 
 <file path=ppt/theme/theme3.xml><?xml version="1.0" encoding="utf-8"?>
-<a:theme xmlns:a="http://schemas.openxmlformats.org/drawingml/2006/main" name="2_Office Theme">
+<a:theme xmlns:a="http://schemas.openxmlformats.org/drawingml/2006/main" name="Retrospección">
   <a:themeElements>
-    <a:clrScheme name="Office">
+    <a:clrScheme name="Verde azulado">
       <a:dk1>
         <a:sysClr val="windowText" lastClr="000000"/>
       </a:dk1>
@@ -38268,39 +37964,39 @@
         <a:sysClr val="window" lastClr="FFFFFF"/>
       </a:lt1>
       <a:dk2>
-        <a:srgbClr val="1F497D"/>
+        <a:srgbClr val="373545"/>
       </a:dk2>
       <a:lt2>
-        <a:srgbClr val="EEECE1"/>
+        <a:srgbClr val="CEDBE6"/>
       </a:lt2>
       <a:accent1>
-        <a:srgbClr val="4F81BD"/>
+        <a:srgbClr val="3494BA"/>
       </a:accent1>
       <a:accent2>
-        <a:srgbClr val="C0504D"/>
+        <a:srgbClr val="58B6C0"/>
       </a:accent2>
       <a:accent3>
-        <a:srgbClr val="9BBB59"/>
+        <a:srgbClr val="75BDA7"/>
       </a:accent3>
       <a:accent4>
-        <a:srgbClr val="8064A2"/>
+        <a:srgbClr val="7A8C8E"/>
       </a:accent4>
       <a:accent5>
-        <a:srgbClr val="4BACC6"/>
+        <a:srgbClr val="84ACB6"/>
       </a:accent5>
       <a:accent6>
-        <a:srgbClr val="F79646"/>
+        <a:srgbClr val="2683C6"/>
       </a:accent6>
       <a:hlink>
-        <a:srgbClr val="0000FF"/>
+        <a:srgbClr val="6B9F25"/>
       </a:hlink>
       <a:folHlink>
-        <a:srgbClr val="800080"/>
+        <a:srgbClr val="9F6715"/>
       </a:folHlink>
     </a:clrScheme>
-    <a:fontScheme name="Office">
+    <a:fontScheme name="Retrospección">
       <a:majorFont>
-        <a:latin typeface="Calibri"/>
+        <a:latin typeface="Calibri Light" panose="020F0302020204030204"/>
         <a:ea typeface=""/>
         <a:cs typeface=""/>
         <a:font script="Jpan" typeface="ＭＳ Ｐゴシック"/>
@@ -38335,7 +38031,7 @@
         <a:font script="Geor" typeface="Sylfaen"/>
       </a:majorFont>
       <a:minorFont>
-        <a:latin typeface="Calibri"/>
+        <a:latin typeface="Calibri" panose="020F0502020204030204"/>
         <a:ea typeface=""/>
         <a:cs typeface=""/>
         <a:font script="Jpan" typeface="ＭＳ Ｐゴシック"/>
@@ -38370,7 +38066,7 @@
         <a:font script="Geor" typeface="Sylfaen"/>
       </a:minorFont>
     </a:fontScheme>
-    <a:fmtScheme name="Office">
+    <a:fmtScheme name="Retrospección">
       <a:fillStyleLst>
         <a:solidFill>
           <a:schemeClr val="phClr"/>
@@ -38379,56 +38075,73 @@
           <a:gsLst>
             <a:gs pos="0">
               <a:schemeClr val="phClr">
-                <a:tint val="50000"/>
-                <a:satMod val="300000"/>
+                <a:tint val="65000"/>
+                <a:shade val="92000"/>
+                <a:satMod val="130000"/>
               </a:schemeClr>
             </a:gs>
-            <a:gs pos="35000">
+            <a:gs pos="45000">
               <a:schemeClr val="phClr">
-                <a:tint val="37000"/>
-                <a:satMod val="300000"/>
+                <a:tint val="60000"/>
+                <a:shade val="99000"/>
+                <a:satMod val="120000"/>
               </a:schemeClr>
             </a:gs>
             <a:gs pos="100000">
               <a:schemeClr val="phClr">
-                <a:tint val="15000"/>
-                <a:satMod val="350000"/>
+                <a:tint val="55000"/>
+                <a:satMod val="140000"/>
               </a:schemeClr>
             </a:gs>
           </a:gsLst>
-          <a:lin ang="16200000" scaled="1"/>
+          <a:path path="circle">
+            <a:fillToRect l="100000" t="100000" r="100000" b="100000"/>
+          </a:path>
         </a:gradFill>
         <a:gradFill rotWithShape="1">
           <a:gsLst>
             <a:gs pos="0">
               <a:schemeClr val="phClr">
-                <a:shade val="51000"/>
+                <a:shade val="85000"/>
                 <a:satMod val="130000"/>
               </a:schemeClr>
             </a:gs>
-            <a:gs pos="80000">
+            <a:gs pos="34000">
               <a:schemeClr val="phClr">
-                <a:shade val="93000"/>
+                <a:shade val="87000"/>
+                <a:satMod val="125000"/>
+              </a:schemeClr>
+            </a:gs>
+            <a:gs pos="70000">
+              <a:schemeClr val="phClr">
+                <a:tint val="100000"/>
+                <a:shade val="90000"/>
                 <a:satMod val="130000"/>
               </a:schemeClr>
             </a:gs>
             <a:gs pos="100000">
               <a:schemeClr val="phClr">
-                <a:shade val="94000"/>
-                <a:satMod val="135000"/>
+                <a:tint val="100000"/>
+                <a:shade val="100000"/>
+                <a:satMod val="110000"/>
               </a:schemeClr>
             </a:gs>
           </a:gsLst>
-          <a:lin ang="16200000" scaled="0"/>
+          <a:path path="circle">
+            <a:fillToRect l="100000" t="100000" r="100000" b="100000"/>
+          </a:path>
         </a:gradFill>
       </a:fillStyleLst>
       <a:lnStyleLst>
-        <a:ln w="9525" cap="flat" cmpd="sng" algn="ctr">
+        <a:ln w="12700" cap="flat" cmpd="sng" algn="ctr">
           <a:solidFill>
-            <a:schemeClr val="phClr">
-              <a:shade val="95000"/>
-              <a:satMod val="105000"/>
-            </a:schemeClr>
+            <a:schemeClr val="phClr"/>
+          </a:solidFill>
+          <a:prstDash val="solid"/>
+        </a:ln>
+        <a:ln w="15875" cap="flat" cmpd="sng" algn="ctr">
+          <a:solidFill>
+            <a:schemeClr val="phClr"/>
           </a:solidFill>
           <a:prstDash val="solid"/>
         </a:ln>
@@ -38438,37 +38151,25 @@
           </a:solidFill>
           <a:prstDash val="solid"/>
         </a:ln>
-        <a:ln w="38100" cap="flat" cmpd="sng" algn="ctr">
-          <a:solidFill>
-            <a:schemeClr val="phClr"/>
-          </a:solidFill>
-          <a:prstDash val="solid"/>
-        </a:ln>
       </a:lnStyleLst>
       <a:effectStyleLst>
         <a:effectStyle>
+          <a:effectLst/>
+        </a:effectStyle>
+        <a:effectStyle>
           <a:effectLst>
-            <a:outerShdw blurRad="40000" dist="20000" dir="5400000" rotWithShape="0">
+            <a:outerShdw blurRad="38100" dist="25400" dir="2700000" algn="br" rotWithShape="0">
               <a:srgbClr val="000000">
-                <a:alpha val="38000"/>
+                <a:alpha val="60000"/>
               </a:srgbClr>
             </a:outerShdw>
           </a:effectLst>
         </a:effectStyle>
         <a:effectStyle>
           <a:effectLst>
-            <a:outerShdw blurRad="40000" dist="23000" dir="5400000" rotWithShape="0">
+            <a:outerShdw blurRad="44450" dist="25400" dir="2700000" algn="br" rotWithShape="0">
               <a:srgbClr val="000000">
-                <a:alpha val="35000"/>
-              </a:srgbClr>
-            </a:outerShdw>
-          </a:effectLst>
-        </a:effectStyle>
-        <a:effectStyle>
-          <a:effectLst>
-            <a:outerShdw blurRad="40000" dist="23000" dir="5400000" rotWithShape="0">
-              <a:srgbClr val="000000">
-                <a:alpha val="35000"/>
+                <a:alpha val="60000"/>
               </a:srgbClr>
             </a:outerShdw>
           </a:effectLst>
@@ -38477,11 +38178,11 @@
               <a:rot lat="0" lon="0" rev="0"/>
             </a:camera>
             <a:lightRig rig="threePt" dir="t">
-              <a:rot lat="0" lon="0" rev="1200000"/>
+              <a:rot lat="0" lon="0" rev="19800000"/>
             </a:lightRig>
           </a:scene3d>
-          <a:sp3d>
-            <a:bevelT w="63500" h="25400"/>
+          <a:sp3d prstMaterial="flat">
+            <a:bevelT w="25400" h="31750"/>
           </a:sp3d>
         </a:effectStyle>
       </a:effectStyleLst>
@@ -38489,56 +38190,49 @@
         <a:solidFill>
           <a:schemeClr val="phClr"/>
         </a:solidFill>
+        <a:solidFill>
+          <a:schemeClr val="phClr">
+            <a:tint val="90000"/>
+            <a:shade val="97000"/>
+            <a:satMod val="130000"/>
+          </a:schemeClr>
+        </a:solidFill>
         <a:gradFill rotWithShape="1">
           <a:gsLst>
             <a:gs pos="0">
               <a:schemeClr val="phClr">
-                <a:tint val="40000"/>
-                <a:satMod val="350000"/>
+                <a:tint val="96000"/>
+                <a:shade val="99000"/>
+                <a:satMod val="140000"/>
               </a:schemeClr>
             </a:gs>
-            <a:gs pos="40000">
+            <a:gs pos="65000">
               <a:schemeClr val="phClr">
-                <a:tint val="45000"/>
-                <a:shade val="99000"/>
-                <a:satMod val="350000"/>
+                <a:tint val="100000"/>
+                <a:shade val="80000"/>
+                <a:satMod val="130000"/>
               </a:schemeClr>
             </a:gs>
             <a:gs pos="100000">
               <a:schemeClr val="phClr">
-                <a:shade val="20000"/>
-                <a:satMod val="255000"/>
+                <a:tint val="100000"/>
+                <a:shade val="48000"/>
+                <a:satMod val="120000"/>
               </a:schemeClr>
             </a:gs>
           </a:gsLst>
-          <a:path path="circle">
-            <a:fillToRect l="50000" t="-80000" r="50000" b="180000"/>
-          </a:path>
-        </a:gradFill>
-        <a:gradFill rotWithShape="1">
-          <a:gsLst>
-            <a:gs pos="0">
-              <a:schemeClr val="phClr">
-                <a:tint val="80000"/>
-                <a:satMod val="300000"/>
-              </a:schemeClr>
-            </a:gs>
-            <a:gs pos="100000">
-              <a:schemeClr val="phClr">
-                <a:shade val="30000"/>
-                <a:satMod val="200000"/>
-              </a:schemeClr>
-            </a:gs>
-          </a:gsLst>
-          <a:path path="circle">
-            <a:fillToRect l="50000" t="50000" r="50000" b="50000"/>
-          </a:path>
+          <a:lin ang="16200000" scaled="0"/>
         </a:gradFill>
       </a:bgFillStyleLst>
     </a:fmtScheme>
   </a:themeElements>
   <a:objectDefaults/>
   <a:extraClrSchemeLst/>
+  <a:extLst>
+    <a:ext uri="{05A4C25C-085E-4340-85A3-A5531E510DB2}">
+      <thm15:themeFamily xmlns:thm15="http://schemas.microsoft.com/office/thememl/2012/main" name="Retrospect" id="{5F128B03-DCCA-4EEB-AB3B-CF2899314A46}" vid="{9CC26709-368C-4D72-9060-94E5B3FF3CD6}"/>
+    </a:ext>
+  </a:extLst>
 </a:theme>
 </file>
 

--- a/Modulo 2_Occupacion2023.pptx
+++ b/Modulo 2_Occupacion2023.pptx
@@ -7,7 +7,7 @@
     <p:sldMasterId id="2147484500" r:id="rId3"/>
   </p:sldMasterIdLst>
   <p:notesMasterIdLst>
-    <p:notesMasterId r:id="rId33"/>
+    <p:notesMasterId r:id="rId35"/>
   </p:notesMasterIdLst>
   <p:sldIdLst>
     <p:sldId id="281" r:id="rId4"/>
@@ -20,25 +20,27 @@
     <p:sldId id="287" r:id="rId11"/>
     <p:sldId id="291" r:id="rId12"/>
     <p:sldId id="292" r:id="rId13"/>
-    <p:sldId id="293" r:id="rId14"/>
-    <p:sldId id="294" r:id="rId15"/>
-    <p:sldId id="295" r:id="rId16"/>
-    <p:sldId id="297" r:id="rId17"/>
-    <p:sldId id="299" r:id="rId18"/>
-    <p:sldId id="300" r:id="rId19"/>
-    <p:sldId id="301" r:id="rId20"/>
-    <p:sldId id="298" r:id="rId21"/>
-    <p:sldId id="302" r:id="rId22"/>
-    <p:sldId id="303" r:id="rId23"/>
-    <p:sldId id="304" r:id="rId24"/>
-    <p:sldId id="311" r:id="rId25"/>
-    <p:sldId id="305" r:id="rId26"/>
-    <p:sldId id="306" r:id="rId27"/>
-    <p:sldId id="307" r:id="rId28"/>
-    <p:sldId id="312" r:id="rId29"/>
-    <p:sldId id="313" r:id="rId30"/>
-    <p:sldId id="308" r:id="rId31"/>
-    <p:sldId id="309" r:id="rId32"/>
+    <p:sldId id="314" r:id="rId14"/>
+    <p:sldId id="315" r:id="rId15"/>
+    <p:sldId id="293" r:id="rId16"/>
+    <p:sldId id="294" r:id="rId17"/>
+    <p:sldId id="295" r:id="rId18"/>
+    <p:sldId id="297" r:id="rId19"/>
+    <p:sldId id="299" r:id="rId20"/>
+    <p:sldId id="300" r:id="rId21"/>
+    <p:sldId id="301" r:id="rId22"/>
+    <p:sldId id="298" r:id="rId23"/>
+    <p:sldId id="302" r:id="rId24"/>
+    <p:sldId id="303" r:id="rId25"/>
+    <p:sldId id="304" r:id="rId26"/>
+    <p:sldId id="311" r:id="rId27"/>
+    <p:sldId id="305" r:id="rId28"/>
+    <p:sldId id="306" r:id="rId29"/>
+    <p:sldId id="307" r:id="rId30"/>
+    <p:sldId id="312" r:id="rId31"/>
+    <p:sldId id="313" r:id="rId32"/>
+    <p:sldId id="308" r:id="rId33"/>
+    <p:sldId id="309" r:id="rId34"/>
   </p:sldIdLst>
   <p:sldSz cx="9144000" cy="6858000" type="screen4x3"/>
   <p:notesSz cx="7099300" cy="10234613"/>
@@ -826,7 +828,7 @@
             <a:fld id="{0A37165C-6ECF-4EEF-943C-C2B6859891A8}" type="slidenum">
               <a:rPr lang="es-ES" altLang="es-AR" smtClean="0"/>
               <a:pPr/>
-              <a:t>12</a:t>
+              <a:t>14</a:t>
             </a:fld>
             <a:endParaRPr lang="es-ES" altLang="es-AR"/>
           </a:p>
@@ -911,7 +913,7 @@
             <a:fld id="{0A37165C-6ECF-4EEF-943C-C2B6859891A8}" type="slidenum">
               <a:rPr lang="es-ES" altLang="es-AR" smtClean="0"/>
               <a:pPr/>
-              <a:t>13</a:t>
+              <a:t>15</a:t>
             </a:fld>
             <a:endParaRPr lang="es-ES" altLang="es-AR"/>
           </a:p>
@@ -996,7 +998,7 @@
             <a:fld id="{0A37165C-6ECF-4EEF-943C-C2B6859891A8}" type="slidenum">
               <a:rPr lang="es-ES" altLang="es-AR" smtClean="0"/>
               <a:pPr/>
-              <a:t>14</a:t>
+              <a:t>16</a:t>
             </a:fld>
             <a:endParaRPr lang="es-ES" altLang="es-AR"/>
           </a:p>
@@ -1084,7 +1086,7 @@
             <a:fld id="{0A37165C-6ECF-4EEF-943C-C2B6859891A8}" type="slidenum">
               <a:rPr lang="es-ES" altLang="es-AR" smtClean="0"/>
               <a:pPr/>
-              <a:t>15</a:t>
+              <a:t>17</a:t>
             </a:fld>
             <a:endParaRPr lang="es-ES" altLang="es-AR"/>
           </a:p>
@@ -1177,7 +1179,7 @@
             <a:fld id="{0A37165C-6ECF-4EEF-943C-C2B6859891A8}" type="slidenum">
               <a:rPr lang="es-ES" altLang="es-AR" smtClean="0"/>
               <a:pPr/>
-              <a:t>16</a:t>
+              <a:t>18</a:t>
             </a:fld>
             <a:endParaRPr lang="es-ES" altLang="es-AR"/>
           </a:p>
@@ -1262,7 +1264,7 @@
             <a:fld id="{0A37165C-6ECF-4EEF-943C-C2B6859891A8}" type="slidenum">
               <a:rPr lang="es-ES" altLang="es-AR" smtClean="0"/>
               <a:pPr/>
-              <a:t>17</a:t>
+              <a:t>19</a:t>
             </a:fld>
             <a:endParaRPr lang="es-ES" altLang="es-AR"/>
           </a:p>
@@ -1347,7 +1349,7 @@
             <a:fld id="{0A37165C-6ECF-4EEF-943C-C2B6859891A8}" type="slidenum">
               <a:rPr lang="es-ES" altLang="es-AR" smtClean="0"/>
               <a:pPr/>
-              <a:t>18</a:t>
+              <a:t>20</a:t>
             </a:fld>
             <a:endParaRPr lang="es-ES" altLang="es-AR"/>
           </a:p>
@@ -1432,7 +1434,7 @@
             <a:fld id="{0A37165C-6ECF-4EEF-943C-C2B6859891A8}" type="slidenum">
               <a:rPr lang="es-ES" altLang="es-AR" smtClean="0"/>
               <a:pPr/>
-              <a:t>19</a:t>
+              <a:t>21</a:t>
             </a:fld>
             <a:endParaRPr lang="es-ES" altLang="es-AR"/>
           </a:p>
@@ -1517,7 +1519,7 @@
             <a:fld id="{0A37165C-6ECF-4EEF-943C-C2B6859891A8}" type="slidenum">
               <a:rPr lang="es-ES" altLang="es-AR" smtClean="0"/>
               <a:pPr/>
-              <a:t>20</a:t>
+              <a:t>22</a:t>
             </a:fld>
             <a:endParaRPr lang="es-ES" altLang="es-AR"/>
           </a:p>
@@ -1602,7 +1604,7 @@
             <a:fld id="{0A37165C-6ECF-4EEF-943C-C2B6859891A8}" type="slidenum">
               <a:rPr lang="es-ES" altLang="es-AR" smtClean="0"/>
               <a:pPr/>
-              <a:t>21</a:t>
+              <a:t>23</a:t>
             </a:fld>
             <a:endParaRPr lang="es-ES" altLang="es-AR"/>
           </a:p>
@@ -1772,7 +1774,7 @@
             <a:fld id="{0A37165C-6ECF-4EEF-943C-C2B6859891A8}" type="slidenum">
               <a:rPr lang="es-ES" altLang="es-AR" smtClean="0"/>
               <a:pPr/>
-              <a:t>22</a:t>
+              <a:t>24</a:t>
             </a:fld>
             <a:endParaRPr lang="es-ES" altLang="es-AR"/>
           </a:p>
@@ -1857,7 +1859,7 @@
             <a:fld id="{0A37165C-6ECF-4EEF-943C-C2B6859891A8}" type="slidenum">
               <a:rPr lang="es-ES" altLang="es-AR" smtClean="0"/>
               <a:pPr/>
-              <a:t>23</a:t>
+              <a:t>25</a:t>
             </a:fld>
             <a:endParaRPr lang="es-ES" altLang="es-AR"/>
           </a:p>
@@ -1942,7 +1944,7 @@
             <a:fld id="{0A37165C-6ECF-4EEF-943C-C2B6859891A8}" type="slidenum">
               <a:rPr lang="es-ES" altLang="es-AR" smtClean="0"/>
               <a:pPr/>
-              <a:t>24</a:t>
+              <a:t>26</a:t>
             </a:fld>
             <a:endParaRPr lang="es-ES" altLang="es-AR"/>
           </a:p>
@@ -2027,7 +2029,7 @@
             <a:fld id="{0A37165C-6ECF-4EEF-943C-C2B6859891A8}" type="slidenum">
               <a:rPr lang="es-ES" altLang="es-AR" smtClean="0"/>
               <a:pPr/>
-              <a:t>25</a:t>
+              <a:t>27</a:t>
             </a:fld>
             <a:endParaRPr lang="es-ES" altLang="es-AR"/>
           </a:p>
@@ -2112,7 +2114,7 @@
             <a:fld id="{0A37165C-6ECF-4EEF-943C-C2B6859891A8}" type="slidenum">
               <a:rPr lang="es-ES" altLang="es-AR" smtClean="0"/>
               <a:pPr/>
-              <a:t>26</a:t>
+              <a:t>28</a:t>
             </a:fld>
             <a:endParaRPr lang="es-ES" altLang="es-AR"/>
           </a:p>
@@ -2197,7 +2199,7 @@
             <a:fld id="{0A37165C-6ECF-4EEF-943C-C2B6859891A8}" type="slidenum">
               <a:rPr lang="es-ES" altLang="es-AR" smtClean="0"/>
               <a:pPr/>
-              <a:t>27</a:t>
+              <a:t>29</a:t>
             </a:fld>
             <a:endParaRPr lang="es-ES" altLang="es-AR"/>
           </a:p>
@@ -2282,7 +2284,7 @@
             <a:fld id="{0A37165C-6ECF-4EEF-943C-C2B6859891A8}" type="slidenum">
               <a:rPr lang="es-ES" altLang="es-AR" smtClean="0"/>
               <a:pPr/>
-              <a:t>28</a:t>
+              <a:t>30</a:t>
             </a:fld>
             <a:endParaRPr lang="es-ES" altLang="es-AR"/>
           </a:p>
@@ -2367,7 +2369,7 @@
             <a:fld id="{0A37165C-6ECF-4EEF-943C-C2B6859891A8}" type="slidenum">
               <a:rPr lang="es-ES" altLang="es-AR" smtClean="0"/>
               <a:pPr/>
-              <a:t>29</a:t>
+              <a:t>31</a:t>
             </a:fld>
             <a:endParaRPr lang="es-ES" altLang="es-AR"/>
           </a:p>
@@ -3592,7 +3594,7 @@
             <a:fld id="{0A37165C-6ECF-4EEF-943C-C2B6859891A8}" type="slidenum">
               <a:rPr lang="es-ES" altLang="es-AR" smtClean="0"/>
               <a:pPr/>
-              <a:t>11</a:t>
+              <a:t>13</a:t>
             </a:fld>
             <a:endParaRPr lang="es-ES" altLang="es-AR"/>
           </a:p>
@@ -14759,6 +14761,386 @@
       </p:grpSpPr>
       <p:sp>
         <p:nvSpPr>
+          <p:cNvPr id="2" name="Rectangle 3"/>
+          <p:cNvSpPr txBox="1">
+            <a:spLocks noChangeArrowheads="1"/>
+          </p:cNvSpPr>
+          <p:nvPr/>
+        </p:nvSpPr>
+        <p:spPr>
+          <a:xfrm>
+            <a:off x="1043608" y="980728"/>
+            <a:ext cx="8064896" cy="4896544"/>
+          </a:xfrm>
+          <a:prstGeom prst="rect">
+            <a:avLst/>
+          </a:prstGeom>
+        </p:spPr>
+        <p:txBody>
+          <a:bodyPr>
+            <a:noAutofit/>
+          </a:bodyPr>
+          <a:lstStyle>
+            <a:lvl1pPr marL="342900" indent="-342900" algn="l" rtl="0" eaLnBrk="0" fontAlgn="base" hangingPunct="0">
+              <a:spcBef>
+                <a:spcPct val="20000"/>
+              </a:spcBef>
+              <a:spcAft>
+                <a:spcPct val="0"/>
+              </a:spcAft>
+              <a:buFont typeface="Arial" charset="0"/>
+              <a:buChar char="•"/>
+              <a:defRPr sz="3200" kern="1200">
+                <a:solidFill>
+                  <a:schemeClr val="tx1"/>
+                </a:solidFill>
+                <a:latin typeface="+mn-lt"/>
+                <a:ea typeface="+mn-ea"/>
+                <a:cs typeface="+mn-cs"/>
+              </a:defRPr>
+            </a:lvl1pPr>
+            <a:lvl2pPr marL="742950" indent="-285750" algn="l" rtl="0" eaLnBrk="0" fontAlgn="base" hangingPunct="0">
+              <a:spcBef>
+                <a:spcPct val="20000"/>
+              </a:spcBef>
+              <a:spcAft>
+                <a:spcPct val="0"/>
+              </a:spcAft>
+              <a:buFont typeface="Arial" charset="0"/>
+              <a:buChar char="–"/>
+              <a:defRPr sz="2800" kern="1200">
+                <a:solidFill>
+                  <a:schemeClr val="tx1"/>
+                </a:solidFill>
+                <a:latin typeface="+mn-lt"/>
+                <a:ea typeface="+mn-ea"/>
+                <a:cs typeface="+mn-cs"/>
+              </a:defRPr>
+            </a:lvl2pPr>
+            <a:lvl3pPr marL="1143000" indent="-228600" algn="l" rtl="0" eaLnBrk="0" fontAlgn="base" hangingPunct="0">
+              <a:spcBef>
+                <a:spcPct val="20000"/>
+              </a:spcBef>
+              <a:spcAft>
+                <a:spcPct val="0"/>
+              </a:spcAft>
+              <a:buFont typeface="Arial" charset="0"/>
+              <a:buChar char="•"/>
+              <a:defRPr sz="2400" kern="1200">
+                <a:solidFill>
+                  <a:schemeClr val="tx1"/>
+                </a:solidFill>
+                <a:latin typeface="+mn-lt"/>
+                <a:ea typeface="+mn-ea"/>
+                <a:cs typeface="+mn-cs"/>
+              </a:defRPr>
+            </a:lvl3pPr>
+            <a:lvl4pPr marL="1600200" indent="-228600" algn="l" rtl="0" eaLnBrk="0" fontAlgn="base" hangingPunct="0">
+              <a:spcBef>
+                <a:spcPct val="20000"/>
+              </a:spcBef>
+              <a:spcAft>
+                <a:spcPct val="0"/>
+              </a:spcAft>
+              <a:buFont typeface="Arial" charset="0"/>
+              <a:buChar char="–"/>
+              <a:defRPr sz="2000" kern="1200">
+                <a:solidFill>
+                  <a:schemeClr val="tx1"/>
+                </a:solidFill>
+                <a:latin typeface="+mn-lt"/>
+                <a:ea typeface="+mn-ea"/>
+                <a:cs typeface="+mn-cs"/>
+              </a:defRPr>
+            </a:lvl4pPr>
+            <a:lvl5pPr marL="2057400" indent="-228600" algn="l" rtl="0" eaLnBrk="0" fontAlgn="base" hangingPunct="0">
+              <a:spcBef>
+                <a:spcPct val="20000"/>
+              </a:spcBef>
+              <a:spcAft>
+                <a:spcPct val="0"/>
+              </a:spcAft>
+              <a:buFont typeface="Arial" charset="0"/>
+              <a:buChar char="»"/>
+              <a:defRPr sz="2000" kern="1200">
+                <a:solidFill>
+                  <a:schemeClr val="tx1"/>
+                </a:solidFill>
+                <a:latin typeface="+mn-lt"/>
+                <a:ea typeface="+mn-ea"/>
+                <a:cs typeface="+mn-cs"/>
+              </a:defRPr>
+            </a:lvl5pPr>
+            <a:lvl6pPr marL="2514600" indent="-228600" algn="l" defTabSz="914400" rtl="0" eaLnBrk="1" latinLnBrk="0" hangingPunct="1">
+              <a:spcBef>
+                <a:spcPct val="20000"/>
+              </a:spcBef>
+              <a:buFont typeface="Arial" panose="020B0604020202020204" pitchFamily="34" charset="0"/>
+              <a:buChar char="•"/>
+              <a:defRPr sz="2000" kern="1200">
+                <a:solidFill>
+                  <a:schemeClr val="tx1"/>
+                </a:solidFill>
+                <a:latin typeface="+mn-lt"/>
+                <a:ea typeface="+mn-ea"/>
+                <a:cs typeface="+mn-cs"/>
+              </a:defRPr>
+            </a:lvl6pPr>
+            <a:lvl7pPr marL="2971800" indent="-228600" algn="l" defTabSz="914400" rtl="0" eaLnBrk="1" latinLnBrk="0" hangingPunct="1">
+              <a:spcBef>
+                <a:spcPct val="20000"/>
+              </a:spcBef>
+              <a:buFont typeface="Arial" panose="020B0604020202020204" pitchFamily="34" charset="0"/>
+              <a:buChar char="•"/>
+              <a:defRPr sz="2000" kern="1200">
+                <a:solidFill>
+                  <a:schemeClr val="tx1"/>
+                </a:solidFill>
+                <a:latin typeface="+mn-lt"/>
+                <a:ea typeface="+mn-ea"/>
+                <a:cs typeface="+mn-cs"/>
+              </a:defRPr>
+            </a:lvl7pPr>
+            <a:lvl8pPr marL="3429000" indent="-228600" algn="l" defTabSz="914400" rtl="0" eaLnBrk="1" latinLnBrk="0" hangingPunct="1">
+              <a:spcBef>
+                <a:spcPct val="20000"/>
+              </a:spcBef>
+              <a:buFont typeface="Arial" panose="020B0604020202020204" pitchFamily="34" charset="0"/>
+              <a:buChar char="•"/>
+              <a:defRPr sz="2000" kern="1200">
+                <a:solidFill>
+                  <a:schemeClr val="tx1"/>
+                </a:solidFill>
+                <a:latin typeface="+mn-lt"/>
+                <a:ea typeface="+mn-ea"/>
+                <a:cs typeface="+mn-cs"/>
+              </a:defRPr>
+            </a:lvl8pPr>
+            <a:lvl9pPr marL="3886200" indent="-228600" algn="l" defTabSz="914400" rtl="0" eaLnBrk="1" latinLnBrk="0" hangingPunct="1">
+              <a:spcBef>
+                <a:spcPct val="20000"/>
+              </a:spcBef>
+              <a:buFont typeface="Arial" panose="020B0604020202020204" pitchFamily="34" charset="0"/>
+              <a:buChar char="•"/>
+              <a:defRPr sz="2000" kern="1200">
+                <a:solidFill>
+                  <a:schemeClr val="tx1"/>
+                </a:solidFill>
+                <a:latin typeface="+mn-lt"/>
+                <a:ea typeface="+mn-ea"/>
+                <a:cs typeface="+mn-cs"/>
+              </a:defRPr>
+            </a:lvl9pPr>
+          </a:lstStyle>
+          <a:p>
+            <a:pPr>
+              <a:spcBef>
+                <a:spcPts val="0"/>
+              </a:spcBef>
+              <a:spcAft>
+                <a:spcPts val="600"/>
+              </a:spcAft>
+              <a:buFont typeface="Arial" panose="020B0604020202020204" pitchFamily="34" charset="0"/>
+              <a:buChar char="•"/>
+              <a:defRPr/>
+            </a:pPr>
+            <a:r>
+              <a:rPr lang="es-ES" sz="2800" dirty="0" smtClean="0">
+                <a:solidFill>
+                  <a:srgbClr val="636382"/>
+                </a:solidFill>
+                <a:latin typeface="Gill Sans MT" panose="020B0502020104020203" pitchFamily="34" charset="0"/>
+                <a:ea typeface="Verdana" panose="020B0604030504040204" pitchFamily="34" charset="0"/>
+                <a:cs typeface="Verdana" panose="020B0604030504040204" pitchFamily="34" charset="0"/>
+              </a:rPr>
+              <a:t>En ciencias biológicas no podemos esperar encontrar la verdad exacta, o alcanzar la realidad con un set finito de datos.</a:t>
+            </a:r>
+          </a:p>
+          <a:p>
+            <a:pPr lvl="1">
+              <a:spcBef>
+                <a:spcPts val="0"/>
+              </a:spcBef>
+              <a:spcAft>
+                <a:spcPts val="600"/>
+              </a:spcAft>
+              <a:buFont typeface="Gill Sans MT" panose="020B0502020104020203" pitchFamily="34" charset="0"/>
+              <a:buChar char="–"/>
+              <a:defRPr/>
+            </a:pPr>
+            <a:r>
+              <a:rPr lang="es-ES" sz="2400" dirty="0" smtClean="0">
+                <a:solidFill>
+                  <a:srgbClr val="636382"/>
+                </a:solidFill>
+                <a:latin typeface="Gill Sans MT" panose="020B0502020104020203" pitchFamily="34" charset="0"/>
+                <a:ea typeface="Verdana" panose="020B0604030504040204" pitchFamily="34" charset="0"/>
+                <a:cs typeface="Verdana" panose="020B0604030504040204" pitchFamily="34" charset="0"/>
+              </a:rPr>
+              <a:t>Dimensiones infinitas vs. Muestras finitas</a:t>
+            </a:r>
+          </a:p>
+          <a:p>
+            <a:pPr>
+              <a:spcBef>
+                <a:spcPts val="0"/>
+              </a:spcBef>
+              <a:spcAft>
+                <a:spcPts val="600"/>
+              </a:spcAft>
+              <a:buFont typeface="Arial" panose="020B0604020202020204" pitchFamily="34" charset="0"/>
+              <a:buChar char="•"/>
+              <a:defRPr/>
+            </a:pPr>
+            <a:r>
+              <a:rPr lang="es-ES" sz="2800" dirty="0" smtClean="0">
+                <a:solidFill>
+                  <a:srgbClr val="636382"/>
+                </a:solidFill>
+                <a:latin typeface="Gill Sans MT" panose="020B0502020104020203" pitchFamily="34" charset="0"/>
+                <a:ea typeface="Verdana" panose="020B0604030504040204" pitchFamily="34" charset="0"/>
+                <a:cs typeface="Verdana" panose="020B0604030504040204" pitchFamily="34" charset="0"/>
+              </a:rPr>
+              <a:t>Inferencia basada en un buen modelo aproximado.</a:t>
+            </a:r>
+          </a:p>
+          <a:p>
+            <a:pPr lvl="1">
+              <a:spcBef>
+                <a:spcPts val="0"/>
+              </a:spcBef>
+              <a:spcAft>
+                <a:spcPts val="600"/>
+              </a:spcAft>
+              <a:buFont typeface="Gill Sans MT" panose="020B0502020104020203" pitchFamily="34" charset="0"/>
+              <a:buChar char="–"/>
+              <a:defRPr/>
+            </a:pPr>
+            <a:r>
+              <a:rPr lang="es-ES" sz="2400" dirty="0" smtClean="0">
+                <a:solidFill>
+                  <a:srgbClr val="636382"/>
+                </a:solidFill>
+                <a:latin typeface="Gill Sans MT" panose="020B0502020104020203" pitchFamily="34" charset="0"/>
+                <a:ea typeface="Verdana" panose="020B0604030504040204" pitchFamily="34" charset="0"/>
+                <a:cs typeface="Verdana" panose="020B0604030504040204" pitchFamily="34" charset="0"/>
+              </a:rPr>
+              <a:t>inferencia condicional a los datos</a:t>
+            </a:r>
+          </a:p>
+          <a:p>
+            <a:pPr>
+              <a:spcBef>
+                <a:spcPts val="0"/>
+              </a:spcBef>
+              <a:spcAft>
+                <a:spcPts val="600"/>
+              </a:spcAft>
+              <a:buFont typeface="Arial" panose="020B0604020202020204" pitchFamily="34" charset="0"/>
+              <a:buChar char="•"/>
+              <a:defRPr/>
+            </a:pPr>
+            <a:r>
+              <a:rPr lang="es-ES" sz="2800" dirty="0">
+                <a:solidFill>
+                  <a:srgbClr val="636382"/>
+                </a:solidFill>
+                <a:latin typeface="Gill Sans MT" panose="020B0502020104020203" pitchFamily="34" charset="0"/>
+                <a:ea typeface="Verdana" panose="020B0604030504040204" pitchFamily="34" charset="0"/>
+                <a:cs typeface="Verdana" panose="020B0604030504040204" pitchFamily="34" charset="0"/>
+              </a:rPr>
+              <a:t>No existe un único </a:t>
+            </a:r>
+            <a:r>
+              <a:rPr lang="es-ES" sz="2800" dirty="0" smtClean="0">
+                <a:solidFill>
+                  <a:srgbClr val="636382"/>
+                </a:solidFill>
+                <a:latin typeface="Gill Sans MT" panose="020B0502020104020203" pitchFamily="34" charset="0"/>
+                <a:ea typeface="Verdana" panose="020B0604030504040204" pitchFamily="34" charset="0"/>
+                <a:cs typeface="Verdana" panose="020B0604030504040204" pitchFamily="34" charset="0"/>
+              </a:rPr>
+              <a:t>modelo que explique la realidad…</a:t>
+            </a:r>
+          </a:p>
+          <a:p>
+            <a:pPr marL="0" indent="0" algn="ctr">
+              <a:spcBef>
+                <a:spcPts val="0"/>
+              </a:spcBef>
+              <a:spcAft>
+                <a:spcPts val="600"/>
+              </a:spcAft>
+              <a:buNone/>
+              <a:defRPr/>
+            </a:pPr>
+            <a:r>
+              <a:rPr lang="es-ES" sz="2800" b="1" dirty="0" smtClean="0">
+                <a:solidFill>
+                  <a:srgbClr val="636382"/>
+                </a:solidFill>
+                <a:latin typeface="Gill Sans MT" panose="020B0502020104020203" pitchFamily="34" charset="0"/>
+                <a:ea typeface="Verdana" panose="020B0604030504040204" pitchFamily="34" charset="0"/>
+                <a:cs typeface="Verdana" panose="020B0604030504040204" pitchFamily="34" charset="0"/>
+              </a:rPr>
+              <a:t>¿Cómo encontramos el modelo </a:t>
+            </a:r>
+          </a:p>
+          <a:p>
+            <a:pPr marL="0" indent="0" algn="ctr">
+              <a:spcBef>
+                <a:spcPts val="0"/>
+              </a:spcBef>
+              <a:spcAft>
+                <a:spcPts val="600"/>
+              </a:spcAft>
+              <a:buNone/>
+              <a:defRPr/>
+            </a:pPr>
+            <a:r>
+              <a:rPr lang="es-ES" sz="2800" b="1" dirty="0" smtClean="0">
+                <a:solidFill>
+                  <a:srgbClr val="636382"/>
+                </a:solidFill>
+                <a:latin typeface="Gill Sans MT" panose="020B0502020104020203" pitchFamily="34" charset="0"/>
+                <a:ea typeface="Verdana" panose="020B0604030504040204" pitchFamily="34" charset="0"/>
+                <a:cs typeface="Verdana" panose="020B0604030504040204" pitchFamily="34" charset="0"/>
+              </a:rPr>
+              <a:t>que “mejor” la explica?</a:t>
+            </a:r>
+            <a:endParaRPr lang="es-ES" sz="2800" b="1" dirty="0">
+              <a:solidFill>
+                <a:srgbClr val="636382"/>
+              </a:solidFill>
+              <a:latin typeface="Gill Sans MT" panose="020B0502020104020203" pitchFamily="34" charset="0"/>
+              <a:ea typeface="Verdana" panose="020B0604030504040204" pitchFamily="34" charset="0"/>
+              <a:cs typeface="Verdana" panose="020B0604030504040204" pitchFamily="34" charset="0"/>
+            </a:endParaRPr>
+          </a:p>
+          <a:p>
+            <a:pPr marL="0" indent="0">
+              <a:spcBef>
+                <a:spcPts val="0"/>
+              </a:spcBef>
+              <a:spcAft>
+                <a:spcPts val="600"/>
+              </a:spcAft>
+              <a:buNone/>
+              <a:defRPr/>
+            </a:pPr>
+            <a:endParaRPr lang="es-ES" sz="2800" dirty="0" smtClean="0">
+              <a:solidFill>
+                <a:srgbClr val="636382"/>
+              </a:solidFill>
+              <a:latin typeface="Gill Sans MT" panose="020B0502020104020203" pitchFamily="34" charset="0"/>
+              <a:ea typeface="Verdana" panose="020B0604030504040204" pitchFamily="34" charset="0"/>
+              <a:cs typeface="Verdana" panose="020B0604030504040204" pitchFamily="34" charset="0"/>
+            </a:endParaRPr>
+          </a:p>
+        </p:txBody>
+      </p:sp>
+      <p:sp>
+        <p:nvSpPr>
           <p:cNvPr id="3" name="TextBox 2"/>
           <p:cNvSpPr txBox="1"/>
           <p:nvPr/>
@@ -14766,7 +15148,7 @@
         <p:spPr>
           <a:xfrm>
             <a:off x="1043608" y="107921"/>
-            <a:ext cx="8136904" cy="677108"/>
+            <a:ext cx="7704856" cy="677108"/>
           </a:xfrm>
           <a:prstGeom prst="rect">
             <a:avLst/>
@@ -14793,7 +15175,7 @@
                 </a:effectLst>
                 <a:latin typeface="Gill Sans MT" panose="020B0502020104020203" pitchFamily="34" charset="0"/>
               </a:rPr>
-              <a:t>DISTRIBUCIÓN DE PROBABILIDAD</a:t>
+              <a:t>MODELOS  VERSUS REALIDAD</a:t>
             </a:r>
             <a:endParaRPr lang="es-ES" sz="3800" dirty="0">
               <a:solidFill>
@@ -14811,6 +15193,165 @@
           </a:p>
         </p:txBody>
       </p:sp>
+    </p:spTree>
+    <p:extLst>
+      <p:ext uri="{BB962C8B-B14F-4D97-AF65-F5344CB8AC3E}">
+        <p14:creationId xmlns:p14="http://schemas.microsoft.com/office/powerpoint/2010/main" val="1564837495"/>
+      </p:ext>
+    </p:extLst>
+  </p:cSld>
+  <p:clrMapOvr>
+    <a:masterClrMapping/>
+  </p:clrMapOvr>
+</p:sld>
+</file>
+
+<file path=ppt/slides/slide12.xml><?xml version="1.0" encoding="utf-8"?>
+<p:sld xmlns:a="http://schemas.openxmlformats.org/drawingml/2006/main" xmlns:r="http://schemas.openxmlformats.org/officeDocument/2006/relationships" xmlns:p="http://schemas.openxmlformats.org/presentationml/2006/main">
+  <p:cSld>
+    <p:spTree>
+      <p:nvGrpSpPr>
+        <p:cNvPr id="1" name=""/>
+        <p:cNvGrpSpPr/>
+        <p:nvPr/>
+      </p:nvGrpSpPr>
+      <p:grpSpPr>
+        <a:xfrm>
+          <a:off x="0" y="0"/>
+          <a:ext cx="0" cy="0"/>
+          <a:chOff x="0" y="0"/>
+          <a:chExt cx="0" cy="0"/>
+        </a:xfrm>
+      </p:grpSpPr>
+      <p:pic>
+        <p:nvPicPr>
+          <p:cNvPr id="2" name="1 Imagen" descr="logo anclaje MIN agroind NUEVO.jpg"/>
+          <p:cNvPicPr>
+            <a:picLocks noChangeAspect="1"/>
+          </p:cNvPicPr>
+          <p:nvPr/>
+        </p:nvPicPr>
+        <p:blipFill>
+          <a:blip r:embed="rId2"/>
+          <a:stretch>
+            <a:fillRect/>
+          </a:stretch>
+        </p:blipFill>
+        <p:spPr>
+          <a:xfrm>
+            <a:off x="5796136" y="6300573"/>
+            <a:ext cx="3312368" cy="518532"/>
+          </a:xfrm>
+          <a:prstGeom prst="rect">
+            <a:avLst/>
+          </a:prstGeom>
+        </p:spPr>
+      </p:pic>
+      <p:sp>
+        <p:nvSpPr>
+          <p:cNvPr id="3" name="TextBox 2"/>
+          <p:cNvSpPr txBox="1"/>
+          <p:nvPr/>
+        </p:nvSpPr>
+        <p:spPr>
+          <a:xfrm>
+            <a:off x="1043608" y="107921"/>
+            <a:ext cx="7704856" cy="1200329"/>
+          </a:xfrm>
+          <a:prstGeom prst="rect">
+            <a:avLst/>
+          </a:prstGeom>
+          <a:noFill/>
+        </p:spPr>
+        <p:txBody>
+          <a:bodyPr wrap="square" rtlCol="0">
+            <a:spAutoFit/>
+          </a:bodyPr>
+          <a:lstStyle/>
+          <a:p>
+            <a:r>
+              <a:rPr lang="es-ES" sz="3600" dirty="0" smtClean="0">
+                <a:solidFill>
+                  <a:schemeClr val="accent2"/>
+                </a:solidFill>
+                <a:effectLst>
+                  <a:outerShdw blurRad="38100" dist="38100" dir="2700000" algn="tl">
+                    <a:srgbClr val="000000">
+                      <a:alpha val="43137"/>
+                    </a:srgbClr>
+                  </a:outerShdw>
+                </a:effectLst>
+                <a:latin typeface="Gill Sans MT" panose="020B0502020104020203" pitchFamily="34" charset="0"/>
+              </a:rPr>
+              <a:t>MÉTODO DE TEORÍA DE INFORMACIÓN (</a:t>
+            </a:r>
+            <a:r>
+              <a:rPr lang="es-ES" sz="3600" i="1" dirty="0" err="1" smtClean="0">
+                <a:solidFill>
+                  <a:schemeClr val="accent2"/>
+                </a:solidFill>
+                <a:effectLst>
+                  <a:outerShdw blurRad="38100" dist="38100" dir="2700000" algn="tl">
+                    <a:srgbClr val="000000">
+                      <a:alpha val="43137"/>
+                    </a:srgbClr>
+                  </a:outerShdw>
+                </a:effectLst>
+                <a:latin typeface="Gill Sans MT" panose="020B0502020104020203" pitchFamily="34" charset="0"/>
+              </a:rPr>
+              <a:t>Information</a:t>
+            </a:r>
+            <a:r>
+              <a:rPr lang="es-ES" sz="3600" i="1" dirty="0" smtClean="0">
+                <a:solidFill>
+                  <a:schemeClr val="accent2"/>
+                </a:solidFill>
+                <a:effectLst>
+                  <a:outerShdw blurRad="38100" dist="38100" dir="2700000" algn="tl">
+                    <a:srgbClr val="000000">
+                      <a:alpha val="43137"/>
+                    </a:srgbClr>
+                  </a:outerShdw>
+                </a:effectLst>
+                <a:latin typeface="Gill Sans MT" panose="020B0502020104020203" pitchFamily="34" charset="0"/>
+              </a:rPr>
+              <a:t> </a:t>
+            </a:r>
+            <a:r>
+              <a:rPr lang="es-ES" sz="3600" i="1" dirty="0" err="1" smtClean="0">
+                <a:solidFill>
+                  <a:schemeClr val="accent2"/>
+                </a:solidFill>
+                <a:effectLst>
+                  <a:outerShdw blurRad="38100" dist="38100" dir="2700000" algn="tl">
+                    <a:srgbClr val="000000">
+                      <a:alpha val="43137"/>
+                    </a:srgbClr>
+                  </a:outerShdw>
+                </a:effectLst>
+                <a:latin typeface="Gill Sans MT" panose="020B0502020104020203" pitchFamily="34" charset="0"/>
+              </a:rPr>
+              <a:t>theoretic</a:t>
+            </a:r>
+            <a:r>
+              <a:rPr lang="es-ES" sz="3600" dirty="0">
+                <a:solidFill>
+                  <a:schemeClr val="accent2"/>
+                </a:solidFill>
+                <a:effectLst>
+                  <a:outerShdw blurRad="38100" dist="38100" dir="2700000" algn="tl">
+                    <a:srgbClr val="000000">
+                      <a:alpha val="43137"/>
+                    </a:srgbClr>
+                  </a:outerShdw>
+                </a:effectLst>
+                <a:latin typeface="Gill Sans MT" panose="020B0502020104020203" pitchFamily="34" charset="0"/>
+              </a:rPr>
+              <a:t>)</a:t>
+            </a:r>
+          </a:p>
+        </p:txBody>
+      </p:sp>
       <p:sp>
         <p:nvSpPr>
           <p:cNvPr id="4" name="Rectangle 3"/>
@@ -14821,7 +15362,7 @@
         </p:nvSpPr>
         <p:spPr>
           <a:xfrm>
-            <a:off x="1259632" y="1124744"/>
+            <a:off x="1187624" y="1484784"/>
             <a:ext cx="7776864" cy="4896544"/>
           </a:xfrm>
           <a:prstGeom prst="rect">
@@ -14985,7 +15526,10 @@
             </a:lvl9pPr>
           </a:lstStyle>
           <a:p>
-            <a:pPr marL="342900" lvl="1" indent="-342900">
+            <a:pPr>
+              <a:spcBef>
+                <a:spcPts val="0"/>
+              </a:spcBef>
               <a:spcAft>
                 <a:spcPts val="600"/>
               </a:spcAft>
@@ -14994,7 +15538,7 @@
               <a:defRPr/>
             </a:pPr>
             <a:r>
-              <a:rPr lang="es-ES" dirty="0" smtClean="0">
+              <a:rPr lang="es-ES" sz="2800" dirty="0" smtClean="0">
                 <a:solidFill>
                   <a:srgbClr val="636382"/>
                 </a:solidFill>
@@ -15002,10 +15546,10 @@
                 <a:ea typeface="Verdana" panose="020B0604030504040204" pitchFamily="34" charset="0"/>
                 <a:cs typeface="Verdana" panose="020B0604030504040204" pitchFamily="34" charset="0"/>
               </a:rPr>
-              <a:t>Naturaleza </a:t>
-            </a:r>
-            <a:r>
-              <a:rPr lang="es-ES" dirty="0">
+              <a:t>Definición </a:t>
+            </a:r>
+            <a:r>
+              <a:rPr lang="es-ES" sz="2800" i="1" dirty="0" smtClean="0">
                 <a:solidFill>
                   <a:srgbClr val="636382"/>
                 </a:solidFill>
@@ -15013,10 +15557,10 @@
                 <a:ea typeface="Verdana" panose="020B0604030504040204" pitchFamily="34" charset="0"/>
                 <a:cs typeface="Verdana" panose="020B0604030504040204" pitchFamily="34" charset="0"/>
               </a:rPr>
-              <a:t>estocástica del mundo natural </a:t>
-            </a:r>
-            <a:r>
-              <a:rPr lang="es-ES" dirty="0" smtClean="0">
+              <a:t>a priori </a:t>
+            </a:r>
+            <a:r>
+              <a:rPr lang="es-ES" sz="2800" dirty="0" smtClean="0">
                 <a:solidFill>
                   <a:srgbClr val="636382"/>
                 </a:solidFill>
@@ -15024,33 +15568,14 @@
                 <a:ea typeface="Verdana" panose="020B0604030504040204" pitchFamily="34" charset="0"/>
                 <a:cs typeface="Verdana" panose="020B0604030504040204" pitchFamily="34" charset="0"/>
               </a:rPr>
-              <a:t>explicada </a:t>
-            </a:r>
-            <a:r>
-              <a:rPr lang="es-ES" dirty="0">
-                <a:solidFill>
-                  <a:srgbClr val="636382"/>
-                </a:solidFill>
-                <a:latin typeface="Gill Sans MT" panose="020B0502020104020203" pitchFamily="34" charset="0"/>
-                <a:ea typeface="Verdana" panose="020B0604030504040204" pitchFamily="34" charset="0"/>
-                <a:cs typeface="Verdana" panose="020B0604030504040204" pitchFamily="34" charset="0"/>
-              </a:rPr>
-              <a:t>por medio de </a:t>
-            </a:r>
-            <a:r>
-              <a:rPr lang="es-ES" b="1" dirty="0">
-                <a:solidFill>
-                  <a:srgbClr val="636382"/>
-                </a:solidFill>
-                <a:latin typeface="Gill Sans MT" panose="020B0502020104020203" pitchFamily="34" charset="0"/>
-                <a:ea typeface="Verdana" panose="020B0604030504040204" pitchFamily="34" charset="0"/>
-                <a:cs typeface="Verdana" panose="020B0604030504040204" pitchFamily="34" charset="0"/>
-              </a:rPr>
-              <a:t>variables aleatorias</a:t>
-            </a:r>
-          </a:p>
-          <a:p>
-            <a:pPr marL="342900" lvl="1" indent="-342900">
+              <a:t>del set de modelos candidatos (hipótesis) </a:t>
+            </a:r>
+          </a:p>
+          <a:p>
+            <a:pPr>
+              <a:spcBef>
+                <a:spcPts val="0"/>
+              </a:spcBef>
               <a:spcAft>
                 <a:spcPts val="600"/>
               </a:spcAft>
@@ -15059,7 +15584,7 @@
               <a:defRPr/>
             </a:pPr>
             <a:r>
-              <a:rPr lang="es-ES" dirty="0">
+              <a:rPr lang="es-ES" sz="2800" dirty="0" smtClean="0">
                 <a:solidFill>
                   <a:srgbClr val="636382"/>
                 </a:solidFill>
@@ -15067,44 +15592,14 @@
                 <a:ea typeface="Verdana" panose="020B0604030504040204" pitchFamily="34" charset="0"/>
                 <a:cs typeface="Verdana" panose="020B0604030504040204" pitchFamily="34" charset="0"/>
               </a:rPr>
-              <a:t>La combinación </a:t>
-            </a:r>
-            <a:r>
-              <a:rPr lang="es-ES" dirty="0" smtClean="0">
-                <a:solidFill>
-                  <a:srgbClr val="636382"/>
-                </a:solidFill>
-                <a:latin typeface="Gill Sans MT" panose="020B0502020104020203" pitchFamily="34" charset="0"/>
-                <a:ea typeface="Verdana" panose="020B0604030504040204" pitchFamily="34" charset="0"/>
-                <a:cs typeface="Verdana" panose="020B0604030504040204" pitchFamily="34" charset="0"/>
-              </a:rPr>
-              <a:t>los </a:t>
-            </a:r>
-            <a:r>
-              <a:rPr lang="es-ES" dirty="0">
-                <a:solidFill>
-                  <a:srgbClr val="636382"/>
-                </a:solidFill>
-                <a:latin typeface="Gill Sans MT" panose="020B0502020104020203" pitchFamily="34" charset="0"/>
-                <a:ea typeface="Verdana" panose="020B0604030504040204" pitchFamily="34" charset="0"/>
-                <a:cs typeface="Verdana" panose="020B0604030504040204" pitchFamily="34" charset="0"/>
-              </a:rPr>
-              <a:t>factores que no podemos medir puede ser representado con una abstracción matemática: </a:t>
-            </a:r>
-            <a:r>
-              <a:rPr lang="es-ES" b="1" dirty="0" smtClean="0">
-                <a:solidFill>
-                  <a:srgbClr val="636382"/>
-                </a:solidFill>
-                <a:latin typeface="Gill Sans MT" panose="020B0502020104020203" pitchFamily="34" charset="0"/>
-                <a:ea typeface="Verdana" panose="020B0604030504040204" pitchFamily="34" charset="0"/>
-                <a:cs typeface="Verdana" panose="020B0604030504040204" pitchFamily="34" charset="0"/>
-              </a:rPr>
-              <a:t>distribución de probabilidad</a:t>
-            </a:r>
-          </a:p>
-          <a:p>
-            <a:pPr marL="342900" lvl="1" indent="-342900">
+              <a:t>Los datos se utilizan pare evaluar el soporte relativo de diferentes modelos.</a:t>
+            </a:r>
+          </a:p>
+          <a:p>
+            <a:pPr>
+              <a:spcBef>
+                <a:spcPts val="0"/>
+              </a:spcBef>
               <a:spcAft>
                 <a:spcPts val="600"/>
               </a:spcAft>
@@ -15113,7 +15608,7 @@
               <a:defRPr/>
             </a:pPr>
             <a:r>
-              <a:rPr lang="es-ES" dirty="0" smtClean="0">
+              <a:rPr lang="es-ES" sz="2800" dirty="0" smtClean="0">
                 <a:solidFill>
                   <a:srgbClr val="636382"/>
                 </a:solidFill>
@@ -15121,29 +15616,134 @@
                 <a:ea typeface="Verdana" panose="020B0604030504040204" pitchFamily="34" charset="0"/>
                 <a:cs typeface="Verdana" panose="020B0604030504040204" pitchFamily="34" charset="0"/>
               </a:rPr>
-              <a:t>La </a:t>
-            </a:r>
-            <a:r>
-              <a:rPr lang="es-ES" dirty="0">
-                <a:solidFill>
-                  <a:srgbClr val="636382"/>
-                </a:solidFill>
-                <a:latin typeface="Gill Sans MT" panose="020B0502020104020203" pitchFamily="34" charset="0"/>
-                <a:ea typeface="Verdana" panose="020B0604030504040204" pitchFamily="34" charset="0"/>
-                <a:cs typeface="Verdana" panose="020B0604030504040204" pitchFamily="34" charset="0"/>
-              </a:rPr>
-              <a:t>distribución de probabilidad le asigna a cada evento de una variable aleatoria, una probabilidad de ocurrir.</a:t>
-            </a:r>
-          </a:p>
-          <a:p>
-            <a:pPr marL="0" lvl="1" indent="0">
+              <a:t>El mejor modelo es aquel que pierde la menor cantidad de información.</a:t>
+            </a:r>
+          </a:p>
+          <a:p>
+            <a:pPr>
+              <a:spcBef>
+                <a:spcPts val="0"/>
+              </a:spcBef>
               <a:spcAft>
                 <a:spcPts val="600"/>
               </a:spcAft>
-              <a:buNone/>
+              <a:buFont typeface="Arial" panose="020B0604020202020204" pitchFamily="34" charset="0"/>
+              <a:buChar char="•"/>
               <a:defRPr/>
             </a:pPr>
-            <a:endParaRPr lang="es-ES" b="1" dirty="0" smtClean="0">
+            <a:r>
+              <a:rPr lang="es-ES" sz="2800" b="1" dirty="0" smtClean="0">
+                <a:solidFill>
+                  <a:srgbClr val="636382"/>
+                </a:solidFill>
+                <a:latin typeface="Gill Sans MT" panose="020B0502020104020203" pitchFamily="34" charset="0"/>
+                <a:ea typeface="Verdana" panose="020B0604030504040204" pitchFamily="34" charset="0"/>
+                <a:cs typeface="Verdana" panose="020B0604030504040204" pitchFamily="34" charset="0"/>
+              </a:rPr>
+              <a:t>Compromisos</a:t>
+            </a:r>
+            <a:r>
+              <a:rPr lang="es-ES" sz="2800" dirty="0" smtClean="0">
+                <a:solidFill>
+                  <a:srgbClr val="636382"/>
+                </a:solidFill>
+                <a:latin typeface="Gill Sans MT" panose="020B0502020104020203" pitchFamily="34" charset="0"/>
+                <a:ea typeface="Verdana" panose="020B0604030504040204" pitchFamily="34" charset="0"/>
+                <a:cs typeface="Verdana" panose="020B0604030504040204" pitchFamily="34" charset="0"/>
+              </a:rPr>
+              <a:t> entre el </a:t>
+            </a:r>
+            <a:r>
+              <a:rPr lang="es-ES" sz="2800" b="1" dirty="0" smtClean="0">
+                <a:solidFill>
+                  <a:srgbClr val="636382"/>
+                </a:solidFill>
+                <a:latin typeface="Gill Sans MT" panose="020B0502020104020203" pitchFamily="34" charset="0"/>
+                <a:ea typeface="Verdana" panose="020B0604030504040204" pitchFamily="34" charset="0"/>
+                <a:cs typeface="Verdana" panose="020B0604030504040204" pitchFamily="34" charset="0"/>
+              </a:rPr>
+              <a:t>ajuste del modelo </a:t>
+            </a:r>
+            <a:r>
+              <a:rPr lang="es-ES" sz="2800" dirty="0" smtClean="0">
+                <a:solidFill>
+                  <a:srgbClr val="636382"/>
+                </a:solidFill>
+                <a:latin typeface="Gill Sans MT" panose="020B0502020104020203" pitchFamily="34" charset="0"/>
+                <a:ea typeface="Verdana" panose="020B0604030504040204" pitchFamily="34" charset="0"/>
+                <a:cs typeface="Verdana" panose="020B0604030504040204" pitchFamily="34" charset="0"/>
+              </a:rPr>
+              <a:t>(+</a:t>
+            </a:r>
+            <a:r>
+              <a:rPr lang="en-US" sz="2800" dirty="0" smtClean="0">
+                <a:solidFill>
+                  <a:srgbClr val="636382"/>
+                </a:solidFill>
+                <a:latin typeface="Gill Sans MT" panose="020B0502020104020203" pitchFamily="34" charset="0"/>
+                <a:ea typeface="Verdana" panose="020B0604030504040204" pitchFamily="34" charset="0"/>
+                <a:cs typeface="Verdana" panose="020B0604030504040204" pitchFamily="34" charset="0"/>
+              </a:rPr>
+              <a:t>p</a:t>
+            </a:r>
+            <a:r>
+              <a:rPr lang="es-ES" sz="2800" dirty="0" err="1" smtClean="0">
+                <a:solidFill>
+                  <a:srgbClr val="636382"/>
+                </a:solidFill>
+                <a:latin typeface="Gill Sans MT" panose="020B0502020104020203" pitchFamily="34" charset="0"/>
+                <a:ea typeface="Verdana" panose="020B0604030504040204" pitchFamily="34" charset="0"/>
+                <a:cs typeface="Verdana" panose="020B0604030504040204" pitchFamily="34" charset="0"/>
+              </a:rPr>
+              <a:t>arámetros</a:t>
+            </a:r>
+            <a:r>
+              <a:rPr lang="es-ES" sz="2800" dirty="0" smtClean="0">
+                <a:solidFill>
+                  <a:srgbClr val="636382"/>
+                </a:solidFill>
+                <a:latin typeface="Gill Sans MT" panose="020B0502020104020203" pitchFamily="34" charset="0"/>
+                <a:ea typeface="Verdana" panose="020B0604030504040204" pitchFamily="34" charset="0"/>
+                <a:cs typeface="Verdana" panose="020B0604030504040204" pitchFamily="34" charset="0"/>
+              </a:rPr>
+              <a:t>) y la </a:t>
+            </a:r>
+            <a:r>
+              <a:rPr lang="es-ES" sz="2800" b="1" dirty="0" smtClean="0">
+                <a:solidFill>
+                  <a:srgbClr val="636382"/>
+                </a:solidFill>
+                <a:latin typeface="Gill Sans MT" panose="020B0502020104020203" pitchFamily="34" charset="0"/>
+                <a:ea typeface="Verdana" panose="020B0604030504040204" pitchFamily="34" charset="0"/>
+                <a:cs typeface="Verdana" panose="020B0604030504040204" pitchFamily="34" charset="0"/>
+              </a:rPr>
+              <a:t>varianza del estimador </a:t>
+            </a:r>
+            <a:r>
+              <a:rPr lang="es-ES" sz="2800" dirty="0" smtClean="0">
+                <a:solidFill>
+                  <a:srgbClr val="636382"/>
+                </a:solidFill>
+                <a:latin typeface="Gill Sans MT" panose="020B0502020104020203" pitchFamily="34" charset="0"/>
+                <a:ea typeface="Verdana" panose="020B0604030504040204" pitchFamily="34" charset="0"/>
+                <a:cs typeface="Verdana" panose="020B0604030504040204" pitchFamily="34" charset="0"/>
+              </a:rPr>
+              <a:t>(-parámetros = parsimonia) por medio de una optimización. </a:t>
+            </a:r>
+          </a:p>
+          <a:p>
+            <a:pPr>
+              <a:spcBef>
+                <a:spcPts val="0"/>
+              </a:spcBef>
+              <a:spcAft>
+                <a:spcPts val="600"/>
+              </a:spcAft>
+              <a:buFont typeface="Arial" panose="020B0604020202020204" pitchFamily="34" charset="0"/>
+              <a:buChar char="•"/>
+              <a:defRPr/>
+            </a:pPr>
+            <a:endParaRPr lang="es-ES" sz="2800" dirty="0">
               <a:solidFill>
                 <a:srgbClr val="636382"/>
               </a:solidFill>
@@ -15153,15 +15753,17 @@
             </a:endParaRPr>
           </a:p>
           <a:p>
-            <a:pPr marL="742950" lvl="2" indent="-342900">
+            <a:pPr marL="0" indent="0">
+              <a:spcBef>
+                <a:spcPts val="0"/>
+              </a:spcBef>
               <a:spcAft>
                 <a:spcPts val="600"/>
               </a:spcAft>
-              <a:buFont typeface="Arial" panose="020B0604020202020204" pitchFamily="34" charset="0"/>
-              <a:buChar char="•"/>
+              <a:buNone/>
               <a:defRPr/>
             </a:pPr>
-            <a:endParaRPr lang="es-ES" dirty="0">
+            <a:endParaRPr lang="es-ES" sz="2800" dirty="0" smtClean="0">
               <a:solidFill>
                 <a:srgbClr val="636382"/>
               </a:solidFill>
@@ -15170,490 +15772,18 @@
               <a:cs typeface="Verdana" panose="020B0604030504040204" pitchFamily="34" charset="0"/>
             </a:endParaRPr>
           </a:p>
-        </p:txBody>
-      </p:sp>
-    </p:spTree>
-    <p:extLst>
-      <p:ext uri="{BB962C8B-B14F-4D97-AF65-F5344CB8AC3E}">
-        <p14:creationId xmlns:p14="http://schemas.microsoft.com/office/powerpoint/2010/main" val="2988446585"/>
-      </p:ext>
-    </p:extLst>
-  </p:cSld>
-  <p:clrMapOvr>
-    <a:masterClrMapping/>
-  </p:clrMapOvr>
-  <p:timing>
-    <p:tnLst>
-      <p:par>
-        <p:cTn id="1" dur="indefinite" restart="never" nodeType="tmRoot"/>
-      </p:par>
-    </p:tnLst>
-  </p:timing>
-</p:sld>
-</file>
-
-<file path=ppt/slides/slide12.xml><?xml version="1.0" encoding="utf-8"?>
-<p:sld xmlns:a="http://schemas.openxmlformats.org/drawingml/2006/main" xmlns:r="http://schemas.openxmlformats.org/officeDocument/2006/relationships" xmlns:p="http://schemas.openxmlformats.org/presentationml/2006/main">
-  <p:cSld>
-    <p:spTree>
-      <p:nvGrpSpPr>
-        <p:cNvPr id="1" name=""/>
-        <p:cNvGrpSpPr/>
-        <p:nvPr/>
-      </p:nvGrpSpPr>
-      <p:grpSpPr>
-        <a:xfrm>
-          <a:off x="0" y="0"/>
-          <a:ext cx="0" cy="0"/>
-          <a:chOff x="0" y="0"/>
-          <a:chExt cx="0" cy="0"/>
-        </a:xfrm>
-      </p:grpSpPr>
-      <p:sp>
-        <p:nvSpPr>
-          <p:cNvPr id="3" name="TextBox 2"/>
-          <p:cNvSpPr txBox="1"/>
-          <p:nvPr/>
-        </p:nvSpPr>
-        <p:spPr>
-          <a:xfrm>
-            <a:off x="1043608" y="107921"/>
-            <a:ext cx="8136904" cy="677108"/>
-          </a:xfrm>
-          <a:prstGeom prst="rect">
-            <a:avLst/>
-          </a:prstGeom>
-          <a:noFill/>
-        </p:spPr>
-        <p:txBody>
-          <a:bodyPr wrap="square" rtlCol="0">
-            <a:spAutoFit/>
-          </a:bodyPr>
-          <a:lstStyle/>
-          <a:p>
-            <a:r>
-              <a:rPr lang="es-ES" sz="3800" dirty="0" smtClean="0">
-                <a:solidFill>
-                  <a:schemeClr val="accent2"/>
-                </a:solidFill>
-                <a:effectLst>
-                  <a:outerShdw blurRad="38100" dist="38100" dir="2700000" algn="tl">
-                    <a:srgbClr val="000000">
-                      <a:alpha val="43137"/>
-                    </a:srgbClr>
-                  </a:outerShdw>
-                </a:effectLst>
-                <a:latin typeface="Gill Sans MT" panose="020B0502020104020203" pitchFamily="34" charset="0"/>
-              </a:rPr>
-              <a:t>DISTRIBUCIÓN DE PROBABILIDAD</a:t>
-            </a:r>
-            <a:endParaRPr lang="es-ES" sz="3800" dirty="0">
-              <a:solidFill>
-                <a:schemeClr val="accent2"/>
-              </a:solidFill>
-              <a:effectLst>
-                <a:outerShdw blurRad="38100" dist="38100" dir="2700000" algn="tl">
-                  <a:srgbClr val="000000">
-                    <a:alpha val="43137"/>
-                  </a:srgbClr>
-                </a:outerShdw>
-              </a:effectLst>
-              <a:latin typeface="Gill Sans MT" panose="020B0502020104020203" pitchFamily="34" charset="0"/>
-            </a:endParaRPr>
-          </a:p>
-        </p:txBody>
-      </p:sp>
-      <p:sp>
-        <p:nvSpPr>
-          <p:cNvPr id="4" name="Rectangle 3"/>
-          <p:cNvSpPr txBox="1">
-            <a:spLocks noChangeArrowheads="1"/>
-          </p:cNvSpPr>
-          <p:nvPr/>
-        </p:nvSpPr>
-        <p:spPr>
-          <a:xfrm>
-            <a:off x="1043608" y="1124744"/>
-            <a:ext cx="7992888" cy="4896544"/>
-          </a:xfrm>
-          <a:prstGeom prst="rect">
-            <a:avLst/>
-          </a:prstGeom>
-        </p:spPr>
-        <p:txBody>
-          <a:bodyPr>
-            <a:noAutofit/>
-          </a:bodyPr>
-          <a:lstStyle>
-            <a:lvl1pPr marL="342900" indent="-342900" algn="l" rtl="0" eaLnBrk="0" fontAlgn="base" hangingPunct="0">
+          <a:p>
+            <a:pPr marL="0" indent="0">
               <a:spcBef>
-                <a:spcPct val="20000"/>
+                <a:spcPts val="0"/>
               </a:spcBef>
-              <a:spcAft>
-                <a:spcPct val="0"/>
-              </a:spcAft>
-              <a:buFont typeface="Arial" charset="0"/>
-              <a:buChar char="•"/>
-              <a:defRPr sz="3200" kern="1200">
-                <a:solidFill>
-                  <a:schemeClr val="tx1"/>
-                </a:solidFill>
-                <a:latin typeface="+mn-lt"/>
-                <a:ea typeface="+mn-ea"/>
-                <a:cs typeface="+mn-cs"/>
-              </a:defRPr>
-            </a:lvl1pPr>
-            <a:lvl2pPr marL="742950" indent="-285750" algn="l" rtl="0" eaLnBrk="0" fontAlgn="base" hangingPunct="0">
-              <a:spcBef>
-                <a:spcPct val="20000"/>
-              </a:spcBef>
-              <a:spcAft>
-                <a:spcPct val="0"/>
-              </a:spcAft>
-              <a:buFont typeface="Arial" charset="0"/>
-              <a:buChar char="–"/>
-              <a:defRPr sz="2800" kern="1200">
-                <a:solidFill>
-                  <a:schemeClr val="tx1"/>
-                </a:solidFill>
-                <a:latin typeface="+mn-lt"/>
-                <a:ea typeface="+mn-ea"/>
-                <a:cs typeface="+mn-cs"/>
-              </a:defRPr>
-            </a:lvl2pPr>
-            <a:lvl3pPr marL="1143000" indent="-228600" algn="l" rtl="0" eaLnBrk="0" fontAlgn="base" hangingPunct="0">
-              <a:spcBef>
-                <a:spcPct val="20000"/>
-              </a:spcBef>
-              <a:spcAft>
-                <a:spcPct val="0"/>
-              </a:spcAft>
-              <a:buFont typeface="Arial" charset="0"/>
-              <a:buChar char="•"/>
-              <a:defRPr sz="2400" kern="1200">
-                <a:solidFill>
-                  <a:schemeClr val="tx1"/>
-                </a:solidFill>
-                <a:latin typeface="+mn-lt"/>
-                <a:ea typeface="+mn-ea"/>
-                <a:cs typeface="+mn-cs"/>
-              </a:defRPr>
-            </a:lvl3pPr>
-            <a:lvl4pPr marL="1600200" indent="-228600" algn="l" rtl="0" eaLnBrk="0" fontAlgn="base" hangingPunct="0">
-              <a:spcBef>
-                <a:spcPct val="20000"/>
-              </a:spcBef>
-              <a:spcAft>
-                <a:spcPct val="0"/>
-              </a:spcAft>
-              <a:buFont typeface="Arial" charset="0"/>
-              <a:buChar char="–"/>
-              <a:defRPr sz="2000" kern="1200">
-                <a:solidFill>
-                  <a:schemeClr val="tx1"/>
-                </a:solidFill>
-                <a:latin typeface="+mn-lt"/>
-                <a:ea typeface="+mn-ea"/>
-                <a:cs typeface="+mn-cs"/>
-              </a:defRPr>
-            </a:lvl4pPr>
-            <a:lvl5pPr marL="2057400" indent="-228600" algn="l" rtl="0" eaLnBrk="0" fontAlgn="base" hangingPunct="0">
-              <a:spcBef>
-                <a:spcPct val="20000"/>
-              </a:spcBef>
-              <a:spcAft>
-                <a:spcPct val="0"/>
-              </a:spcAft>
-              <a:buFont typeface="Arial" charset="0"/>
-              <a:buChar char="»"/>
-              <a:defRPr sz="2000" kern="1200">
-                <a:solidFill>
-                  <a:schemeClr val="tx1"/>
-                </a:solidFill>
-                <a:latin typeface="+mn-lt"/>
-                <a:ea typeface="+mn-ea"/>
-                <a:cs typeface="+mn-cs"/>
-              </a:defRPr>
-            </a:lvl5pPr>
-            <a:lvl6pPr marL="2514600" indent="-228600" algn="l" defTabSz="914400" rtl="0" eaLnBrk="1" latinLnBrk="0" hangingPunct="1">
-              <a:spcBef>
-                <a:spcPct val="20000"/>
-              </a:spcBef>
-              <a:buFont typeface="Arial" panose="020B0604020202020204" pitchFamily="34" charset="0"/>
-              <a:buChar char="•"/>
-              <a:defRPr sz="2000" kern="1200">
-                <a:solidFill>
-                  <a:schemeClr val="tx1"/>
-                </a:solidFill>
-                <a:latin typeface="+mn-lt"/>
-                <a:ea typeface="+mn-ea"/>
-                <a:cs typeface="+mn-cs"/>
-              </a:defRPr>
-            </a:lvl6pPr>
-            <a:lvl7pPr marL="2971800" indent="-228600" algn="l" defTabSz="914400" rtl="0" eaLnBrk="1" latinLnBrk="0" hangingPunct="1">
-              <a:spcBef>
-                <a:spcPct val="20000"/>
-              </a:spcBef>
-              <a:buFont typeface="Arial" panose="020B0604020202020204" pitchFamily="34" charset="0"/>
-              <a:buChar char="•"/>
-              <a:defRPr sz="2000" kern="1200">
-                <a:solidFill>
-                  <a:schemeClr val="tx1"/>
-                </a:solidFill>
-                <a:latin typeface="+mn-lt"/>
-                <a:ea typeface="+mn-ea"/>
-                <a:cs typeface="+mn-cs"/>
-              </a:defRPr>
-            </a:lvl7pPr>
-            <a:lvl8pPr marL="3429000" indent="-228600" algn="l" defTabSz="914400" rtl="0" eaLnBrk="1" latinLnBrk="0" hangingPunct="1">
-              <a:spcBef>
-                <a:spcPct val="20000"/>
-              </a:spcBef>
-              <a:buFont typeface="Arial" panose="020B0604020202020204" pitchFamily="34" charset="0"/>
-              <a:buChar char="•"/>
-              <a:defRPr sz="2000" kern="1200">
-                <a:solidFill>
-                  <a:schemeClr val="tx1"/>
-                </a:solidFill>
-                <a:latin typeface="+mn-lt"/>
-                <a:ea typeface="+mn-ea"/>
-                <a:cs typeface="+mn-cs"/>
-              </a:defRPr>
-            </a:lvl8pPr>
-            <a:lvl9pPr marL="3886200" indent="-228600" algn="l" defTabSz="914400" rtl="0" eaLnBrk="1" latinLnBrk="0" hangingPunct="1">
-              <a:spcBef>
-                <a:spcPct val="20000"/>
-              </a:spcBef>
-              <a:buFont typeface="Arial" panose="020B0604020202020204" pitchFamily="34" charset="0"/>
-              <a:buChar char="•"/>
-              <a:defRPr sz="2000" kern="1200">
-                <a:solidFill>
-                  <a:schemeClr val="tx1"/>
-                </a:solidFill>
-                <a:latin typeface="+mn-lt"/>
-                <a:ea typeface="+mn-ea"/>
-                <a:cs typeface="+mn-cs"/>
-              </a:defRPr>
-            </a:lvl9pPr>
-          </a:lstStyle>
-          <a:p>
-            <a:pPr marL="342900" lvl="1" indent="-342900">
               <a:spcAft>
                 <a:spcPts val="600"/>
               </a:spcAft>
-              <a:buFont typeface="Arial" panose="020B0604020202020204" pitchFamily="34" charset="0"/>
-              <a:buChar char="•"/>
+              <a:buNone/>
               <a:defRPr/>
             </a:pPr>
-            <a:r>
-              <a:rPr lang="es-ES" dirty="0" smtClean="0">
-                <a:solidFill>
-                  <a:srgbClr val="636382"/>
-                </a:solidFill>
-                <a:latin typeface="Gill Sans MT" panose="020B0502020104020203" pitchFamily="34" charset="0"/>
-                <a:ea typeface="Verdana" panose="020B0604030504040204" pitchFamily="34" charset="0"/>
-                <a:cs typeface="Verdana" panose="020B0604030504040204" pitchFamily="34" charset="0"/>
-              </a:rPr>
-              <a:t>Una probabilidad puede pensarse como una medida de incertidumbre de un evento aleatorio</a:t>
-            </a:r>
-          </a:p>
-          <a:p>
-            <a:pPr marL="574675" lvl="2" indent="-457200">
-              <a:spcAft>
-                <a:spcPts val="600"/>
-              </a:spcAft>
-              <a:buFont typeface="Gill Sans MT" panose="020B0502020104020203" pitchFamily="34" charset="0"/>
-              <a:buChar char="–"/>
-              <a:defRPr/>
-            </a:pPr>
-            <a:r>
-              <a:rPr lang="es-ES" dirty="0" smtClean="0">
-                <a:solidFill>
-                  <a:srgbClr val="636382"/>
-                </a:solidFill>
-                <a:latin typeface="Gill Sans MT" panose="020B0502020104020203" pitchFamily="34" charset="0"/>
-                <a:ea typeface="Verdana" panose="020B0604030504040204" pitchFamily="34" charset="0"/>
-                <a:cs typeface="Verdana" panose="020B0604030504040204" pitchFamily="34" charset="0"/>
-              </a:rPr>
-              <a:t>Si </a:t>
-            </a:r>
-            <a:r>
-              <a:rPr lang="en-US" i="1" dirty="0">
-                <a:solidFill>
-                  <a:srgbClr val="636382"/>
-                </a:solidFill>
-                <a:latin typeface="Gill Sans MT" panose="020B0502020104020203" pitchFamily="34" charset="0"/>
-                <a:ea typeface="Verdana" panose="020B0604030504040204" pitchFamily="34" charset="0"/>
-                <a:cs typeface="Verdana" panose="020B0604030504040204" pitchFamily="34" charset="0"/>
-              </a:rPr>
-              <a:t>X</a:t>
-            </a:r>
-            <a:r>
-              <a:rPr lang="en-US" dirty="0">
-                <a:solidFill>
-                  <a:srgbClr val="636382"/>
-                </a:solidFill>
-                <a:latin typeface="Gill Sans MT" panose="020B0502020104020203" pitchFamily="34" charset="0"/>
-                <a:ea typeface="Verdana" panose="020B0604030504040204" pitchFamily="34" charset="0"/>
-                <a:cs typeface="Verdana" panose="020B0604030504040204" pitchFamily="34" charset="0"/>
-              </a:rPr>
-              <a:t> </a:t>
-            </a:r>
-            <a:r>
-              <a:rPr lang="en-US" dirty="0" err="1">
-                <a:solidFill>
-                  <a:srgbClr val="636382"/>
-                </a:solidFill>
-                <a:latin typeface="Gill Sans MT" panose="020B0502020104020203" pitchFamily="34" charset="0"/>
-                <a:ea typeface="Verdana" panose="020B0604030504040204" pitchFamily="34" charset="0"/>
-                <a:cs typeface="Verdana" panose="020B0604030504040204" pitchFamily="34" charset="0"/>
-              </a:rPr>
-              <a:t>tiene</a:t>
-            </a:r>
-            <a:r>
-              <a:rPr lang="en-US" i="1" dirty="0">
-                <a:solidFill>
-                  <a:srgbClr val="636382"/>
-                </a:solidFill>
-                <a:latin typeface="Gill Sans MT" panose="020B0502020104020203" pitchFamily="34" charset="0"/>
-                <a:ea typeface="Verdana" panose="020B0604030504040204" pitchFamily="34" charset="0"/>
-                <a:cs typeface="Verdana" panose="020B0604030504040204" pitchFamily="34" charset="0"/>
-              </a:rPr>
-              <a:t> </a:t>
-            </a:r>
-            <a:r>
-              <a:rPr lang="en-US" i="1" dirty="0" smtClean="0">
-                <a:solidFill>
-                  <a:srgbClr val="636382"/>
-                </a:solidFill>
-                <a:latin typeface="Gill Sans MT" panose="020B0502020104020203" pitchFamily="34" charset="0"/>
-                <a:ea typeface="Verdana" panose="020B0604030504040204" pitchFamily="34" charset="0"/>
-                <a:cs typeface="Verdana" panose="020B0604030504040204" pitchFamily="34" charset="0"/>
-              </a:rPr>
-              <a:t>P=</a:t>
-            </a:r>
-            <a:r>
-              <a:rPr lang="en-US" i="1" dirty="0" smtClean="0">
-                <a:solidFill>
-                  <a:srgbClr val="636382"/>
-                </a:solidFill>
-                <a:latin typeface="Verdana" panose="020B0604030504040204" pitchFamily="34" charset="0"/>
-                <a:ea typeface="Verdana" panose="020B0604030504040204" pitchFamily="34" charset="0"/>
-                <a:cs typeface="Verdana" panose="020B0604030504040204" pitchFamily="34" charset="0"/>
-              </a:rPr>
-              <a:t>1</a:t>
-            </a:r>
-            <a:r>
-              <a:rPr lang="en-US" dirty="0" smtClean="0">
-                <a:solidFill>
-                  <a:srgbClr val="636382"/>
-                </a:solidFill>
-                <a:latin typeface="Gill Sans MT" panose="020B0502020104020203" pitchFamily="34" charset="0"/>
-                <a:ea typeface="Verdana" panose="020B0604030504040204" pitchFamily="34" charset="0"/>
-                <a:cs typeface="Verdana" panose="020B0604030504040204" pitchFamily="34" charset="0"/>
-              </a:rPr>
-              <a:t>de </a:t>
-            </a:r>
-            <a:r>
-              <a:rPr lang="en-US" dirty="0" err="1">
-                <a:solidFill>
-                  <a:srgbClr val="636382"/>
-                </a:solidFill>
-                <a:latin typeface="Gill Sans MT" panose="020B0502020104020203" pitchFamily="34" charset="0"/>
-                <a:ea typeface="Verdana" panose="020B0604030504040204" pitchFamily="34" charset="0"/>
-                <a:cs typeface="Verdana" panose="020B0604030504040204" pitchFamily="34" charset="0"/>
-              </a:rPr>
-              <a:t>ocurrir</a:t>
-            </a:r>
-            <a:r>
-              <a:rPr lang="en-US" dirty="0">
-                <a:solidFill>
-                  <a:srgbClr val="636382"/>
-                </a:solidFill>
-                <a:latin typeface="Gill Sans MT" panose="020B0502020104020203" pitchFamily="34" charset="0"/>
-                <a:ea typeface="Verdana" panose="020B0604030504040204" pitchFamily="34" charset="0"/>
-                <a:cs typeface="Verdana" panose="020B0604030504040204" pitchFamily="34" charset="0"/>
-              </a:rPr>
-              <a:t> , </a:t>
-            </a:r>
-            <a:r>
-              <a:rPr lang="en-US" dirty="0" err="1">
-                <a:solidFill>
-                  <a:srgbClr val="636382"/>
-                </a:solidFill>
-                <a:latin typeface="Gill Sans MT" panose="020B0502020104020203" pitchFamily="34" charset="0"/>
-                <a:ea typeface="Verdana" panose="020B0604030504040204" pitchFamily="34" charset="0"/>
-                <a:cs typeface="Verdana" panose="020B0604030504040204" pitchFamily="34" charset="0"/>
-              </a:rPr>
-              <a:t>estamos</a:t>
-            </a:r>
-            <a:r>
-              <a:rPr lang="en-US" dirty="0">
-                <a:solidFill>
-                  <a:srgbClr val="636382"/>
-                </a:solidFill>
-                <a:latin typeface="Gill Sans MT" panose="020B0502020104020203" pitchFamily="34" charset="0"/>
-                <a:ea typeface="Verdana" panose="020B0604030504040204" pitchFamily="34" charset="0"/>
-                <a:cs typeface="Verdana" panose="020B0604030504040204" pitchFamily="34" charset="0"/>
-              </a:rPr>
-              <a:t> </a:t>
-            </a:r>
-            <a:r>
-              <a:rPr lang="en-US" dirty="0" err="1">
-                <a:solidFill>
-                  <a:srgbClr val="636382"/>
-                </a:solidFill>
-                <a:latin typeface="Gill Sans MT" panose="020B0502020104020203" pitchFamily="34" charset="0"/>
-                <a:ea typeface="Verdana" panose="020B0604030504040204" pitchFamily="34" charset="0"/>
-                <a:cs typeface="Verdana" panose="020B0604030504040204" pitchFamily="34" charset="0"/>
-              </a:rPr>
-              <a:t>seguros</a:t>
-            </a:r>
-            <a:r>
-              <a:rPr lang="en-US" dirty="0">
-                <a:solidFill>
-                  <a:srgbClr val="636382"/>
-                </a:solidFill>
-                <a:latin typeface="Gill Sans MT" panose="020B0502020104020203" pitchFamily="34" charset="0"/>
-                <a:ea typeface="Verdana" panose="020B0604030504040204" pitchFamily="34" charset="0"/>
-                <a:cs typeface="Verdana" panose="020B0604030504040204" pitchFamily="34" charset="0"/>
-              </a:rPr>
-              <a:t> que </a:t>
-            </a:r>
-            <a:r>
-              <a:rPr lang="en-US" i="1" dirty="0">
-                <a:solidFill>
-                  <a:srgbClr val="636382"/>
-                </a:solidFill>
-                <a:latin typeface="Gill Sans MT" panose="020B0502020104020203" pitchFamily="34" charset="0"/>
-                <a:ea typeface="Verdana" panose="020B0604030504040204" pitchFamily="34" charset="0"/>
-                <a:cs typeface="Verdana" panose="020B0604030504040204" pitchFamily="34" charset="0"/>
-              </a:rPr>
-              <a:t>X</a:t>
-            </a:r>
-            <a:r>
-              <a:rPr lang="en-US" dirty="0">
-                <a:solidFill>
-                  <a:srgbClr val="636382"/>
-                </a:solidFill>
-                <a:latin typeface="Gill Sans MT" panose="020B0502020104020203" pitchFamily="34" charset="0"/>
-                <a:ea typeface="Verdana" panose="020B0604030504040204" pitchFamily="34" charset="0"/>
-                <a:cs typeface="Verdana" panose="020B0604030504040204" pitchFamily="34" charset="0"/>
-              </a:rPr>
-              <a:t> </a:t>
-            </a:r>
-            <a:r>
-              <a:rPr lang="en-US" dirty="0" err="1">
-                <a:solidFill>
-                  <a:srgbClr val="636382"/>
-                </a:solidFill>
-                <a:latin typeface="Gill Sans MT" panose="020B0502020104020203" pitchFamily="34" charset="0"/>
-                <a:ea typeface="Verdana" panose="020B0604030504040204" pitchFamily="34" charset="0"/>
-                <a:cs typeface="Verdana" panose="020B0604030504040204" pitchFamily="34" charset="0"/>
-              </a:rPr>
-              <a:t>ocurre</a:t>
-            </a:r>
-            <a:endParaRPr lang="en-US" dirty="0">
+            <a:endParaRPr lang="es-ES" sz="2800" dirty="0">
               <a:solidFill>
                 <a:srgbClr val="636382"/>
               </a:solidFill>
@@ -15663,136 +15793,17 @@
             </a:endParaRPr>
           </a:p>
           <a:p>
-            <a:pPr marL="574675" lvl="2" indent="-457200">
+            <a:pPr marL="0" indent="0">
+              <a:spcBef>
+                <a:spcPts val="0"/>
+              </a:spcBef>
               <a:spcAft>
                 <a:spcPts val="600"/>
               </a:spcAft>
-              <a:buFont typeface="Gill Sans MT" panose="020B0502020104020203" pitchFamily="34" charset="0"/>
-              <a:buChar char="–"/>
+              <a:buNone/>
               <a:defRPr/>
             </a:pPr>
-            <a:r>
-              <a:rPr lang="en-US" dirty="0">
-                <a:solidFill>
-                  <a:srgbClr val="636382"/>
-                </a:solidFill>
-                <a:latin typeface="Gill Sans MT" panose="020B0502020104020203" pitchFamily="34" charset="0"/>
-                <a:ea typeface="Verdana" panose="020B0604030504040204" pitchFamily="34" charset="0"/>
-                <a:cs typeface="Verdana" panose="020B0604030504040204" pitchFamily="34" charset="0"/>
-              </a:rPr>
-              <a:t>Si </a:t>
-            </a:r>
-            <a:r>
-              <a:rPr lang="en-US" i="1" dirty="0">
-                <a:solidFill>
-                  <a:srgbClr val="636382"/>
-                </a:solidFill>
-                <a:latin typeface="Gill Sans MT" panose="020B0502020104020203" pitchFamily="34" charset="0"/>
-                <a:ea typeface="Verdana" panose="020B0604030504040204" pitchFamily="34" charset="0"/>
-                <a:cs typeface="Verdana" panose="020B0604030504040204" pitchFamily="34" charset="0"/>
-              </a:rPr>
-              <a:t>P=0 </a:t>
-            </a:r>
-            <a:r>
-              <a:rPr lang="en-US" dirty="0" err="1">
-                <a:solidFill>
-                  <a:srgbClr val="636382"/>
-                </a:solidFill>
-                <a:latin typeface="Gill Sans MT" panose="020B0502020104020203" pitchFamily="34" charset="0"/>
-                <a:ea typeface="Verdana" panose="020B0604030504040204" pitchFamily="34" charset="0"/>
-                <a:cs typeface="Verdana" panose="020B0604030504040204" pitchFamily="34" charset="0"/>
-              </a:rPr>
-              <a:t>entonces</a:t>
-            </a:r>
-            <a:r>
-              <a:rPr lang="en-US" dirty="0">
-                <a:solidFill>
-                  <a:srgbClr val="636382"/>
-                </a:solidFill>
-                <a:latin typeface="Gill Sans MT" panose="020B0502020104020203" pitchFamily="34" charset="0"/>
-                <a:ea typeface="Verdana" panose="020B0604030504040204" pitchFamily="34" charset="0"/>
-                <a:cs typeface="Verdana" panose="020B0604030504040204" pitchFamily="34" charset="0"/>
-              </a:rPr>
-              <a:t> </a:t>
-            </a:r>
-            <a:r>
-              <a:rPr lang="en-US" dirty="0" err="1">
-                <a:solidFill>
-                  <a:srgbClr val="636382"/>
-                </a:solidFill>
-                <a:latin typeface="Gill Sans MT" panose="020B0502020104020203" pitchFamily="34" charset="0"/>
-                <a:ea typeface="Verdana" panose="020B0604030504040204" pitchFamily="34" charset="0"/>
-                <a:cs typeface="Verdana" panose="020B0604030504040204" pitchFamily="34" charset="0"/>
-              </a:rPr>
-              <a:t>estamos</a:t>
-            </a:r>
-            <a:r>
-              <a:rPr lang="en-US" dirty="0">
-                <a:solidFill>
-                  <a:srgbClr val="636382"/>
-                </a:solidFill>
-                <a:latin typeface="Gill Sans MT" panose="020B0502020104020203" pitchFamily="34" charset="0"/>
-                <a:ea typeface="Verdana" panose="020B0604030504040204" pitchFamily="34" charset="0"/>
-                <a:cs typeface="Verdana" panose="020B0604030504040204" pitchFamily="34" charset="0"/>
-              </a:rPr>
-              <a:t> </a:t>
-            </a:r>
-            <a:r>
-              <a:rPr lang="en-US" dirty="0" err="1">
-                <a:solidFill>
-                  <a:srgbClr val="636382"/>
-                </a:solidFill>
-                <a:latin typeface="Gill Sans MT" panose="020B0502020104020203" pitchFamily="34" charset="0"/>
-                <a:ea typeface="Verdana" panose="020B0604030504040204" pitchFamily="34" charset="0"/>
-                <a:cs typeface="Verdana" panose="020B0604030504040204" pitchFamily="34" charset="0"/>
-              </a:rPr>
-              <a:t>seguros</a:t>
-            </a:r>
-            <a:r>
-              <a:rPr lang="en-US" dirty="0">
-                <a:solidFill>
-                  <a:srgbClr val="636382"/>
-                </a:solidFill>
-                <a:latin typeface="Gill Sans MT" panose="020B0502020104020203" pitchFamily="34" charset="0"/>
-                <a:ea typeface="Verdana" panose="020B0604030504040204" pitchFamily="34" charset="0"/>
-                <a:cs typeface="Verdana" panose="020B0604030504040204" pitchFamily="34" charset="0"/>
-              </a:rPr>
-              <a:t> que </a:t>
-            </a:r>
-            <a:r>
-              <a:rPr lang="en-US" i="1" dirty="0">
-                <a:solidFill>
-                  <a:srgbClr val="636382"/>
-                </a:solidFill>
-                <a:latin typeface="Gill Sans MT" panose="020B0502020104020203" pitchFamily="34" charset="0"/>
-                <a:ea typeface="Verdana" panose="020B0604030504040204" pitchFamily="34" charset="0"/>
-                <a:cs typeface="Verdana" panose="020B0604030504040204" pitchFamily="34" charset="0"/>
-              </a:rPr>
-              <a:t>X</a:t>
-            </a:r>
-            <a:r>
-              <a:rPr lang="en-US" dirty="0">
-                <a:solidFill>
-                  <a:srgbClr val="636382"/>
-                </a:solidFill>
-                <a:latin typeface="Gill Sans MT" panose="020B0502020104020203" pitchFamily="34" charset="0"/>
-                <a:ea typeface="Verdana" panose="020B0604030504040204" pitchFamily="34" charset="0"/>
-                <a:cs typeface="Verdana" panose="020B0604030504040204" pitchFamily="34" charset="0"/>
-              </a:rPr>
-              <a:t> no </a:t>
-            </a:r>
-            <a:r>
-              <a:rPr lang="en-US" dirty="0" err="1">
-                <a:solidFill>
-                  <a:srgbClr val="636382"/>
-                </a:solidFill>
-                <a:latin typeface="Gill Sans MT" panose="020B0502020104020203" pitchFamily="34" charset="0"/>
-                <a:ea typeface="Verdana" panose="020B0604030504040204" pitchFamily="34" charset="0"/>
-                <a:cs typeface="Verdana" panose="020B0604030504040204" pitchFamily="34" charset="0"/>
-              </a:rPr>
-              <a:t>ocurre</a:t>
-            </a:r>
-            <a:endParaRPr lang="en-US" dirty="0">
+            <a:endParaRPr lang="es-ES" sz="2800" dirty="0" smtClean="0">
               <a:solidFill>
                 <a:srgbClr val="636382"/>
               </a:solidFill>
@@ -15801,273 +15812,18 @@
               <a:cs typeface="Verdana" panose="020B0604030504040204" pitchFamily="34" charset="0"/>
             </a:endParaRPr>
           </a:p>
-          <a:p>
-            <a:pPr marL="574675" lvl="2" indent="-457200">
-              <a:spcAft>
-                <a:spcPts val="600"/>
-              </a:spcAft>
-              <a:buFont typeface="Gill Sans MT" panose="020B0502020104020203" pitchFamily="34" charset="0"/>
-              <a:buChar char="–"/>
-              <a:defRPr/>
-            </a:pPr>
-            <a:r>
-              <a:rPr lang="en-US" i="1" dirty="0">
-                <a:solidFill>
-                  <a:srgbClr val="636382"/>
-                </a:solidFill>
-                <a:latin typeface="Gill Sans MT" panose="020B0502020104020203" pitchFamily="34" charset="0"/>
-                <a:ea typeface="Verdana" panose="020B0604030504040204" pitchFamily="34" charset="0"/>
-                <a:cs typeface="Verdana" panose="020B0604030504040204" pitchFamily="34" charset="0"/>
-              </a:rPr>
-              <a:t>Si P=0.5 </a:t>
-            </a:r>
-            <a:r>
-              <a:rPr lang="en-US" dirty="0" err="1" smtClean="0">
-                <a:solidFill>
-                  <a:srgbClr val="636382"/>
-                </a:solidFill>
-                <a:latin typeface="Gill Sans MT" panose="020B0502020104020203" pitchFamily="34" charset="0"/>
-                <a:ea typeface="Verdana" panose="020B0604030504040204" pitchFamily="34" charset="0"/>
-                <a:cs typeface="Verdana" panose="020B0604030504040204" pitchFamily="34" charset="0"/>
-              </a:rPr>
-              <a:t>estamos</a:t>
-            </a:r>
-            <a:r>
-              <a:rPr lang="en-US" dirty="0" smtClean="0">
-                <a:solidFill>
-                  <a:srgbClr val="636382"/>
-                </a:solidFill>
-                <a:latin typeface="Gill Sans MT" panose="020B0502020104020203" pitchFamily="34" charset="0"/>
-                <a:ea typeface="Verdana" panose="020B0604030504040204" pitchFamily="34" charset="0"/>
-                <a:cs typeface="Verdana" panose="020B0604030504040204" pitchFamily="34" charset="0"/>
-              </a:rPr>
-              <a:t> </a:t>
-            </a:r>
-            <a:r>
-              <a:rPr lang="en-US" dirty="0" err="1" smtClean="0">
-                <a:solidFill>
-                  <a:srgbClr val="636382"/>
-                </a:solidFill>
-                <a:latin typeface="Gill Sans MT" panose="020B0502020104020203" pitchFamily="34" charset="0"/>
-                <a:ea typeface="Verdana" panose="020B0604030504040204" pitchFamily="34" charset="0"/>
-                <a:cs typeface="Verdana" panose="020B0604030504040204" pitchFamily="34" charset="0"/>
-              </a:rPr>
-              <a:t>igual</a:t>
-            </a:r>
-            <a:r>
-              <a:rPr lang="en-US" dirty="0" smtClean="0">
-                <a:solidFill>
-                  <a:srgbClr val="636382"/>
-                </a:solidFill>
-                <a:latin typeface="Gill Sans MT" panose="020B0502020104020203" pitchFamily="34" charset="0"/>
-                <a:ea typeface="Verdana" panose="020B0604030504040204" pitchFamily="34" charset="0"/>
-                <a:cs typeface="Verdana" panose="020B0604030504040204" pitchFamily="34" charset="0"/>
-              </a:rPr>
-              <a:t> de </a:t>
-            </a:r>
-            <a:r>
-              <a:rPr lang="en-US" dirty="0" err="1">
-                <a:solidFill>
-                  <a:srgbClr val="636382"/>
-                </a:solidFill>
-                <a:latin typeface="Gill Sans MT" panose="020B0502020104020203" pitchFamily="34" charset="0"/>
-                <a:ea typeface="Verdana" panose="020B0604030504040204" pitchFamily="34" charset="0"/>
-                <a:cs typeface="Verdana" panose="020B0604030504040204" pitchFamily="34" charset="0"/>
-              </a:rPr>
-              <a:t>seguros</a:t>
-            </a:r>
-            <a:r>
-              <a:rPr lang="en-US" dirty="0">
-                <a:solidFill>
-                  <a:srgbClr val="636382"/>
-                </a:solidFill>
-                <a:latin typeface="Gill Sans MT" panose="020B0502020104020203" pitchFamily="34" charset="0"/>
-                <a:ea typeface="Verdana" panose="020B0604030504040204" pitchFamily="34" charset="0"/>
-                <a:cs typeface="Verdana" panose="020B0604030504040204" pitchFamily="34" charset="0"/>
-              </a:rPr>
-              <a:t> que </a:t>
-            </a:r>
-            <a:r>
-              <a:rPr lang="en-US" i="1" dirty="0">
-                <a:solidFill>
-                  <a:srgbClr val="636382"/>
-                </a:solidFill>
-                <a:latin typeface="Gill Sans MT" panose="020B0502020104020203" pitchFamily="34" charset="0"/>
-                <a:ea typeface="Verdana" panose="020B0604030504040204" pitchFamily="34" charset="0"/>
-                <a:cs typeface="Verdana" panose="020B0604030504040204" pitchFamily="34" charset="0"/>
-              </a:rPr>
-              <a:t>X</a:t>
-            </a:r>
-            <a:r>
-              <a:rPr lang="en-US" dirty="0">
-                <a:solidFill>
-                  <a:srgbClr val="636382"/>
-                </a:solidFill>
-                <a:latin typeface="Gill Sans MT" panose="020B0502020104020203" pitchFamily="34" charset="0"/>
-                <a:ea typeface="Verdana" panose="020B0604030504040204" pitchFamily="34" charset="0"/>
-                <a:cs typeface="Verdana" panose="020B0604030504040204" pitchFamily="34" charset="0"/>
-              </a:rPr>
-              <a:t> </a:t>
-            </a:r>
-            <a:r>
-              <a:rPr lang="en-US" dirty="0" err="1">
-                <a:solidFill>
-                  <a:srgbClr val="636382"/>
-                </a:solidFill>
-                <a:latin typeface="Gill Sans MT" panose="020B0502020104020203" pitchFamily="34" charset="0"/>
-                <a:ea typeface="Verdana" panose="020B0604030504040204" pitchFamily="34" charset="0"/>
-                <a:cs typeface="Verdana" panose="020B0604030504040204" pitchFamily="34" charset="0"/>
-              </a:rPr>
-              <a:t>ocurre</a:t>
-            </a:r>
-            <a:r>
-              <a:rPr lang="en-US" dirty="0">
-                <a:solidFill>
-                  <a:srgbClr val="636382"/>
-                </a:solidFill>
-                <a:latin typeface="Gill Sans MT" panose="020B0502020104020203" pitchFamily="34" charset="0"/>
-                <a:ea typeface="Verdana" panose="020B0604030504040204" pitchFamily="34" charset="0"/>
-                <a:cs typeface="Verdana" panose="020B0604030504040204" pitchFamily="34" charset="0"/>
-              </a:rPr>
-              <a:t> y que no </a:t>
-            </a:r>
-            <a:endParaRPr lang="en-US" dirty="0"/>
-          </a:p>
-          <a:p>
-            <a:pPr marL="0" lvl="1" indent="0">
-              <a:spcAft>
-                <a:spcPts val="600"/>
-              </a:spcAft>
-              <a:buNone/>
-              <a:defRPr/>
-            </a:pPr>
-            <a:r>
-              <a:rPr lang="en-US" dirty="0" smtClean="0">
-                <a:solidFill>
-                  <a:srgbClr val="636382"/>
-                </a:solidFill>
-                <a:latin typeface="Gill Sans MT" panose="020B0502020104020203" pitchFamily="34" charset="0"/>
-                <a:ea typeface="Verdana" panose="020B0604030504040204" pitchFamily="34" charset="0"/>
-                <a:cs typeface="Verdana" panose="020B0604030504040204" pitchFamily="34" charset="0"/>
-              </a:rPr>
-              <a:t>El valor </a:t>
-            </a:r>
-            <a:r>
-              <a:rPr lang="en-US" i="1" dirty="0" smtClean="0">
-                <a:solidFill>
-                  <a:srgbClr val="636382"/>
-                </a:solidFill>
-                <a:latin typeface="Gill Sans MT" panose="020B0502020104020203" pitchFamily="34" charset="0"/>
-                <a:ea typeface="Verdana" panose="020B0604030504040204" pitchFamily="34" charset="0"/>
-                <a:cs typeface="Verdana" panose="020B0604030504040204" pitchFamily="34" charset="0"/>
-              </a:rPr>
-              <a:t>“</a:t>
-            </a:r>
-            <a:r>
-              <a:rPr lang="en-US" i="1" dirty="0">
-                <a:solidFill>
-                  <a:srgbClr val="636382"/>
-                </a:solidFill>
-                <a:latin typeface="Gill Sans MT" panose="020B0502020104020203" pitchFamily="34" charset="0"/>
-                <a:ea typeface="Verdana" panose="020B0604030504040204" pitchFamily="34" charset="0"/>
-                <a:cs typeface="Verdana" panose="020B0604030504040204" pitchFamily="34" charset="0"/>
-              </a:rPr>
-              <a:t>X” </a:t>
-            </a:r>
-            <a:r>
-              <a:rPr lang="en-US" i="1" dirty="0" smtClean="0">
-                <a:solidFill>
-                  <a:srgbClr val="636382"/>
-                </a:solidFill>
-                <a:latin typeface="Gill Sans MT" panose="020B0502020104020203" pitchFamily="34" charset="0"/>
-                <a:ea typeface="Verdana" panose="020B0604030504040204" pitchFamily="34" charset="0"/>
-                <a:cs typeface="Verdana" panose="020B0604030504040204" pitchFamily="34" charset="0"/>
-              </a:rPr>
-              <a:t> </a:t>
-            </a:r>
-            <a:r>
-              <a:rPr lang="en-US" dirty="0" err="1" smtClean="0">
-                <a:solidFill>
-                  <a:srgbClr val="636382"/>
-                </a:solidFill>
-                <a:latin typeface="Gill Sans MT" panose="020B0502020104020203" pitchFamily="34" charset="0"/>
-                <a:ea typeface="Verdana" panose="020B0604030504040204" pitchFamily="34" charset="0"/>
-                <a:cs typeface="Verdana" panose="020B0604030504040204" pitchFamily="34" charset="0"/>
-              </a:rPr>
-              <a:t>es</a:t>
-            </a:r>
-            <a:r>
-              <a:rPr lang="en-US" dirty="0" smtClean="0">
-                <a:solidFill>
-                  <a:srgbClr val="636382"/>
-                </a:solidFill>
-                <a:latin typeface="Gill Sans MT" panose="020B0502020104020203" pitchFamily="34" charset="0"/>
-                <a:ea typeface="Verdana" panose="020B0604030504040204" pitchFamily="34" charset="0"/>
-                <a:cs typeface="Verdana" panose="020B0604030504040204" pitchFamily="34" charset="0"/>
-              </a:rPr>
-              <a:t> </a:t>
-            </a:r>
-            <a:r>
-              <a:rPr lang="en-US" dirty="0" err="1" smtClean="0">
-                <a:solidFill>
-                  <a:srgbClr val="636382"/>
-                </a:solidFill>
-                <a:latin typeface="Gill Sans MT" panose="020B0502020104020203" pitchFamily="34" charset="0"/>
-                <a:ea typeface="Verdana" panose="020B0604030504040204" pitchFamily="34" charset="0"/>
-                <a:cs typeface="Verdana" panose="020B0604030504040204" pitchFamily="34" charset="0"/>
-              </a:rPr>
-              <a:t>una</a:t>
-            </a:r>
-            <a:r>
-              <a:rPr lang="en-US" dirty="0" smtClean="0">
-                <a:solidFill>
-                  <a:srgbClr val="636382"/>
-                </a:solidFill>
-                <a:latin typeface="Gill Sans MT" panose="020B0502020104020203" pitchFamily="34" charset="0"/>
-                <a:ea typeface="Verdana" panose="020B0604030504040204" pitchFamily="34" charset="0"/>
-                <a:cs typeface="Verdana" panose="020B0604030504040204" pitchFamily="34" charset="0"/>
-              </a:rPr>
-              <a:t> variable </a:t>
-            </a:r>
-            <a:r>
-              <a:rPr lang="en-US" dirty="0" err="1" smtClean="0">
-                <a:solidFill>
-                  <a:srgbClr val="636382"/>
-                </a:solidFill>
-                <a:latin typeface="Gill Sans MT" panose="020B0502020104020203" pitchFamily="34" charset="0"/>
-                <a:ea typeface="Verdana" panose="020B0604030504040204" pitchFamily="34" charset="0"/>
-                <a:cs typeface="Verdana" panose="020B0604030504040204" pitchFamily="34" charset="0"/>
-              </a:rPr>
-              <a:t>aleatoria</a:t>
-            </a:r>
-            <a:endParaRPr lang="es-ES" dirty="0">
-              <a:solidFill>
-                <a:srgbClr val="636382"/>
-              </a:solidFill>
-              <a:latin typeface="Gill Sans MT" panose="020B0502020104020203" pitchFamily="34" charset="0"/>
-              <a:ea typeface="Verdana" panose="020B0604030504040204" pitchFamily="34" charset="0"/>
-              <a:cs typeface="Verdana" panose="020B0604030504040204" pitchFamily="34" charset="0"/>
-            </a:endParaRPr>
-          </a:p>
         </p:txBody>
       </p:sp>
     </p:spTree>
     <p:extLst>
       <p:ext uri="{BB962C8B-B14F-4D97-AF65-F5344CB8AC3E}">
-        <p14:creationId xmlns:p14="http://schemas.microsoft.com/office/powerpoint/2010/main" val="1567403987"/>
+        <p14:creationId xmlns:p14="http://schemas.microsoft.com/office/powerpoint/2010/main" val="278920847"/>
       </p:ext>
     </p:extLst>
   </p:cSld>
   <p:clrMapOvr>
     <a:masterClrMapping/>
   </p:clrMapOvr>
-  <p:timing>
-    <p:tnLst>
-      <p:par>
-        <p:cTn id="1" dur="indefinite" restart="never" nodeType="tmRoot"/>
-      </p:par>
-    </p:tnLst>
-  </p:timing>
 </p:sld>
 </file>
 
@@ -16152,8 +15908,8 @@
         </p:nvSpPr>
         <p:spPr>
           <a:xfrm>
-            <a:off x="1043608" y="1124744"/>
-            <a:ext cx="7992888" cy="4896544"/>
+            <a:off x="1259632" y="1124744"/>
+            <a:ext cx="7776864" cy="4896544"/>
           </a:xfrm>
           <a:prstGeom prst="rect">
             <a:avLst/>
@@ -16325,7 +16081,7 @@
               <a:defRPr/>
             </a:pPr>
             <a:r>
-              <a:rPr lang="en-US" dirty="0" err="1">
+              <a:rPr lang="es-ES" dirty="0" smtClean="0">
                 <a:solidFill>
                   <a:srgbClr val="636382"/>
                 </a:solidFill>
@@ -16333,10 +16089,10 @@
                 <a:ea typeface="Verdana" panose="020B0604030504040204" pitchFamily="34" charset="0"/>
                 <a:cs typeface="Verdana" panose="020B0604030504040204" pitchFamily="34" charset="0"/>
               </a:rPr>
-              <a:t>Es</a:t>
-            </a:r>
-            <a:r>
-              <a:rPr lang="en-US" dirty="0">
+              <a:t>Naturaleza </a:t>
+            </a:r>
+            <a:r>
+              <a:rPr lang="es-ES" dirty="0">
                 <a:solidFill>
                   <a:srgbClr val="636382"/>
                 </a:solidFill>
@@ -16344,10 +16100,10 @@
                 <a:ea typeface="Verdana" panose="020B0604030504040204" pitchFamily="34" charset="0"/>
                 <a:cs typeface="Verdana" panose="020B0604030504040204" pitchFamily="34" charset="0"/>
               </a:rPr>
-              <a:t> un </a:t>
-            </a:r>
-            <a:r>
-              <a:rPr lang="en-US" dirty="0" err="1">
+              <a:t>estocástica del mundo natural </a:t>
+            </a:r>
+            <a:r>
+              <a:rPr lang="es-ES" dirty="0" smtClean="0">
                 <a:solidFill>
                   <a:srgbClr val="636382"/>
                 </a:solidFill>
@@ -16355,10 +16111,10 @@
                 <a:ea typeface="Verdana" panose="020B0604030504040204" pitchFamily="34" charset="0"/>
                 <a:cs typeface="Verdana" panose="020B0604030504040204" pitchFamily="34" charset="0"/>
               </a:rPr>
-              <a:t>modelo</a:t>
-            </a:r>
-            <a:r>
-              <a:rPr lang="en-US" dirty="0">
+              <a:t>explicada </a:t>
+            </a:r>
+            <a:r>
+              <a:rPr lang="es-ES" dirty="0">
                 <a:solidFill>
                   <a:srgbClr val="636382"/>
                 </a:solidFill>
@@ -16366,10 +16122,10 @@
                 <a:ea typeface="Verdana" panose="020B0604030504040204" pitchFamily="34" charset="0"/>
                 <a:cs typeface="Verdana" panose="020B0604030504040204" pitchFamily="34" charset="0"/>
               </a:rPr>
-              <a:t> que describe la </a:t>
-            </a:r>
-            <a:r>
-              <a:rPr lang="en-US" dirty="0" err="1" smtClean="0">
+              <a:t>por medio de </a:t>
+            </a:r>
+            <a:r>
+              <a:rPr lang="es-ES" b="1" dirty="0">
                 <a:solidFill>
                   <a:srgbClr val="636382"/>
                 </a:solidFill>
@@ -16377,203 +16133,8 @@
                 <a:ea typeface="Verdana" panose="020B0604030504040204" pitchFamily="34" charset="0"/>
                 <a:cs typeface="Verdana" panose="020B0604030504040204" pitchFamily="34" charset="0"/>
               </a:rPr>
-              <a:t>relación</a:t>
-            </a:r>
-            <a:r>
-              <a:rPr lang="en-US" dirty="0" smtClean="0">
-                <a:solidFill>
-                  <a:srgbClr val="636382"/>
-                </a:solidFill>
-                <a:latin typeface="Gill Sans MT" panose="020B0502020104020203" pitchFamily="34" charset="0"/>
-                <a:ea typeface="Verdana" panose="020B0604030504040204" pitchFamily="34" charset="0"/>
-                <a:cs typeface="Verdana" panose="020B0604030504040204" pitchFamily="34" charset="0"/>
-              </a:rPr>
-              <a:t> </a:t>
-            </a:r>
-            <a:r>
-              <a:rPr lang="en-US" dirty="0">
-                <a:solidFill>
-                  <a:srgbClr val="636382"/>
-                </a:solidFill>
-                <a:latin typeface="Gill Sans MT" panose="020B0502020104020203" pitchFamily="34" charset="0"/>
-                <a:ea typeface="Verdana" panose="020B0604030504040204" pitchFamily="34" charset="0"/>
-                <a:cs typeface="Verdana" panose="020B0604030504040204" pitchFamily="34" charset="0"/>
-              </a:rPr>
-              <a:t>entre </a:t>
-            </a:r>
-            <a:r>
-              <a:rPr lang="en-US" dirty="0" err="1">
-                <a:solidFill>
-                  <a:srgbClr val="636382"/>
-                </a:solidFill>
-                <a:latin typeface="Gill Sans MT" panose="020B0502020104020203" pitchFamily="34" charset="0"/>
-                <a:ea typeface="Verdana" panose="020B0604030504040204" pitchFamily="34" charset="0"/>
-                <a:cs typeface="Verdana" panose="020B0604030504040204" pitchFamily="34" charset="0"/>
-              </a:rPr>
-              <a:t>los</a:t>
-            </a:r>
-            <a:r>
-              <a:rPr lang="en-US" dirty="0">
-                <a:solidFill>
-                  <a:srgbClr val="636382"/>
-                </a:solidFill>
-                <a:latin typeface="Gill Sans MT" panose="020B0502020104020203" pitchFamily="34" charset="0"/>
-                <a:ea typeface="Verdana" panose="020B0604030504040204" pitchFamily="34" charset="0"/>
-                <a:cs typeface="Verdana" panose="020B0604030504040204" pitchFamily="34" charset="0"/>
-              </a:rPr>
-              <a:t> </a:t>
-            </a:r>
-            <a:r>
-              <a:rPr lang="en-US" dirty="0" err="1">
-                <a:solidFill>
-                  <a:srgbClr val="636382"/>
-                </a:solidFill>
-                <a:latin typeface="Gill Sans MT" panose="020B0502020104020203" pitchFamily="34" charset="0"/>
-                <a:ea typeface="Verdana" panose="020B0604030504040204" pitchFamily="34" charset="0"/>
-                <a:cs typeface="Verdana" panose="020B0604030504040204" pitchFamily="34" charset="0"/>
-              </a:rPr>
-              <a:t>valores</a:t>
-            </a:r>
-            <a:r>
-              <a:rPr lang="en-US" dirty="0">
-                <a:solidFill>
-                  <a:srgbClr val="636382"/>
-                </a:solidFill>
-                <a:latin typeface="Gill Sans MT" panose="020B0502020104020203" pitchFamily="34" charset="0"/>
-                <a:ea typeface="Verdana" panose="020B0604030504040204" pitchFamily="34" charset="0"/>
-                <a:cs typeface="Verdana" panose="020B0604030504040204" pitchFamily="34" charset="0"/>
-              </a:rPr>
-              <a:t> de </a:t>
-            </a:r>
-            <a:r>
-              <a:rPr lang="en-US" dirty="0" err="1">
-                <a:solidFill>
-                  <a:srgbClr val="636382"/>
-                </a:solidFill>
-                <a:latin typeface="Gill Sans MT" panose="020B0502020104020203" pitchFamily="34" charset="0"/>
-                <a:ea typeface="Verdana" panose="020B0604030504040204" pitchFamily="34" charset="0"/>
-                <a:cs typeface="Verdana" panose="020B0604030504040204" pitchFamily="34" charset="0"/>
-              </a:rPr>
-              <a:t>una</a:t>
-            </a:r>
-            <a:r>
-              <a:rPr lang="en-US" dirty="0">
-                <a:solidFill>
-                  <a:srgbClr val="636382"/>
-                </a:solidFill>
-                <a:latin typeface="Gill Sans MT" panose="020B0502020104020203" pitchFamily="34" charset="0"/>
-                <a:ea typeface="Verdana" panose="020B0604030504040204" pitchFamily="34" charset="0"/>
-                <a:cs typeface="Verdana" panose="020B0604030504040204" pitchFamily="34" charset="0"/>
-              </a:rPr>
-              <a:t> variable </a:t>
-            </a:r>
-            <a:r>
-              <a:rPr lang="en-US" dirty="0" err="1">
-                <a:solidFill>
-                  <a:srgbClr val="636382"/>
-                </a:solidFill>
-                <a:latin typeface="Gill Sans MT" panose="020B0502020104020203" pitchFamily="34" charset="0"/>
-                <a:ea typeface="Verdana" panose="020B0604030504040204" pitchFamily="34" charset="0"/>
-                <a:cs typeface="Verdana" panose="020B0604030504040204" pitchFamily="34" charset="0"/>
-              </a:rPr>
-              <a:t>aleatoria</a:t>
-            </a:r>
-            <a:r>
-              <a:rPr lang="en-US" dirty="0">
-                <a:solidFill>
-                  <a:srgbClr val="636382"/>
-                </a:solidFill>
-                <a:latin typeface="Gill Sans MT" panose="020B0502020104020203" pitchFamily="34" charset="0"/>
-                <a:ea typeface="Verdana" panose="020B0604030504040204" pitchFamily="34" charset="0"/>
-                <a:cs typeface="Verdana" panose="020B0604030504040204" pitchFamily="34" charset="0"/>
-              </a:rPr>
-              <a:t> y la </a:t>
-            </a:r>
-            <a:r>
-              <a:rPr lang="en-US" dirty="0" err="1">
-                <a:solidFill>
-                  <a:srgbClr val="636382"/>
-                </a:solidFill>
-                <a:latin typeface="Gill Sans MT" panose="020B0502020104020203" pitchFamily="34" charset="0"/>
-                <a:ea typeface="Verdana" panose="020B0604030504040204" pitchFamily="34" charset="0"/>
-                <a:cs typeface="Verdana" panose="020B0604030504040204" pitchFamily="34" charset="0"/>
-              </a:rPr>
-              <a:t>probabilidad</a:t>
-            </a:r>
-            <a:r>
-              <a:rPr lang="en-US" dirty="0">
-                <a:solidFill>
-                  <a:srgbClr val="636382"/>
-                </a:solidFill>
-                <a:latin typeface="Gill Sans MT" panose="020B0502020104020203" pitchFamily="34" charset="0"/>
-                <a:ea typeface="Verdana" panose="020B0604030504040204" pitchFamily="34" charset="0"/>
-                <a:cs typeface="Verdana" panose="020B0604030504040204" pitchFamily="34" charset="0"/>
-              </a:rPr>
-              <a:t> de </a:t>
-            </a:r>
-            <a:r>
-              <a:rPr lang="en-US" dirty="0" err="1">
-                <a:solidFill>
-                  <a:srgbClr val="636382"/>
-                </a:solidFill>
-                <a:latin typeface="Gill Sans MT" panose="020B0502020104020203" pitchFamily="34" charset="0"/>
-                <a:ea typeface="Verdana" panose="020B0604030504040204" pitchFamily="34" charset="0"/>
-                <a:cs typeface="Verdana" panose="020B0604030504040204" pitchFamily="34" charset="0"/>
-              </a:rPr>
-              <a:t>asumir</a:t>
-            </a:r>
-            <a:r>
-              <a:rPr lang="en-US" dirty="0">
-                <a:solidFill>
-                  <a:srgbClr val="636382"/>
-                </a:solidFill>
-                <a:latin typeface="Gill Sans MT" panose="020B0502020104020203" pitchFamily="34" charset="0"/>
-                <a:ea typeface="Verdana" panose="020B0604030504040204" pitchFamily="34" charset="0"/>
-                <a:cs typeface="Verdana" panose="020B0604030504040204" pitchFamily="34" charset="0"/>
-              </a:rPr>
-              <a:t> </a:t>
-            </a:r>
-            <a:r>
-              <a:rPr lang="en-US" dirty="0" err="1">
-                <a:solidFill>
-                  <a:srgbClr val="636382"/>
-                </a:solidFill>
-                <a:latin typeface="Gill Sans MT" panose="020B0502020104020203" pitchFamily="34" charset="0"/>
-                <a:ea typeface="Verdana" panose="020B0604030504040204" pitchFamily="34" charset="0"/>
-                <a:cs typeface="Verdana" panose="020B0604030504040204" pitchFamily="34" charset="0"/>
-              </a:rPr>
-              <a:t>esos</a:t>
-            </a:r>
-            <a:r>
-              <a:rPr lang="en-US" dirty="0">
-                <a:solidFill>
-                  <a:srgbClr val="636382"/>
-                </a:solidFill>
-                <a:latin typeface="Gill Sans MT" panose="020B0502020104020203" pitchFamily="34" charset="0"/>
-                <a:ea typeface="Verdana" panose="020B0604030504040204" pitchFamily="34" charset="0"/>
-                <a:cs typeface="Verdana" panose="020B0604030504040204" pitchFamily="34" charset="0"/>
-              </a:rPr>
-              <a:t> </a:t>
-            </a:r>
-            <a:r>
-              <a:rPr lang="en-US" dirty="0" err="1" smtClean="0">
-                <a:solidFill>
-                  <a:srgbClr val="636382"/>
-                </a:solidFill>
-                <a:latin typeface="Gill Sans MT" panose="020B0502020104020203" pitchFamily="34" charset="0"/>
-                <a:ea typeface="Verdana" panose="020B0604030504040204" pitchFamily="34" charset="0"/>
-                <a:cs typeface="Verdana" panose="020B0604030504040204" pitchFamily="34" charset="0"/>
-              </a:rPr>
-              <a:t>valores</a:t>
-            </a:r>
-            <a:endParaRPr lang="en-US" dirty="0">
-              <a:solidFill>
-                <a:srgbClr val="636382"/>
-              </a:solidFill>
-              <a:latin typeface="Gill Sans MT" panose="020B0502020104020203" pitchFamily="34" charset="0"/>
-              <a:ea typeface="Verdana" panose="020B0604030504040204" pitchFamily="34" charset="0"/>
-              <a:cs typeface="Verdana" panose="020B0604030504040204" pitchFamily="34" charset="0"/>
-            </a:endParaRPr>
+              <a:t>variables aleatorias</a:t>
+            </a:r>
           </a:p>
           <a:p>
             <a:pPr marL="342900" lvl="1" indent="-342900">
@@ -16593,15 +16154,115 @@
                 <a:ea typeface="Verdana" panose="020B0604030504040204" pitchFamily="34" charset="0"/>
                 <a:cs typeface="Verdana" panose="020B0604030504040204" pitchFamily="34" charset="0"/>
               </a:rPr>
-              <a:t>Describe todas las posibles posibilidades de ocurrencia, para que la suma de todas las probabilidades sea 1. </a:t>
-            </a:r>
+              <a:t>La combinación </a:t>
+            </a:r>
+            <a:r>
+              <a:rPr lang="es-ES" dirty="0" smtClean="0">
+                <a:solidFill>
+                  <a:srgbClr val="636382"/>
+                </a:solidFill>
+                <a:latin typeface="Gill Sans MT" panose="020B0502020104020203" pitchFamily="34" charset="0"/>
+                <a:ea typeface="Verdana" panose="020B0604030504040204" pitchFamily="34" charset="0"/>
+                <a:cs typeface="Verdana" panose="020B0604030504040204" pitchFamily="34" charset="0"/>
+              </a:rPr>
+              <a:t>los </a:t>
+            </a:r>
+            <a:r>
+              <a:rPr lang="es-ES" dirty="0">
+                <a:solidFill>
+                  <a:srgbClr val="636382"/>
+                </a:solidFill>
+                <a:latin typeface="Gill Sans MT" panose="020B0502020104020203" pitchFamily="34" charset="0"/>
+                <a:ea typeface="Verdana" panose="020B0604030504040204" pitchFamily="34" charset="0"/>
+                <a:cs typeface="Verdana" panose="020B0604030504040204" pitchFamily="34" charset="0"/>
+              </a:rPr>
+              <a:t>factores que no podemos medir puede ser representado con una abstracción matemática: </a:t>
+            </a:r>
+            <a:r>
+              <a:rPr lang="es-ES" b="1" dirty="0" smtClean="0">
+                <a:solidFill>
+                  <a:srgbClr val="636382"/>
+                </a:solidFill>
+                <a:latin typeface="Gill Sans MT" panose="020B0502020104020203" pitchFamily="34" charset="0"/>
+                <a:ea typeface="Verdana" panose="020B0604030504040204" pitchFamily="34" charset="0"/>
+                <a:cs typeface="Verdana" panose="020B0604030504040204" pitchFamily="34" charset="0"/>
+              </a:rPr>
+              <a:t>distribución de probabilidad</a:t>
+            </a:r>
+          </a:p>
+          <a:p>
+            <a:pPr marL="342900" lvl="1" indent="-342900">
+              <a:spcAft>
+                <a:spcPts val="600"/>
+              </a:spcAft>
+              <a:buFont typeface="Arial" panose="020B0604020202020204" pitchFamily="34" charset="0"/>
+              <a:buChar char="•"/>
+              <a:defRPr/>
+            </a:pPr>
+            <a:r>
+              <a:rPr lang="es-ES" dirty="0" smtClean="0">
+                <a:solidFill>
+                  <a:srgbClr val="636382"/>
+                </a:solidFill>
+                <a:latin typeface="Gill Sans MT" panose="020B0502020104020203" pitchFamily="34" charset="0"/>
+                <a:ea typeface="Verdana" panose="020B0604030504040204" pitchFamily="34" charset="0"/>
+                <a:cs typeface="Verdana" panose="020B0604030504040204" pitchFamily="34" charset="0"/>
+              </a:rPr>
+              <a:t>La </a:t>
+            </a:r>
+            <a:r>
+              <a:rPr lang="es-ES" dirty="0">
+                <a:solidFill>
+                  <a:srgbClr val="636382"/>
+                </a:solidFill>
+                <a:latin typeface="Gill Sans MT" panose="020B0502020104020203" pitchFamily="34" charset="0"/>
+                <a:ea typeface="Verdana" panose="020B0604030504040204" pitchFamily="34" charset="0"/>
+                <a:cs typeface="Verdana" panose="020B0604030504040204" pitchFamily="34" charset="0"/>
+              </a:rPr>
+              <a:t>distribución de probabilidad le asigna a cada evento de una variable aleatoria, una probabilidad de ocurrir.</a:t>
+            </a:r>
+          </a:p>
+          <a:p>
+            <a:pPr marL="0" lvl="1" indent="0">
+              <a:spcAft>
+                <a:spcPts val="600"/>
+              </a:spcAft>
+              <a:buNone/>
+              <a:defRPr/>
+            </a:pPr>
+            <a:endParaRPr lang="es-ES" b="1" dirty="0" smtClean="0">
+              <a:solidFill>
+                <a:srgbClr val="636382"/>
+              </a:solidFill>
+              <a:latin typeface="Gill Sans MT" panose="020B0502020104020203" pitchFamily="34" charset="0"/>
+              <a:ea typeface="Verdana" panose="020B0604030504040204" pitchFamily="34" charset="0"/>
+              <a:cs typeface="Verdana" panose="020B0604030504040204" pitchFamily="34" charset="0"/>
+            </a:endParaRPr>
+          </a:p>
+          <a:p>
+            <a:pPr marL="742950" lvl="2" indent="-342900">
+              <a:spcAft>
+                <a:spcPts val="600"/>
+              </a:spcAft>
+              <a:buFont typeface="Arial" panose="020B0604020202020204" pitchFamily="34" charset="0"/>
+              <a:buChar char="•"/>
+              <a:defRPr/>
+            </a:pPr>
+            <a:endParaRPr lang="es-ES" dirty="0">
+              <a:solidFill>
+                <a:srgbClr val="636382"/>
+              </a:solidFill>
+              <a:latin typeface="Gill Sans MT" panose="020B0502020104020203" pitchFamily="34" charset="0"/>
+              <a:ea typeface="Verdana" panose="020B0604030504040204" pitchFamily="34" charset="0"/>
+              <a:cs typeface="Verdana" panose="020B0604030504040204" pitchFamily="34" charset="0"/>
+            </a:endParaRPr>
           </a:p>
         </p:txBody>
       </p:sp>
     </p:spTree>
     <p:extLst>
       <p:ext uri="{BB962C8B-B14F-4D97-AF65-F5344CB8AC3E}">
-        <p14:creationId xmlns:p14="http://schemas.microsoft.com/office/powerpoint/2010/main" val="3606916636"/>
+        <p14:creationId xmlns:p14="http://schemas.microsoft.com/office/powerpoint/2010/main" val="2988446585"/>
       </p:ext>
     </p:extLst>
   </p:cSld>
@@ -16872,6 +16533,1432 @@
               <a:defRPr/>
             </a:pPr>
             <a:r>
+              <a:rPr lang="es-ES" dirty="0" smtClean="0">
+                <a:solidFill>
+                  <a:srgbClr val="636382"/>
+                </a:solidFill>
+                <a:latin typeface="Gill Sans MT" panose="020B0502020104020203" pitchFamily="34" charset="0"/>
+                <a:ea typeface="Verdana" panose="020B0604030504040204" pitchFamily="34" charset="0"/>
+                <a:cs typeface="Verdana" panose="020B0604030504040204" pitchFamily="34" charset="0"/>
+              </a:rPr>
+              <a:t>Una probabilidad puede pensarse como una medida de incertidumbre de un evento aleatorio</a:t>
+            </a:r>
+          </a:p>
+          <a:p>
+            <a:pPr marL="574675" lvl="2" indent="-457200">
+              <a:spcAft>
+                <a:spcPts val="600"/>
+              </a:spcAft>
+              <a:buFont typeface="Gill Sans MT" panose="020B0502020104020203" pitchFamily="34" charset="0"/>
+              <a:buChar char="–"/>
+              <a:defRPr/>
+            </a:pPr>
+            <a:r>
+              <a:rPr lang="es-ES" dirty="0" smtClean="0">
+                <a:solidFill>
+                  <a:srgbClr val="636382"/>
+                </a:solidFill>
+                <a:latin typeface="Gill Sans MT" panose="020B0502020104020203" pitchFamily="34" charset="0"/>
+                <a:ea typeface="Verdana" panose="020B0604030504040204" pitchFamily="34" charset="0"/>
+                <a:cs typeface="Verdana" panose="020B0604030504040204" pitchFamily="34" charset="0"/>
+              </a:rPr>
+              <a:t>Si </a:t>
+            </a:r>
+            <a:r>
+              <a:rPr lang="en-US" i="1" dirty="0">
+                <a:solidFill>
+                  <a:srgbClr val="636382"/>
+                </a:solidFill>
+                <a:latin typeface="Gill Sans MT" panose="020B0502020104020203" pitchFamily="34" charset="0"/>
+                <a:ea typeface="Verdana" panose="020B0604030504040204" pitchFamily="34" charset="0"/>
+                <a:cs typeface="Verdana" panose="020B0604030504040204" pitchFamily="34" charset="0"/>
+              </a:rPr>
+              <a:t>X</a:t>
+            </a:r>
+            <a:r>
+              <a:rPr lang="en-US" dirty="0">
+                <a:solidFill>
+                  <a:srgbClr val="636382"/>
+                </a:solidFill>
+                <a:latin typeface="Gill Sans MT" panose="020B0502020104020203" pitchFamily="34" charset="0"/>
+                <a:ea typeface="Verdana" panose="020B0604030504040204" pitchFamily="34" charset="0"/>
+                <a:cs typeface="Verdana" panose="020B0604030504040204" pitchFamily="34" charset="0"/>
+              </a:rPr>
+              <a:t> </a:t>
+            </a:r>
+            <a:r>
+              <a:rPr lang="en-US" dirty="0" err="1">
+                <a:solidFill>
+                  <a:srgbClr val="636382"/>
+                </a:solidFill>
+                <a:latin typeface="Gill Sans MT" panose="020B0502020104020203" pitchFamily="34" charset="0"/>
+                <a:ea typeface="Verdana" panose="020B0604030504040204" pitchFamily="34" charset="0"/>
+                <a:cs typeface="Verdana" panose="020B0604030504040204" pitchFamily="34" charset="0"/>
+              </a:rPr>
+              <a:t>tiene</a:t>
+            </a:r>
+            <a:r>
+              <a:rPr lang="en-US" i="1" dirty="0">
+                <a:solidFill>
+                  <a:srgbClr val="636382"/>
+                </a:solidFill>
+                <a:latin typeface="Gill Sans MT" panose="020B0502020104020203" pitchFamily="34" charset="0"/>
+                <a:ea typeface="Verdana" panose="020B0604030504040204" pitchFamily="34" charset="0"/>
+                <a:cs typeface="Verdana" panose="020B0604030504040204" pitchFamily="34" charset="0"/>
+              </a:rPr>
+              <a:t> </a:t>
+            </a:r>
+            <a:r>
+              <a:rPr lang="en-US" i="1" dirty="0" smtClean="0">
+                <a:solidFill>
+                  <a:srgbClr val="636382"/>
+                </a:solidFill>
+                <a:latin typeface="Gill Sans MT" panose="020B0502020104020203" pitchFamily="34" charset="0"/>
+                <a:ea typeface="Verdana" panose="020B0604030504040204" pitchFamily="34" charset="0"/>
+                <a:cs typeface="Verdana" panose="020B0604030504040204" pitchFamily="34" charset="0"/>
+              </a:rPr>
+              <a:t>P=</a:t>
+            </a:r>
+            <a:r>
+              <a:rPr lang="en-US" i="1" dirty="0" smtClean="0">
+                <a:solidFill>
+                  <a:srgbClr val="636382"/>
+                </a:solidFill>
+                <a:latin typeface="Verdana" panose="020B0604030504040204" pitchFamily="34" charset="0"/>
+                <a:ea typeface="Verdana" panose="020B0604030504040204" pitchFamily="34" charset="0"/>
+                <a:cs typeface="Verdana" panose="020B0604030504040204" pitchFamily="34" charset="0"/>
+              </a:rPr>
+              <a:t>1</a:t>
+            </a:r>
+            <a:r>
+              <a:rPr lang="en-US" dirty="0" smtClean="0">
+                <a:solidFill>
+                  <a:srgbClr val="636382"/>
+                </a:solidFill>
+                <a:latin typeface="Gill Sans MT" panose="020B0502020104020203" pitchFamily="34" charset="0"/>
+                <a:ea typeface="Verdana" panose="020B0604030504040204" pitchFamily="34" charset="0"/>
+                <a:cs typeface="Verdana" panose="020B0604030504040204" pitchFamily="34" charset="0"/>
+              </a:rPr>
+              <a:t>de </a:t>
+            </a:r>
+            <a:r>
+              <a:rPr lang="en-US" dirty="0" err="1">
+                <a:solidFill>
+                  <a:srgbClr val="636382"/>
+                </a:solidFill>
+                <a:latin typeface="Gill Sans MT" panose="020B0502020104020203" pitchFamily="34" charset="0"/>
+                <a:ea typeface="Verdana" panose="020B0604030504040204" pitchFamily="34" charset="0"/>
+                <a:cs typeface="Verdana" panose="020B0604030504040204" pitchFamily="34" charset="0"/>
+              </a:rPr>
+              <a:t>ocurrir</a:t>
+            </a:r>
+            <a:r>
+              <a:rPr lang="en-US" dirty="0">
+                <a:solidFill>
+                  <a:srgbClr val="636382"/>
+                </a:solidFill>
+                <a:latin typeface="Gill Sans MT" panose="020B0502020104020203" pitchFamily="34" charset="0"/>
+                <a:ea typeface="Verdana" panose="020B0604030504040204" pitchFamily="34" charset="0"/>
+                <a:cs typeface="Verdana" panose="020B0604030504040204" pitchFamily="34" charset="0"/>
+              </a:rPr>
+              <a:t> , </a:t>
+            </a:r>
+            <a:r>
+              <a:rPr lang="en-US" dirty="0" err="1">
+                <a:solidFill>
+                  <a:srgbClr val="636382"/>
+                </a:solidFill>
+                <a:latin typeface="Gill Sans MT" panose="020B0502020104020203" pitchFamily="34" charset="0"/>
+                <a:ea typeface="Verdana" panose="020B0604030504040204" pitchFamily="34" charset="0"/>
+                <a:cs typeface="Verdana" panose="020B0604030504040204" pitchFamily="34" charset="0"/>
+              </a:rPr>
+              <a:t>estamos</a:t>
+            </a:r>
+            <a:r>
+              <a:rPr lang="en-US" dirty="0">
+                <a:solidFill>
+                  <a:srgbClr val="636382"/>
+                </a:solidFill>
+                <a:latin typeface="Gill Sans MT" panose="020B0502020104020203" pitchFamily="34" charset="0"/>
+                <a:ea typeface="Verdana" panose="020B0604030504040204" pitchFamily="34" charset="0"/>
+                <a:cs typeface="Verdana" panose="020B0604030504040204" pitchFamily="34" charset="0"/>
+              </a:rPr>
+              <a:t> </a:t>
+            </a:r>
+            <a:r>
+              <a:rPr lang="en-US" dirty="0" err="1">
+                <a:solidFill>
+                  <a:srgbClr val="636382"/>
+                </a:solidFill>
+                <a:latin typeface="Gill Sans MT" panose="020B0502020104020203" pitchFamily="34" charset="0"/>
+                <a:ea typeface="Verdana" panose="020B0604030504040204" pitchFamily="34" charset="0"/>
+                <a:cs typeface="Verdana" panose="020B0604030504040204" pitchFamily="34" charset="0"/>
+              </a:rPr>
+              <a:t>seguros</a:t>
+            </a:r>
+            <a:r>
+              <a:rPr lang="en-US" dirty="0">
+                <a:solidFill>
+                  <a:srgbClr val="636382"/>
+                </a:solidFill>
+                <a:latin typeface="Gill Sans MT" panose="020B0502020104020203" pitchFamily="34" charset="0"/>
+                <a:ea typeface="Verdana" panose="020B0604030504040204" pitchFamily="34" charset="0"/>
+                <a:cs typeface="Verdana" panose="020B0604030504040204" pitchFamily="34" charset="0"/>
+              </a:rPr>
+              <a:t> que </a:t>
+            </a:r>
+            <a:r>
+              <a:rPr lang="en-US" i="1" dirty="0">
+                <a:solidFill>
+                  <a:srgbClr val="636382"/>
+                </a:solidFill>
+                <a:latin typeface="Gill Sans MT" panose="020B0502020104020203" pitchFamily="34" charset="0"/>
+                <a:ea typeface="Verdana" panose="020B0604030504040204" pitchFamily="34" charset="0"/>
+                <a:cs typeface="Verdana" panose="020B0604030504040204" pitchFamily="34" charset="0"/>
+              </a:rPr>
+              <a:t>X</a:t>
+            </a:r>
+            <a:r>
+              <a:rPr lang="en-US" dirty="0">
+                <a:solidFill>
+                  <a:srgbClr val="636382"/>
+                </a:solidFill>
+                <a:latin typeface="Gill Sans MT" panose="020B0502020104020203" pitchFamily="34" charset="0"/>
+                <a:ea typeface="Verdana" panose="020B0604030504040204" pitchFamily="34" charset="0"/>
+                <a:cs typeface="Verdana" panose="020B0604030504040204" pitchFamily="34" charset="0"/>
+              </a:rPr>
+              <a:t> </a:t>
+            </a:r>
+            <a:r>
+              <a:rPr lang="en-US" dirty="0" err="1">
+                <a:solidFill>
+                  <a:srgbClr val="636382"/>
+                </a:solidFill>
+                <a:latin typeface="Gill Sans MT" panose="020B0502020104020203" pitchFamily="34" charset="0"/>
+                <a:ea typeface="Verdana" panose="020B0604030504040204" pitchFamily="34" charset="0"/>
+                <a:cs typeface="Verdana" panose="020B0604030504040204" pitchFamily="34" charset="0"/>
+              </a:rPr>
+              <a:t>ocurre</a:t>
+            </a:r>
+            <a:endParaRPr lang="en-US" dirty="0">
+              <a:solidFill>
+                <a:srgbClr val="636382"/>
+              </a:solidFill>
+              <a:latin typeface="Gill Sans MT" panose="020B0502020104020203" pitchFamily="34" charset="0"/>
+              <a:ea typeface="Verdana" panose="020B0604030504040204" pitchFamily="34" charset="0"/>
+              <a:cs typeface="Verdana" panose="020B0604030504040204" pitchFamily="34" charset="0"/>
+            </a:endParaRPr>
+          </a:p>
+          <a:p>
+            <a:pPr marL="574675" lvl="2" indent="-457200">
+              <a:spcAft>
+                <a:spcPts val="600"/>
+              </a:spcAft>
+              <a:buFont typeface="Gill Sans MT" panose="020B0502020104020203" pitchFamily="34" charset="0"/>
+              <a:buChar char="–"/>
+              <a:defRPr/>
+            </a:pPr>
+            <a:r>
+              <a:rPr lang="en-US" dirty="0">
+                <a:solidFill>
+                  <a:srgbClr val="636382"/>
+                </a:solidFill>
+                <a:latin typeface="Gill Sans MT" panose="020B0502020104020203" pitchFamily="34" charset="0"/>
+                <a:ea typeface="Verdana" panose="020B0604030504040204" pitchFamily="34" charset="0"/>
+                <a:cs typeface="Verdana" panose="020B0604030504040204" pitchFamily="34" charset="0"/>
+              </a:rPr>
+              <a:t>Si </a:t>
+            </a:r>
+            <a:r>
+              <a:rPr lang="en-US" i="1" dirty="0">
+                <a:solidFill>
+                  <a:srgbClr val="636382"/>
+                </a:solidFill>
+                <a:latin typeface="Gill Sans MT" panose="020B0502020104020203" pitchFamily="34" charset="0"/>
+                <a:ea typeface="Verdana" panose="020B0604030504040204" pitchFamily="34" charset="0"/>
+                <a:cs typeface="Verdana" panose="020B0604030504040204" pitchFamily="34" charset="0"/>
+              </a:rPr>
+              <a:t>P=0 </a:t>
+            </a:r>
+            <a:r>
+              <a:rPr lang="en-US" dirty="0" err="1">
+                <a:solidFill>
+                  <a:srgbClr val="636382"/>
+                </a:solidFill>
+                <a:latin typeface="Gill Sans MT" panose="020B0502020104020203" pitchFamily="34" charset="0"/>
+                <a:ea typeface="Verdana" panose="020B0604030504040204" pitchFamily="34" charset="0"/>
+                <a:cs typeface="Verdana" panose="020B0604030504040204" pitchFamily="34" charset="0"/>
+              </a:rPr>
+              <a:t>entonces</a:t>
+            </a:r>
+            <a:r>
+              <a:rPr lang="en-US" dirty="0">
+                <a:solidFill>
+                  <a:srgbClr val="636382"/>
+                </a:solidFill>
+                <a:latin typeface="Gill Sans MT" panose="020B0502020104020203" pitchFamily="34" charset="0"/>
+                <a:ea typeface="Verdana" panose="020B0604030504040204" pitchFamily="34" charset="0"/>
+                <a:cs typeface="Verdana" panose="020B0604030504040204" pitchFamily="34" charset="0"/>
+              </a:rPr>
+              <a:t> </a:t>
+            </a:r>
+            <a:r>
+              <a:rPr lang="en-US" dirty="0" err="1">
+                <a:solidFill>
+                  <a:srgbClr val="636382"/>
+                </a:solidFill>
+                <a:latin typeface="Gill Sans MT" panose="020B0502020104020203" pitchFamily="34" charset="0"/>
+                <a:ea typeface="Verdana" panose="020B0604030504040204" pitchFamily="34" charset="0"/>
+                <a:cs typeface="Verdana" panose="020B0604030504040204" pitchFamily="34" charset="0"/>
+              </a:rPr>
+              <a:t>estamos</a:t>
+            </a:r>
+            <a:r>
+              <a:rPr lang="en-US" dirty="0">
+                <a:solidFill>
+                  <a:srgbClr val="636382"/>
+                </a:solidFill>
+                <a:latin typeface="Gill Sans MT" panose="020B0502020104020203" pitchFamily="34" charset="0"/>
+                <a:ea typeface="Verdana" panose="020B0604030504040204" pitchFamily="34" charset="0"/>
+                <a:cs typeface="Verdana" panose="020B0604030504040204" pitchFamily="34" charset="0"/>
+              </a:rPr>
+              <a:t> </a:t>
+            </a:r>
+            <a:r>
+              <a:rPr lang="en-US" dirty="0" err="1">
+                <a:solidFill>
+                  <a:srgbClr val="636382"/>
+                </a:solidFill>
+                <a:latin typeface="Gill Sans MT" panose="020B0502020104020203" pitchFamily="34" charset="0"/>
+                <a:ea typeface="Verdana" panose="020B0604030504040204" pitchFamily="34" charset="0"/>
+                <a:cs typeface="Verdana" panose="020B0604030504040204" pitchFamily="34" charset="0"/>
+              </a:rPr>
+              <a:t>seguros</a:t>
+            </a:r>
+            <a:r>
+              <a:rPr lang="en-US" dirty="0">
+                <a:solidFill>
+                  <a:srgbClr val="636382"/>
+                </a:solidFill>
+                <a:latin typeface="Gill Sans MT" panose="020B0502020104020203" pitchFamily="34" charset="0"/>
+                <a:ea typeface="Verdana" panose="020B0604030504040204" pitchFamily="34" charset="0"/>
+                <a:cs typeface="Verdana" panose="020B0604030504040204" pitchFamily="34" charset="0"/>
+              </a:rPr>
+              <a:t> que </a:t>
+            </a:r>
+            <a:r>
+              <a:rPr lang="en-US" i="1" dirty="0">
+                <a:solidFill>
+                  <a:srgbClr val="636382"/>
+                </a:solidFill>
+                <a:latin typeface="Gill Sans MT" panose="020B0502020104020203" pitchFamily="34" charset="0"/>
+                <a:ea typeface="Verdana" panose="020B0604030504040204" pitchFamily="34" charset="0"/>
+                <a:cs typeface="Verdana" panose="020B0604030504040204" pitchFamily="34" charset="0"/>
+              </a:rPr>
+              <a:t>X</a:t>
+            </a:r>
+            <a:r>
+              <a:rPr lang="en-US" dirty="0">
+                <a:solidFill>
+                  <a:srgbClr val="636382"/>
+                </a:solidFill>
+                <a:latin typeface="Gill Sans MT" panose="020B0502020104020203" pitchFamily="34" charset="0"/>
+                <a:ea typeface="Verdana" panose="020B0604030504040204" pitchFamily="34" charset="0"/>
+                <a:cs typeface="Verdana" panose="020B0604030504040204" pitchFamily="34" charset="0"/>
+              </a:rPr>
+              <a:t> no </a:t>
+            </a:r>
+            <a:r>
+              <a:rPr lang="en-US" dirty="0" err="1">
+                <a:solidFill>
+                  <a:srgbClr val="636382"/>
+                </a:solidFill>
+                <a:latin typeface="Gill Sans MT" panose="020B0502020104020203" pitchFamily="34" charset="0"/>
+                <a:ea typeface="Verdana" panose="020B0604030504040204" pitchFamily="34" charset="0"/>
+                <a:cs typeface="Verdana" panose="020B0604030504040204" pitchFamily="34" charset="0"/>
+              </a:rPr>
+              <a:t>ocurre</a:t>
+            </a:r>
+            <a:endParaRPr lang="en-US" dirty="0">
+              <a:solidFill>
+                <a:srgbClr val="636382"/>
+              </a:solidFill>
+              <a:latin typeface="Gill Sans MT" panose="020B0502020104020203" pitchFamily="34" charset="0"/>
+              <a:ea typeface="Verdana" panose="020B0604030504040204" pitchFamily="34" charset="0"/>
+              <a:cs typeface="Verdana" panose="020B0604030504040204" pitchFamily="34" charset="0"/>
+            </a:endParaRPr>
+          </a:p>
+          <a:p>
+            <a:pPr marL="574675" lvl="2" indent="-457200">
+              <a:spcAft>
+                <a:spcPts val="600"/>
+              </a:spcAft>
+              <a:buFont typeface="Gill Sans MT" panose="020B0502020104020203" pitchFamily="34" charset="0"/>
+              <a:buChar char="–"/>
+              <a:defRPr/>
+            </a:pPr>
+            <a:r>
+              <a:rPr lang="en-US" i="1" dirty="0">
+                <a:solidFill>
+                  <a:srgbClr val="636382"/>
+                </a:solidFill>
+                <a:latin typeface="Gill Sans MT" panose="020B0502020104020203" pitchFamily="34" charset="0"/>
+                <a:ea typeface="Verdana" panose="020B0604030504040204" pitchFamily="34" charset="0"/>
+                <a:cs typeface="Verdana" panose="020B0604030504040204" pitchFamily="34" charset="0"/>
+              </a:rPr>
+              <a:t>Si P=0.5 </a:t>
+            </a:r>
+            <a:r>
+              <a:rPr lang="en-US" dirty="0" err="1" smtClean="0">
+                <a:solidFill>
+                  <a:srgbClr val="636382"/>
+                </a:solidFill>
+                <a:latin typeface="Gill Sans MT" panose="020B0502020104020203" pitchFamily="34" charset="0"/>
+                <a:ea typeface="Verdana" panose="020B0604030504040204" pitchFamily="34" charset="0"/>
+                <a:cs typeface="Verdana" panose="020B0604030504040204" pitchFamily="34" charset="0"/>
+              </a:rPr>
+              <a:t>estamos</a:t>
+            </a:r>
+            <a:r>
+              <a:rPr lang="en-US" dirty="0" smtClean="0">
+                <a:solidFill>
+                  <a:srgbClr val="636382"/>
+                </a:solidFill>
+                <a:latin typeface="Gill Sans MT" panose="020B0502020104020203" pitchFamily="34" charset="0"/>
+                <a:ea typeface="Verdana" panose="020B0604030504040204" pitchFamily="34" charset="0"/>
+                <a:cs typeface="Verdana" panose="020B0604030504040204" pitchFamily="34" charset="0"/>
+              </a:rPr>
+              <a:t> </a:t>
+            </a:r>
+            <a:r>
+              <a:rPr lang="en-US" dirty="0" err="1" smtClean="0">
+                <a:solidFill>
+                  <a:srgbClr val="636382"/>
+                </a:solidFill>
+                <a:latin typeface="Gill Sans MT" panose="020B0502020104020203" pitchFamily="34" charset="0"/>
+                <a:ea typeface="Verdana" panose="020B0604030504040204" pitchFamily="34" charset="0"/>
+                <a:cs typeface="Verdana" panose="020B0604030504040204" pitchFamily="34" charset="0"/>
+              </a:rPr>
+              <a:t>igual</a:t>
+            </a:r>
+            <a:r>
+              <a:rPr lang="en-US" dirty="0" smtClean="0">
+                <a:solidFill>
+                  <a:srgbClr val="636382"/>
+                </a:solidFill>
+                <a:latin typeface="Gill Sans MT" panose="020B0502020104020203" pitchFamily="34" charset="0"/>
+                <a:ea typeface="Verdana" panose="020B0604030504040204" pitchFamily="34" charset="0"/>
+                <a:cs typeface="Verdana" panose="020B0604030504040204" pitchFamily="34" charset="0"/>
+              </a:rPr>
+              <a:t> de </a:t>
+            </a:r>
+            <a:r>
+              <a:rPr lang="en-US" dirty="0" err="1">
+                <a:solidFill>
+                  <a:srgbClr val="636382"/>
+                </a:solidFill>
+                <a:latin typeface="Gill Sans MT" panose="020B0502020104020203" pitchFamily="34" charset="0"/>
+                <a:ea typeface="Verdana" panose="020B0604030504040204" pitchFamily="34" charset="0"/>
+                <a:cs typeface="Verdana" panose="020B0604030504040204" pitchFamily="34" charset="0"/>
+              </a:rPr>
+              <a:t>seguros</a:t>
+            </a:r>
+            <a:r>
+              <a:rPr lang="en-US" dirty="0">
+                <a:solidFill>
+                  <a:srgbClr val="636382"/>
+                </a:solidFill>
+                <a:latin typeface="Gill Sans MT" panose="020B0502020104020203" pitchFamily="34" charset="0"/>
+                <a:ea typeface="Verdana" panose="020B0604030504040204" pitchFamily="34" charset="0"/>
+                <a:cs typeface="Verdana" panose="020B0604030504040204" pitchFamily="34" charset="0"/>
+              </a:rPr>
+              <a:t> que </a:t>
+            </a:r>
+            <a:r>
+              <a:rPr lang="en-US" i="1" dirty="0">
+                <a:solidFill>
+                  <a:srgbClr val="636382"/>
+                </a:solidFill>
+                <a:latin typeface="Gill Sans MT" panose="020B0502020104020203" pitchFamily="34" charset="0"/>
+                <a:ea typeface="Verdana" panose="020B0604030504040204" pitchFamily="34" charset="0"/>
+                <a:cs typeface="Verdana" panose="020B0604030504040204" pitchFamily="34" charset="0"/>
+              </a:rPr>
+              <a:t>X</a:t>
+            </a:r>
+            <a:r>
+              <a:rPr lang="en-US" dirty="0">
+                <a:solidFill>
+                  <a:srgbClr val="636382"/>
+                </a:solidFill>
+                <a:latin typeface="Gill Sans MT" panose="020B0502020104020203" pitchFamily="34" charset="0"/>
+                <a:ea typeface="Verdana" panose="020B0604030504040204" pitchFamily="34" charset="0"/>
+                <a:cs typeface="Verdana" panose="020B0604030504040204" pitchFamily="34" charset="0"/>
+              </a:rPr>
+              <a:t> </a:t>
+            </a:r>
+            <a:r>
+              <a:rPr lang="en-US" dirty="0" err="1">
+                <a:solidFill>
+                  <a:srgbClr val="636382"/>
+                </a:solidFill>
+                <a:latin typeface="Gill Sans MT" panose="020B0502020104020203" pitchFamily="34" charset="0"/>
+                <a:ea typeface="Verdana" panose="020B0604030504040204" pitchFamily="34" charset="0"/>
+                <a:cs typeface="Verdana" panose="020B0604030504040204" pitchFamily="34" charset="0"/>
+              </a:rPr>
+              <a:t>ocurre</a:t>
+            </a:r>
+            <a:r>
+              <a:rPr lang="en-US" dirty="0">
+                <a:solidFill>
+                  <a:srgbClr val="636382"/>
+                </a:solidFill>
+                <a:latin typeface="Gill Sans MT" panose="020B0502020104020203" pitchFamily="34" charset="0"/>
+                <a:ea typeface="Verdana" panose="020B0604030504040204" pitchFamily="34" charset="0"/>
+                <a:cs typeface="Verdana" panose="020B0604030504040204" pitchFamily="34" charset="0"/>
+              </a:rPr>
+              <a:t> y que no </a:t>
+            </a:r>
+            <a:endParaRPr lang="en-US" dirty="0"/>
+          </a:p>
+          <a:p>
+            <a:pPr marL="0" lvl="1" indent="0">
+              <a:spcAft>
+                <a:spcPts val="600"/>
+              </a:spcAft>
+              <a:buNone/>
+              <a:defRPr/>
+            </a:pPr>
+            <a:r>
+              <a:rPr lang="en-US" dirty="0" smtClean="0">
+                <a:solidFill>
+                  <a:srgbClr val="636382"/>
+                </a:solidFill>
+                <a:latin typeface="Gill Sans MT" panose="020B0502020104020203" pitchFamily="34" charset="0"/>
+                <a:ea typeface="Verdana" panose="020B0604030504040204" pitchFamily="34" charset="0"/>
+                <a:cs typeface="Verdana" panose="020B0604030504040204" pitchFamily="34" charset="0"/>
+              </a:rPr>
+              <a:t>El valor </a:t>
+            </a:r>
+            <a:r>
+              <a:rPr lang="en-US" i="1" dirty="0" smtClean="0">
+                <a:solidFill>
+                  <a:srgbClr val="636382"/>
+                </a:solidFill>
+                <a:latin typeface="Gill Sans MT" panose="020B0502020104020203" pitchFamily="34" charset="0"/>
+                <a:ea typeface="Verdana" panose="020B0604030504040204" pitchFamily="34" charset="0"/>
+                <a:cs typeface="Verdana" panose="020B0604030504040204" pitchFamily="34" charset="0"/>
+              </a:rPr>
+              <a:t>“</a:t>
+            </a:r>
+            <a:r>
+              <a:rPr lang="en-US" i="1" dirty="0">
+                <a:solidFill>
+                  <a:srgbClr val="636382"/>
+                </a:solidFill>
+                <a:latin typeface="Gill Sans MT" panose="020B0502020104020203" pitchFamily="34" charset="0"/>
+                <a:ea typeface="Verdana" panose="020B0604030504040204" pitchFamily="34" charset="0"/>
+                <a:cs typeface="Verdana" panose="020B0604030504040204" pitchFamily="34" charset="0"/>
+              </a:rPr>
+              <a:t>X” </a:t>
+            </a:r>
+            <a:r>
+              <a:rPr lang="en-US" i="1" dirty="0" smtClean="0">
+                <a:solidFill>
+                  <a:srgbClr val="636382"/>
+                </a:solidFill>
+                <a:latin typeface="Gill Sans MT" panose="020B0502020104020203" pitchFamily="34" charset="0"/>
+                <a:ea typeface="Verdana" panose="020B0604030504040204" pitchFamily="34" charset="0"/>
+                <a:cs typeface="Verdana" panose="020B0604030504040204" pitchFamily="34" charset="0"/>
+              </a:rPr>
+              <a:t> </a:t>
+            </a:r>
+            <a:r>
+              <a:rPr lang="en-US" dirty="0" err="1" smtClean="0">
+                <a:solidFill>
+                  <a:srgbClr val="636382"/>
+                </a:solidFill>
+                <a:latin typeface="Gill Sans MT" panose="020B0502020104020203" pitchFamily="34" charset="0"/>
+                <a:ea typeface="Verdana" panose="020B0604030504040204" pitchFamily="34" charset="0"/>
+                <a:cs typeface="Verdana" panose="020B0604030504040204" pitchFamily="34" charset="0"/>
+              </a:rPr>
+              <a:t>es</a:t>
+            </a:r>
+            <a:r>
+              <a:rPr lang="en-US" dirty="0" smtClean="0">
+                <a:solidFill>
+                  <a:srgbClr val="636382"/>
+                </a:solidFill>
+                <a:latin typeface="Gill Sans MT" panose="020B0502020104020203" pitchFamily="34" charset="0"/>
+                <a:ea typeface="Verdana" panose="020B0604030504040204" pitchFamily="34" charset="0"/>
+                <a:cs typeface="Verdana" panose="020B0604030504040204" pitchFamily="34" charset="0"/>
+              </a:rPr>
+              <a:t> </a:t>
+            </a:r>
+            <a:r>
+              <a:rPr lang="en-US" dirty="0" err="1" smtClean="0">
+                <a:solidFill>
+                  <a:srgbClr val="636382"/>
+                </a:solidFill>
+                <a:latin typeface="Gill Sans MT" panose="020B0502020104020203" pitchFamily="34" charset="0"/>
+                <a:ea typeface="Verdana" panose="020B0604030504040204" pitchFamily="34" charset="0"/>
+                <a:cs typeface="Verdana" panose="020B0604030504040204" pitchFamily="34" charset="0"/>
+              </a:rPr>
+              <a:t>una</a:t>
+            </a:r>
+            <a:r>
+              <a:rPr lang="en-US" dirty="0" smtClean="0">
+                <a:solidFill>
+                  <a:srgbClr val="636382"/>
+                </a:solidFill>
+                <a:latin typeface="Gill Sans MT" panose="020B0502020104020203" pitchFamily="34" charset="0"/>
+                <a:ea typeface="Verdana" panose="020B0604030504040204" pitchFamily="34" charset="0"/>
+                <a:cs typeface="Verdana" panose="020B0604030504040204" pitchFamily="34" charset="0"/>
+              </a:rPr>
+              <a:t> variable </a:t>
+            </a:r>
+            <a:r>
+              <a:rPr lang="en-US" dirty="0" err="1" smtClean="0">
+                <a:solidFill>
+                  <a:srgbClr val="636382"/>
+                </a:solidFill>
+                <a:latin typeface="Gill Sans MT" panose="020B0502020104020203" pitchFamily="34" charset="0"/>
+                <a:ea typeface="Verdana" panose="020B0604030504040204" pitchFamily="34" charset="0"/>
+                <a:cs typeface="Verdana" panose="020B0604030504040204" pitchFamily="34" charset="0"/>
+              </a:rPr>
+              <a:t>aleatoria</a:t>
+            </a:r>
+            <a:endParaRPr lang="es-ES" dirty="0">
+              <a:solidFill>
+                <a:srgbClr val="636382"/>
+              </a:solidFill>
+              <a:latin typeface="Gill Sans MT" panose="020B0502020104020203" pitchFamily="34" charset="0"/>
+              <a:ea typeface="Verdana" panose="020B0604030504040204" pitchFamily="34" charset="0"/>
+              <a:cs typeface="Verdana" panose="020B0604030504040204" pitchFamily="34" charset="0"/>
+            </a:endParaRPr>
+          </a:p>
+        </p:txBody>
+      </p:sp>
+    </p:spTree>
+    <p:extLst>
+      <p:ext uri="{BB962C8B-B14F-4D97-AF65-F5344CB8AC3E}">
+        <p14:creationId xmlns:p14="http://schemas.microsoft.com/office/powerpoint/2010/main" val="1567403987"/>
+      </p:ext>
+    </p:extLst>
+  </p:cSld>
+  <p:clrMapOvr>
+    <a:masterClrMapping/>
+  </p:clrMapOvr>
+  <p:timing>
+    <p:tnLst>
+      <p:par>
+        <p:cTn id="1" dur="indefinite" restart="never" nodeType="tmRoot"/>
+      </p:par>
+    </p:tnLst>
+  </p:timing>
+</p:sld>
+</file>
+
+<file path=ppt/slides/slide15.xml><?xml version="1.0" encoding="utf-8"?>
+<p:sld xmlns:a="http://schemas.openxmlformats.org/drawingml/2006/main" xmlns:r="http://schemas.openxmlformats.org/officeDocument/2006/relationships" xmlns:p="http://schemas.openxmlformats.org/presentationml/2006/main">
+  <p:cSld>
+    <p:spTree>
+      <p:nvGrpSpPr>
+        <p:cNvPr id="1" name=""/>
+        <p:cNvGrpSpPr/>
+        <p:nvPr/>
+      </p:nvGrpSpPr>
+      <p:grpSpPr>
+        <a:xfrm>
+          <a:off x="0" y="0"/>
+          <a:ext cx="0" cy="0"/>
+          <a:chOff x="0" y="0"/>
+          <a:chExt cx="0" cy="0"/>
+        </a:xfrm>
+      </p:grpSpPr>
+      <p:sp>
+        <p:nvSpPr>
+          <p:cNvPr id="3" name="TextBox 2"/>
+          <p:cNvSpPr txBox="1"/>
+          <p:nvPr/>
+        </p:nvSpPr>
+        <p:spPr>
+          <a:xfrm>
+            <a:off x="1043608" y="107921"/>
+            <a:ext cx="8136904" cy="677108"/>
+          </a:xfrm>
+          <a:prstGeom prst="rect">
+            <a:avLst/>
+          </a:prstGeom>
+          <a:noFill/>
+        </p:spPr>
+        <p:txBody>
+          <a:bodyPr wrap="square" rtlCol="0">
+            <a:spAutoFit/>
+          </a:bodyPr>
+          <a:lstStyle/>
+          <a:p>
+            <a:r>
+              <a:rPr lang="es-ES" sz="3800" dirty="0" smtClean="0">
+                <a:solidFill>
+                  <a:schemeClr val="accent2"/>
+                </a:solidFill>
+                <a:effectLst>
+                  <a:outerShdw blurRad="38100" dist="38100" dir="2700000" algn="tl">
+                    <a:srgbClr val="000000">
+                      <a:alpha val="43137"/>
+                    </a:srgbClr>
+                  </a:outerShdw>
+                </a:effectLst>
+                <a:latin typeface="Gill Sans MT" panose="020B0502020104020203" pitchFamily="34" charset="0"/>
+              </a:rPr>
+              <a:t>DISTRIBUCIÓN DE PROBABILIDAD</a:t>
+            </a:r>
+            <a:endParaRPr lang="es-ES" sz="3800" dirty="0">
+              <a:solidFill>
+                <a:schemeClr val="accent2"/>
+              </a:solidFill>
+              <a:effectLst>
+                <a:outerShdw blurRad="38100" dist="38100" dir="2700000" algn="tl">
+                  <a:srgbClr val="000000">
+                    <a:alpha val="43137"/>
+                  </a:srgbClr>
+                </a:outerShdw>
+              </a:effectLst>
+              <a:latin typeface="Gill Sans MT" panose="020B0502020104020203" pitchFamily="34" charset="0"/>
+            </a:endParaRPr>
+          </a:p>
+        </p:txBody>
+      </p:sp>
+      <p:sp>
+        <p:nvSpPr>
+          <p:cNvPr id="4" name="Rectangle 3"/>
+          <p:cNvSpPr txBox="1">
+            <a:spLocks noChangeArrowheads="1"/>
+          </p:cNvSpPr>
+          <p:nvPr/>
+        </p:nvSpPr>
+        <p:spPr>
+          <a:xfrm>
+            <a:off x="1043608" y="1124744"/>
+            <a:ext cx="7992888" cy="4896544"/>
+          </a:xfrm>
+          <a:prstGeom prst="rect">
+            <a:avLst/>
+          </a:prstGeom>
+        </p:spPr>
+        <p:txBody>
+          <a:bodyPr>
+            <a:noAutofit/>
+          </a:bodyPr>
+          <a:lstStyle>
+            <a:lvl1pPr marL="342900" indent="-342900" algn="l" rtl="0" eaLnBrk="0" fontAlgn="base" hangingPunct="0">
+              <a:spcBef>
+                <a:spcPct val="20000"/>
+              </a:spcBef>
+              <a:spcAft>
+                <a:spcPct val="0"/>
+              </a:spcAft>
+              <a:buFont typeface="Arial" charset="0"/>
+              <a:buChar char="•"/>
+              <a:defRPr sz="3200" kern="1200">
+                <a:solidFill>
+                  <a:schemeClr val="tx1"/>
+                </a:solidFill>
+                <a:latin typeface="+mn-lt"/>
+                <a:ea typeface="+mn-ea"/>
+                <a:cs typeface="+mn-cs"/>
+              </a:defRPr>
+            </a:lvl1pPr>
+            <a:lvl2pPr marL="742950" indent="-285750" algn="l" rtl="0" eaLnBrk="0" fontAlgn="base" hangingPunct="0">
+              <a:spcBef>
+                <a:spcPct val="20000"/>
+              </a:spcBef>
+              <a:spcAft>
+                <a:spcPct val="0"/>
+              </a:spcAft>
+              <a:buFont typeface="Arial" charset="0"/>
+              <a:buChar char="–"/>
+              <a:defRPr sz="2800" kern="1200">
+                <a:solidFill>
+                  <a:schemeClr val="tx1"/>
+                </a:solidFill>
+                <a:latin typeface="+mn-lt"/>
+                <a:ea typeface="+mn-ea"/>
+                <a:cs typeface="+mn-cs"/>
+              </a:defRPr>
+            </a:lvl2pPr>
+            <a:lvl3pPr marL="1143000" indent="-228600" algn="l" rtl="0" eaLnBrk="0" fontAlgn="base" hangingPunct="0">
+              <a:spcBef>
+                <a:spcPct val="20000"/>
+              </a:spcBef>
+              <a:spcAft>
+                <a:spcPct val="0"/>
+              </a:spcAft>
+              <a:buFont typeface="Arial" charset="0"/>
+              <a:buChar char="•"/>
+              <a:defRPr sz="2400" kern="1200">
+                <a:solidFill>
+                  <a:schemeClr val="tx1"/>
+                </a:solidFill>
+                <a:latin typeface="+mn-lt"/>
+                <a:ea typeface="+mn-ea"/>
+                <a:cs typeface="+mn-cs"/>
+              </a:defRPr>
+            </a:lvl3pPr>
+            <a:lvl4pPr marL="1600200" indent="-228600" algn="l" rtl="0" eaLnBrk="0" fontAlgn="base" hangingPunct="0">
+              <a:spcBef>
+                <a:spcPct val="20000"/>
+              </a:spcBef>
+              <a:spcAft>
+                <a:spcPct val="0"/>
+              </a:spcAft>
+              <a:buFont typeface="Arial" charset="0"/>
+              <a:buChar char="–"/>
+              <a:defRPr sz="2000" kern="1200">
+                <a:solidFill>
+                  <a:schemeClr val="tx1"/>
+                </a:solidFill>
+                <a:latin typeface="+mn-lt"/>
+                <a:ea typeface="+mn-ea"/>
+                <a:cs typeface="+mn-cs"/>
+              </a:defRPr>
+            </a:lvl4pPr>
+            <a:lvl5pPr marL="2057400" indent="-228600" algn="l" rtl="0" eaLnBrk="0" fontAlgn="base" hangingPunct="0">
+              <a:spcBef>
+                <a:spcPct val="20000"/>
+              </a:spcBef>
+              <a:spcAft>
+                <a:spcPct val="0"/>
+              </a:spcAft>
+              <a:buFont typeface="Arial" charset="0"/>
+              <a:buChar char="»"/>
+              <a:defRPr sz="2000" kern="1200">
+                <a:solidFill>
+                  <a:schemeClr val="tx1"/>
+                </a:solidFill>
+                <a:latin typeface="+mn-lt"/>
+                <a:ea typeface="+mn-ea"/>
+                <a:cs typeface="+mn-cs"/>
+              </a:defRPr>
+            </a:lvl5pPr>
+            <a:lvl6pPr marL="2514600" indent="-228600" algn="l" defTabSz="914400" rtl="0" eaLnBrk="1" latinLnBrk="0" hangingPunct="1">
+              <a:spcBef>
+                <a:spcPct val="20000"/>
+              </a:spcBef>
+              <a:buFont typeface="Arial" panose="020B0604020202020204" pitchFamily="34" charset="0"/>
+              <a:buChar char="•"/>
+              <a:defRPr sz="2000" kern="1200">
+                <a:solidFill>
+                  <a:schemeClr val="tx1"/>
+                </a:solidFill>
+                <a:latin typeface="+mn-lt"/>
+                <a:ea typeface="+mn-ea"/>
+                <a:cs typeface="+mn-cs"/>
+              </a:defRPr>
+            </a:lvl6pPr>
+            <a:lvl7pPr marL="2971800" indent="-228600" algn="l" defTabSz="914400" rtl="0" eaLnBrk="1" latinLnBrk="0" hangingPunct="1">
+              <a:spcBef>
+                <a:spcPct val="20000"/>
+              </a:spcBef>
+              <a:buFont typeface="Arial" panose="020B0604020202020204" pitchFamily="34" charset="0"/>
+              <a:buChar char="•"/>
+              <a:defRPr sz="2000" kern="1200">
+                <a:solidFill>
+                  <a:schemeClr val="tx1"/>
+                </a:solidFill>
+                <a:latin typeface="+mn-lt"/>
+                <a:ea typeface="+mn-ea"/>
+                <a:cs typeface="+mn-cs"/>
+              </a:defRPr>
+            </a:lvl7pPr>
+            <a:lvl8pPr marL="3429000" indent="-228600" algn="l" defTabSz="914400" rtl="0" eaLnBrk="1" latinLnBrk="0" hangingPunct="1">
+              <a:spcBef>
+                <a:spcPct val="20000"/>
+              </a:spcBef>
+              <a:buFont typeface="Arial" panose="020B0604020202020204" pitchFamily="34" charset="0"/>
+              <a:buChar char="•"/>
+              <a:defRPr sz="2000" kern="1200">
+                <a:solidFill>
+                  <a:schemeClr val="tx1"/>
+                </a:solidFill>
+                <a:latin typeface="+mn-lt"/>
+                <a:ea typeface="+mn-ea"/>
+                <a:cs typeface="+mn-cs"/>
+              </a:defRPr>
+            </a:lvl8pPr>
+            <a:lvl9pPr marL="3886200" indent="-228600" algn="l" defTabSz="914400" rtl="0" eaLnBrk="1" latinLnBrk="0" hangingPunct="1">
+              <a:spcBef>
+                <a:spcPct val="20000"/>
+              </a:spcBef>
+              <a:buFont typeface="Arial" panose="020B0604020202020204" pitchFamily="34" charset="0"/>
+              <a:buChar char="•"/>
+              <a:defRPr sz="2000" kern="1200">
+                <a:solidFill>
+                  <a:schemeClr val="tx1"/>
+                </a:solidFill>
+                <a:latin typeface="+mn-lt"/>
+                <a:ea typeface="+mn-ea"/>
+                <a:cs typeface="+mn-cs"/>
+              </a:defRPr>
+            </a:lvl9pPr>
+          </a:lstStyle>
+          <a:p>
+            <a:pPr marL="342900" lvl="1" indent="-342900">
+              <a:spcAft>
+                <a:spcPts val="600"/>
+              </a:spcAft>
+              <a:buFont typeface="Arial" panose="020B0604020202020204" pitchFamily="34" charset="0"/>
+              <a:buChar char="•"/>
+              <a:defRPr/>
+            </a:pPr>
+            <a:r>
+              <a:rPr lang="en-US" dirty="0" err="1">
+                <a:solidFill>
+                  <a:srgbClr val="636382"/>
+                </a:solidFill>
+                <a:latin typeface="Gill Sans MT" panose="020B0502020104020203" pitchFamily="34" charset="0"/>
+                <a:ea typeface="Verdana" panose="020B0604030504040204" pitchFamily="34" charset="0"/>
+                <a:cs typeface="Verdana" panose="020B0604030504040204" pitchFamily="34" charset="0"/>
+              </a:rPr>
+              <a:t>Es</a:t>
+            </a:r>
+            <a:r>
+              <a:rPr lang="en-US" dirty="0">
+                <a:solidFill>
+                  <a:srgbClr val="636382"/>
+                </a:solidFill>
+                <a:latin typeface="Gill Sans MT" panose="020B0502020104020203" pitchFamily="34" charset="0"/>
+                <a:ea typeface="Verdana" panose="020B0604030504040204" pitchFamily="34" charset="0"/>
+                <a:cs typeface="Verdana" panose="020B0604030504040204" pitchFamily="34" charset="0"/>
+              </a:rPr>
+              <a:t> un </a:t>
+            </a:r>
+            <a:r>
+              <a:rPr lang="en-US" dirty="0" err="1">
+                <a:solidFill>
+                  <a:srgbClr val="636382"/>
+                </a:solidFill>
+                <a:latin typeface="Gill Sans MT" panose="020B0502020104020203" pitchFamily="34" charset="0"/>
+                <a:ea typeface="Verdana" panose="020B0604030504040204" pitchFamily="34" charset="0"/>
+                <a:cs typeface="Verdana" panose="020B0604030504040204" pitchFamily="34" charset="0"/>
+              </a:rPr>
+              <a:t>modelo</a:t>
+            </a:r>
+            <a:r>
+              <a:rPr lang="en-US" dirty="0">
+                <a:solidFill>
+                  <a:srgbClr val="636382"/>
+                </a:solidFill>
+                <a:latin typeface="Gill Sans MT" panose="020B0502020104020203" pitchFamily="34" charset="0"/>
+                <a:ea typeface="Verdana" panose="020B0604030504040204" pitchFamily="34" charset="0"/>
+                <a:cs typeface="Verdana" panose="020B0604030504040204" pitchFamily="34" charset="0"/>
+              </a:rPr>
+              <a:t> que describe la </a:t>
+            </a:r>
+            <a:r>
+              <a:rPr lang="en-US" dirty="0" err="1" smtClean="0">
+                <a:solidFill>
+                  <a:srgbClr val="636382"/>
+                </a:solidFill>
+                <a:latin typeface="Gill Sans MT" panose="020B0502020104020203" pitchFamily="34" charset="0"/>
+                <a:ea typeface="Verdana" panose="020B0604030504040204" pitchFamily="34" charset="0"/>
+                <a:cs typeface="Verdana" panose="020B0604030504040204" pitchFamily="34" charset="0"/>
+              </a:rPr>
+              <a:t>relación</a:t>
+            </a:r>
+            <a:r>
+              <a:rPr lang="en-US" dirty="0" smtClean="0">
+                <a:solidFill>
+                  <a:srgbClr val="636382"/>
+                </a:solidFill>
+                <a:latin typeface="Gill Sans MT" panose="020B0502020104020203" pitchFamily="34" charset="0"/>
+                <a:ea typeface="Verdana" panose="020B0604030504040204" pitchFamily="34" charset="0"/>
+                <a:cs typeface="Verdana" panose="020B0604030504040204" pitchFamily="34" charset="0"/>
+              </a:rPr>
+              <a:t> </a:t>
+            </a:r>
+            <a:r>
+              <a:rPr lang="en-US" dirty="0">
+                <a:solidFill>
+                  <a:srgbClr val="636382"/>
+                </a:solidFill>
+                <a:latin typeface="Gill Sans MT" panose="020B0502020104020203" pitchFamily="34" charset="0"/>
+                <a:ea typeface="Verdana" panose="020B0604030504040204" pitchFamily="34" charset="0"/>
+                <a:cs typeface="Verdana" panose="020B0604030504040204" pitchFamily="34" charset="0"/>
+              </a:rPr>
+              <a:t>entre </a:t>
+            </a:r>
+            <a:r>
+              <a:rPr lang="en-US" dirty="0" err="1">
+                <a:solidFill>
+                  <a:srgbClr val="636382"/>
+                </a:solidFill>
+                <a:latin typeface="Gill Sans MT" panose="020B0502020104020203" pitchFamily="34" charset="0"/>
+                <a:ea typeface="Verdana" panose="020B0604030504040204" pitchFamily="34" charset="0"/>
+                <a:cs typeface="Verdana" panose="020B0604030504040204" pitchFamily="34" charset="0"/>
+              </a:rPr>
+              <a:t>los</a:t>
+            </a:r>
+            <a:r>
+              <a:rPr lang="en-US" dirty="0">
+                <a:solidFill>
+                  <a:srgbClr val="636382"/>
+                </a:solidFill>
+                <a:latin typeface="Gill Sans MT" panose="020B0502020104020203" pitchFamily="34" charset="0"/>
+                <a:ea typeface="Verdana" panose="020B0604030504040204" pitchFamily="34" charset="0"/>
+                <a:cs typeface="Verdana" panose="020B0604030504040204" pitchFamily="34" charset="0"/>
+              </a:rPr>
+              <a:t> </a:t>
+            </a:r>
+            <a:r>
+              <a:rPr lang="en-US" dirty="0" err="1">
+                <a:solidFill>
+                  <a:srgbClr val="636382"/>
+                </a:solidFill>
+                <a:latin typeface="Gill Sans MT" panose="020B0502020104020203" pitchFamily="34" charset="0"/>
+                <a:ea typeface="Verdana" panose="020B0604030504040204" pitchFamily="34" charset="0"/>
+                <a:cs typeface="Verdana" panose="020B0604030504040204" pitchFamily="34" charset="0"/>
+              </a:rPr>
+              <a:t>valores</a:t>
+            </a:r>
+            <a:r>
+              <a:rPr lang="en-US" dirty="0">
+                <a:solidFill>
+                  <a:srgbClr val="636382"/>
+                </a:solidFill>
+                <a:latin typeface="Gill Sans MT" panose="020B0502020104020203" pitchFamily="34" charset="0"/>
+                <a:ea typeface="Verdana" panose="020B0604030504040204" pitchFamily="34" charset="0"/>
+                <a:cs typeface="Verdana" panose="020B0604030504040204" pitchFamily="34" charset="0"/>
+              </a:rPr>
+              <a:t> de </a:t>
+            </a:r>
+            <a:r>
+              <a:rPr lang="en-US" dirty="0" err="1">
+                <a:solidFill>
+                  <a:srgbClr val="636382"/>
+                </a:solidFill>
+                <a:latin typeface="Gill Sans MT" panose="020B0502020104020203" pitchFamily="34" charset="0"/>
+                <a:ea typeface="Verdana" panose="020B0604030504040204" pitchFamily="34" charset="0"/>
+                <a:cs typeface="Verdana" panose="020B0604030504040204" pitchFamily="34" charset="0"/>
+              </a:rPr>
+              <a:t>una</a:t>
+            </a:r>
+            <a:r>
+              <a:rPr lang="en-US" dirty="0">
+                <a:solidFill>
+                  <a:srgbClr val="636382"/>
+                </a:solidFill>
+                <a:latin typeface="Gill Sans MT" panose="020B0502020104020203" pitchFamily="34" charset="0"/>
+                <a:ea typeface="Verdana" panose="020B0604030504040204" pitchFamily="34" charset="0"/>
+                <a:cs typeface="Verdana" panose="020B0604030504040204" pitchFamily="34" charset="0"/>
+              </a:rPr>
+              <a:t> variable </a:t>
+            </a:r>
+            <a:r>
+              <a:rPr lang="en-US" dirty="0" err="1">
+                <a:solidFill>
+                  <a:srgbClr val="636382"/>
+                </a:solidFill>
+                <a:latin typeface="Gill Sans MT" panose="020B0502020104020203" pitchFamily="34" charset="0"/>
+                <a:ea typeface="Verdana" panose="020B0604030504040204" pitchFamily="34" charset="0"/>
+                <a:cs typeface="Verdana" panose="020B0604030504040204" pitchFamily="34" charset="0"/>
+              </a:rPr>
+              <a:t>aleatoria</a:t>
+            </a:r>
+            <a:r>
+              <a:rPr lang="en-US" dirty="0">
+                <a:solidFill>
+                  <a:srgbClr val="636382"/>
+                </a:solidFill>
+                <a:latin typeface="Gill Sans MT" panose="020B0502020104020203" pitchFamily="34" charset="0"/>
+                <a:ea typeface="Verdana" panose="020B0604030504040204" pitchFamily="34" charset="0"/>
+                <a:cs typeface="Verdana" panose="020B0604030504040204" pitchFamily="34" charset="0"/>
+              </a:rPr>
+              <a:t> y la </a:t>
+            </a:r>
+            <a:r>
+              <a:rPr lang="en-US" dirty="0" err="1">
+                <a:solidFill>
+                  <a:srgbClr val="636382"/>
+                </a:solidFill>
+                <a:latin typeface="Gill Sans MT" panose="020B0502020104020203" pitchFamily="34" charset="0"/>
+                <a:ea typeface="Verdana" panose="020B0604030504040204" pitchFamily="34" charset="0"/>
+                <a:cs typeface="Verdana" panose="020B0604030504040204" pitchFamily="34" charset="0"/>
+              </a:rPr>
+              <a:t>probabilidad</a:t>
+            </a:r>
+            <a:r>
+              <a:rPr lang="en-US" dirty="0">
+                <a:solidFill>
+                  <a:srgbClr val="636382"/>
+                </a:solidFill>
+                <a:latin typeface="Gill Sans MT" panose="020B0502020104020203" pitchFamily="34" charset="0"/>
+                <a:ea typeface="Verdana" panose="020B0604030504040204" pitchFamily="34" charset="0"/>
+                <a:cs typeface="Verdana" panose="020B0604030504040204" pitchFamily="34" charset="0"/>
+              </a:rPr>
+              <a:t> de </a:t>
+            </a:r>
+            <a:r>
+              <a:rPr lang="en-US" dirty="0" err="1">
+                <a:solidFill>
+                  <a:srgbClr val="636382"/>
+                </a:solidFill>
+                <a:latin typeface="Gill Sans MT" panose="020B0502020104020203" pitchFamily="34" charset="0"/>
+                <a:ea typeface="Verdana" panose="020B0604030504040204" pitchFamily="34" charset="0"/>
+                <a:cs typeface="Verdana" panose="020B0604030504040204" pitchFamily="34" charset="0"/>
+              </a:rPr>
+              <a:t>asumir</a:t>
+            </a:r>
+            <a:r>
+              <a:rPr lang="en-US" dirty="0">
+                <a:solidFill>
+                  <a:srgbClr val="636382"/>
+                </a:solidFill>
+                <a:latin typeface="Gill Sans MT" panose="020B0502020104020203" pitchFamily="34" charset="0"/>
+                <a:ea typeface="Verdana" panose="020B0604030504040204" pitchFamily="34" charset="0"/>
+                <a:cs typeface="Verdana" panose="020B0604030504040204" pitchFamily="34" charset="0"/>
+              </a:rPr>
+              <a:t> </a:t>
+            </a:r>
+            <a:r>
+              <a:rPr lang="en-US" dirty="0" err="1">
+                <a:solidFill>
+                  <a:srgbClr val="636382"/>
+                </a:solidFill>
+                <a:latin typeface="Gill Sans MT" panose="020B0502020104020203" pitchFamily="34" charset="0"/>
+                <a:ea typeface="Verdana" panose="020B0604030504040204" pitchFamily="34" charset="0"/>
+                <a:cs typeface="Verdana" panose="020B0604030504040204" pitchFamily="34" charset="0"/>
+              </a:rPr>
+              <a:t>esos</a:t>
+            </a:r>
+            <a:r>
+              <a:rPr lang="en-US" dirty="0">
+                <a:solidFill>
+                  <a:srgbClr val="636382"/>
+                </a:solidFill>
+                <a:latin typeface="Gill Sans MT" panose="020B0502020104020203" pitchFamily="34" charset="0"/>
+                <a:ea typeface="Verdana" panose="020B0604030504040204" pitchFamily="34" charset="0"/>
+                <a:cs typeface="Verdana" panose="020B0604030504040204" pitchFamily="34" charset="0"/>
+              </a:rPr>
+              <a:t> </a:t>
+            </a:r>
+            <a:r>
+              <a:rPr lang="en-US" dirty="0" err="1" smtClean="0">
+                <a:solidFill>
+                  <a:srgbClr val="636382"/>
+                </a:solidFill>
+                <a:latin typeface="Gill Sans MT" panose="020B0502020104020203" pitchFamily="34" charset="0"/>
+                <a:ea typeface="Verdana" panose="020B0604030504040204" pitchFamily="34" charset="0"/>
+                <a:cs typeface="Verdana" panose="020B0604030504040204" pitchFamily="34" charset="0"/>
+              </a:rPr>
+              <a:t>valores</a:t>
+            </a:r>
+            <a:endParaRPr lang="en-US" dirty="0">
+              <a:solidFill>
+                <a:srgbClr val="636382"/>
+              </a:solidFill>
+              <a:latin typeface="Gill Sans MT" panose="020B0502020104020203" pitchFamily="34" charset="0"/>
+              <a:ea typeface="Verdana" panose="020B0604030504040204" pitchFamily="34" charset="0"/>
+              <a:cs typeface="Verdana" panose="020B0604030504040204" pitchFamily="34" charset="0"/>
+            </a:endParaRPr>
+          </a:p>
+          <a:p>
+            <a:pPr marL="342900" lvl="1" indent="-342900">
+              <a:spcAft>
+                <a:spcPts val="600"/>
+              </a:spcAft>
+              <a:buFont typeface="Arial" panose="020B0604020202020204" pitchFamily="34" charset="0"/>
+              <a:buChar char="•"/>
+              <a:defRPr/>
+            </a:pPr>
+            <a:r>
+              <a:rPr lang="es-ES" dirty="0">
+                <a:solidFill>
+                  <a:srgbClr val="636382"/>
+                </a:solidFill>
+                <a:latin typeface="Gill Sans MT" panose="020B0502020104020203" pitchFamily="34" charset="0"/>
+                <a:ea typeface="Verdana" panose="020B0604030504040204" pitchFamily="34" charset="0"/>
+                <a:cs typeface="Verdana" panose="020B0604030504040204" pitchFamily="34" charset="0"/>
+              </a:rPr>
+              <a:t>Describe todas las posibles posibilidades de ocurrencia, para que la suma de todas las probabilidades sea 1. </a:t>
+            </a:r>
+          </a:p>
+        </p:txBody>
+      </p:sp>
+    </p:spTree>
+    <p:extLst>
+      <p:ext uri="{BB962C8B-B14F-4D97-AF65-F5344CB8AC3E}">
+        <p14:creationId xmlns:p14="http://schemas.microsoft.com/office/powerpoint/2010/main" val="3606916636"/>
+      </p:ext>
+    </p:extLst>
+  </p:cSld>
+  <p:clrMapOvr>
+    <a:masterClrMapping/>
+  </p:clrMapOvr>
+  <p:timing>
+    <p:tnLst>
+      <p:par>
+        <p:cTn id="1" dur="indefinite" restart="never" nodeType="tmRoot"/>
+      </p:par>
+    </p:tnLst>
+  </p:timing>
+</p:sld>
+</file>
+
+<file path=ppt/slides/slide16.xml><?xml version="1.0" encoding="utf-8"?>
+<p:sld xmlns:a="http://schemas.openxmlformats.org/drawingml/2006/main" xmlns:r="http://schemas.openxmlformats.org/officeDocument/2006/relationships" xmlns:p="http://schemas.openxmlformats.org/presentationml/2006/main">
+  <p:cSld>
+    <p:spTree>
+      <p:nvGrpSpPr>
+        <p:cNvPr id="1" name=""/>
+        <p:cNvGrpSpPr/>
+        <p:nvPr/>
+      </p:nvGrpSpPr>
+      <p:grpSpPr>
+        <a:xfrm>
+          <a:off x="0" y="0"/>
+          <a:ext cx="0" cy="0"/>
+          <a:chOff x="0" y="0"/>
+          <a:chExt cx="0" cy="0"/>
+        </a:xfrm>
+      </p:grpSpPr>
+      <p:sp>
+        <p:nvSpPr>
+          <p:cNvPr id="3" name="TextBox 2"/>
+          <p:cNvSpPr txBox="1"/>
+          <p:nvPr/>
+        </p:nvSpPr>
+        <p:spPr>
+          <a:xfrm>
+            <a:off x="1043608" y="107921"/>
+            <a:ext cx="8136904" cy="677108"/>
+          </a:xfrm>
+          <a:prstGeom prst="rect">
+            <a:avLst/>
+          </a:prstGeom>
+          <a:noFill/>
+        </p:spPr>
+        <p:txBody>
+          <a:bodyPr wrap="square" rtlCol="0">
+            <a:spAutoFit/>
+          </a:bodyPr>
+          <a:lstStyle/>
+          <a:p>
+            <a:r>
+              <a:rPr lang="es-ES" sz="3800" dirty="0" smtClean="0">
+                <a:solidFill>
+                  <a:schemeClr val="accent2"/>
+                </a:solidFill>
+                <a:effectLst>
+                  <a:outerShdw blurRad="38100" dist="38100" dir="2700000" algn="tl">
+                    <a:srgbClr val="000000">
+                      <a:alpha val="43137"/>
+                    </a:srgbClr>
+                  </a:outerShdw>
+                </a:effectLst>
+                <a:latin typeface="Gill Sans MT" panose="020B0502020104020203" pitchFamily="34" charset="0"/>
+              </a:rPr>
+              <a:t>DISTRIBUCIÓN DE PROBABILIDAD</a:t>
+            </a:r>
+            <a:endParaRPr lang="es-ES" sz="3800" dirty="0">
+              <a:solidFill>
+                <a:schemeClr val="accent2"/>
+              </a:solidFill>
+              <a:effectLst>
+                <a:outerShdw blurRad="38100" dist="38100" dir="2700000" algn="tl">
+                  <a:srgbClr val="000000">
+                    <a:alpha val="43137"/>
+                  </a:srgbClr>
+                </a:outerShdw>
+              </a:effectLst>
+              <a:latin typeface="Gill Sans MT" panose="020B0502020104020203" pitchFamily="34" charset="0"/>
+            </a:endParaRPr>
+          </a:p>
+        </p:txBody>
+      </p:sp>
+      <p:sp>
+        <p:nvSpPr>
+          <p:cNvPr id="4" name="Rectangle 3"/>
+          <p:cNvSpPr txBox="1">
+            <a:spLocks noChangeArrowheads="1"/>
+          </p:cNvSpPr>
+          <p:nvPr/>
+        </p:nvSpPr>
+        <p:spPr>
+          <a:xfrm>
+            <a:off x="1043608" y="1124744"/>
+            <a:ext cx="7992888" cy="4896544"/>
+          </a:xfrm>
+          <a:prstGeom prst="rect">
+            <a:avLst/>
+          </a:prstGeom>
+        </p:spPr>
+        <p:txBody>
+          <a:bodyPr>
+            <a:noAutofit/>
+          </a:bodyPr>
+          <a:lstStyle>
+            <a:lvl1pPr marL="342900" indent="-342900" algn="l" rtl="0" eaLnBrk="0" fontAlgn="base" hangingPunct="0">
+              <a:spcBef>
+                <a:spcPct val="20000"/>
+              </a:spcBef>
+              <a:spcAft>
+                <a:spcPct val="0"/>
+              </a:spcAft>
+              <a:buFont typeface="Arial" charset="0"/>
+              <a:buChar char="•"/>
+              <a:defRPr sz="3200" kern="1200">
+                <a:solidFill>
+                  <a:schemeClr val="tx1"/>
+                </a:solidFill>
+                <a:latin typeface="+mn-lt"/>
+                <a:ea typeface="+mn-ea"/>
+                <a:cs typeface="+mn-cs"/>
+              </a:defRPr>
+            </a:lvl1pPr>
+            <a:lvl2pPr marL="742950" indent="-285750" algn="l" rtl="0" eaLnBrk="0" fontAlgn="base" hangingPunct="0">
+              <a:spcBef>
+                <a:spcPct val="20000"/>
+              </a:spcBef>
+              <a:spcAft>
+                <a:spcPct val="0"/>
+              </a:spcAft>
+              <a:buFont typeface="Arial" charset="0"/>
+              <a:buChar char="–"/>
+              <a:defRPr sz="2800" kern="1200">
+                <a:solidFill>
+                  <a:schemeClr val="tx1"/>
+                </a:solidFill>
+                <a:latin typeface="+mn-lt"/>
+                <a:ea typeface="+mn-ea"/>
+                <a:cs typeface="+mn-cs"/>
+              </a:defRPr>
+            </a:lvl2pPr>
+            <a:lvl3pPr marL="1143000" indent="-228600" algn="l" rtl="0" eaLnBrk="0" fontAlgn="base" hangingPunct="0">
+              <a:spcBef>
+                <a:spcPct val="20000"/>
+              </a:spcBef>
+              <a:spcAft>
+                <a:spcPct val="0"/>
+              </a:spcAft>
+              <a:buFont typeface="Arial" charset="0"/>
+              <a:buChar char="•"/>
+              <a:defRPr sz="2400" kern="1200">
+                <a:solidFill>
+                  <a:schemeClr val="tx1"/>
+                </a:solidFill>
+                <a:latin typeface="+mn-lt"/>
+                <a:ea typeface="+mn-ea"/>
+                <a:cs typeface="+mn-cs"/>
+              </a:defRPr>
+            </a:lvl3pPr>
+            <a:lvl4pPr marL="1600200" indent="-228600" algn="l" rtl="0" eaLnBrk="0" fontAlgn="base" hangingPunct="0">
+              <a:spcBef>
+                <a:spcPct val="20000"/>
+              </a:spcBef>
+              <a:spcAft>
+                <a:spcPct val="0"/>
+              </a:spcAft>
+              <a:buFont typeface="Arial" charset="0"/>
+              <a:buChar char="–"/>
+              <a:defRPr sz="2000" kern="1200">
+                <a:solidFill>
+                  <a:schemeClr val="tx1"/>
+                </a:solidFill>
+                <a:latin typeface="+mn-lt"/>
+                <a:ea typeface="+mn-ea"/>
+                <a:cs typeface="+mn-cs"/>
+              </a:defRPr>
+            </a:lvl4pPr>
+            <a:lvl5pPr marL="2057400" indent="-228600" algn="l" rtl="0" eaLnBrk="0" fontAlgn="base" hangingPunct="0">
+              <a:spcBef>
+                <a:spcPct val="20000"/>
+              </a:spcBef>
+              <a:spcAft>
+                <a:spcPct val="0"/>
+              </a:spcAft>
+              <a:buFont typeface="Arial" charset="0"/>
+              <a:buChar char="»"/>
+              <a:defRPr sz="2000" kern="1200">
+                <a:solidFill>
+                  <a:schemeClr val="tx1"/>
+                </a:solidFill>
+                <a:latin typeface="+mn-lt"/>
+                <a:ea typeface="+mn-ea"/>
+                <a:cs typeface="+mn-cs"/>
+              </a:defRPr>
+            </a:lvl5pPr>
+            <a:lvl6pPr marL="2514600" indent="-228600" algn="l" defTabSz="914400" rtl="0" eaLnBrk="1" latinLnBrk="0" hangingPunct="1">
+              <a:spcBef>
+                <a:spcPct val="20000"/>
+              </a:spcBef>
+              <a:buFont typeface="Arial" panose="020B0604020202020204" pitchFamily="34" charset="0"/>
+              <a:buChar char="•"/>
+              <a:defRPr sz="2000" kern="1200">
+                <a:solidFill>
+                  <a:schemeClr val="tx1"/>
+                </a:solidFill>
+                <a:latin typeface="+mn-lt"/>
+                <a:ea typeface="+mn-ea"/>
+                <a:cs typeface="+mn-cs"/>
+              </a:defRPr>
+            </a:lvl6pPr>
+            <a:lvl7pPr marL="2971800" indent="-228600" algn="l" defTabSz="914400" rtl="0" eaLnBrk="1" latinLnBrk="0" hangingPunct="1">
+              <a:spcBef>
+                <a:spcPct val="20000"/>
+              </a:spcBef>
+              <a:buFont typeface="Arial" panose="020B0604020202020204" pitchFamily="34" charset="0"/>
+              <a:buChar char="•"/>
+              <a:defRPr sz="2000" kern="1200">
+                <a:solidFill>
+                  <a:schemeClr val="tx1"/>
+                </a:solidFill>
+                <a:latin typeface="+mn-lt"/>
+                <a:ea typeface="+mn-ea"/>
+                <a:cs typeface="+mn-cs"/>
+              </a:defRPr>
+            </a:lvl7pPr>
+            <a:lvl8pPr marL="3429000" indent="-228600" algn="l" defTabSz="914400" rtl="0" eaLnBrk="1" latinLnBrk="0" hangingPunct="1">
+              <a:spcBef>
+                <a:spcPct val="20000"/>
+              </a:spcBef>
+              <a:buFont typeface="Arial" panose="020B0604020202020204" pitchFamily="34" charset="0"/>
+              <a:buChar char="•"/>
+              <a:defRPr sz="2000" kern="1200">
+                <a:solidFill>
+                  <a:schemeClr val="tx1"/>
+                </a:solidFill>
+                <a:latin typeface="+mn-lt"/>
+                <a:ea typeface="+mn-ea"/>
+                <a:cs typeface="+mn-cs"/>
+              </a:defRPr>
+            </a:lvl8pPr>
+            <a:lvl9pPr marL="3886200" indent="-228600" algn="l" defTabSz="914400" rtl="0" eaLnBrk="1" latinLnBrk="0" hangingPunct="1">
+              <a:spcBef>
+                <a:spcPct val="20000"/>
+              </a:spcBef>
+              <a:buFont typeface="Arial" panose="020B0604020202020204" pitchFamily="34" charset="0"/>
+              <a:buChar char="•"/>
+              <a:defRPr sz="2000" kern="1200">
+                <a:solidFill>
+                  <a:schemeClr val="tx1"/>
+                </a:solidFill>
+                <a:latin typeface="+mn-lt"/>
+                <a:ea typeface="+mn-ea"/>
+                <a:cs typeface="+mn-cs"/>
+              </a:defRPr>
+            </a:lvl9pPr>
+          </a:lstStyle>
+          <a:p>
+            <a:pPr marL="342900" lvl="1" indent="-342900">
+              <a:spcAft>
+                <a:spcPts val="600"/>
+              </a:spcAft>
+              <a:buFont typeface="Arial" panose="020B0604020202020204" pitchFamily="34" charset="0"/>
+              <a:buChar char="•"/>
+              <a:defRPr/>
+            </a:pPr>
+            <a:r>
               <a:rPr lang="en-US" dirty="0" err="1">
                 <a:solidFill>
                   <a:srgbClr val="636382"/>
@@ -17165,7 +18252,7 @@
 </p:sld>
 </file>
 
-<file path=ppt/slides/slide15.xml><?xml version="1.0" encoding="utf-8"?>
+<file path=ppt/slides/slide17.xml><?xml version="1.0" encoding="utf-8"?>
 <p:sld xmlns:a="http://schemas.openxmlformats.org/drawingml/2006/main" xmlns:r="http://schemas.openxmlformats.org/officeDocument/2006/relationships" xmlns:p="http://schemas.openxmlformats.org/presentationml/2006/main">
   <p:cSld>
     <p:spTree>
@@ -17409,7 +18496,7 @@
 </p:sld>
 </file>
 
-<file path=ppt/slides/slide16.xml><?xml version="1.0" encoding="utf-8"?>
+<file path=ppt/slides/slide18.xml><?xml version="1.0" encoding="utf-8"?>
 <p:sld xmlns:a="http://schemas.openxmlformats.org/drawingml/2006/main" xmlns:r="http://schemas.openxmlformats.org/officeDocument/2006/relationships" xmlns:p="http://schemas.openxmlformats.org/presentationml/2006/main">
   <p:cSld>
     <p:spTree>
@@ -17708,7 +18795,7 @@
 </p:sld>
 </file>
 
-<file path=ppt/slides/slide17.xml><?xml version="1.0" encoding="utf-8"?>
+<file path=ppt/slides/slide19.xml><?xml version="1.0" encoding="utf-8"?>
 <p:sld xmlns:a="http://schemas.openxmlformats.org/drawingml/2006/main" xmlns:r="http://schemas.openxmlformats.org/officeDocument/2006/relationships" xmlns:p="http://schemas.openxmlformats.org/presentationml/2006/main">
   <p:cSld>
     <p:spTree>
@@ -18026,7 +19113,445 @@
 </p:sld>
 </file>
 
-<file path=ppt/slides/slide18.xml><?xml version="1.0" encoding="utf-8"?>
+<file path=ppt/slides/slide2.xml><?xml version="1.0" encoding="utf-8"?>
+<p:sld xmlns:a="http://schemas.openxmlformats.org/drawingml/2006/main" xmlns:r="http://schemas.openxmlformats.org/officeDocument/2006/relationships" xmlns:p="http://schemas.openxmlformats.org/presentationml/2006/main">
+  <p:cSld>
+    <p:spTree>
+      <p:nvGrpSpPr>
+        <p:cNvPr id="1" name=""/>
+        <p:cNvGrpSpPr/>
+        <p:nvPr/>
+      </p:nvGrpSpPr>
+      <p:grpSpPr>
+        <a:xfrm>
+          <a:off x="0" y="0"/>
+          <a:ext cx="0" cy="0"/>
+          <a:chOff x="0" y="0"/>
+          <a:chExt cx="0" cy="0"/>
+        </a:xfrm>
+      </p:grpSpPr>
+      <p:sp>
+        <p:nvSpPr>
+          <p:cNvPr id="3" name="TextBox 2"/>
+          <p:cNvSpPr txBox="1"/>
+          <p:nvPr/>
+        </p:nvSpPr>
+        <p:spPr>
+          <a:xfrm>
+            <a:off x="1043608" y="107921"/>
+            <a:ext cx="5616624" cy="677108"/>
+          </a:xfrm>
+          <a:prstGeom prst="rect">
+            <a:avLst/>
+          </a:prstGeom>
+          <a:noFill/>
+        </p:spPr>
+        <p:txBody>
+          <a:bodyPr wrap="square" rtlCol="0">
+            <a:spAutoFit/>
+          </a:bodyPr>
+          <a:lstStyle/>
+          <a:p>
+            <a:r>
+              <a:rPr lang="es-ES" sz="3800" dirty="0" smtClean="0">
+                <a:solidFill>
+                  <a:schemeClr val="accent2"/>
+                </a:solidFill>
+                <a:effectLst>
+                  <a:outerShdw blurRad="38100" dist="38100" dir="2700000" algn="tl">
+                    <a:srgbClr val="000000">
+                      <a:alpha val="43137"/>
+                    </a:srgbClr>
+                  </a:outerShdw>
+                </a:effectLst>
+                <a:latin typeface="Gill Sans MT" panose="020B0502020104020203" pitchFamily="34" charset="0"/>
+              </a:rPr>
+              <a:t>¿QUÉ ES UN MODELO?</a:t>
+            </a:r>
+            <a:endParaRPr lang="es-ES" sz="3800" dirty="0">
+              <a:solidFill>
+                <a:schemeClr val="accent2"/>
+              </a:solidFill>
+              <a:effectLst>
+                <a:outerShdw blurRad="38100" dist="38100" dir="2700000" algn="tl">
+                  <a:srgbClr val="000000">
+                    <a:alpha val="43137"/>
+                  </a:srgbClr>
+                </a:outerShdw>
+              </a:effectLst>
+              <a:latin typeface="Gill Sans MT" panose="020B0502020104020203" pitchFamily="34" charset="0"/>
+            </a:endParaRPr>
+          </a:p>
+        </p:txBody>
+      </p:sp>
+      <p:sp>
+        <p:nvSpPr>
+          <p:cNvPr id="4" name="Rectangle 3"/>
+          <p:cNvSpPr txBox="1">
+            <a:spLocks noChangeArrowheads="1"/>
+          </p:cNvSpPr>
+          <p:nvPr/>
+        </p:nvSpPr>
+        <p:spPr>
+          <a:xfrm>
+            <a:off x="1331640" y="980728"/>
+            <a:ext cx="7776864" cy="4896544"/>
+          </a:xfrm>
+          <a:prstGeom prst="rect">
+            <a:avLst/>
+          </a:prstGeom>
+        </p:spPr>
+        <p:txBody>
+          <a:bodyPr>
+            <a:noAutofit/>
+          </a:bodyPr>
+          <a:lstStyle>
+            <a:lvl1pPr marL="342900" indent="-342900" algn="l" rtl="0" eaLnBrk="0" fontAlgn="base" hangingPunct="0">
+              <a:spcBef>
+                <a:spcPct val="20000"/>
+              </a:spcBef>
+              <a:spcAft>
+                <a:spcPct val="0"/>
+              </a:spcAft>
+              <a:buFont typeface="Arial" charset="0"/>
+              <a:buChar char="•"/>
+              <a:defRPr sz="3200" kern="1200">
+                <a:solidFill>
+                  <a:schemeClr val="tx1"/>
+                </a:solidFill>
+                <a:latin typeface="+mn-lt"/>
+                <a:ea typeface="+mn-ea"/>
+                <a:cs typeface="+mn-cs"/>
+              </a:defRPr>
+            </a:lvl1pPr>
+            <a:lvl2pPr marL="742950" indent="-285750" algn="l" rtl="0" eaLnBrk="0" fontAlgn="base" hangingPunct="0">
+              <a:spcBef>
+                <a:spcPct val="20000"/>
+              </a:spcBef>
+              <a:spcAft>
+                <a:spcPct val="0"/>
+              </a:spcAft>
+              <a:buFont typeface="Arial" charset="0"/>
+              <a:buChar char="–"/>
+              <a:defRPr sz="2800" kern="1200">
+                <a:solidFill>
+                  <a:schemeClr val="tx1"/>
+                </a:solidFill>
+                <a:latin typeface="+mn-lt"/>
+                <a:ea typeface="+mn-ea"/>
+                <a:cs typeface="+mn-cs"/>
+              </a:defRPr>
+            </a:lvl2pPr>
+            <a:lvl3pPr marL="1143000" indent="-228600" algn="l" rtl="0" eaLnBrk="0" fontAlgn="base" hangingPunct="0">
+              <a:spcBef>
+                <a:spcPct val="20000"/>
+              </a:spcBef>
+              <a:spcAft>
+                <a:spcPct val="0"/>
+              </a:spcAft>
+              <a:buFont typeface="Arial" charset="0"/>
+              <a:buChar char="•"/>
+              <a:defRPr sz="2400" kern="1200">
+                <a:solidFill>
+                  <a:schemeClr val="tx1"/>
+                </a:solidFill>
+                <a:latin typeface="+mn-lt"/>
+                <a:ea typeface="+mn-ea"/>
+                <a:cs typeface="+mn-cs"/>
+              </a:defRPr>
+            </a:lvl3pPr>
+            <a:lvl4pPr marL="1600200" indent="-228600" algn="l" rtl="0" eaLnBrk="0" fontAlgn="base" hangingPunct="0">
+              <a:spcBef>
+                <a:spcPct val="20000"/>
+              </a:spcBef>
+              <a:spcAft>
+                <a:spcPct val="0"/>
+              </a:spcAft>
+              <a:buFont typeface="Arial" charset="0"/>
+              <a:buChar char="–"/>
+              <a:defRPr sz="2000" kern="1200">
+                <a:solidFill>
+                  <a:schemeClr val="tx1"/>
+                </a:solidFill>
+                <a:latin typeface="+mn-lt"/>
+                <a:ea typeface="+mn-ea"/>
+                <a:cs typeface="+mn-cs"/>
+              </a:defRPr>
+            </a:lvl4pPr>
+            <a:lvl5pPr marL="2057400" indent="-228600" algn="l" rtl="0" eaLnBrk="0" fontAlgn="base" hangingPunct="0">
+              <a:spcBef>
+                <a:spcPct val="20000"/>
+              </a:spcBef>
+              <a:spcAft>
+                <a:spcPct val="0"/>
+              </a:spcAft>
+              <a:buFont typeface="Arial" charset="0"/>
+              <a:buChar char="»"/>
+              <a:defRPr sz="2000" kern="1200">
+                <a:solidFill>
+                  <a:schemeClr val="tx1"/>
+                </a:solidFill>
+                <a:latin typeface="+mn-lt"/>
+                <a:ea typeface="+mn-ea"/>
+                <a:cs typeface="+mn-cs"/>
+              </a:defRPr>
+            </a:lvl5pPr>
+            <a:lvl6pPr marL="2514600" indent="-228600" algn="l" defTabSz="914400" rtl="0" eaLnBrk="1" latinLnBrk="0" hangingPunct="1">
+              <a:spcBef>
+                <a:spcPct val="20000"/>
+              </a:spcBef>
+              <a:buFont typeface="Arial" panose="020B0604020202020204" pitchFamily="34" charset="0"/>
+              <a:buChar char="•"/>
+              <a:defRPr sz="2000" kern="1200">
+                <a:solidFill>
+                  <a:schemeClr val="tx1"/>
+                </a:solidFill>
+                <a:latin typeface="+mn-lt"/>
+                <a:ea typeface="+mn-ea"/>
+                <a:cs typeface="+mn-cs"/>
+              </a:defRPr>
+            </a:lvl6pPr>
+            <a:lvl7pPr marL="2971800" indent="-228600" algn="l" defTabSz="914400" rtl="0" eaLnBrk="1" latinLnBrk="0" hangingPunct="1">
+              <a:spcBef>
+                <a:spcPct val="20000"/>
+              </a:spcBef>
+              <a:buFont typeface="Arial" panose="020B0604020202020204" pitchFamily="34" charset="0"/>
+              <a:buChar char="•"/>
+              <a:defRPr sz="2000" kern="1200">
+                <a:solidFill>
+                  <a:schemeClr val="tx1"/>
+                </a:solidFill>
+                <a:latin typeface="+mn-lt"/>
+                <a:ea typeface="+mn-ea"/>
+                <a:cs typeface="+mn-cs"/>
+              </a:defRPr>
+            </a:lvl7pPr>
+            <a:lvl8pPr marL="3429000" indent="-228600" algn="l" defTabSz="914400" rtl="0" eaLnBrk="1" latinLnBrk="0" hangingPunct="1">
+              <a:spcBef>
+                <a:spcPct val="20000"/>
+              </a:spcBef>
+              <a:buFont typeface="Arial" panose="020B0604020202020204" pitchFamily="34" charset="0"/>
+              <a:buChar char="•"/>
+              <a:defRPr sz="2000" kern="1200">
+                <a:solidFill>
+                  <a:schemeClr val="tx1"/>
+                </a:solidFill>
+                <a:latin typeface="+mn-lt"/>
+                <a:ea typeface="+mn-ea"/>
+                <a:cs typeface="+mn-cs"/>
+              </a:defRPr>
+            </a:lvl8pPr>
+            <a:lvl9pPr marL="3886200" indent="-228600" algn="l" defTabSz="914400" rtl="0" eaLnBrk="1" latinLnBrk="0" hangingPunct="1">
+              <a:spcBef>
+                <a:spcPct val="20000"/>
+              </a:spcBef>
+              <a:buFont typeface="Arial" panose="020B0604020202020204" pitchFamily="34" charset="0"/>
+              <a:buChar char="•"/>
+              <a:defRPr sz="2000" kern="1200">
+                <a:solidFill>
+                  <a:schemeClr val="tx1"/>
+                </a:solidFill>
+                <a:latin typeface="+mn-lt"/>
+                <a:ea typeface="+mn-ea"/>
+                <a:cs typeface="+mn-cs"/>
+              </a:defRPr>
+            </a:lvl9pPr>
+          </a:lstStyle>
+          <a:p>
+            <a:pPr>
+              <a:buFont typeface="Arial" panose="020B0604020202020204" pitchFamily="34" charset="0"/>
+              <a:buChar char="•"/>
+              <a:defRPr/>
+            </a:pPr>
+            <a:r>
+              <a:rPr lang="es-ES" sz="2800" dirty="0" smtClean="0">
+                <a:solidFill>
+                  <a:srgbClr val="636382"/>
+                </a:solidFill>
+                <a:latin typeface="Gill Sans MT" panose="020B0502020104020203" pitchFamily="34" charset="0"/>
+                <a:ea typeface="Verdana" panose="020B0604030504040204" pitchFamily="34" charset="0"/>
+                <a:cs typeface="Verdana" panose="020B0604030504040204" pitchFamily="34" charset="0"/>
+              </a:rPr>
+              <a:t>Abstracción de la realidad</a:t>
+            </a:r>
+          </a:p>
+          <a:p>
+            <a:pPr>
+              <a:buFont typeface="Arial" panose="020B0604020202020204" pitchFamily="34" charset="0"/>
+              <a:buChar char="•"/>
+              <a:defRPr/>
+            </a:pPr>
+            <a:r>
+              <a:rPr lang="es-ES" sz="2800" dirty="0" smtClean="0">
+                <a:solidFill>
+                  <a:srgbClr val="636382"/>
+                </a:solidFill>
+                <a:latin typeface="Gill Sans MT" panose="020B0502020104020203" pitchFamily="34" charset="0"/>
+                <a:ea typeface="Verdana" panose="020B0604030504040204" pitchFamily="34" charset="0"/>
+                <a:cs typeface="Verdana" panose="020B0604030504040204" pitchFamily="34" charset="0"/>
+              </a:rPr>
+              <a:t>Los usamos todos los días</a:t>
+            </a:r>
+          </a:p>
+          <a:p>
+            <a:pPr lvl="1">
+              <a:defRPr/>
+            </a:pPr>
+            <a:r>
+              <a:rPr lang="es-ES" dirty="0" smtClean="0">
+                <a:solidFill>
+                  <a:srgbClr val="636382"/>
+                </a:solidFill>
+                <a:latin typeface="Gill Sans MT" panose="020B0502020104020203" pitchFamily="34" charset="0"/>
+                <a:ea typeface="Verdana" panose="020B0604030504040204" pitchFamily="34" charset="0"/>
+                <a:cs typeface="Verdana" panose="020B0604030504040204" pitchFamily="34" charset="0"/>
+              </a:rPr>
+              <a:t>Conceptuales</a:t>
+            </a:r>
+          </a:p>
+          <a:p>
+            <a:pPr lvl="1">
+              <a:defRPr/>
+            </a:pPr>
+            <a:r>
+              <a:rPr lang="es-ES" dirty="0" smtClean="0">
+                <a:solidFill>
+                  <a:srgbClr val="636382"/>
+                </a:solidFill>
+                <a:latin typeface="Gill Sans MT" panose="020B0502020104020203" pitchFamily="34" charset="0"/>
+                <a:ea typeface="Verdana" panose="020B0604030504040204" pitchFamily="34" charset="0"/>
+                <a:cs typeface="Verdana" panose="020B0604030504040204" pitchFamily="34" charset="0"/>
+              </a:rPr>
+              <a:t>Físicos</a:t>
+            </a:r>
+          </a:p>
+          <a:p>
+            <a:pPr lvl="1">
+              <a:defRPr/>
+            </a:pPr>
+            <a:r>
+              <a:rPr lang="es-ES" dirty="0" smtClean="0">
+                <a:solidFill>
+                  <a:srgbClr val="636382"/>
+                </a:solidFill>
+                <a:latin typeface="Gill Sans MT" panose="020B0502020104020203" pitchFamily="34" charset="0"/>
+                <a:ea typeface="Verdana" panose="020B0604030504040204" pitchFamily="34" charset="0"/>
+                <a:cs typeface="Verdana" panose="020B0604030504040204" pitchFamily="34" charset="0"/>
+              </a:rPr>
+              <a:t>Gráficos</a:t>
+            </a:r>
+          </a:p>
+          <a:p>
+            <a:pPr lvl="1">
+              <a:defRPr/>
+            </a:pPr>
+            <a:r>
+              <a:rPr lang="es-ES" dirty="0" smtClean="0">
+                <a:solidFill>
+                  <a:srgbClr val="636382"/>
+                </a:solidFill>
+                <a:latin typeface="Gill Sans MT" panose="020B0502020104020203" pitchFamily="34" charset="0"/>
+                <a:ea typeface="Verdana" panose="020B0604030504040204" pitchFamily="34" charset="0"/>
+                <a:cs typeface="Verdana" panose="020B0604030504040204" pitchFamily="34" charset="0"/>
+              </a:rPr>
+              <a:t>Analíticos</a:t>
+            </a:r>
+          </a:p>
+          <a:p>
+            <a:pPr lvl="1">
+              <a:defRPr/>
+            </a:pPr>
+            <a:r>
+              <a:rPr lang="es-ES" dirty="0" smtClean="0">
+                <a:solidFill>
+                  <a:srgbClr val="636382"/>
+                </a:solidFill>
+                <a:latin typeface="Gill Sans MT" panose="020B0502020104020203" pitchFamily="34" charset="0"/>
+                <a:ea typeface="Verdana" panose="020B0604030504040204" pitchFamily="34" charset="0"/>
+                <a:cs typeface="Verdana" panose="020B0604030504040204" pitchFamily="34" charset="0"/>
+              </a:rPr>
+              <a:t>Numéricos</a:t>
+            </a:r>
+          </a:p>
+          <a:p>
+            <a:pPr lvl="1">
+              <a:defRPr/>
+            </a:pPr>
+            <a:r>
+              <a:rPr lang="es-ES" dirty="0" smtClean="0">
+                <a:solidFill>
+                  <a:srgbClr val="636382"/>
+                </a:solidFill>
+                <a:latin typeface="Gill Sans MT" panose="020B0502020104020203" pitchFamily="34" charset="0"/>
+                <a:ea typeface="Verdana" panose="020B0604030504040204" pitchFamily="34" charset="0"/>
+                <a:cs typeface="Verdana" panose="020B0604030504040204" pitchFamily="34" charset="0"/>
+              </a:rPr>
+              <a:t>Empíricos o estadísticos</a:t>
+            </a:r>
+          </a:p>
+          <a:p>
+            <a:pPr lvl="1">
+              <a:defRPr/>
+            </a:pPr>
+            <a:endParaRPr lang="es-ES" sz="2400" dirty="0" smtClean="0">
+              <a:solidFill>
+                <a:srgbClr val="636382"/>
+              </a:solidFill>
+              <a:latin typeface="Gill Sans MT" panose="020B0502020104020203" pitchFamily="34" charset="0"/>
+              <a:ea typeface="Verdana" panose="020B0604030504040204" pitchFamily="34" charset="0"/>
+              <a:cs typeface="Verdana" panose="020B0604030504040204" pitchFamily="34" charset="0"/>
+            </a:endParaRPr>
+          </a:p>
+          <a:p>
+            <a:pPr lvl="1">
+              <a:defRPr/>
+            </a:pPr>
+            <a:endParaRPr lang="es-ES" sz="2400" dirty="0" smtClean="0">
+              <a:solidFill>
+                <a:srgbClr val="636382"/>
+              </a:solidFill>
+              <a:latin typeface="Gill Sans MT" panose="020B0502020104020203" pitchFamily="34" charset="0"/>
+              <a:ea typeface="Verdana" panose="020B0604030504040204" pitchFamily="34" charset="0"/>
+              <a:cs typeface="Verdana" panose="020B0604030504040204" pitchFamily="34" charset="0"/>
+            </a:endParaRPr>
+          </a:p>
+          <a:p>
+            <a:pPr marL="0" indent="0">
+              <a:buNone/>
+              <a:defRPr/>
+            </a:pPr>
+            <a:endParaRPr lang="es-ES" sz="1100" dirty="0">
+              <a:solidFill>
+                <a:srgbClr val="636382"/>
+              </a:solidFill>
+              <a:latin typeface="Gill Sans MT" panose="020B0502020104020203" pitchFamily="34" charset="0"/>
+              <a:ea typeface="Verdana" panose="020B0604030504040204" pitchFamily="34" charset="0"/>
+              <a:cs typeface="Verdana" panose="020B0604030504040204" pitchFamily="34" charset="0"/>
+            </a:endParaRPr>
+          </a:p>
+        </p:txBody>
+      </p:sp>
+    </p:spTree>
+    <p:extLst>
+      <p:ext uri="{BB962C8B-B14F-4D97-AF65-F5344CB8AC3E}">
+        <p14:creationId xmlns:p14="http://schemas.microsoft.com/office/powerpoint/2010/main" val="1724881871"/>
+      </p:ext>
+    </p:extLst>
+  </p:cSld>
+  <p:clrMapOvr>
+    <a:masterClrMapping/>
+  </p:clrMapOvr>
+  <p:timing>
+    <p:tnLst>
+      <p:par>
+        <p:cTn id="1" dur="indefinite" restart="never" nodeType="tmRoot"/>
+      </p:par>
+    </p:tnLst>
+  </p:timing>
+</p:sld>
+</file>
+
+<file path=ppt/slides/slide20.xml><?xml version="1.0" encoding="utf-8"?>
 <p:sld xmlns:a="http://schemas.openxmlformats.org/drawingml/2006/main" xmlns:r="http://schemas.openxmlformats.org/officeDocument/2006/relationships" xmlns:p="http://schemas.openxmlformats.org/presentationml/2006/main">
   <p:cSld>
     <p:spTree>
@@ -19116,7 +20641,7 @@
 </p:sld>
 </file>
 
-<file path=ppt/slides/slide19.xml><?xml version="1.0" encoding="utf-8"?>
+<file path=ppt/slides/slide21.xml><?xml version="1.0" encoding="utf-8"?>
 <p:sld xmlns:a="http://schemas.openxmlformats.org/drawingml/2006/main" xmlns:r="http://schemas.openxmlformats.org/officeDocument/2006/relationships" xmlns:p="http://schemas.openxmlformats.org/presentationml/2006/main">
   <p:cSld>
     <p:spTree>
@@ -19853,445 +21378,7 @@
 </p:sld>
 </file>
 
-<file path=ppt/slides/slide2.xml><?xml version="1.0" encoding="utf-8"?>
-<p:sld xmlns:a="http://schemas.openxmlformats.org/drawingml/2006/main" xmlns:r="http://schemas.openxmlformats.org/officeDocument/2006/relationships" xmlns:p="http://schemas.openxmlformats.org/presentationml/2006/main">
-  <p:cSld>
-    <p:spTree>
-      <p:nvGrpSpPr>
-        <p:cNvPr id="1" name=""/>
-        <p:cNvGrpSpPr/>
-        <p:nvPr/>
-      </p:nvGrpSpPr>
-      <p:grpSpPr>
-        <a:xfrm>
-          <a:off x="0" y="0"/>
-          <a:ext cx="0" cy="0"/>
-          <a:chOff x="0" y="0"/>
-          <a:chExt cx="0" cy="0"/>
-        </a:xfrm>
-      </p:grpSpPr>
-      <p:sp>
-        <p:nvSpPr>
-          <p:cNvPr id="3" name="TextBox 2"/>
-          <p:cNvSpPr txBox="1"/>
-          <p:nvPr/>
-        </p:nvSpPr>
-        <p:spPr>
-          <a:xfrm>
-            <a:off x="1043608" y="107921"/>
-            <a:ext cx="5616624" cy="677108"/>
-          </a:xfrm>
-          <a:prstGeom prst="rect">
-            <a:avLst/>
-          </a:prstGeom>
-          <a:noFill/>
-        </p:spPr>
-        <p:txBody>
-          <a:bodyPr wrap="square" rtlCol="0">
-            <a:spAutoFit/>
-          </a:bodyPr>
-          <a:lstStyle/>
-          <a:p>
-            <a:r>
-              <a:rPr lang="es-ES" sz="3800" dirty="0" smtClean="0">
-                <a:solidFill>
-                  <a:schemeClr val="accent2"/>
-                </a:solidFill>
-                <a:effectLst>
-                  <a:outerShdw blurRad="38100" dist="38100" dir="2700000" algn="tl">
-                    <a:srgbClr val="000000">
-                      <a:alpha val="43137"/>
-                    </a:srgbClr>
-                  </a:outerShdw>
-                </a:effectLst>
-                <a:latin typeface="Gill Sans MT" panose="020B0502020104020203" pitchFamily="34" charset="0"/>
-              </a:rPr>
-              <a:t>¿QUÉ ES UN MODELO?</a:t>
-            </a:r>
-            <a:endParaRPr lang="es-ES" sz="3800" dirty="0">
-              <a:solidFill>
-                <a:schemeClr val="accent2"/>
-              </a:solidFill>
-              <a:effectLst>
-                <a:outerShdw blurRad="38100" dist="38100" dir="2700000" algn="tl">
-                  <a:srgbClr val="000000">
-                    <a:alpha val="43137"/>
-                  </a:srgbClr>
-                </a:outerShdw>
-              </a:effectLst>
-              <a:latin typeface="Gill Sans MT" panose="020B0502020104020203" pitchFamily="34" charset="0"/>
-            </a:endParaRPr>
-          </a:p>
-        </p:txBody>
-      </p:sp>
-      <p:sp>
-        <p:nvSpPr>
-          <p:cNvPr id="4" name="Rectangle 3"/>
-          <p:cNvSpPr txBox="1">
-            <a:spLocks noChangeArrowheads="1"/>
-          </p:cNvSpPr>
-          <p:nvPr/>
-        </p:nvSpPr>
-        <p:spPr>
-          <a:xfrm>
-            <a:off x="1331640" y="980728"/>
-            <a:ext cx="7776864" cy="4896544"/>
-          </a:xfrm>
-          <a:prstGeom prst="rect">
-            <a:avLst/>
-          </a:prstGeom>
-        </p:spPr>
-        <p:txBody>
-          <a:bodyPr>
-            <a:noAutofit/>
-          </a:bodyPr>
-          <a:lstStyle>
-            <a:lvl1pPr marL="342900" indent="-342900" algn="l" rtl="0" eaLnBrk="0" fontAlgn="base" hangingPunct="0">
-              <a:spcBef>
-                <a:spcPct val="20000"/>
-              </a:spcBef>
-              <a:spcAft>
-                <a:spcPct val="0"/>
-              </a:spcAft>
-              <a:buFont typeface="Arial" charset="0"/>
-              <a:buChar char="•"/>
-              <a:defRPr sz="3200" kern="1200">
-                <a:solidFill>
-                  <a:schemeClr val="tx1"/>
-                </a:solidFill>
-                <a:latin typeface="+mn-lt"/>
-                <a:ea typeface="+mn-ea"/>
-                <a:cs typeface="+mn-cs"/>
-              </a:defRPr>
-            </a:lvl1pPr>
-            <a:lvl2pPr marL="742950" indent="-285750" algn="l" rtl="0" eaLnBrk="0" fontAlgn="base" hangingPunct="0">
-              <a:spcBef>
-                <a:spcPct val="20000"/>
-              </a:spcBef>
-              <a:spcAft>
-                <a:spcPct val="0"/>
-              </a:spcAft>
-              <a:buFont typeface="Arial" charset="0"/>
-              <a:buChar char="–"/>
-              <a:defRPr sz="2800" kern="1200">
-                <a:solidFill>
-                  <a:schemeClr val="tx1"/>
-                </a:solidFill>
-                <a:latin typeface="+mn-lt"/>
-                <a:ea typeface="+mn-ea"/>
-                <a:cs typeface="+mn-cs"/>
-              </a:defRPr>
-            </a:lvl2pPr>
-            <a:lvl3pPr marL="1143000" indent="-228600" algn="l" rtl="0" eaLnBrk="0" fontAlgn="base" hangingPunct="0">
-              <a:spcBef>
-                <a:spcPct val="20000"/>
-              </a:spcBef>
-              <a:spcAft>
-                <a:spcPct val="0"/>
-              </a:spcAft>
-              <a:buFont typeface="Arial" charset="0"/>
-              <a:buChar char="•"/>
-              <a:defRPr sz="2400" kern="1200">
-                <a:solidFill>
-                  <a:schemeClr val="tx1"/>
-                </a:solidFill>
-                <a:latin typeface="+mn-lt"/>
-                <a:ea typeface="+mn-ea"/>
-                <a:cs typeface="+mn-cs"/>
-              </a:defRPr>
-            </a:lvl3pPr>
-            <a:lvl4pPr marL="1600200" indent="-228600" algn="l" rtl="0" eaLnBrk="0" fontAlgn="base" hangingPunct="0">
-              <a:spcBef>
-                <a:spcPct val="20000"/>
-              </a:spcBef>
-              <a:spcAft>
-                <a:spcPct val="0"/>
-              </a:spcAft>
-              <a:buFont typeface="Arial" charset="0"/>
-              <a:buChar char="–"/>
-              <a:defRPr sz="2000" kern="1200">
-                <a:solidFill>
-                  <a:schemeClr val="tx1"/>
-                </a:solidFill>
-                <a:latin typeface="+mn-lt"/>
-                <a:ea typeface="+mn-ea"/>
-                <a:cs typeface="+mn-cs"/>
-              </a:defRPr>
-            </a:lvl4pPr>
-            <a:lvl5pPr marL="2057400" indent="-228600" algn="l" rtl="0" eaLnBrk="0" fontAlgn="base" hangingPunct="0">
-              <a:spcBef>
-                <a:spcPct val="20000"/>
-              </a:spcBef>
-              <a:spcAft>
-                <a:spcPct val="0"/>
-              </a:spcAft>
-              <a:buFont typeface="Arial" charset="0"/>
-              <a:buChar char="»"/>
-              <a:defRPr sz="2000" kern="1200">
-                <a:solidFill>
-                  <a:schemeClr val="tx1"/>
-                </a:solidFill>
-                <a:latin typeface="+mn-lt"/>
-                <a:ea typeface="+mn-ea"/>
-                <a:cs typeface="+mn-cs"/>
-              </a:defRPr>
-            </a:lvl5pPr>
-            <a:lvl6pPr marL="2514600" indent="-228600" algn="l" defTabSz="914400" rtl="0" eaLnBrk="1" latinLnBrk="0" hangingPunct="1">
-              <a:spcBef>
-                <a:spcPct val="20000"/>
-              </a:spcBef>
-              <a:buFont typeface="Arial" panose="020B0604020202020204" pitchFamily="34" charset="0"/>
-              <a:buChar char="•"/>
-              <a:defRPr sz="2000" kern="1200">
-                <a:solidFill>
-                  <a:schemeClr val="tx1"/>
-                </a:solidFill>
-                <a:latin typeface="+mn-lt"/>
-                <a:ea typeface="+mn-ea"/>
-                <a:cs typeface="+mn-cs"/>
-              </a:defRPr>
-            </a:lvl6pPr>
-            <a:lvl7pPr marL="2971800" indent="-228600" algn="l" defTabSz="914400" rtl="0" eaLnBrk="1" latinLnBrk="0" hangingPunct="1">
-              <a:spcBef>
-                <a:spcPct val="20000"/>
-              </a:spcBef>
-              <a:buFont typeface="Arial" panose="020B0604020202020204" pitchFamily="34" charset="0"/>
-              <a:buChar char="•"/>
-              <a:defRPr sz="2000" kern="1200">
-                <a:solidFill>
-                  <a:schemeClr val="tx1"/>
-                </a:solidFill>
-                <a:latin typeface="+mn-lt"/>
-                <a:ea typeface="+mn-ea"/>
-                <a:cs typeface="+mn-cs"/>
-              </a:defRPr>
-            </a:lvl7pPr>
-            <a:lvl8pPr marL="3429000" indent="-228600" algn="l" defTabSz="914400" rtl="0" eaLnBrk="1" latinLnBrk="0" hangingPunct="1">
-              <a:spcBef>
-                <a:spcPct val="20000"/>
-              </a:spcBef>
-              <a:buFont typeface="Arial" panose="020B0604020202020204" pitchFamily="34" charset="0"/>
-              <a:buChar char="•"/>
-              <a:defRPr sz="2000" kern="1200">
-                <a:solidFill>
-                  <a:schemeClr val="tx1"/>
-                </a:solidFill>
-                <a:latin typeface="+mn-lt"/>
-                <a:ea typeface="+mn-ea"/>
-                <a:cs typeface="+mn-cs"/>
-              </a:defRPr>
-            </a:lvl8pPr>
-            <a:lvl9pPr marL="3886200" indent="-228600" algn="l" defTabSz="914400" rtl="0" eaLnBrk="1" latinLnBrk="0" hangingPunct="1">
-              <a:spcBef>
-                <a:spcPct val="20000"/>
-              </a:spcBef>
-              <a:buFont typeface="Arial" panose="020B0604020202020204" pitchFamily="34" charset="0"/>
-              <a:buChar char="•"/>
-              <a:defRPr sz="2000" kern="1200">
-                <a:solidFill>
-                  <a:schemeClr val="tx1"/>
-                </a:solidFill>
-                <a:latin typeface="+mn-lt"/>
-                <a:ea typeface="+mn-ea"/>
-                <a:cs typeface="+mn-cs"/>
-              </a:defRPr>
-            </a:lvl9pPr>
-          </a:lstStyle>
-          <a:p>
-            <a:pPr>
-              <a:buFont typeface="Arial" panose="020B0604020202020204" pitchFamily="34" charset="0"/>
-              <a:buChar char="•"/>
-              <a:defRPr/>
-            </a:pPr>
-            <a:r>
-              <a:rPr lang="es-ES" sz="2800" dirty="0" smtClean="0">
-                <a:solidFill>
-                  <a:srgbClr val="636382"/>
-                </a:solidFill>
-                <a:latin typeface="Gill Sans MT" panose="020B0502020104020203" pitchFamily="34" charset="0"/>
-                <a:ea typeface="Verdana" panose="020B0604030504040204" pitchFamily="34" charset="0"/>
-                <a:cs typeface="Verdana" panose="020B0604030504040204" pitchFamily="34" charset="0"/>
-              </a:rPr>
-              <a:t>Abstracción de la realidad</a:t>
-            </a:r>
-          </a:p>
-          <a:p>
-            <a:pPr>
-              <a:buFont typeface="Arial" panose="020B0604020202020204" pitchFamily="34" charset="0"/>
-              <a:buChar char="•"/>
-              <a:defRPr/>
-            </a:pPr>
-            <a:r>
-              <a:rPr lang="es-ES" sz="2800" dirty="0" smtClean="0">
-                <a:solidFill>
-                  <a:srgbClr val="636382"/>
-                </a:solidFill>
-                <a:latin typeface="Gill Sans MT" panose="020B0502020104020203" pitchFamily="34" charset="0"/>
-                <a:ea typeface="Verdana" panose="020B0604030504040204" pitchFamily="34" charset="0"/>
-                <a:cs typeface="Verdana" panose="020B0604030504040204" pitchFamily="34" charset="0"/>
-              </a:rPr>
-              <a:t>Los usamos todos los días</a:t>
-            </a:r>
-          </a:p>
-          <a:p>
-            <a:pPr lvl="1">
-              <a:defRPr/>
-            </a:pPr>
-            <a:r>
-              <a:rPr lang="es-ES" dirty="0" smtClean="0">
-                <a:solidFill>
-                  <a:srgbClr val="636382"/>
-                </a:solidFill>
-                <a:latin typeface="Gill Sans MT" panose="020B0502020104020203" pitchFamily="34" charset="0"/>
-                <a:ea typeface="Verdana" panose="020B0604030504040204" pitchFamily="34" charset="0"/>
-                <a:cs typeface="Verdana" panose="020B0604030504040204" pitchFamily="34" charset="0"/>
-              </a:rPr>
-              <a:t>Conceptuales</a:t>
-            </a:r>
-          </a:p>
-          <a:p>
-            <a:pPr lvl="1">
-              <a:defRPr/>
-            </a:pPr>
-            <a:r>
-              <a:rPr lang="es-ES" dirty="0" smtClean="0">
-                <a:solidFill>
-                  <a:srgbClr val="636382"/>
-                </a:solidFill>
-                <a:latin typeface="Gill Sans MT" panose="020B0502020104020203" pitchFamily="34" charset="0"/>
-                <a:ea typeface="Verdana" panose="020B0604030504040204" pitchFamily="34" charset="0"/>
-                <a:cs typeface="Verdana" panose="020B0604030504040204" pitchFamily="34" charset="0"/>
-              </a:rPr>
-              <a:t>Físicos</a:t>
-            </a:r>
-          </a:p>
-          <a:p>
-            <a:pPr lvl="1">
-              <a:defRPr/>
-            </a:pPr>
-            <a:r>
-              <a:rPr lang="es-ES" dirty="0" smtClean="0">
-                <a:solidFill>
-                  <a:srgbClr val="636382"/>
-                </a:solidFill>
-                <a:latin typeface="Gill Sans MT" panose="020B0502020104020203" pitchFamily="34" charset="0"/>
-                <a:ea typeface="Verdana" panose="020B0604030504040204" pitchFamily="34" charset="0"/>
-                <a:cs typeface="Verdana" panose="020B0604030504040204" pitchFamily="34" charset="0"/>
-              </a:rPr>
-              <a:t>Gráficos</a:t>
-            </a:r>
-          </a:p>
-          <a:p>
-            <a:pPr lvl="1">
-              <a:defRPr/>
-            </a:pPr>
-            <a:r>
-              <a:rPr lang="es-ES" dirty="0" smtClean="0">
-                <a:solidFill>
-                  <a:srgbClr val="636382"/>
-                </a:solidFill>
-                <a:latin typeface="Gill Sans MT" panose="020B0502020104020203" pitchFamily="34" charset="0"/>
-                <a:ea typeface="Verdana" panose="020B0604030504040204" pitchFamily="34" charset="0"/>
-                <a:cs typeface="Verdana" panose="020B0604030504040204" pitchFamily="34" charset="0"/>
-              </a:rPr>
-              <a:t>Analíticos</a:t>
-            </a:r>
-          </a:p>
-          <a:p>
-            <a:pPr lvl="1">
-              <a:defRPr/>
-            </a:pPr>
-            <a:r>
-              <a:rPr lang="es-ES" dirty="0" smtClean="0">
-                <a:solidFill>
-                  <a:srgbClr val="636382"/>
-                </a:solidFill>
-                <a:latin typeface="Gill Sans MT" panose="020B0502020104020203" pitchFamily="34" charset="0"/>
-                <a:ea typeface="Verdana" panose="020B0604030504040204" pitchFamily="34" charset="0"/>
-                <a:cs typeface="Verdana" panose="020B0604030504040204" pitchFamily="34" charset="0"/>
-              </a:rPr>
-              <a:t>Numéricos</a:t>
-            </a:r>
-          </a:p>
-          <a:p>
-            <a:pPr lvl="1">
-              <a:defRPr/>
-            </a:pPr>
-            <a:r>
-              <a:rPr lang="es-ES" dirty="0" smtClean="0">
-                <a:solidFill>
-                  <a:srgbClr val="636382"/>
-                </a:solidFill>
-                <a:latin typeface="Gill Sans MT" panose="020B0502020104020203" pitchFamily="34" charset="0"/>
-                <a:ea typeface="Verdana" panose="020B0604030504040204" pitchFamily="34" charset="0"/>
-                <a:cs typeface="Verdana" panose="020B0604030504040204" pitchFamily="34" charset="0"/>
-              </a:rPr>
-              <a:t>Empíricos o estadísticos</a:t>
-            </a:r>
-          </a:p>
-          <a:p>
-            <a:pPr lvl="1">
-              <a:defRPr/>
-            </a:pPr>
-            <a:endParaRPr lang="es-ES" sz="2400" dirty="0" smtClean="0">
-              <a:solidFill>
-                <a:srgbClr val="636382"/>
-              </a:solidFill>
-              <a:latin typeface="Gill Sans MT" panose="020B0502020104020203" pitchFamily="34" charset="0"/>
-              <a:ea typeface="Verdana" panose="020B0604030504040204" pitchFamily="34" charset="0"/>
-              <a:cs typeface="Verdana" panose="020B0604030504040204" pitchFamily="34" charset="0"/>
-            </a:endParaRPr>
-          </a:p>
-          <a:p>
-            <a:pPr lvl="1">
-              <a:defRPr/>
-            </a:pPr>
-            <a:endParaRPr lang="es-ES" sz="2400" dirty="0" smtClean="0">
-              <a:solidFill>
-                <a:srgbClr val="636382"/>
-              </a:solidFill>
-              <a:latin typeface="Gill Sans MT" panose="020B0502020104020203" pitchFamily="34" charset="0"/>
-              <a:ea typeface="Verdana" panose="020B0604030504040204" pitchFamily="34" charset="0"/>
-              <a:cs typeface="Verdana" panose="020B0604030504040204" pitchFamily="34" charset="0"/>
-            </a:endParaRPr>
-          </a:p>
-          <a:p>
-            <a:pPr marL="0" indent="0">
-              <a:buNone/>
-              <a:defRPr/>
-            </a:pPr>
-            <a:endParaRPr lang="es-ES" sz="1100" dirty="0">
-              <a:solidFill>
-                <a:srgbClr val="636382"/>
-              </a:solidFill>
-              <a:latin typeface="Gill Sans MT" panose="020B0502020104020203" pitchFamily="34" charset="0"/>
-              <a:ea typeface="Verdana" panose="020B0604030504040204" pitchFamily="34" charset="0"/>
-              <a:cs typeface="Verdana" panose="020B0604030504040204" pitchFamily="34" charset="0"/>
-            </a:endParaRPr>
-          </a:p>
-        </p:txBody>
-      </p:sp>
-    </p:spTree>
-    <p:extLst>
-      <p:ext uri="{BB962C8B-B14F-4D97-AF65-F5344CB8AC3E}">
-        <p14:creationId xmlns:p14="http://schemas.microsoft.com/office/powerpoint/2010/main" val="1724881871"/>
-      </p:ext>
-    </p:extLst>
-  </p:cSld>
-  <p:clrMapOvr>
-    <a:masterClrMapping/>
-  </p:clrMapOvr>
-  <p:timing>
-    <p:tnLst>
-      <p:par>
-        <p:cTn id="1" dur="indefinite" restart="never" nodeType="tmRoot"/>
-      </p:par>
-    </p:tnLst>
-  </p:timing>
-</p:sld>
-</file>
-
-<file path=ppt/slides/slide20.xml><?xml version="1.0" encoding="utf-8"?>
+<file path=ppt/slides/slide22.xml><?xml version="1.0" encoding="utf-8"?>
 <p:sld xmlns:a="http://schemas.openxmlformats.org/drawingml/2006/main" xmlns:r="http://schemas.openxmlformats.org/officeDocument/2006/relationships" xmlns:p="http://schemas.openxmlformats.org/presentationml/2006/main">
   <p:cSld>
     <p:spTree>
@@ -20648,7 +21735,7 @@
 </p:sld>
 </file>
 
-<file path=ppt/slides/slide21.xml><?xml version="1.0" encoding="utf-8"?>
+<file path=ppt/slides/slide23.xml><?xml version="1.0" encoding="utf-8"?>
 <p:sld xmlns:a="http://schemas.openxmlformats.org/drawingml/2006/main" xmlns:r="http://schemas.openxmlformats.org/officeDocument/2006/relationships" xmlns:p="http://schemas.openxmlformats.org/presentationml/2006/main">
   <p:cSld>
     <p:spTree>
@@ -28343,7 +29430,7 @@
 </p:sld>
 </file>
 
-<file path=ppt/slides/slide22.xml><?xml version="1.0" encoding="utf-8"?>
+<file path=ppt/slides/slide24.xml><?xml version="1.0" encoding="utf-8"?>
 <p:sld xmlns:a="http://schemas.openxmlformats.org/drawingml/2006/main" xmlns:r="http://schemas.openxmlformats.org/officeDocument/2006/relationships" xmlns:p="http://schemas.openxmlformats.org/presentationml/2006/main" show="0">
   <p:cSld>
     <p:spTree>
@@ -29109,7 +30196,7 @@
 </p:sld>
 </file>
 
-<file path=ppt/slides/slide23.xml><?xml version="1.0" encoding="utf-8"?>
+<file path=ppt/slides/slide25.xml><?xml version="1.0" encoding="utf-8"?>
 <p:sld xmlns:a="http://schemas.openxmlformats.org/drawingml/2006/main" xmlns:r="http://schemas.openxmlformats.org/officeDocument/2006/relationships" xmlns:p="http://schemas.openxmlformats.org/presentationml/2006/main">
   <p:cSld>
     <p:spTree>
@@ -30248,7 +31335,7 @@
 </p:sld>
 </file>
 
-<file path=ppt/slides/slide24.xml><?xml version="1.0" encoding="utf-8"?>
+<file path=ppt/slides/slide26.xml><?xml version="1.0" encoding="utf-8"?>
 <p:sld xmlns:a="http://schemas.openxmlformats.org/drawingml/2006/main" xmlns:r="http://schemas.openxmlformats.org/officeDocument/2006/relationships" xmlns:p="http://schemas.openxmlformats.org/presentationml/2006/main">
   <p:cSld>
     <p:spTree>
@@ -30741,7 +31828,7 @@
 </p:sld>
 </file>
 
-<file path=ppt/slides/slide25.xml><?xml version="1.0" encoding="utf-8"?>
+<file path=ppt/slides/slide27.xml><?xml version="1.0" encoding="utf-8"?>
 <p:sld xmlns:a="http://schemas.openxmlformats.org/drawingml/2006/main" xmlns:r="http://schemas.openxmlformats.org/officeDocument/2006/relationships" xmlns:p="http://schemas.openxmlformats.org/presentationml/2006/main">
   <p:cSld>
     <p:spTree>
@@ -31224,7 +32311,7 @@
           <a:graphicData uri="http://schemas.openxmlformats.org/presentationml/2006/ole">
             <mc:AlternateContent xmlns:mc="http://schemas.openxmlformats.org/markup-compatibility/2006">
               <mc:Choice xmlns:v="urn:schemas-microsoft-com:vml" Requires="v">
-                <p:oleObj spid="_x0000_s5202" name="Equation" r:id="rId4" imgW="4635360" imgH="457200" progId="Equation.3">
+                <p:oleObj spid="_x0000_s5204" name="Equation" r:id="rId4" imgW="4635360" imgH="457200" progId="Equation.3">
                   <p:embed/>
                 </p:oleObj>
               </mc:Choice>
@@ -31294,7 +32381,7 @@
           <a:graphicData uri="http://schemas.openxmlformats.org/presentationml/2006/ole">
             <mc:AlternateContent xmlns:mc="http://schemas.openxmlformats.org/markup-compatibility/2006">
               <mc:Choice xmlns:v="urn:schemas-microsoft-com:vml" Requires="v">
-                <p:oleObj spid="_x0000_s5203" name="Equation" r:id="rId6" imgW="1739880" imgH="457200" progId="Equation.3">
+                <p:oleObj spid="_x0000_s5205" name="Equation" r:id="rId6" imgW="1739880" imgH="457200" progId="Equation.3">
                   <p:embed/>
                 </p:oleObj>
               </mc:Choice>
@@ -31576,7 +32663,7 @@
 </p:sld>
 </file>
 
-<file path=ppt/slides/slide26.xml><?xml version="1.0" encoding="utf-8"?>
+<file path=ppt/slides/slide28.xml><?xml version="1.0" encoding="utf-8"?>
 <p:sld xmlns:a="http://schemas.openxmlformats.org/drawingml/2006/main" xmlns:r="http://schemas.openxmlformats.org/officeDocument/2006/relationships" xmlns:p="http://schemas.openxmlformats.org/presentationml/2006/main">
   <p:cSld>
     <p:spTree>
@@ -31827,7 +32914,7 @@
           <a:graphicData uri="http://schemas.openxmlformats.org/presentationml/2006/ole">
             <mc:AlternateContent xmlns:mc="http://schemas.openxmlformats.org/markup-compatibility/2006">
               <mc:Choice xmlns:v="urn:schemas-microsoft-com:vml" Requires="v">
-                <p:oleObj spid="_x0000_s7193" name="Equation" r:id="rId4" imgW="1739880" imgH="457200" progId="Equation.3">
+                <p:oleObj spid="_x0000_s7194" name="Equation" r:id="rId4" imgW="1739880" imgH="457200" progId="Equation.3">
                   <p:embed/>
                 </p:oleObj>
               </mc:Choice>
@@ -32008,7 +33095,7 @@
 </p:sld>
 </file>
 
-<file path=ppt/slides/slide27.xml><?xml version="1.0" encoding="utf-8"?>
+<file path=ppt/slides/slide29.xml><?xml version="1.0" encoding="utf-8"?>
 <p:sld xmlns:a="http://schemas.openxmlformats.org/drawingml/2006/main" xmlns:r="http://schemas.openxmlformats.org/officeDocument/2006/relationships" xmlns:p="http://schemas.openxmlformats.org/presentationml/2006/main">
   <p:cSld>
     <p:spTree>
@@ -32345,7 +33432,7 @@
           <a:graphicData uri="http://schemas.openxmlformats.org/presentationml/2006/ole">
             <mc:AlternateContent xmlns:mc="http://schemas.openxmlformats.org/markup-compatibility/2006">
               <mc:Choice xmlns:v="urn:schemas-microsoft-com:vml" Requires="v">
-                <p:oleObj spid="_x0000_s8209" name="Equation" r:id="rId4" imgW="1739880" imgH="457200" progId="Equation.3">
+                <p:oleObj spid="_x0000_s8210" name="Equation" r:id="rId4" imgW="1739880" imgH="457200" progId="Equation.3">
                   <p:embed/>
                 </p:oleObj>
               </mc:Choice>
@@ -32452,7 +33539,335 @@
 </p:sld>
 </file>
 
-<file path=ppt/slides/slide28.xml><?xml version="1.0" encoding="utf-8"?>
+<file path=ppt/slides/slide3.xml><?xml version="1.0" encoding="utf-8"?>
+<p:sld xmlns:a="http://schemas.openxmlformats.org/drawingml/2006/main" xmlns:r="http://schemas.openxmlformats.org/officeDocument/2006/relationships" xmlns:p="http://schemas.openxmlformats.org/presentationml/2006/main">
+  <p:cSld>
+    <p:spTree>
+      <p:nvGrpSpPr>
+        <p:cNvPr id="1" name=""/>
+        <p:cNvGrpSpPr/>
+        <p:nvPr/>
+      </p:nvGrpSpPr>
+      <p:grpSpPr>
+        <a:xfrm>
+          <a:off x="0" y="0"/>
+          <a:ext cx="0" cy="0"/>
+          <a:chOff x="0" y="0"/>
+          <a:chExt cx="0" cy="0"/>
+        </a:xfrm>
+      </p:grpSpPr>
+      <p:pic>
+        <p:nvPicPr>
+          <p:cNvPr id="3" name="Picture 2"/>
+          <p:cNvPicPr>
+            <a:picLocks noChangeAspect="1" noChangeArrowheads="1"/>
+          </p:cNvPicPr>
+          <p:nvPr/>
+        </p:nvPicPr>
+        <p:blipFill>
+          <a:blip r:embed="rId3" cstate="print">
+            <a:extLst>
+              <a:ext uri="{28A0092B-C50C-407E-A947-70E740481C1C}">
+                <a14:useLocalDpi xmlns:a14="http://schemas.microsoft.com/office/drawing/2010/main" val="0"/>
+              </a:ext>
+            </a:extLst>
+          </a:blip>
+          <a:srcRect/>
+          <a:stretch>
+            <a:fillRect/>
+          </a:stretch>
+        </p:blipFill>
+        <p:spPr bwMode="auto">
+          <a:xfrm>
+            <a:off x="4283968" y="260648"/>
+            <a:ext cx="4833475" cy="3344574"/>
+          </a:xfrm>
+          <a:prstGeom prst="rect">
+            <a:avLst/>
+          </a:prstGeom>
+          <a:noFill/>
+          <a:ln>
+            <a:noFill/>
+          </a:ln>
+          <a:effectLst/>
+          <a:extLst>
+            <a:ext uri="{909E8E84-426E-40DD-AFC4-6F175D3DCCD1}">
+              <a14:hiddenFill xmlns:a14="http://schemas.microsoft.com/office/drawing/2010/main">
+                <a:solidFill>
+                  <a:schemeClr val="accent1"/>
+                </a:solidFill>
+              </a14:hiddenFill>
+            </a:ext>
+            <a:ext uri="{91240B29-F687-4F45-9708-019B960494DF}">
+              <a14:hiddenLine xmlns:a14="http://schemas.microsoft.com/office/drawing/2010/main" w="9525">
+                <a:solidFill>
+                  <a:schemeClr val="tx1"/>
+                </a:solidFill>
+                <a:miter lim="800000"/>
+                <a:headEnd/>
+                <a:tailEnd/>
+              </a14:hiddenLine>
+            </a:ext>
+            <a:ext uri="{AF507438-7753-43E0-B8FC-AC1667EBCBE1}">
+              <a14:hiddenEffects xmlns:a14="http://schemas.microsoft.com/office/drawing/2010/main">
+                <a:effectLst>
+                  <a:outerShdw dist="35921" dir="2700000" algn="ctr" rotWithShape="0">
+                    <a:schemeClr val="bg2"/>
+                  </a:outerShdw>
+                </a:effectLst>
+              </a14:hiddenEffects>
+            </a:ext>
+          </a:extLst>
+        </p:spPr>
+      </p:pic>
+      <p:pic>
+        <p:nvPicPr>
+          <p:cNvPr id="3074" name="Picture 2"/>
+          <p:cNvPicPr>
+            <a:picLocks noChangeAspect="1" noChangeArrowheads="1"/>
+          </p:cNvPicPr>
+          <p:nvPr/>
+        </p:nvPicPr>
+        <p:blipFill rotWithShape="1">
+          <a:blip r:embed="rId4">
+            <a:extLst>
+              <a:ext uri="{28A0092B-C50C-407E-A947-70E740481C1C}">
+                <a14:useLocalDpi xmlns:a14="http://schemas.microsoft.com/office/drawing/2010/main" val="0"/>
+              </a:ext>
+            </a:extLst>
+          </a:blip>
+          <a:srcRect t="12068" r="6432" b="900"/>
+          <a:stretch/>
+        </p:blipFill>
+        <p:spPr bwMode="auto">
+          <a:xfrm>
+            <a:off x="256420" y="111810"/>
+            <a:ext cx="3883532" cy="3605222"/>
+          </a:xfrm>
+          <a:prstGeom prst="rect">
+            <a:avLst/>
+          </a:prstGeom>
+          <a:noFill/>
+          <a:ln>
+            <a:noFill/>
+          </a:ln>
+          <a:effectLst/>
+          <a:extLst>
+            <a:ext uri="{909E8E84-426E-40DD-AFC4-6F175D3DCCD1}">
+              <a14:hiddenFill xmlns:a14="http://schemas.microsoft.com/office/drawing/2010/main">
+                <a:solidFill>
+                  <a:schemeClr val="accent1"/>
+                </a:solidFill>
+              </a14:hiddenFill>
+            </a:ext>
+            <a:ext uri="{91240B29-F687-4F45-9708-019B960494DF}">
+              <a14:hiddenLine xmlns:a14="http://schemas.microsoft.com/office/drawing/2010/main" w="9525">
+                <a:solidFill>
+                  <a:schemeClr val="tx1"/>
+                </a:solidFill>
+                <a:miter lim="800000"/>
+                <a:headEnd/>
+                <a:tailEnd/>
+              </a14:hiddenLine>
+            </a:ext>
+            <a:ext uri="{AF507438-7753-43E0-B8FC-AC1667EBCBE1}">
+              <a14:hiddenEffects xmlns:a14="http://schemas.microsoft.com/office/drawing/2010/main">
+                <a:effectLst>
+                  <a:outerShdw dist="35921" dir="2700000" algn="ctr" rotWithShape="0">
+                    <a:schemeClr val="bg2"/>
+                  </a:outerShdw>
+                </a:effectLst>
+              </a14:hiddenEffects>
+            </a:ext>
+          </a:extLst>
+        </p:spPr>
+      </p:pic>
+      <p:sp>
+        <p:nvSpPr>
+          <p:cNvPr id="4" name="Rectangle 3"/>
+          <p:cNvSpPr/>
+          <p:nvPr/>
+        </p:nvSpPr>
+        <p:spPr>
+          <a:xfrm>
+            <a:off x="5364088" y="4394691"/>
+            <a:ext cx="3744416" cy="523220"/>
+          </a:xfrm>
+          <a:prstGeom prst="rect">
+            <a:avLst/>
+          </a:prstGeom>
+        </p:spPr>
+        <p:txBody>
+          <a:bodyPr wrap="square">
+            <a:spAutoFit/>
+          </a:bodyPr>
+          <a:lstStyle/>
+          <a:p>
+            <a:r>
+              <a:rPr lang="en-US" sz="2800" dirty="0">
+                <a:solidFill>
+                  <a:schemeClr val="tx2">
+                    <a:lumMod val="50000"/>
+                  </a:schemeClr>
+                </a:solidFill>
+              </a:rPr>
+              <a:t>logit (</a:t>
+            </a:r>
+            <a:r>
+              <a:rPr lang="az-Cyrl-AZ" sz="2800" i="1" dirty="0">
+                <a:solidFill>
+                  <a:schemeClr val="tx2">
+                    <a:lumMod val="50000"/>
+                  </a:schemeClr>
+                </a:solidFill>
+              </a:rPr>
+              <a:t>ѱ</a:t>
+            </a:r>
+            <a:r>
+              <a:rPr lang="en-US" sz="2800" i="1" baseline="-25000" dirty="0" err="1">
+                <a:solidFill>
+                  <a:schemeClr val="tx2">
+                    <a:lumMod val="50000"/>
+                  </a:schemeClr>
+                </a:solidFill>
+              </a:rPr>
+              <a:t>i</a:t>
+            </a:r>
+            <a:r>
+              <a:rPr lang="en-US" sz="2800" i="1" dirty="0">
+                <a:solidFill>
+                  <a:schemeClr val="tx2">
+                    <a:lumMod val="50000"/>
+                  </a:schemeClr>
+                </a:solidFill>
+              </a:rPr>
+              <a:t>) = </a:t>
+            </a:r>
+            <a:r>
+              <a:rPr lang="el-GR" sz="2800" dirty="0">
+                <a:solidFill>
+                  <a:schemeClr val="tx2">
+                    <a:lumMod val="50000"/>
+                  </a:schemeClr>
+                </a:solidFill>
+              </a:rPr>
+              <a:t>α</a:t>
+            </a:r>
+            <a:r>
+              <a:rPr lang="en-US" sz="2800" baseline="-25000" dirty="0">
+                <a:solidFill>
+                  <a:schemeClr val="tx2">
+                    <a:lumMod val="50000"/>
+                  </a:schemeClr>
+                </a:solidFill>
+              </a:rPr>
+              <a:t>psi</a:t>
+            </a:r>
+            <a:r>
+              <a:rPr lang="en-US" sz="2800" i="1" dirty="0">
+                <a:solidFill>
+                  <a:schemeClr val="tx2">
+                    <a:lumMod val="50000"/>
+                  </a:schemeClr>
+                </a:solidFill>
+              </a:rPr>
+              <a:t> + </a:t>
+            </a:r>
+            <a:r>
+              <a:rPr lang="el-GR" sz="2800" dirty="0">
+                <a:solidFill>
+                  <a:schemeClr val="tx2">
+                    <a:lumMod val="50000"/>
+                  </a:schemeClr>
+                </a:solidFill>
+              </a:rPr>
+              <a:t>β</a:t>
+            </a:r>
+            <a:r>
+              <a:rPr lang="en-US" sz="2800" baseline="-25000" dirty="0">
+                <a:solidFill>
+                  <a:schemeClr val="tx2">
+                    <a:lumMod val="50000"/>
+                  </a:schemeClr>
+                </a:solidFill>
+              </a:rPr>
+              <a:t>x1</a:t>
+            </a:r>
+            <a:r>
+              <a:rPr lang="en-US" sz="2800" i="1" dirty="0">
+                <a:solidFill>
+                  <a:schemeClr val="tx2">
+                    <a:lumMod val="50000"/>
+                  </a:schemeClr>
+                </a:solidFill>
+              </a:rPr>
+              <a:t>*x1</a:t>
+            </a:r>
+            <a:r>
+              <a:rPr lang="en-US" sz="2800" i="1" baseline="-25000" dirty="0">
+                <a:solidFill>
+                  <a:schemeClr val="tx2">
+                    <a:lumMod val="50000"/>
+                  </a:schemeClr>
+                </a:solidFill>
+              </a:rPr>
+              <a:t>i</a:t>
+            </a:r>
+            <a:endParaRPr lang="en-US" sz="2800" baseline="-25000" dirty="0">
+              <a:solidFill>
+                <a:schemeClr val="tx2">
+                  <a:lumMod val="50000"/>
+                </a:schemeClr>
+              </a:solidFill>
+            </a:endParaRPr>
+          </a:p>
+        </p:txBody>
+      </p:sp>
+      <p:pic>
+        <p:nvPicPr>
+          <p:cNvPr id="7" name="Imagen 6"/>
+          <p:cNvPicPr>
+            <a:picLocks noChangeAspect="1"/>
+          </p:cNvPicPr>
+          <p:nvPr/>
+        </p:nvPicPr>
+        <p:blipFill>
+          <a:blip r:embed="rId5"/>
+          <a:stretch>
+            <a:fillRect/>
+          </a:stretch>
+        </p:blipFill>
+        <p:spPr>
+          <a:xfrm>
+            <a:off x="284576" y="3861048"/>
+            <a:ext cx="4920635" cy="2756509"/>
+          </a:xfrm>
+          <a:prstGeom prst="rect">
+            <a:avLst/>
+          </a:prstGeom>
+        </p:spPr>
+      </p:pic>
+    </p:spTree>
+    <p:extLst>
+      <p:ext uri="{BB962C8B-B14F-4D97-AF65-F5344CB8AC3E}">
+        <p14:creationId xmlns:p14="http://schemas.microsoft.com/office/powerpoint/2010/main" val="3849674169"/>
+      </p:ext>
+    </p:extLst>
+  </p:cSld>
+  <p:clrMapOvr>
+    <a:masterClrMapping/>
+  </p:clrMapOvr>
+  <p:timing>
+    <p:tnLst>
+      <p:par>
+        <p:cTn id="1" dur="indefinite" restart="never" nodeType="tmRoot"/>
+      </p:par>
+    </p:tnLst>
+  </p:timing>
+</p:sld>
+</file>
+
+<file path=ppt/slides/slide30.xml><?xml version="1.0" encoding="utf-8"?>
 <p:sld xmlns:a="http://schemas.openxmlformats.org/drawingml/2006/main" xmlns:r="http://schemas.openxmlformats.org/officeDocument/2006/relationships" xmlns:p="http://schemas.openxmlformats.org/presentationml/2006/main">
   <p:cSld>
     <p:spTree>
@@ -32966,7 +34381,7 @@
           <a:graphicData uri="http://schemas.openxmlformats.org/presentationml/2006/ole">
             <mc:AlternateContent xmlns:mc="http://schemas.openxmlformats.org/markup-compatibility/2006">
               <mc:Choice xmlns:v="urn:schemas-microsoft-com:vml" Requires="v">
-                <p:oleObj spid="_x0000_s6297" name="Equation" r:id="rId4" imgW="1688760" imgH="457200" progId="Equation.3">
+                <p:oleObj spid="_x0000_s6301" name="Equation" r:id="rId4" imgW="1688760" imgH="457200" progId="Equation.3">
                   <p:embed/>
                 </p:oleObj>
               </mc:Choice>
@@ -33033,7 +34448,7 @@
           <a:graphicData uri="http://schemas.openxmlformats.org/presentationml/2006/ole">
             <mc:AlternateContent xmlns:mc="http://schemas.openxmlformats.org/markup-compatibility/2006">
               <mc:Choice xmlns:v="urn:schemas-microsoft-com:vml" Requires="v">
-                <p:oleObj spid="_x0000_s6298" name="Equation" r:id="rId6" imgW="2539800" imgH="457200" progId="Equation.3">
+                <p:oleObj spid="_x0000_s6302" name="Equation" r:id="rId6" imgW="2539800" imgH="457200" progId="Equation.3">
                   <p:embed/>
                 </p:oleObj>
               </mc:Choice>
@@ -33116,7 +34531,7 @@
           <a:graphicData uri="http://schemas.openxmlformats.org/presentationml/2006/ole">
             <mc:AlternateContent xmlns:mc="http://schemas.openxmlformats.org/markup-compatibility/2006">
               <mc:Choice xmlns:v="urn:schemas-microsoft-com:vml" Requires="v">
-                <p:oleObj spid="_x0000_s6299" name="Equation" r:id="rId8" imgW="1511280" imgH="419040" progId="Equation.3">
+                <p:oleObj spid="_x0000_s6303" name="Equation" r:id="rId8" imgW="1511280" imgH="419040" progId="Equation.3">
                   <p:embed/>
                 </p:oleObj>
               </mc:Choice>
@@ -33186,7 +34601,7 @@
           <a:graphicData uri="http://schemas.openxmlformats.org/presentationml/2006/ole">
             <mc:AlternateContent xmlns:mc="http://schemas.openxmlformats.org/markup-compatibility/2006">
               <mc:Choice xmlns:v="urn:schemas-microsoft-com:vml" Requires="v">
-                <p:oleObj spid="_x0000_s6300" name="Equation" r:id="rId10" imgW="1167893" imgH="203112" progId="Equation.3">
+                <p:oleObj spid="_x0000_s6304" name="Equation" r:id="rId10" imgW="1167893" imgH="203112" progId="Equation.3">
                   <p:embed/>
                 </p:oleObj>
               </mc:Choice>
@@ -33258,7 +34673,7 @@
 </p:sld>
 </file>
 
-<file path=ppt/slides/slide29.xml><?xml version="1.0" encoding="utf-8"?>
+<file path=ppt/slides/slide31.xml><?xml version="1.0" encoding="utf-8"?>
 <p:sld xmlns:a="http://schemas.openxmlformats.org/drawingml/2006/main" xmlns:r="http://schemas.openxmlformats.org/officeDocument/2006/relationships" xmlns:p="http://schemas.openxmlformats.org/presentationml/2006/main">
   <p:cSld>
     <p:spTree>
@@ -33656,334 +35071,6 @@
     <p:extLst>
       <p:ext uri="{BB962C8B-B14F-4D97-AF65-F5344CB8AC3E}">
         <p14:creationId xmlns:p14="http://schemas.microsoft.com/office/powerpoint/2010/main" val="2581507996"/>
-      </p:ext>
-    </p:extLst>
-  </p:cSld>
-  <p:clrMapOvr>
-    <a:masterClrMapping/>
-  </p:clrMapOvr>
-  <p:timing>
-    <p:tnLst>
-      <p:par>
-        <p:cTn id="1" dur="indefinite" restart="never" nodeType="tmRoot"/>
-      </p:par>
-    </p:tnLst>
-  </p:timing>
-</p:sld>
-</file>
-
-<file path=ppt/slides/slide3.xml><?xml version="1.0" encoding="utf-8"?>
-<p:sld xmlns:a="http://schemas.openxmlformats.org/drawingml/2006/main" xmlns:r="http://schemas.openxmlformats.org/officeDocument/2006/relationships" xmlns:p="http://schemas.openxmlformats.org/presentationml/2006/main">
-  <p:cSld>
-    <p:spTree>
-      <p:nvGrpSpPr>
-        <p:cNvPr id="1" name=""/>
-        <p:cNvGrpSpPr/>
-        <p:nvPr/>
-      </p:nvGrpSpPr>
-      <p:grpSpPr>
-        <a:xfrm>
-          <a:off x="0" y="0"/>
-          <a:ext cx="0" cy="0"/>
-          <a:chOff x="0" y="0"/>
-          <a:chExt cx="0" cy="0"/>
-        </a:xfrm>
-      </p:grpSpPr>
-      <p:pic>
-        <p:nvPicPr>
-          <p:cNvPr id="3" name="Picture 2"/>
-          <p:cNvPicPr>
-            <a:picLocks noChangeAspect="1" noChangeArrowheads="1"/>
-          </p:cNvPicPr>
-          <p:nvPr/>
-        </p:nvPicPr>
-        <p:blipFill>
-          <a:blip r:embed="rId3" cstate="print">
-            <a:extLst>
-              <a:ext uri="{28A0092B-C50C-407E-A947-70E740481C1C}">
-                <a14:useLocalDpi xmlns:a14="http://schemas.microsoft.com/office/drawing/2010/main" val="0"/>
-              </a:ext>
-            </a:extLst>
-          </a:blip>
-          <a:srcRect/>
-          <a:stretch>
-            <a:fillRect/>
-          </a:stretch>
-        </p:blipFill>
-        <p:spPr bwMode="auto">
-          <a:xfrm>
-            <a:off x="4283968" y="260648"/>
-            <a:ext cx="4833475" cy="3344574"/>
-          </a:xfrm>
-          <a:prstGeom prst="rect">
-            <a:avLst/>
-          </a:prstGeom>
-          <a:noFill/>
-          <a:ln>
-            <a:noFill/>
-          </a:ln>
-          <a:effectLst/>
-          <a:extLst>
-            <a:ext uri="{909E8E84-426E-40DD-AFC4-6F175D3DCCD1}">
-              <a14:hiddenFill xmlns:a14="http://schemas.microsoft.com/office/drawing/2010/main">
-                <a:solidFill>
-                  <a:schemeClr val="accent1"/>
-                </a:solidFill>
-              </a14:hiddenFill>
-            </a:ext>
-            <a:ext uri="{91240B29-F687-4F45-9708-019B960494DF}">
-              <a14:hiddenLine xmlns:a14="http://schemas.microsoft.com/office/drawing/2010/main" w="9525">
-                <a:solidFill>
-                  <a:schemeClr val="tx1"/>
-                </a:solidFill>
-                <a:miter lim="800000"/>
-                <a:headEnd/>
-                <a:tailEnd/>
-              </a14:hiddenLine>
-            </a:ext>
-            <a:ext uri="{AF507438-7753-43E0-B8FC-AC1667EBCBE1}">
-              <a14:hiddenEffects xmlns:a14="http://schemas.microsoft.com/office/drawing/2010/main">
-                <a:effectLst>
-                  <a:outerShdw dist="35921" dir="2700000" algn="ctr" rotWithShape="0">
-                    <a:schemeClr val="bg2"/>
-                  </a:outerShdw>
-                </a:effectLst>
-              </a14:hiddenEffects>
-            </a:ext>
-          </a:extLst>
-        </p:spPr>
-      </p:pic>
-      <p:pic>
-        <p:nvPicPr>
-          <p:cNvPr id="3074" name="Picture 2"/>
-          <p:cNvPicPr>
-            <a:picLocks noChangeAspect="1" noChangeArrowheads="1"/>
-          </p:cNvPicPr>
-          <p:nvPr/>
-        </p:nvPicPr>
-        <p:blipFill rotWithShape="1">
-          <a:blip r:embed="rId4">
-            <a:extLst>
-              <a:ext uri="{28A0092B-C50C-407E-A947-70E740481C1C}">
-                <a14:useLocalDpi xmlns:a14="http://schemas.microsoft.com/office/drawing/2010/main" val="0"/>
-              </a:ext>
-            </a:extLst>
-          </a:blip>
-          <a:srcRect t="12068" r="6432" b="900"/>
-          <a:stretch/>
-        </p:blipFill>
-        <p:spPr bwMode="auto">
-          <a:xfrm>
-            <a:off x="256420" y="111810"/>
-            <a:ext cx="3883532" cy="3605222"/>
-          </a:xfrm>
-          <a:prstGeom prst="rect">
-            <a:avLst/>
-          </a:prstGeom>
-          <a:noFill/>
-          <a:ln>
-            <a:noFill/>
-          </a:ln>
-          <a:effectLst/>
-          <a:extLst>
-            <a:ext uri="{909E8E84-426E-40DD-AFC4-6F175D3DCCD1}">
-              <a14:hiddenFill xmlns:a14="http://schemas.microsoft.com/office/drawing/2010/main">
-                <a:solidFill>
-                  <a:schemeClr val="accent1"/>
-                </a:solidFill>
-              </a14:hiddenFill>
-            </a:ext>
-            <a:ext uri="{91240B29-F687-4F45-9708-019B960494DF}">
-              <a14:hiddenLine xmlns:a14="http://schemas.microsoft.com/office/drawing/2010/main" w="9525">
-                <a:solidFill>
-                  <a:schemeClr val="tx1"/>
-                </a:solidFill>
-                <a:miter lim="800000"/>
-                <a:headEnd/>
-                <a:tailEnd/>
-              </a14:hiddenLine>
-            </a:ext>
-            <a:ext uri="{AF507438-7753-43E0-B8FC-AC1667EBCBE1}">
-              <a14:hiddenEffects xmlns:a14="http://schemas.microsoft.com/office/drawing/2010/main">
-                <a:effectLst>
-                  <a:outerShdw dist="35921" dir="2700000" algn="ctr" rotWithShape="0">
-                    <a:schemeClr val="bg2"/>
-                  </a:outerShdw>
-                </a:effectLst>
-              </a14:hiddenEffects>
-            </a:ext>
-          </a:extLst>
-        </p:spPr>
-      </p:pic>
-      <p:sp>
-        <p:nvSpPr>
-          <p:cNvPr id="4" name="Rectangle 3"/>
-          <p:cNvSpPr/>
-          <p:nvPr/>
-        </p:nvSpPr>
-        <p:spPr>
-          <a:xfrm>
-            <a:off x="5364088" y="4394691"/>
-            <a:ext cx="3744416" cy="523220"/>
-          </a:xfrm>
-          <a:prstGeom prst="rect">
-            <a:avLst/>
-          </a:prstGeom>
-        </p:spPr>
-        <p:txBody>
-          <a:bodyPr wrap="square">
-            <a:spAutoFit/>
-          </a:bodyPr>
-          <a:lstStyle/>
-          <a:p>
-            <a:r>
-              <a:rPr lang="en-US" sz="2800" dirty="0">
-                <a:solidFill>
-                  <a:schemeClr val="tx2">
-                    <a:lumMod val="50000"/>
-                  </a:schemeClr>
-                </a:solidFill>
-              </a:rPr>
-              <a:t>logit (</a:t>
-            </a:r>
-            <a:r>
-              <a:rPr lang="az-Cyrl-AZ" sz="2800" i="1" dirty="0">
-                <a:solidFill>
-                  <a:schemeClr val="tx2">
-                    <a:lumMod val="50000"/>
-                  </a:schemeClr>
-                </a:solidFill>
-              </a:rPr>
-              <a:t>ѱ</a:t>
-            </a:r>
-            <a:r>
-              <a:rPr lang="en-US" sz="2800" i="1" baseline="-25000" dirty="0" err="1">
-                <a:solidFill>
-                  <a:schemeClr val="tx2">
-                    <a:lumMod val="50000"/>
-                  </a:schemeClr>
-                </a:solidFill>
-              </a:rPr>
-              <a:t>i</a:t>
-            </a:r>
-            <a:r>
-              <a:rPr lang="en-US" sz="2800" i="1" dirty="0">
-                <a:solidFill>
-                  <a:schemeClr val="tx2">
-                    <a:lumMod val="50000"/>
-                  </a:schemeClr>
-                </a:solidFill>
-              </a:rPr>
-              <a:t>) = </a:t>
-            </a:r>
-            <a:r>
-              <a:rPr lang="el-GR" sz="2800" dirty="0">
-                <a:solidFill>
-                  <a:schemeClr val="tx2">
-                    <a:lumMod val="50000"/>
-                  </a:schemeClr>
-                </a:solidFill>
-              </a:rPr>
-              <a:t>α</a:t>
-            </a:r>
-            <a:r>
-              <a:rPr lang="en-US" sz="2800" baseline="-25000" dirty="0">
-                <a:solidFill>
-                  <a:schemeClr val="tx2">
-                    <a:lumMod val="50000"/>
-                  </a:schemeClr>
-                </a:solidFill>
-              </a:rPr>
-              <a:t>psi</a:t>
-            </a:r>
-            <a:r>
-              <a:rPr lang="en-US" sz="2800" i="1" dirty="0">
-                <a:solidFill>
-                  <a:schemeClr val="tx2">
-                    <a:lumMod val="50000"/>
-                  </a:schemeClr>
-                </a:solidFill>
-              </a:rPr>
-              <a:t> + </a:t>
-            </a:r>
-            <a:r>
-              <a:rPr lang="el-GR" sz="2800" dirty="0">
-                <a:solidFill>
-                  <a:schemeClr val="tx2">
-                    <a:lumMod val="50000"/>
-                  </a:schemeClr>
-                </a:solidFill>
-              </a:rPr>
-              <a:t>β</a:t>
-            </a:r>
-            <a:r>
-              <a:rPr lang="en-US" sz="2800" baseline="-25000" dirty="0">
-                <a:solidFill>
-                  <a:schemeClr val="tx2">
-                    <a:lumMod val="50000"/>
-                  </a:schemeClr>
-                </a:solidFill>
-              </a:rPr>
-              <a:t>x1</a:t>
-            </a:r>
-            <a:r>
-              <a:rPr lang="en-US" sz="2800" i="1" dirty="0">
-                <a:solidFill>
-                  <a:schemeClr val="tx2">
-                    <a:lumMod val="50000"/>
-                  </a:schemeClr>
-                </a:solidFill>
-              </a:rPr>
-              <a:t>*x1</a:t>
-            </a:r>
-            <a:r>
-              <a:rPr lang="en-US" sz="2800" i="1" baseline="-25000" dirty="0">
-                <a:solidFill>
-                  <a:schemeClr val="tx2">
-                    <a:lumMod val="50000"/>
-                  </a:schemeClr>
-                </a:solidFill>
-              </a:rPr>
-              <a:t>i</a:t>
-            </a:r>
-            <a:endParaRPr lang="en-US" sz="2800" baseline="-25000" dirty="0">
-              <a:solidFill>
-                <a:schemeClr val="tx2">
-                  <a:lumMod val="50000"/>
-                </a:schemeClr>
-              </a:solidFill>
-            </a:endParaRPr>
-          </a:p>
-        </p:txBody>
-      </p:sp>
-      <p:pic>
-        <p:nvPicPr>
-          <p:cNvPr id="7" name="Imagen 6"/>
-          <p:cNvPicPr>
-            <a:picLocks noChangeAspect="1"/>
-          </p:cNvPicPr>
-          <p:nvPr/>
-        </p:nvPicPr>
-        <p:blipFill>
-          <a:blip r:embed="rId5"/>
-          <a:stretch>
-            <a:fillRect/>
-          </a:stretch>
-        </p:blipFill>
-        <p:spPr>
-          <a:xfrm>
-            <a:off x="284576" y="3861048"/>
-            <a:ext cx="4920635" cy="2756509"/>
-          </a:xfrm>
-          <a:prstGeom prst="rect">
-            <a:avLst/>
-          </a:prstGeom>
-        </p:spPr>
-      </p:pic>
-    </p:spTree>
-    <p:extLst>
-      <p:ext uri="{BB962C8B-B14F-4D97-AF65-F5344CB8AC3E}">
-        <p14:creationId xmlns:p14="http://schemas.microsoft.com/office/powerpoint/2010/main" val="3849674169"/>
       </p:ext>
     </p:extLst>
   </p:cSld>
